--- a/trunk/Презентация.pptx
+++ b/trunk/Презентация.pptx
@@ -292,7 +292,7 @@
             <a:fld id="{C4166EEF-A937-4357-B55D-C0824FF3427E}" type="datetimeFigureOut">
               <a:rPr lang="ru-RU" smtClean="0"/>
               <a:pPr/>
-              <a:t>10.06.2009</a:t>
+              <a:t>15.06.2009</a:t>
             </a:fld>
             <a:endParaRPr lang="ru-RU"/>
           </a:p>
@@ -459,7 +459,7 @@
             <a:fld id="{C4166EEF-A937-4357-B55D-C0824FF3427E}" type="datetimeFigureOut">
               <a:rPr lang="ru-RU" smtClean="0"/>
               <a:pPr/>
-              <a:t>10.06.2009</a:t>
+              <a:t>15.06.2009</a:t>
             </a:fld>
             <a:endParaRPr lang="ru-RU"/>
           </a:p>
@@ -636,7 +636,7 @@
             <a:fld id="{C4166EEF-A937-4357-B55D-C0824FF3427E}" type="datetimeFigureOut">
               <a:rPr lang="ru-RU" smtClean="0"/>
               <a:pPr/>
-              <a:t>10.06.2009</a:t>
+              <a:t>15.06.2009</a:t>
             </a:fld>
             <a:endParaRPr lang="ru-RU"/>
           </a:p>
@@ -803,7 +803,7 @@
             <a:fld id="{C4166EEF-A937-4357-B55D-C0824FF3427E}" type="datetimeFigureOut">
               <a:rPr lang="ru-RU" smtClean="0"/>
               <a:pPr/>
-              <a:t>10.06.2009</a:t>
+              <a:t>15.06.2009</a:t>
             </a:fld>
             <a:endParaRPr lang="ru-RU"/>
           </a:p>
@@ -1046,7 +1046,7 @@
             <a:fld id="{C4166EEF-A937-4357-B55D-C0824FF3427E}" type="datetimeFigureOut">
               <a:rPr lang="ru-RU" smtClean="0"/>
               <a:pPr/>
-              <a:t>10.06.2009</a:t>
+              <a:t>15.06.2009</a:t>
             </a:fld>
             <a:endParaRPr lang="ru-RU"/>
           </a:p>
@@ -1331,7 +1331,7 @@
             <a:fld id="{C4166EEF-A937-4357-B55D-C0824FF3427E}" type="datetimeFigureOut">
               <a:rPr lang="ru-RU" smtClean="0"/>
               <a:pPr/>
-              <a:t>10.06.2009</a:t>
+              <a:t>15.06.2009</a:t>
             </a:fld>
             <a:endParaRPr lang="ru-RU"/>
           </a:p>
@@ -1750,7 +1750,7 @@
             <a:fld id="{C4166EEF-A937-4357-B55D-C0824FF3427E}" type="datetimeFigureOut">
               <a:rPr lang="ru-RU" smtClean="0"/>
               <a:pPr/>
-              <a:t>10.06.2009</a:t>
+              <a:t>15.06.2009</a:t>
             </a:fld>
             <a:endParaRPr lang="ru-RU"/>
           </a:p>
@@ -1865,7 +1865,7 @@
             <a:fld id="{C4166EEF-A937-4357-B55D-C0824FF3427E}" type="datetimeFigureOut">
               <a:rPr lang="ru-RU" smtClean="0"/>
               <a:pPr/>
-              <a:t>10.06.2009</a:t>
+              <a:t>15.06.2009</a:t>
             </a:fld>
             <a:endParaRPr lang="ru-RU"/>
           </a:p>
@@ -1957,7 +1957,7 @@
             <a:fld id="{C4166EEF-A937-4357-B55D-C0824FF3427E}" type="datetimeFigureOut">
               <a:rPr lang="ru-RU" smtClean="0"/>
               <a:pPr/>
-              <a:t>10.06.2009</a:t>
+              <a:t>15.06.2009</a:t>
             </a:fld>
             <a:endParaRPr lang="ru-RU"/>
           </a:p>
@@ -2231,7 +2231,7 @@
             <a:fld id="{C4166EEF-A937-4357-B55D-C0824FF3427E}" type="datetimeFigureOut">
               <a:rPr lang="ru-RU" smtClean="0"/>
               <a:pPr/>
-              <a:t>10.06.2009</a:t>
+              <a:t>15.06.2009</a:t>
             </a:fld>
             <a:endParaRPr lang="ru-RU"/>
           </a:p>
@@ -2481,7 +2481,7 @@
             <a:fld id="{C4166EEF-A937-4357-B55D-C0824FF3427E}" type="datetimeFigureOut">
               <a:rPr lang="ru-RU" smtClean="0"/>
               <a:pPr/>
-              <a:t>10.06.2009</a:t>
+              <a:t>15.06.2009</a:t>
             </a:fld>
             <a:endParaRPr lang="ru-RU"/>
           </a:p>
@@ -2691,7 +2691,7 @@
             <a:fld id="{C4166EEF-A937-4357-B55D-C0824FF3427E}" type="datetimeFigureOut">
               <a:rPr lang="ru-RU" smtClean="0"/>
               <a:pPr/>
-              <a:t>10.06.2009</a:t>
+              <a:t>15.06.2009</a:t>
             </a:fld>
             <a:endParaRPr lang="ru-RU"/>
           </a:p>
@@ -3203,22 +3203,6 @@
               </a:rPr>
               <a:t>Выполнил:</a:t>
             </a:r>
-            <a:endParaRPr kumimoji="0" lang="ru-RU" sz="2000" b="0" i="0" u="none" strike="noStrike" kern="1200" cap="none" spc="0" normalizeH="0" baseline="0" noProof="0" dirty="0" smtClean="0">
-              <a:ln>
-                <a:noFill/>
-              </a:ln>
-              <a:solidFill>
-                <a:schemeClr val="tx1">
-                  <a:tint val="75000"/>
-                </a:schemeClr>
-              </a:solidFill>
-              <a:effectLst/>
-              <a:uLnTx/>
-              <a:uFillTx/>
-              <a:latin typeface="+mn-lt"/>
-              <a:ea typeface="+mn-ea"/>
-              <a:cs typeface="+mn-cs"/>
-            </a:endParaRPr>
           </a:p>
           <a:p>
             <a:pPr marL="0" marR="0" lvl="0" indent="0" algn="r" defTabSz="914400" rtl="0" eaLnBrk="1" fontAlgn="auto" latinLnBrk="0" hangingPunct="1">
@@ -3274,26 +3258,7 @@
                 <a:ea typeface="+mn-ea"/>
                 <a:cs typeface="+mn-cs"/>
               </a:rPr>
-              <a:t> Д.А</a:t>
-            </a:r>
-            <a:r>
-              <a:rPr kumimoji="0" lang="ru-RU" sz="2000" b="0" i="0" u="none" strike="noStrike" kern="1200" cap="none" spc="0" normalizeH="0" baseline="0" noProof="0" dirty="0" smtClean="0">
-                <a:ln>
-                  <a:noFill/>
-                </a:ln>
-                <a:solidFill>
-                  <a:schemeClr val="tx1">
-                    <a:tint val="75000"/>
-                  </a:schemeClr>
-                </a:solidFill>
-                <a:effectLst/>
-                <a:uLnTx/>
-                <a:uFillTx/>
-                <a:latin typeface="+mn-lt"/>
-                <a:ea typeface="+mn-ea"/>
-                <a:cs typeface="+mn-cs"/>
-              </a:rPr>
-              <a:t>., гр. ИУ7-83</a:t>
+              <a:t> Д.А., гр. ИУ7-83</a:t>
             </a:r>
           </a:p>
           <a:p>
@@ -3410,15 +3375,7 @@
             </a:r>
             <a:r>
               <a:rPr lang="ru-RU" sz="2400" dirty="0" smtClean="0"/>
-              <a:t>работа </a:t>
-            </a:r>
-            <a:r>
-              <a:rPr lang="ru-RU" sz="2400" dirty="0" smtClean="0">
-                <a:solidFill>
-                  <a:srgbClr val="FF0000"/>
-                </a:solidFill>
-              </a:rPr>
-              <a:t>?</a:t>
+              <a:t>работа</a:t>
             </a:r>
             <a:endParaRPr lang="ru-RU" sz="2400" dirty="0">
               <a:solidFill>
@@ -3523,11 +3480,7 @@
             <a:pPr algn="just"/>
             <a:r>
               <a:rPr lang="ru-RU" sz="3800" dirty="0" smtClean="0"/>
-              <a:t>разработать и исследовать </a:t>
-            </a:r>
-            <a:r>
-              <a:rPr lang="ru-RU" sz="3800" dirty="0" smtClean="0"/>
-              <a:t>алгоритм/инструмент </a:t>
+              <a:t>разработать и исследовать алгоритм/инструмент </a:t>
             </a:r>
             <a:r>
               <a:rPr lang="ru-RU" sz="3800" dirty="0" smtClean="0">
@@ -3541,7 +3494,6 @@
               <a:rPr lang="ru-RU" sz="3800" dirty="0" smtClean="0"/>
               <a:t> декомпозиции вероятностного автомата. </a:t>
             </a:r>
-            <a:endParaRPr lang="ru-RU" sz="3800" dirty="0" smtClean="0"/>
           </a:p>
           <a:p>
             <a:pPr>
@@ -3572,15 +3524,7 @@
             <a:pPr lvl="0" algn="just"/>
             <a:r>
               <a:rPr lang="ru-RU" sz="3800" dirty="0" smtClean="0"/>
-              <a:t>обзор </a:t>
-            </a:r>
-            <a:r>
-              <a:rPr lang="ru-RU" sz="3800" dirty="0" smtClean="0"/>
-              <a:t>существующих программных аналогов и классификация методов формализации </a:t>
-            </a:r>
-            <a:r>
-              <a:rPr lang="ru-RU" sz="3800" dirty="0" smtClean="0"/>
-              <a:t>сложных систем;</a:t>
+              <a:t>обзор существующих программных аналогов и классификация методов формализации сложных систем;</a:t>
             </a:r>
             <a:endParaRPr lang="en-US" sz="3800" dirty="0" smtClean="0"/>
           </a:p>
@@ -3592,11 +3536,7 @@
             <a:pPr lvl="0" algn="just"/>
             <a:r>
               <a:rPr lang="ru-RU" sz="3800" dirty="0" smtClean="0"/>
-              <a:t>модификация существующег</a:t>
-            </a:r>
-            <a:r>
-              <a:rPr lang="ru-RU" sz="3800" dirty="0" smtClean="0"/>
-              <a:t>о алгоритма декомпозиции конечных автоматов, с целью получения возможности его применения для вероятностных автоматов;  </a:t>
+              <a:t>модификация существующего алгоритма декомпозиции конечных автоматов, с целью получения возможности его применения для вероятностных автоматов;  </a:t>
             </a:r>
           </a:p>
           <a:p>
@@ -3607,15 +3547,7 @@
             <a:pPr lvl="0" algn="just"/>
             <a:r>
               <a:rPr lang="ru-RU" sz="3800" dirty="0" smtClean="0"/>
-              <a:t>проектирование, реализация  </a:t>
-            </a:r>
-            <a:r>
-              <a:rPr lang="ru-RU" sz="3800" dirty="0" smtClean="0"/>
-              <a:t>и отладка программного </a:t>
-            </a:r>
-            <a:r>
-              <a:rPr lang="ru-RU" sz="3800" dirty="0" smtClean="0"/>
-              <a:t>продукта, позволяющего производить декомпозицию вероятностных автоматов; </a:t>
+              <a:t>проектирование, реализация  и отладка программного продукта, позволяющего производить декомпозицию вероятностных автоматов; </a:t>
             </a:r>
             <a:endParaRPr lang="en-US" sz="3800" dirty="0" smtClean="0"/>
           </a:p>
@@ -3629,7 +3561,6 @@
               <a:rPr lang="ru-RU" sz="3800" dirty="0" smtClean="0"/>
               <a:t>получение количественных характеристик результирующей сети и исходного автомата.</a:t>
             </a:r>
-            <a:endParaRPr lang="ru-RU" sz="3800" dirty="0" smtClean="0"/>
           </a:p>
         </p:txBody>
       </p:sp>
@@ -3836,7 +3767,6 @@
               <a:rPr lang="ru-RU" dirty="0" smtClean="0"/>
               <a:t>создание и редактирование исходного вероятностного автомата;</a:t>
             </a:r>
-            <a:endParaRPr lang="ru-RU" dirty="0" smtClean="0"/>
           </a:p>
           <a:p>
             <a:pPr lvl="1">
@@ -3845,15 +3775,7 @@
             </a:pPr>
             <a:r>
               <a:rPr lang="ru-RU" dirty="0" smtClean="0"/>
-              <a:t>сохранение, загрузка </a:t>
-            </a:r>
-            <a:r>
-              <a:rPr lang="ru-RU" dirty="0" smtClean="0"/>
-              <a:t>исходного автомата;</a:t>
-            </a:r>
-            <a:r>
-              <a:rPr lang="ru-RU" dirty="0" smtClean="0"/>
-              <a:t> </a:t>
+              <a:t>сохранение, загрузка исходного автомата; </a:t>
             </a:r>
           </a:p>
           <a:p>
@@ -3883,15 +3805,7 @@
             </a:pPr>
             <a:r>
               <a:rPr lang="ru-RU" dirty="0" smtClean="0"/>
-              <a:t>просмотр </a:t>
-            </a:r>
-            <a:r>
-              <a:rPr lang="ru-RU" dirty="0" smtClean="0"/>
-              <a:t>отчета о результатах </a:t>
-            </a:r>
-            <a:r>
-              <a:rPr lang="ru-RU" dirty="0" smtClean="0"/>
-              <a:t>декомпозиции, содержащего:</a:t>
+              <a:t>просмотр отчета о результатах декомпозиции, содержащего:</a:t>
             </a:r>
           </a:p>
           <a:p>
@@ -3907,7 +3821,6 @@
               <a:rPr lang="ru-RU" dirty="0" smtClean="0"/>
               <a:t>визуальное представление полученной сети;</a:t>
             </a:r>
-            <a:endParaRPr lang="ru-RU" dirty="0" smtClean="0"/>
           </a:p>
           <a:p>
             <a:pPr lvl="1">

--- a/trunk/Презентация.pptx
+++ b/trunk/Презентация.pptx
@@ -8,7 +8,10 @@
     <p:sldId id="256" r:id="rId2"/>
     <p:sldId id="257" r:id="rId3"/>
     <p:sldId id="273" r:id="rId4"/>
-    <p:sldId id="258" r:id="rId5"/>
+    <p:sldId id="274" r:id="rId5"/>
+    <p:sldId id="258" r:id="rId6"/>
+    <p:sldId id="275" r:id="rId7"/>
+    <p:sldId id="276" r:id="rId8"/>
   </p:sldIdLst>
   <p:sldSz cx="9144000" cy="6858000" type="screen4x3"/>
   <p:notesSz cx="6858000" cy="9144000"/>
@@ -292,7 +295,7 @@
             <a:fld id="{C4166EEF-A937-4357-B55D-C0824FF3427E}" type="datetimeFigureOut">
               <a:rPr lang="ru-RU" smtClean="0"/>
               <a:pPr/>
-              <a:t>15.06.2009</a:t>
+              <a:t>18.06.2009</a:t>
             </a:fld>
             <a:endParaRPr lang="ru-RU"/>
           </a:p>
@@ -459,7 +462,7 @@
             <a:fld id="{C4166EEF-A937-4357-B55D-C0824FF3427E}" type="datetimeFigureOut">
               <a:rPr lang="ru-RU" smtClean="0"/>
               <a:pPr/>
-              <a:t>15.06.2009</a:t>
+              <a:t>18.06.2009</a:t>
             </a:fld>
             <a:endParaRPr lang="ru-RU"/>
           </a:p>
@@ -636,7 +639,7 @@
             <a:fld id="{C4166EEF-A937-4357-B55D-C0824FF3427E}" type="datetimeFigureOut">
               <a:rPr lang="ru-RU" smtClean="0"/>
               <a:pPr/>
-              <a:t>15.06.2009</a:t>
+              <a:t>18.06.2009</a:t>
             </a:fld>
             <a:endParaRPr lang="ru-RU"/>
           </a:p>
@@ -803,7 +806,7 @@
             <a:fld id="{C4166EEF-A937-4357-B55D-C0824FF3427E}" type="datetimeFigureOut">
               <a:rPr lang="ru-RU" smtClean="0"/>
               <a:pPr/>
-              <a:t>15.06.2009</a:t>
+              <a:t>18.06.2009</a:t>
             </a:fld>
             <a:endParaRPr lang="ru-RU"/>
           </a:p>
@@ -1046,7 +1049,7 @@
             <a:fld id="{C4166EEF-A937-4357-B55D-C0824FF3427E}" type="datetimeFigureOut">
               <a:rPr lang="ru-RU" smtClean="0"/>
               <a:pPr/>
-              <a:t>15.06.2009</a:t>
+              <a:t>18.06.2009</a:t>
             </a:fld>
             <a:endParaRPr lang="ru-RU"/>
           </a:p>
@@ -1331,7 +1334,7 @@
             <a:fld id="{C4166EEF-A937-4357-B55D-C0824FF3427E}" type="datetimeFigureOut">
               <a:rPr lang="ru-RU" smtClean="0"/>
               <a:pPr/>
-              <a:t>15.06.2009</a:t>
+              <a:t>18.06.2009</a:t>
             </a:fld>
             <a:endParaRPr lang="ru-RU"/>
           </a:p>
@@ -1750,7 +1753,7 @@
             <a:fld id="{C4166EEF-A937-4357-B55D-C0824FF3427E}" type="datetimeFigureOut">
               <a:rPr lang="ru-RU" smtClean="0"/>
               <a:pPr/>
-              <a:t>15.06.2009</a:t>
+              <a:t>18.06.2009</a:t>
             </a:fld>
             <a:endParaRPr lang="ru-RU"/>
           </a:p>
@@ -1865,7 +1868,7 @@
             <a:fld id="{C4166EEF-A937-4357-B55D-C0824FF3427E}" type="datetimeFigureOut">
               <a:rPr lang="ru-RU" smtClean="0"/>
               <a:pPr/>
-              <a:t>15.06.2009</a:t>
+              <a:t>18.06.2009</a:t>
             </a:fld>
             <a:endParaRPr lang="ru-RU"/>
           </a:p>
@@ -1957,7 +1960,7 @@
             <a:fld id="{C4166EEF-A937-4357-B55D-C0824FF3427E}" type="datetimeFigureOut">
               <a:rPr lang="ru-RU" smtClean="0"/>
               <a:pPr/>
-              <a:t>15.06.2009</a:t>
+              <a:t>18.06.2009</a:t>
             </a:fld>
             <a:endParaRPr lang="ru-RU"/>
           </a:p>
@@ -2231,7 +2234,7 @@
             <a:fld id="{C4166EEF-A937-4357-B55D-C0824FF3427E}" type="datetimeFigureOut">
               <a:rPr lang="ru-RU" smtClean="0"/>
               <a:pPr/>
-              <a:t>15.06.2009</a:t>
+              <a:t>18.06.2009</a:t>
             </a:fld>
             <a:endParaRPr lang="ru-RU"/>
           </a:p>
@@ -2481,7 +2484,7 @@
             <a:fld id="{C4166EEF-A937-4357-B55D-C0824FF3427E}" type="datetimeFigureOut">
               <a:rPr lang="ru-RU" smtClean="0"/>
               <a:pPr/>
-              <a:t>15.06.2009</a:t>
+              <a:t>18.06.2009</a:t>
             </a:fld>
             <a:endParaRPr lang="ru-RU"/>
           </a:p>
@@ -2691,7 +2694,7 @@
             <a:fld id="{C4166EEF-A937-4357-B55D-C0824FF3427E}" type="datetimeFigureOut">
               <a:rPr lang="ru-RU" smtClean="0"/>
               <a:pPr/>
-              <a:t>15.06.2009</a:t>
+              <a:t>18.06.2009</a:t>
             </a:fld>
             <a:endParaRPr lang="ru-RU"/>
           </a:p>
@@ -3108,7 +3111,23 @@
                 <a:ea typeface="+mj-ea"/>
                 <a:cs typeface="+mj-cs"/>
               </a:rPr>
-              <a:t>Декомпозиция сложных дискретных систем, формализованных в виде вероятностных автоматов</a:t>
+              <a:t>Декомпозиция сложных дискретных систем, формализованных в виде вероятностных </a:t>
+            </a:r>
+            <a:r>
+              <a:rPr lang="ru-RU" sz="2400" dirty="0" smtClean="0">
+                <a:latin typeface="+mj-lt"/>
+                <a:ea typeface="+mj-ea"/>
+                <a:cs typeface="+mj-cs"/>
+              </a:rPr>
+              <a:t>МП-</a:t>
+            </a:r>
+            <a:r>
+              <a:rPr lang="ru-RU" sz="2400" dirty="0" smtClean="0">
+                <a:latin typeface="+mj-lt"/>
+                <a:ea typeface="+mj-ea"/>
+                <a:cs typeface="+mj-cs"/>
+              </a:rPr>
+              <a:t>автоматов</a:t>
             </a:r>
             <a:r>
               <a:rPr kumimoji="0" lang="ru-RU" sz="2400" b="0" i="0" u="none" strike="noStrike" kern="1200" cap="none" spc="0" normalizeH="0" noProof="0" dirty="0" smtClean="0">
@@ -3480,19 +3499,15 @@
             <a:pPr algn="just"/>
             <a:r>
               <a:rPr lang="ru-RU" sz="3800" dirty="0" smtClean="0"/>
-              <a:t>разработать и исследовать алгоритм/инструмент </a:t>
-            </a:r>
-            <a:r>
-              <a:rPr lang="ru-RU" sz="3800" dirty="0" smtClean="0">
-                <a:solidFill>
-                  <a:srgbClr val="FF0000"/>
-                </a:solidFill>
-              </a:rPr>
-              <a:t>?</a:t>
+              <a:t>разработать и исследовать </a:t>
             </a:r>
             <a:r>
               <a:rPr lang="ru-RU" sz="3800" dirty="0" smtClean="0"/>
-              <a:t> декомпозиции вероятностного автомата. </a:t>
+              <a:t>алгоритм </a:t>
+            </a:r>
+            <a:r>
+              <a:rPr lang="ru-RU" sz="3800" dirty="0" smtClean="0"/>
+              <a:t>декомпозиции вероятностного автомата. </a:t>
             </a:r>
           </a:p>
           <a:p>
@@ -3702,6 +3717,96 @@
             <p:ph type="title"/>
           </p:nvPr>
         </p:nvSpPr>
+        <p:spPr>
+          <a:xfrm>
+            <a:off x="457200" y="274638"/>
+            <a:ext cx="8229600" cy="939784"/>
+          </a:xfrm>
+        </p:spPr>
+        <p:txBody>
+          <a:bodyPr>
+            <a:normAutofit fontScale="90000"/>
+          </a:bodyPr>
+          <a:lstStyle/>
+          <a:p>
+            <a:r>
+              <a:rPr lang="ru-RU" dirty="0" smtClean="0"/>
+              <a:t>Классификация методов декомпозиции дискретных систем</a:t>
+            </a:r>
+            <a:endParaRPr lang="ru-RU" dirty="0"/>
+          </a:p>
+        </p:txBody>
+      </p:sp>
+      <p:pic>
+        <p:nvPicPr>
+          <p:cNvPr id="1028" name="Picture 4"/>
+          <p:cNvPicPr>
+            <a:picLocks noGrp="1" noChangeAspect="1" noChangeArrowheads="1"/>
+          </p:cNvPicPr>
+          <p:nvPr>
+            <p:ph idx="1"/>
+          </p:nvPr>
+        </p:nvPicPr>
+        <p:blipFill>
+          <a:blip r:embed="rId2"/>
+          <a:srcRect/>
+          <a:stretch>
+            <a:fillRect/>
+          </a:stretch>
+        </p:blipFill>
+        <p:spPr bwMode="auto">
+          <a:xfrm>
+            <a:off x="1649761" y="1600200"/>
+            <a:ext cx="5844477" cy="4525963"/>
+          </a:xfrm>
+          <a:prstGeom prst="rect">
+            <a:avLst/>
+          </a:prstGeom>
+          <a:noFill/>
+          <a:ln w="9525">
+            <a:noFill/>
+            <a:miter lim="800000"/>
+            <a:headEnd/>
+            <a:tailEnd/>
+          </a:ln>
+          <a:effectLst/>
+        </p:spPr>
+      </p:pic>
+    </p:spTree>
+  </p:cSld>
+  <p:clrMapOvr>
+    <a:masterClrMapping/>
+  </p:clrMapOvr>
+</p:sld>
+</file>
+
+<file path=ppt/slides/slide5.xml><?xml version="1.0" encoding="utf-8"?>
+<p:sld xmlns:a="http://schemas.openxmlformats.org/drawingml/2006/main" xmlns:r="http://schemas.openxmlformats.org/officeDocument/2006/relationships" xmlns:p="http://schemas.openxmlformats.org/presentationml/2006/main">
+  <p:cSld>
+    <p:spTree>
+      <p:nvGrpSpPr>
+        <p:cNvPr id="1" name=""/>
+        <p:cNvGrpSpPr/>
+        <p:nvPr/>
+      </p:nvGrpSpPr>
+      <p:grpSpPr>
+        <a:xfrm>
+          <a:off x="0" y="0"/>
+          <a:ext cx="0" cy="0"/>
+          <a:chOff x="0" y="0"/>
+          <a:chExt cx="0" cy="0"/>
+        </a:xfrm>
+      </p:grpSpPr>
+      <p:sp>
+        <p:nvSpPr>
+          <p:cNvPr id="2" name="Заголовок 1"/>
+          <p:cNvSpPr>
+            <a:spLocks noGrp="1"/>
+          </p:cNvSpPr>
+          <p:nvPr>
+            <p:ph type="title"/>
+          </p:nvPr>
+        </p:nvSpPr>
         <p:spPr/>
         <p:txBody>
           <a:bodyPr>
@@ -3710,10 +3815,10 @@
           <a:lstStyle/>
           <a:p>
             <a:r>
-              <a:rPr lang="ru-RU" sz="3200" dirty="0" smtClean="0"/>
+              <a:rPr lang="ru-RU" sz="3600" dirty="0" smtClean="0"/>
               <a:t>Функциональные требования к системе</a:t>
             </a:r>
-            <a:endParaRPr lang="ru-RU" sz="3200" dirty="0"/>
+            <a:endParaRPr lang="ru-RU" sz="3600" dirty="0"/>
           </a:p>
         </p:txBody>
       </p:sp>
@@ -3739,23 +3844,17 @@
           </a:bodyPr>
           <a:lstStyle/>
           <a:p>
-            <a:pPr>
+            <a:pPr algn="ctr">
               <a:buNone/>
             </a:pPr>
             <a:r>
-              <a:rPr lang="ru-RU" sz="3600" u="sng" dirty="0"/>
+              <a:rPr lang="ru-RU" sz="3300" dirty="0"/>
               <a:t>Программный продукт должен предусматривать следующую функциональность</a:t>
             </a:r>
             <a:r>
-              <a:rPr lang="ru-RU" sz="3600" u="sng" dirty="0" smtClean="0"/>
+              <a:rPr lang="ru-RU" sz="3300" dirty="0" smtClean="0"/>
               <a:t>:</a:t>
             </a:r>
-            <a:endParaRPr lang="en-US" sz="3600" u="sng" dirty="0" smtClean="0"/>
-          </a:p>
-          <a:p>
-            <a:pPr>
-              <a:buNone/>
-            </a:pPr>
             <a:endParaRPr lang="ru-RU" sz="3600" u="sng" dirty="0"/>
           </a:p>
           <a:p>
@@ -3829,15 +3928,11 @@
             </a:pPr>
             <a:r>
               <a:rPr lang="ru-RU" dirty="0" smtClean="0"/>
-              <a:t>моделирование … </a:t>
-            </a:r>
-            <a:r>
-              <a:rPr lang="ru-RU" dirty="0" smtClean="0">
-                <a:solidFill>
-                  <a:srgbClr val="FF0000"/>
-                </a:solidFill>
-              </a:rPr>
-              <a:t>?</a:t>
+              <a:t>моделирование </a:t>
+            </a:r>
+            <a:r>
+              <a:rPr lang="ru-RU" dirty="0" smtClean="0"/>
+              <a:t>работы исходного автомата и результирующей сети.</a:t>
             </a:r>
             <a:endParaRPr lang="ru-RU" dirty="0">
               <a:solidFill>
@@ -3859,6 +3954,375 @@
       </p:par>
     </p:tnLst>
   </p:timing>
+</p:sld>
+</file>
+
+<file path=ppt/slides/slide6.xml><?xml version="1.0" encoding="utf-8"?>
+<p:sld xmlns:a="http://schemas.openxmlformats.org/drawingml/2006/main" xmlns:r="http://schemas.openxmlformats.org/officeDocument/2006/relationships" xmlns:p="http://schemas.openxmlformats.org/presentationml/2006/main">
+  <p:cSld>
+    <p:spTree>
+      <p:nvGrpSpPr>
+        <p:cNvPr id="1" name=""/>
+        <p:cNvGrpSpPr/>
+        <p:nvPr/>
+      </p:nvGrpSpPr>
+      <p:grpSpPr>
+        <a:xfrm>
+          <a:off x="0" y="0"/>
+          <a:ext cx="0" cy="0"/>
+          <a:chOff x="0" y="0"/>
+          <a:chExt cx="0" cy="0"/>
+        </a:xfrm>
+      </p:grpSpPr>
+      <p:sp>
+        <p:nvSpPr>
+          <p:cNvPr id="2" name="Заголовок 1"/>
+          <p:cNvSpPr>
+            <a:spLocks noGrp="1"/>
+          </p:cNvSpPr>
+          <p:nvPr>
+            <p:ph type="title"/>
+          </p:nvPr>
+        </p:nvSpPr>
+        <p:spPr>
+          <a:xfrm>
+            <a:off x="457200" y="274638"/>
+            <a:ext cx="8229600" cy="1011222"/>
+          </a:xfrm>
+        </p:spPr>
+        <p:txBody>
+          <a:bodyPr>
+            <a:noAutofit/>
+          </a:bodyPr>
+          <a:lstStyle/>
+          <a:p>
+            <a:r>
+              <a:rPr lang="ru-RU" sz="3200" dirty="0" smtClean="0"/>
+              <a:t>Алгоритм декомпозиции вероятностных конечных автоматов</a:t>
+            </a:r>
+            <a:endParaRPr lang="ru-RU" sz="3200" dirty="0"/>
+          </a:p>
+        </p:txBody>
+      </p:sp>
+      <p:sp>
+        <p:nvSpPr>
+          <p:cNvPr id="3" name="Содержимое 2"/>
+          <p:cNvSpPr>
+            <a:spLocks noGrp="1"/>
+          </p:cNvSpPr>
+          <p:nvPr>
+            <p:ph idx="1"/>
+          </p:nvPr>
+        </p:nvSpPr>
+        <p:spPr/>
+        <p:txBody>
+          <a:bodyPr/>
+          <a:lstStyle/>
+          <a:p>
+            <a:endParaRPr lang="ru-RU" dirty="0"/>
+          </a:p>
+        </p:txBody>
+      </p:sp>
+    </p:spTree>
+  </p:cSld>
+  <p:clrMapOvr>
+    <a:masterClrMapping/>
+  </p:clrMapOvr>
+</p:sld>
+</file>
+
+<file path=ppt/slides/slide7.xml><?xml version="1.0" encoding="utf-8"?>
+<p:sld xmlns:a="http://schemas.openxmlformats.org/drawingml/2006/main" xmlns:r="http://schemas.openxmlformats.org/officeDocument/2006/relationships" xmlns:p="http://schemas.openxmlformats.org/presentationml/2006/main">
+  <p:cSld>
+    <p:spTree>
+      <p:nvGrpSpPr>
+        <p:cNvPr id="1" name=""/>
+        <p:cNvGrpSpPr/>
+        <p:nvPr/>
+      </p:nvGrpSpPr>
+      <p:grpSpPr>
+        <a:xfrm>
+          <a:off x="0" y="0"/>
+          <a:ext cx="0" cy="0"/>
+          <a:chOff x="0" y="0"/>
+          <a:chExt cx="0" cy="0"/>
+        </a:xfrm>
+      </p:grpSpPr>
+      <p:sp>
+        <p:nvSpPr>
+          <p:cNvPr id="2" name="Заголовок 1"/>
+          <p:cNvSpPr>
+            <a:spLocks noGrp="1"/>
+          </p:cNvSpPr>
+          <p:nvPr>
+            <p:ph type="title"/>
+          </p:nvPr>
+        </p:nvSpPr>
+        <p:spPr/>
+        <p:txBody>
+          <a:bodyPr>
+            <a:normAutofit fontScale="90000"/>
+          </a:bodyPr>
+          <a:lstStyle/>
+          <a:p>
+            <a:r>
+              <a:rPr lang="ru-RU" dirty="0" smtClean="0"/>
+              <a:t>Критерий оценки множества ортогональных разбиений.</a:t>
+            </a:r>
+            <a:endParaRPr lang="ru-RU" dirty="0"/>
+          </a:p>
+        </p:txBody>
+      </p:sp>
+      <p:sp>
+        <p:nvSpPr>
+          <p:cNvPr id="10" name="Содержимое 9"/>
+          <p:cNvSpPr>
+            <a:spLocks noGrp="1"/>
+          </p:cNvSpPr>
+          <p:nvPr>
+            <p:ph idx="1"/>
+          </p:nvPr>
+        </p:nvSpPr>
+        <p:spPr/>
+        <p:txBody>
+          <a:bodyPr>
+            <a:normAutofit fontScale="92500" lnSpcReduction="10000"/>
+          </a:bodyPr>
+          <a:lstStyle/>
+          <a:p>
+            <a:endParaRPr lang="ru-RU" sz="2000" dirty="0" smtClean="0"/>
+          </a:p>
+          <a:p>
+            <a:endParaRPr lang="ru-RU" sz="2000" dirty="0" smtClean="0"/>
+          </a:p>
+          <a:p>
+            <a:endParaRPr lang="ru-RU" sz="2000" dirty="0" smtClean="0"/>
+          </a:p>
+          <a:p>
+            <a:endParaRPr lang="ru-RU" sz="2000" dirty="0" smtClean="0"/>
+          </a:p>
+          <a:p>
+            <a:pPr>
+              <a:buNone/>
+            </a:pPr>
+            <a:r>
+              <a:rPr lang="ru-RU" sz="2000" dirty="0" smtClean="0"/>
+              <a:t>	</a:t>
+            </a:r>
+            <a:r>
+              <a:rPr lang="en-US" sz="2000" dirty="0" smtClean="0"/>
+              <a:t>n - </a:t>
+            </a:r>
+            <a:r>
+              <a:rPr lang="ru-RU" sz="2000" dirty="0" smtClean="0"/>
+              <a:t>число </a:t>
+            </a:r>
+            <a:r>
+              <a:rPr lang="ru-RU" sz="2000" dirty="0" smtClean="0"/>
+              <a:t>элементов во множестве ортогональных </a:t>
+            </a:r>
+            <a:r>
+              <a:rPr lang="ru-RU" sz="2000" dirty="0" smtClean="0"/>
+              <a:t>разбиений,</a:t>
+            </a:r>
+            <a:endParaRPr lang="en-US" sz="2000" dirty="0" smtClean="0"/>
+          </a:p>
+          <a:p>
+            <a:pPr>
+              <a:buNone/>
+            </a:pPr>
+            <a:r>
+              <a:rPr lang="en-US" sz="2000" dirty="0" smtClean="0"/>
+              <a:t>	</a:t>
+            </a:r>
+            <a:r>
+              <a:rPr lang="en-US" sz="2000" dirty="0" smtClean="0"/>
+              <a:t>N - </a:t>
+            </a:r>
+            <a:r>
+              <a:rPr lang="ru-RU" sz="2000" dirty="0" smtClean="0"/>
+              <a:t>число </a:t>
+            </a:r>
+            <a:r>
+              <a:rPr lang="ru-RU" sz="2000" dirty="0" smtClean="0"/>
+              <a:t>элементов во множестве состояний исходного </a:t>
+            </a:r>
+            <a:r>
+              <a:rPr lang="ru-RU" sz="2000" dirty="0" smtClean="0"/>
+              <a:t>автомата,</a:t>
+            </a:r>
+            <a:endParaRPr lang="en-US" sz="2000" dirty="0" smtClean="0"/>
+          </a:p>
+          <a:p>
+            <a:pPr>
+              <a:buNone/>
+            </a:pPr>
+            <a:r>
+              <a:rPr lang="en-US" sz="2000" dirty="0" smtClean="0"/>
+              <a:t>	</a:t>
+            </a:r>
+            <a:r>
+              <a:rPr lang="en-US" sz="2000" dirty="0" err="1" smtClean="0"/>
+              <a:t>bj</a:t>
+            </a:r>
+            <a:r>
+              <a:rPr lang="en-US" sz="2000" dirty="0" smtClean="0"/>
+              <a:t> - </a:t>
+            </a:r>
+            <a:r>
+              <a:rPr lang="ru-RU" sz="2000" dirty="0" smtClean="0"/>
+              <a:t>количество </a:t>
+            </a:r>
+            <a:r>
+              <a:rPr lang="ru-RU" sz="2000" dirty="0" smtClean="0"/>
+              <a:t>элементов в </a:t>
+            </a:r>
+            <a:r>
+              <a:rPr lang="en-US" sz="2000" dirty="0" smtClean="0"/>
+              <a:t>j-</a:t>
+            </a:r>
+            <a:r>
+              <a:rPr lang="ru-RU" sz="2000" dirty="0" err="1" smtClean="0"/>
+              <a:t>ом</a:t>
+            </a:r>
+            <a:r>
+              <a:rPr lang="ru-RU" sz="2000" dirty="0" smtClean="0"/>
+              <a:t> </a:t>
+            </a:r>
+            <a:r>
+              <a:rPr lang="ru-RU" sz="2000" dirty="0" smtClean="0"/>
+              <a:t>блоке, оцениваемого </a:t>
+            </a:r>
+            <a:r>
+              <a:rPr lang="ru-RU" sz="2000" dirty="0" smtClean="0"/>
+              <a:t>разбиения,</a:t>
+            </a:r>
+            <a:endParaRPr lang="en-US" sz="2000" dirty="0" smtClean="0"/>
+          </a:p>
+          <a:p>
+            <a:pPr>
+              <a:buNone/>
+            </a:pPr>
+            <a:r>
+              <a:rPr lang="en-US" sz="2000" dirty="0" smtClean="0"/>
+              <a:t>	</a:t>
+            </a:r>
+            <a:r>
+              <a:rPr lang="en-US" sz="2000" dirty="0" smtClean="0"/>
+              <a:t>k - </a:t>
+            </a:r>
+            <a:r>
+              <a:rPr lang="ru-RU" sz="2000" dirty="0" smtClean="0"/>
+              <a:t>количество </a:t>
+            </a:r>
+            <a:r>
+              <a:rPr lang="ru-RU" sz="2000" dirty="0" smtClean="0"/>
+              <a:t>блоков, оцениваемого </a:t>
+            </a:r>
+            <a:r>
+              <a:rPr lang="ru-RU" sz="2000" dirty="0" smtClean="0"/>
+              <a:t>разбиения,</a:t>
+            </a:r>
+            <a:endParaRPr lang="en-US" sz="2000" dirty="0" smtClean="0"/>
+          </a:p>
+          <a:p>
+            <a:pPr>
+              <a:buNone/>
+            </a:pPr>
+            <a:r>
+              <a:rPr lang="en-US" sz="2000" dirty="0" smtClean="0"/>
+              <a:t>	</a:t>
+            </a:r>
+            <a:r>
+              <a:rPr lang="en-US" sz="2000" dirty="0" err="1" smtClean="0"/>
+              <a:t>ki</a:t>
+            </a:r>
+            <a:r>
+              <a:rPr lang="en-US" sz="2000" dirty="0" smtClean="0"/>
+              <a:t> - </a:t>
+            </a:r>
+            <a:r>
+              <a:rPr lang="ru-RU" sz="2000" dirty="0" smtClean="0"/>
+              <a:t>количество </a:t>
+            </a:r>
+            <a:r>
+              <a:rPr lang="ru-RU" sz="2000" dirty="0" smtClean="0"/>
+              <a:t>блоков </a:t>
+            </a:r>
+            <a:r>
+              <a:rPr lang="en-US" sz="2000" dirty="0" err="1" smtClean="0"/>
+              <a:t>i</a:t>
+            </a:r>
+            <a:r>
+              <a:rPr lang="en-US" sz="2000" dirty="0" smtClean="0"/>
+              <a:t>-</a:t>
+            </a:r>
+            <a:r>
+              <a:rPr lang="ru-RU" sz="2000" dirty="0" smtClean="0"/>
+              <a:t>ого </a:t>
+            </a:r>
+            <a:r>
+              <a:rPr lang="ru-RU" sz="2000" dirty="0" smtClean="0"/>
+              <a:t>разбиения.</a:t>
+            </a:r>
+          </a:p>
+          <a:p>
+            <a:endParaRPr lang="en-US" dirty="0" smtClean="0"/>
+          </a:p>
+          <a:p>
+            <a:pPr>
+              <a:buNone/>
+            </a:pPr>
+            <a:r>
+              <a:rPr lang="en-US" dirty="0" smtClean="0"/>
+              <a:t>	</a:t>
+            </a:r>
+            <a:r>
+              <a:rPr lang="en-US" dirty="0" smtClean="0"/>
+              <a:t>	</a:t>
+            </a:r>
+            <a:r>
+              <a:rPr lang="ru-RU" sz="2200" dirty="0" smtClean="0"/>
+              <a:t>Данный критерий даёт тем большую оценку, чем менее разбиение соответствует ему.</a:t>
+            </a:r>
+          </a:p>
+          <a:p>
+            <a:pPr>
+              <a:buNone/>
+            </a:pPr>
+            <a:endParaRPr lang="ru-RU" dirty="0"/>
+          </a:p>
+        </p:txBody>
+      </p:sp>
+      <p:pic>
+        <p:nvPicPr>
+          <p:cNvPr id="12" name="Рисунок 11" descr="Критерий.png"/>
+          <p:cNvPicPr>
+            <a:picLocks noChangeAspect="1"/>
+          </p:cNvPicPr>
+          <p:nvPr/>
+        </p:nvPicPr>
+        <p:blipFill>
+          <a:blip r:embed="rId2"/>
+          <a:stretch>
+            <a:fillRect/>
+          </a:stretch>
+        </p:blipFill>
+        <p:spPr>
+          <a:xfrm>
+            <a:off x="2428860" y="1643050"/>
+            <a:ext cx="4314825" cy="1266825"/>
+          </a:xfrm>
+          <a:prstGeom prst="rect">
+            <a:avLst/>
+          </a:prstGeom>
+        </p:spPr>
+      </p:pic>
+    </p:spTree>
+  </p:cSld>
+  <p:clrMapOvr>
+    <a:masterClrMapping/>
+  </p:clrMapOvr>
 </p:sld>
 </file>
 

--- a/trunk/Презентация.pptx
+++ b/trunk/Презентация.pptx
@@ -7,11 +7,18 @@
   <p:sldIdLst>
     <p:sldId id="256" r:id="rId2"/>
     <p:sldId id="257" r:id="rId3"/>
-    <p:sldId id="273" r:id="rId4"/>
-    <p:sldId id="274" r:id="rId5"/>
-    <p:sldId id="258" r:id="rId6"/>
-    <p:sldId id="275" r:id="rId7"/>
-    <p:sldId id="276" r:id="rId8"/>
+    <p:sldId id="258" r:id="rId4"/>
+    <p:sldId id="278" r:id="rId5"/>
+    <p:sldId id="273" r:id="rId6"/>
+    <p:sldId id="274" r:id="rId7"/>
+    <p:sldId id="275" r:id="rId8"/>
+    <p:sldId id="276" r:id="rId9"/>
+    <p:sldId id="277" r:id="rId10"/>
+    <p:sldId id="279" r:id="rId11"/>
+    <p:sldId id="280" r:id="rId12"/>
+    <p:sldId id="281" r:id="rId13"/>
+    <p:sldId id="283" r:id="rId14"/>
+    <p:sldId id="282" r:id="rId15"/>
   </p:sldIdLst>
   <p:sldSz cx="9144000" cy="6858000" type="screen4x3"/>
   <p:notesSz cx="6858000" cy="9144000"/>
@@ -295,7 +302,7 @@
             <a:fld id="{C4166EEF-A937-4357-B55D-C0824FF3427E}" type="datetimeFigureOut">
               <a:rPr lang="ru-RU" smtClean="0"/>
               <a:pPr/>
-              <a:t>18.06.2009</a:t>
+              <a:t>19.06.2009</a:t>
             </a:fld>
             <a:endParaRPr lang="ru-RU"/>
           </a:p>
@@ -462,7 +469,7 @@
             <a:fld id="{C4166EEF-A937-4357-B55D-C0824FF3427E}" type="datetimeFigureOut">
               <a:rPr lang="ru-RU" smtClean="0"/>
               <a:pPr/>
-              <a:t>18.06.2009</a:t>
+              <a:t>19.06.2009</a:t>
             </a:fld>
             <a:endParaRPr lang="ru-RU"/>
           </a:p>
@@ -639,7 +646,7 @@
             <a:fld id="{C4166EEF-A937-4357-B55D-C0824FF3427E}" type="datetimeFigureOut">
               <a:rPr lang="ru-RU" smtClean="0"/>
               <a:pPr/>
-              <a:t>18.06.2009</a:t>
+              <a:t>19.06.2009</a:t>
             </a:fld>
             <a:endParaRPr lang="ru-RU"/>
           </a:p>
@@ -806,7 +813,7 @@
             <a:fld id="{C4166EEF-A937-4357-B55D-C0824FF3427E}" type="datetimeFigureOut">
               <a:rPr lang="ru-RU" smtClean="0"/>
               <a:pPr/>
-              <a:t>18.06.2009</a:t>
+              <a:t>19.06.2009</a:t>
             </a:fld>
             <a:endParaRPr lang="ru-RU"/>
           </a:p>
@@ -1049,7 +1056,7 @@
             <a:fld id="{C4166EEF-A937-4357-B55D-C0824FF3427E}" type="datetimeFigureOut">
               <a:rPr lang="ru-RU" smtClean="0"/>
               <a:pPr/>
-              <a:t>18.06.2009</a:t>
+              <a:t>19.06.2009</a:t>
             </a:fld>
             <a:endParaRPr lang="ru-RU"/>
           </a:p>
@@ -1334,7 +1341,7 @@
             <a:fld id="{C4166EEF-A937-4357-B55D-C0824FF3427E}" type="datetimeFigureOut">
               <a:rPr lang="ru-RU" smtClean="0"/>
               <a:pPr/>
-              <a:t>18.06.2009</a:t>
+              <a:t>19.06.2009</a:t>
             </a:fld>
             <a:endParaRPr lang="ru-RU"/>
           </a:p>
@@ -1753,7 +1760,7 @@
             <a:fld id="{C4166EEF-A937-4357-B55D-C0824FF3427E}" type="datetimeFigureOut">
               <a:rPr lang="ru-RU" smtClean="0"/>
               <a:pPr/>
-              <a:t>18.06.2009</a:t>
+              <a:t>19.06.2009</a:t>
             </a:fld>
             <a:endParaRPr lang="ru-RU"/>
           </a:p>
@@ -1868,7 +1875,7 @@
             <a:fld id="{C4166EEF-A937-4357-B55D-C0824FF3427E}" type="datetimeFigureOut">
               <a:rPr lang="ru-RU" smtClean="0"/>
               <a:pPr/>
-              <a:t>18.06.2009</a:t>
+              <a:t>19.06.2009</a:t>
             </a:fld>
             <a:endParaRPr lang="ru-RU"/>
           </a:p>
@@ -1960,7 +1967,7 @@
             <a:fld id="{C4166EEF-A937-4357-B55D-C0824FF3427E}" type="datetimeFigureOut">
               <a:rPr lang="ru-RU" smtClean="0"/>
               <a:pPr/>
-              <a:t>18.06.2009</a:t>
+              <a:t>19.06.2009</a:t>
             </a:fld>
             <a:endParaRPr lang="ru-RU"/>
           </a:p>
@@ -2234,7 +2241,7 @@
             <a:fld id="{C4166EEF-A937-4357-B55D-C0824FF3427E}" type="datetimeFigureOut">
               <a:rPr lang="ru-RU" smtClean="0"/>
               <a:pPr/>
-              <a:t>18.06.2009</a:t>
+              <a:t>19.06.2009</a:t>
             </a:fld>
             <a:endParaRPr lang="ru-RU"/>
           </a:p>
@@ -2484,7 +2491,7 @@
             <a:fld id="{C4166EEF-A937-4357-B55D-C0824FF3427E}" type="datetimeFigureOut">
               <a:rPr lang="ru-RU" smtClean="0"/>
               <a:pPr/>
-              <a:t>18.06.2009</a:t>
+              <a:t>19.06.2009</a:t>
             </a:fld>
             <a:endParaRPr lang="ru-RU"/>
           </a:p>
@@ -2694,7 +2701,7 @@
             <a:fld id="{C4166EEF-A937-4357-B55D-C0824FF3427E}" type="datetimeFigureOut">
               <a:rPr lang="ru-RU" smtClean="0"/>
               <a:pPr/>
-              <a:t>18.06.2009</a:t>
+              <a:t>19.06.2009</a:t>
             </a:fld>
             <a:endParaRPr lang="ru-RU"/>
           </a:p>
@@ -3111,23 +3118,7 @@
                 <a:ea typeface="+mj-ea"/>
                 <a:cs typeface="+mj-cs"/>
               </a:rPr>
-              <a:t>Декомпозиция сложных дискретных систем, формализованных в виде вероятностных </a:t>
-            </a:r>
-            <a:r>
-              <a:rPr lang="ru-RU" sz="2400" dirty="0" smtClean="0">
-                <a:latin typeface="+mj-lt"/>
-                <a:ea typeface="+mj-ea"/>
-                <a:cs typeface="+mj-cs"/>
-              </a:rPr>
-              <a:t>МП-</a:t>
-            </a:r>
-            <a:r>
-              <a:rPr lang="ru-RU" sz="2400" dirty="0" smtClean="0">
-                <a:latin typeface="+mj-lt"/>
-                <a:ea typeface="+mj-ea"/>
-                <a:cs typeface="+mj-cs"/>
-              </a:rPr>
-              <a:t>автоматов</a:t>
+              <a:t>Декомпозиция сложных дискретных систем, формализованных в виде вероятностных МП-автоматов</a:t>
             </a:r>
             <a:r>
               <a:rPr kumimoji="0" lang="ru-RU" sz="2400" b="0" i="0" u="none" strike="noStrike" kern="1200" cap="none" spc="0" normalizeH="0" noProof="0" dirty="0" smtClean="0">
@@ -3353,7 +3344,55 @@
                 <a:ea typeface="+mn-ea"/>
                 <a:cs typeface="+mn-cs"/>
               </a:rPr>
-              <a:t>Рудаков И.В., к.т.н., доцент</a:t>
+              <a:t>Рудаков И.В., </a:t>
+            </a:r>
+            <a:r>
+              <a:rPr lang="ru-RU" sz="2000" dirty="0" err="1" smtClean="0">
+                <a:solidFill>
+                  <a:schemeClr val="tx1">
+                    <a:tint val="75000"/>
+                  </a:schemeClr>
+                </a:solidFill>
+              </a:rPr>
+              <a:t>д</a:t>
+            </a:r>
+            <a:r>
+              <a:rPr kumimoji="0" lang="ru-RU" sz="2000" b="0" i="0" u="none" strike="noStrike" kern="1200" cap="none" spc="0" normalizeH="0" baseline="0" noProof="0" dirty="0" smtClean="0">
+                <a:ln>
+                  <a:noFill/>
+                </a:ln>
+                <a:solidFill>
+                  <a:schemeClr val="tx1">
+                    <a:tint val="75000"/>
+                  </a:schemeClr>
+                </a:solidFill>
+                <a:effectLst/>
+                <a:uLnTx/>
+                <a:uFillTx/>
+                <a:latin typeface="+mn-lt"/>
+                <a:ea typeface="+mn-ea"/>
+                <a:cs typeface="+mn-cs"/>
+              </a:rPr>
+              <a:t>.т.н</a:t>
+            </a:r>
+            <a:r>
+              <a:rPr kumimoji="0" lang="ru-RU" sz="2000" b="0" i="0" u="none" strike="noStrike" kern="1200" cap="none" spc="0" normalizeH="0" baseline="0" noProof="0" dirty="0" smtClean="0">
+                <a:ln>
+                  <a:noFill/>
+                </a:ln>
+                <a:solidFill>
+                  <a:schemeClr val="tx1">
+                    <a:tint val="75000"/>
+                  </a:schemeClr>
+                </a:solidFill>
+                <a:effectLst/>
+                <a:uLnTx/>
+                <a:uFillTx/>
+                <a:latin typeface="+mn-lt"/>
+                <a:ea typeface="+mn-ea"/>
+                <a:cs typeface="+mn-cs"/>
+              </a:rPr>
+              <a:t>., доцент</a:t>
             </a:r>
           </a:p>
         </p:txBody>
@@ -3416,6 +3455,384 @@
       </p:par>
     </p:tnLst>
   </p:timing>
+</p:sld>
+</file>
+
+<file path=ppt/slides/slide10.xml><?xml version="1.0" encoding="utf-8"?>
+<p:sld xmlns:a="http://schemas.openxmlformats.org/drawingml/2006/main" xmlns:r="http://schemas.openxmlformats.org/officeDocument/2006/relationships" xmlns:p="http://schemas.openxmlformats.org/presentationml/2006/main">
+  <p:cSld>
+    <p:spTree>
+      <p:nvGrpSpPr>
+        <p:cNvPr id="1" name=""/>
+        <p:cNvGrpSpPr/>
+        <p:nvPr/>
+      </p:nvGrpSpPr>
+      <p:grpSpPr>
+        <a:xfrm>
+          <a:off x="0" y="0"/>
+          <a:ext cx="0" cy="0"/>
+          <a:chOff x="0" y="0"/>
+          <a:chExt cx="0" cy="0"/>
+        </a:xfrm>
+      </p:grpSpPr>
+      <p:sp>
+        <p:nvSpPr>
+          <p:cNvPr id="2" name="Заголовок 1"/>
+          <p:cNvSpPr>
+            <a:spLocks noGrp="1"/>
+          </p:cNvSpPr>
+          <p:nvPr>
+            <p:ph type="title"/>
+          </p:nvPr>
+        </p:nvSpPr>
+        <p:spPr>
+          <a:xfrm>
+            <a:off x="500034" y="142852"/>
+            <a:ext cx="8229600" cy="1143000"/>
+          </a:xfrm>
+        </p:spPr>
+        <p:txBody>
+          <a:bodyPr>
+            <a:normAutofit/>
+          </a:bodyPr>
+          <a:lstStyle/>
+          <a:p>
+            <a:r>
+              <a:rPr lang="ru-RU" sz="3600" dirty="0" smtClean="0"/>
+              <a:t>Окно редактирования переходов</a:t>
+            </a:r>
+            <a:endParaRPr lang="ru-RU" sz="3600" dirty="0"/>
+          </a:p>
+        </p:txBody>
+      </p:sp>
+      <p:pic>
+        <p:nvPicPr>
+          <p:cNvPr id="4" name="Содержимое 3" descr="Редактирование перехода.png"/>
+          <p:cNvPicPr>
+            <a:picLocks noGrp="1" noChangeAspect="1"/>
+          </p:cNvPicPr>
+          <p:nvPr>
+            <p:ph idx="1"/>
+          </p:nvPr>
+        </p:nvPicPr>
+        <p:blipFill>
+          <a:blip r:embed="rId2"/>
+          <a:stretch>
+            <a:fillRect/>
+          </a:stretch>
+        </p:blipFill>
+        <p:spPr>
+          <a:xfrm>
+            <a:off x="1285852" y="1071546"/>
+            <a:ext cx="6286544" cy="2874888"/>
+          </a:xfrm>
+        </p:spPr>
+      </p:pic>
+      <p:pic>
+        <p:nvPicPr>
+          <p:cNvPr id="5" name="Рисунок 4" descr="Редактирование исхода.png"/>
+          <p:cNvPicPr>
+            <a:picLocks noChangeAspect="1"/>
+          </p:cNvPicPr>
+          <p:nvPr/>
+        </p:nvPicPr>
+        <p:blipFill>
+          <a:blip r:embed="rId3"/>
+          <a:stretch>
+            <a:fillRect/>
+          </a:stretch>
+        </p:blipFill>
+        <p:spPr>
+          <a:xfrm>
+            <a:off x="3571868" y="3929066"/>
+            <a:ext cx="2714644" cy="2674127"/>
+          </a:xfrm>
+          <a:prstGeom prst="rect">
+            <a:avLst/>
+          </a:prstGeom>
+        </p:spPr>
+      </p:pic>
+    </p:spTree>
+  </p:cSld>
+  <p:clrMapOvr>
+    <a:masterClrMapping/>
+  </p:clrMapOvr>
+</p:sld>
+</file>
+
+<file path=ppt/slides/slide11.xml><?xml version="1.0" encoding="utf-8"?>
+<p:sld xmlns:a="http://schemas.openxmlformats.org/drawingml/2006/main" xmlns:r="http://schemas.openxmlformats.org/officeDocument/2006/relationships" xmlns:p="http://schemas.openxmlformats.org/presentationml/2006/main">
+  <p:cSld>
+    <p:spTree>
+      <p:nvGrpSpPr>
+        <p:cNvPr id="1" name=""/>
+        <p:cNvGrpSpPr/>
+        <p:nvPr/>
+      </p:nvGrpSpPr>
+      <p:grpSpPr>
+        <a:xfrm>
+          <a:off x="0" y="0"/>
+          <a:ext cx="0" cy="0"/>
+          <a:chOff x="0" y="0"/>
+          <a:chExt cx="0" cy="0"/>
+        </a:xfrm>
+      </p:grpSpPr>
+      <p:sp>
+        <p:nvSpPr>
+          <p:cNvPr id="2" name="Заголовок 1"/>
+          <p:cNvSpPr>
+            <a:spLocks noGrp="1"/>
+          </p:cNvSpPr>
+          <p:nvPr>
+            <p:ph type="title"/>
+          </p:nvPr>
+        </p:nvSpPr>
+        <p:spPr/>
+        <p:txBody>
+          <a:bodyPr/>
+          <a:lstStyle/>
+          <a:p>
+            <a:r>
+              <a:rPr lang="ru-RU" dirty="0" smtClean="0"/>
+              <a:t>Результат декомпозиции</a:t>
+            </a:r>
+            <a:endParaRPr lang="ru-RU" dirty="0"/>
+          </a:p>
+        </p:txBody>
+      </p:sp>
+      <p:pic>
+        <p:nvPicPr>
+          <p:cNvPr id="4" name="Содержимое 3" descr="Результат декомпозиции.png"/>
+          <p:cNvPicPr>
+            <a:picLocks noGrp="1" noChangeAspect="1"/>
+          </p:cNvPicPr>
+          <p:nvPr>
+            <p:ph idx="1"/>
+          </p:nvPr>
+        </p:nvPicPr>
+        <p:blipFill>
+          <a:blip r:embed="rId2"/>
+          <a:stretch>
+            <a:fillRect/>
+          </a:stretch>
+        </p:blipFill>
+        <p:spPr>
+          <a:xfrm>
+            <a:off x="876300" y="1615281"/>
+            <a:ext cx="7391400" cy="4495800"/>
+          </a:xfrm>
+        </p:spPr>
+      </p:pic>
+    </p:spTree>
+  </p:cSld>
+  <p:clrMapOvr>
+    <a:masterClrMapping/>
+  </p:clrMapOvr>
+</p:sld>
+</file>
+
+<file path=ppt/slides/slide12.xml><?xml version="1.0" encoding="utf-8"?>
+<p:sld xmlns:a="http://schemas.openxmlformats.org/drawingml/2006/main" xmlns:r="http://schemas.openxmlformats.org/officeDocument/2006/relationships" xmlns:p="http://schemas.openxmlformats.org/presentationml/2006/main">
+  <p:cSld>
+    <p:spTree>
+      <p:nvGrpSpPr>
+        <p:cNvPr id="1" name=""/>
+        <p:cNvGrpSpPr/>
+        <p:nvPr/>
+      </p:nvGrpSpPr>
+      <p:grpSpPr>
+        <a:xfrm>
+          <a:off x="0" y="0"/>
+          <a:ext cx="0" cy="0"/>
+          <a:chOff x="0" y="0"/>
+          <a:chExt cx="0" cy="0"/>
+        </a:xfrm>
+      </p:grpSpPr>
+      <p:sp>
+        <p:nvSpPr>
+          <p:cNvPr id="2" name="Заголовок 1"/>
+          <p:cNvSpPr>
+            <a:spLocks noGrp="1"/>
+          </p:cNvSpPr>
+          <p:nvPr>
+            <p:ph type="title"/>
+          </p:nvPr>
+        </p:nvSpPr>
+        <p:spPr/>
+        <p:txBody>
+          <a:bodyPr/>
+          <a:lstStyle/>
+          <a:p>
+            <a:r>
+              <a:rPr lang="ru-RU" dirty="0" smtClean="0"/>
+              <a:t>Окно моделирования</a:t>
+            </a:r>
+            <a:endParaRPr lang="ru-RU" dirty="0"/>
+          </a:p>
+        </p:txBody>
+      </p:sp>
+      <p:pic>
+        <p:nvPicPr>
+          <p:cNvPr id="4" name="Содержимое 3" descr="Статистика.png"/>
+          <p:cNvPicPr>
+            <a:picLocks noGrp="1" noChangeAspect="1"/>
+          </p:cNvPicPr>
+          <p:nvPr>
+            <p:ph idx="1"/>
+          </p:nvPr>
+        </p:nvPicPr>
+        <p:blipFill>
+          <a:blip r:embed="rId2"/>
+          <a:stretch>
+            <a:fillRect/>
+          </a:stretch>
+        </p:blipFill>
+        <p:spPr>
+          <a:xfrm>
+            <a:off x="1706041" y="1600200"/>
+            <a:ext cx="5731918" cy="4525963"/>
+          </a:xfrm>
+        </p:spPr>
+      </p:pic>
+    </p:spTree>
+  </p:cSld>
+  <p:clrMapOvr>
+    <a:masterClrMapping/>
+  </p:clrMapOvr>
+</p:sld>
+</file>
+
+<file path=ppt/slides/slide13.xml><?xml version="1.0" encoding="utf-8"?>
+<p:sld xmlns:a="http://schemas.openxmlformats.org/drawingml/2006/main" xmlns:r="http://schemas.openxmlformats.org/officeDocument/2006/relationships" xmlns:p="http://schemas.openxmlformats.org/presentationml/2006/main">
+  <p:cSld>
+    <p:spTree>
+      <p:nvGrpSpPr>
+        <p:cNvPr id="1" name=""/>
+        <p:cNvGrpSpPr/>
+        <p:nvPr/>
+      </p:nvGrpSpPr>
+      <p:grpSpPr>
+        <a:xfrm>
+          <a:off x="0" y="0"/>
+          <a:ext cx="0" cy="0"/>
+          <a:chOff x="0" y="0"/>
+          <a:chExt cx="0" cy="0"/>
+        </a:xfrm>
+      </p:grpSpPr>
+      <p:sp>
+        <p:nvSpPr>
+          <p:cNvPr id="2" name="Заголовок 1"/>
+          <p:cNvSpPr>
+            <a:spLocks noGrp="1"/>
+          </p:cNvSpPr>
+          <p:nvPr>
+            <p:ph type="title"/>
+          </p:nvPr>
+        </p:nvSpPr>
+        <p:spPr/>
+        <p:txBody>
+          <a:bodyPr/>
+          <a:lstStyle/>
+          <a:p>
+            <a:r>
+              <a:rPr lang="ru-RU" dirty="0" smtClean="0"/>
+              <a:t>Перспективы развития проекта</a:t>
+            </a:r>
+            <a:endParaRPr lang="ru-RU" dirty="0"/>
+          </a:p>
+        </p:txBody>
+      </p:sp>
+      <p:sp>
+        <p:nvSpPr>
+          <p:cNvPr id="3" name="Содержимое 2"/>
+          <p:cNvSpPr>
+            <a:spLocks noGrp="1"/>
+          </p:cNvSpPr>
+          <p:nvPr>
+            <p:ph idx="1"/>
+          </p:nvPr>
+        </p:nvSpPr>
+        <p:spPr/>
+        <p:txBody>
+          <a:bodyPr/>
+          <a:lstStyle/>
+          <a:p>
+            <a:endParaRPr lang="ru-RU"/>
+          </a:p>
+        </p:txBody>
+      </p:sp>
+    </p:spTree>
+  </p:cSld>
+  <p:clrMapOvr>
+    <a:masterClrMapping/>
+  </p:clrMapOvr>
+</p:sld>
+</file>
+
+<file path=ppt/slides/slide14.xml><?xml version="1.0" encoding="utf-8"?>
+<p:sld xmlns:a="http://schemas.openxmlformats.org/drawingml/2006/main" xmlns:r="http://schemas.openxmlformats.org/officeDocument/2006/relationships" xmlns:p="http://schemas.openxmlformats.org/presentationml/2006/main">
+  <p:cSld>
+    <p:spTree>
+      <p:nvGrpSpPr>
+        <p:cNvPr id="1" name=""/>
+        <p:cNvGrpSpPr/>
+        <p:nvPr/>
+      </p:nvGrpSpPr>
+      <p:grpSpPr>
+        <a:xfrm>
+          <a:off x="0" y="0"/>
+          <a:ext cx="0" cy="0"/>
+          <a:chOff x="0" y="0"/>
+          <a:chExt cx="0" cy="0"/>
+        </a:xfrm>
+      </p:grpSpPr>
+      <p:sp>
+        <p:nvSpPr>
+          <p:cNvPr id="2" name="Заголовок 1"/>
+          <p:cNvSpPr>
+            <a:spLocks noGrp="1"/>
+          </p:cNvSpPr>
+          <p:nvPr>
+            <p:ph type="title"/>
+          </p:nvPr>
+        </p:nvSpPr>
+        <p:spPr/>
+        <p:txBody>
+          <a:bodyPr/>
+          <a:lstStyle/>
+          <a:p>
+            <a:r>
+              <a:rPr lang="ru-RU" dirty="0" smtClean="0"/>
+              <a:t>Заключение</a:t>
+            </a:r>
+            <a:endParaRPr lang="ru-RU" dirty="0"/>
+          </a:p>
+        </p:txBody>
+      </p:sp>
+      <p:sp>
+        <p:nvSpPr>
+          <p:cNvPr id="3" name="Содержимое 2"/>
+          <p:cNvSpPr>
+            <a:spLocks noGrp="1"/>
+          </p:cNvSpPr>
+          <p:nvPr>
+            <p:ph idx="1"/>
+          </p:nvPr>
+        </p:nvSpPr>
+        <p:spPr/>
+        <p:txBody>
+          <a:bodyPr/>
+          <a:lstStyle/>
+          <a:p>
+            <a:endParaRPr lang="ru-RU" dirty="0"/>
+          </a:p>
+        </p:txBody>
+      </p:sp>
+    </p:spTree>
+  </p:cSld>
+  <p:clrMapOvr>
+    <a:masterClrMapping/>
+  </p:clrMapOvr>
 </p:sld>
 </file>
 
@@ -3479,7 +3896,7 @@
         </p:spPr>
         <p:txBody>
           <a:bodyPr>
-            <a:normAutofit fontScale="55000" lnSpcReduction="20000"/>
+            <a:normAutofit fontScale="62500" lnSpcReduction="20000"/>
           </a:bodyPr>
           <a:lstStyle/>
           <a:p>
@@ -3499,15 +3916,7 @@
             <a:pPr algn="just"/>
             <a:r>
               <a:rPr lang="ru-RU" sz="3800" dirty="0" smtClean="0"/>
-              <a:t>разработать и исследовать </a:t>
-            </a:r>
-            <a:r>
-              <a:rPr lang="ru-RU" sz="3800" dirty="0" smtClean="0"/>
-              <a:t>алгоритм </a:t>
-            </a:r>
-            <a:r>
-              <a:rPr lang="ru-RU" sz="3800" dirty="0" smtClean="0"/>
-              <a:t>декомпозиции вероятностного автомата. </a:t>
+              <a:t>разработать и исследовать алгоритм декомпозиции вероятностного автомата. </a:t>
             </a:r>
           </a:p>
           <a:p>
@@ -3534,14 +3943,6 @@
               <a:rPr lang="ru-RU" sz="4200" dirty="0" smtClean="0"/>
               <a:t>:	</a:t>
             </a:r>
-          </a:p>
-          <a:p>
-            <a:pPr lvl="0" algn="just"/>
-            <a:r>
-              <a:rPr lang="ru-RU" sz="3800" dirty="0" smtClean="0"/>
-              <a:t>обзор существующих программных аналогов и классификация методов формализации сложных систем;</a:t>
-            </a:r>
-            <a:endParaRPr lang="en-US" sz="3800" dirty="0" smtClean="0"/>
           </a:p>
           <a:p>
             <a:pPr lvl="0" algn="just"/>
@@ -3621,6 +4022,264 @@
             <p:ph type="title"/>
           </p:nvPr>
         </p:nvSpPr>
+        <p:spPr/>
+        <p:txBody>
+          <a:bodyPr>
+            <a:normAutofit/>
+          </a:bodyPr>
+          <a:lstStyle/>
+          <a:p>
+            <a:r>
+              <a:rPr lang="ru-RU" sz="3600" dirty="0" smtClean="0"/>
+              <a:t>Функциональные требования к системе</a:t>
+            </a:r>
+            <a:endParaRPr lang="ru-RU" sz="3600" dirty="0"/>
+          </a:p>
+        </p:txBody>
+      </p:sp>
+      <p:sp>
+        <p:nvSpPr>
+          <p:cNvPr id="3" name="Содержимое 2"/>
+          <p:cNvSpPr>
+            <a:spLocks noGrp="1"/>
+          </p:cNvSpPr>
+          <p:nvPr>
+            <p:ph idx="1"/>
+          </p:nvPr>
+        </p:nvSpPr>
+        <p:spPr>
+          <a:xfrm>
+            <a:off x="0" y="1285860"/>
+            <a:ext cx="9144000" cy="5357849"/>
+          </a:xfrm>
+        </p:spPr>
+        <p:txBody>
+          <a:bodyPr>
+            <a:normAutofit fontScale="85000" lnSpcReduction="10000"/>
+          </a:bodyPr>
+          <a:lstStyle/>
+          <a:p>
+            <a:pPr algn="ctr">
+              <a:buNone/>
+            </a:pPr>
+            <a:r>
+              <a:rPr lang="ru-RU" sz="3300" dirty="0"/>
+              <a:t>Программный продукт должен предусматривать следующую функциональность</a:t>
+            </a:r>
+            <a:r>
+              <a:rPr lang="ru-RU" sz="3300" dirty="0" smtClean="0"/>
+              <a:t>:</a:t>
+            </a:r>
+            <a:endParaRPr lang="ru-RU" sz="3600" u="sng" dirty="0"/>
+          </a:p>
+          <a:p>
+            <a:pPr lvl="1">
+              <a:buFont typeface="Arial" pitchFamily="34" charset="0"/>
+              <a:buChar char="•"/>
+            </a:pPr>
+            <a:r>
+              <a:rPr lang="ru-RU" dirty="0" smtClean="0"/>
+              <a:t>создание и редактирование исходного вероятностного автомата;</a:t>
+            </a:r>
+          </a:p>
+          <a:p>
+            <a:pPr lvl="1">
+              <a:buFont typeface="Arial" pitchFamily="34" charset="0"/>
+              <a:buChar char="•"/>
+            </a:pPr>
+            <a:r>
+              <a:rPr lang="ru-RU" dirty="0" smtClean="0"/>
+              <a:t>сохранение, загрузка исходного автомата; </a:t>
+            </a:r>
+          </a:p>
+          <a:p>
+            <a:pPr lvl="1">
+              <a:buFont typeface="Arial" pitchFamily="34" charset="0"/>
+              <a:buChar char="•"/>
+            </a:pPr>
+            <a:r>
+              <a:rPr lang="ru-RU" dirty="0" smtClean="0"/>
+              <a:t>возможность задания ортогонального множества разбиений;</a:t>
+            </a:r>
+          </a:p>
+          <a:p>
+            <a:pPr lvl="1">
+              <a:buFont typeface="Arial" pitchFamily="34" charset="0"/>
+              <a:buChar char="•"/>
+            </a:pPr>
+            <a:r>
+              <a:rPr lang="ru-RU" dirty="0" smtClean="0"/>
+              <a:t>декомпозиция указанного вероятностного автомата с заданным ортогональным множеством разбиений;</a:t>
+            </a:r>
+          </a:p>
+          <a:p>
+            <a:pPr lvl="1">
+              <a:buFont typeface="Arial" pitchFamily="34" charset="0"/>
+              <a:buChar char="•"/>
+            </a:pPr>
+            <a:r>
+              <a:rPr lang="ru-RU" dirty="0" smtClean="0"/>
+              <a:t>просмотр отчета о результатах декомпозиции, содержащего:</a:t>
+            </a:r>
+          </a:p>
+          <a:p>
+            <a:pPr lvl="3"/>
+            <a:r>
+              <a:rPr lang="ru-RU" dirty="0" smtClean="0"/>
+              <a:t>временные характеристики работы алгоритма;</a:t>
+            </a:r>
+          </a:p>
+          <a:p>
+            <a:pPr lvl="3"/>
+            <a:r>
+              <a:rPr lang="ru-RU" dirty="0" smtClean="0"/>
+              <a:t>визуальное представление полученной сети;</a:t>
+            </a:r>
+          </a:p>
+          <a:p>
+            <a:pPr lvl="1">
+              <a:buFont typeface="Arial" pitchFamily="34" charset="0"/>
+              <a:buChar char="•"/>
+            </a:pPr>
+            <a:r>
+              <a:rPr lang="ru-RU" dirty="0" smtClean="0"/>
+              <a:t>моделирование работы исходного автомата и результирующей сети.</a:t>
+            </a:r>
+            <a:endParaRPr lang="ru-RU" dirty="0">
+              <a:solidFill>
+                <a:srgbClr val="FF0000"/>
+              </a:solidFill>
+            </a:endParaRPr>
+          </a:p>
+        </p:txBody>
+      </p:sp>
+    </p:spTree>
+  </p:cSld>
+  <p:clrMapOvr>
+    <a:masterClrMapping/>
+  </p:clrMapOvr>
+  <p:timing>
+    <p:tnLst>
+      <p:par>
+        <p:cTn id="1" dur="indefinite" restart="never" nodeType="tmRoot"/>
+      </p:par>
+    </p:tnLst>
+  </p:timing>
+</p:sld>
+</file>
+
+<file path=ppt/slides/slide4.xml><?xml version="1.0" encoding="utf-8"?>
+<p:sld xmlns:a="http://schemas.openxmlformats.org/drawingml/2006/main" xmlns:r="http://schemas.openxmlformats.org/officeDocument/2006/relationships" xmlns:p="http://schemas.openxmlformats.org/presentationml/2006/main">
+  <p:cSld>
+    <p:spTree>
+      <p:nvGrpSpPr>
+        <p:cNvPr id="1" name=""/>
+        <p:cNvGrpSpPr/>
+        <p:nvPr/>
+      </p:nvGrpSpPr>
+      <p:grpSpPr>
+        <a:xfrm>
+          <a:off x="0" y="0"/>
+          <a:ext cx="0" cy="0"/>
+          <a:chOff x="0" y="0"/>
+          <a:chExt cx="0" cy="0"/>
+        </a:xfrm>
+      </p:grpSpPr>
+      <p:sp>
+        <p:nvSpPr>
+          <p:cNvPr id="2" name="Заголовок 1"/>
+          <p:cNvSpPr>
+            <a:spLocks noGrp="1"/>
+          </p:cNvSpPr>
+          <p:nvPr>
+            <p:ph type="title"/>
+          </p:nvPr>
+        </p:nvSpPr>
+        <p:spPr/>
+        <p:txBody>
+          <a:bodyPr/>
+          <a:lstStyle/>
+          <a:p>
+            <a:r>
+              <a:rPr lang="ru-RU" dirty="0" smtClean="0"/>
+              <a:t>Понятия и определения</a:t>
+            </a:r>
+            <a:endParaRPr lang="ru-RU" dirty="0"/>
+          </a:p>
+        </p:txBody>
+      </p:sp>
+      <p:sp>
+        <p:nvSpPr>
+          <p:cNvPr id="3" name="Содержимое 2"/>
+          <p:cNvSpPr>
+            <a:spLocks noGrp="1"/>
+          </p:cNvSpPr>
+          <p:nvPr>
+            <p:ph idx="1"/>
+          </p:nvPr>
+        </p:nvSpPr>
+        <p:spPr/>
+        <p:txBody>
+          <a:bodyPr/>
+          <a:lstStyle/>
+          <a:p>
+            <a:r>
+              <a:rPr lang="ru-RU" sz="2800" dirty="0" smtClean="0"/>
+              <a:t>Дискретная система –</a:t>
+            </a:r>
+          </a:p>
+          <a:p>
+            <a:r>
+              <a:rPr lang="ru-RU" sz="2800" dirty="0" smtClean="0"/>
+              <a:t>Вероятностный конечный автомат –</a:t>
+            </a:r>
+          </a:p>
+          <a:p>
+            <a:r>
+              <a:rPr lang="ru-RU" sz="2800" dirty="0" smtClean="0"/>
+              <a:t>Сеть вероятностных автоматов –</a:t>
+            </a:r>
+          </a:p>
+          <a:p>
+            <a:endParaRPr lang="ru-RU" dirty="0"/>
+          </a:p>
+        </p:txBody>
+      </p:sp>
+    </p:spTree>
+  </p:cSld>
+  <p:clrMapOvr>
+    <a:masterClrMapping/>
+  </p:clrMapOvr>
+</p:sld>
+</file>
+
+<file path=ppt/slides/slide5.xml><?xml version="1.0" encoding="utf-8"?>
+<p:sld xmlns:a="http://schemas.openxmlformats.org/drawingml/2006/main" xmlns:r="http://schemas.openxmlformats.org/officeDocument/2006/relationships" xmlns:p="http://schemas.openxmlformats.org/presentationml/2006/main">
+  <p:cSld>
+    <p:spTree>
+      <p:nvGrpSpPr>
+        <p:cNvPr id="1" name=""/>
+        <p:cNvGrpSpPr/>
+        <p:nvPr/>
+      </p:nvGrpSpPr>
+      <p:grpSpPr>
+        <a:xfrm>
+          <a:off x="0" y="0"/>
+          <a:ext cx="0" cy="0"/>
+          <a:chOff x="0" y="0"/>
+          <a:chExt cx="0" cy="0"/>
+        </a:xfrm>
+      </p:grpSpPr>
+      <p:sp>
+        <p:nvSpPr>
+          <p:cNvPr id="2" name="Заголовок 1"/>
+          <p:cNvSpPr>
+            <a:spLocks noGrp="1"/>
+          </p:cNvSpPr>
+          <p:nvPr>
+            <p:ph type="title"/>
+          </p:nvPr>
+        </p:nvSpPr>
         <p:spPr>
           <a:xfrm>
             <a:off x="457200" y="274638"/>
@@ -3635,7 +4294,11 @@
           <a:p>
             <a:r>
               <a:rPr lang="ru-RU" sz="3600" dirty="0" smtClean="0"/>
-              <a:t>Классификация типовых математических схем формализации программных алгоритмов</a:t>
+              <a:t>Классификация типовых математических схем формализации </a:t>
+            </a:r>
+            <a:r>
+              <a:rPr lang="ru-RU" sz="3600" dirty="0" smtClean="0"/>
+              <a:t>алгоритмов</a:t>
             </a:r>
             <a:endParaRPr lang="ru-RU" sz="3600" dirty="0"/>
           </a:p>
@@ -3690,7 +4353,7 @@
 </p:sld>
 </file>
 
-<file path=ppt/slides/slide4.xml><?xml version="1.0" encoding="utf-8"?>
+<file path=ppt/slides/slide6.xml><?xml version="1.0" encoding="utf-8"?>
 <p:sld xmlns:a="http://schemas.openxmlformats.org/drawingml/2006/main" xmlns:r="http://schemas.openxmlformats.org/officeDocument/2006/relationships" xmlns:p="http://schemas.openxmlformats.org/presentationml/2006/main">
   <p:cSld>
     <p:spTree>
@@ -3780,257 +4443,6 @@
 </p:sld>
 </file>
 
-<file path=ppt/slides/slide5.xml><?xml version="1.0" encoding="utf-8"?>
-<p:sld xmlns:a="http://schemas.openxmlformats.org/drawingml/2006/main" xmlns:r="http://schemas.openxmlformats.org/officeDocument/2006/relationships" xmlns:p="http://schemas.openxmlformats.org/presentationml/2006/main">
-  <p:cSld>
-    <p:spTree>
-      <p:nvGrpSpPr>
-        <p:cNvPr id="1" name=""/>
-        <p:cNvGrpSpPr/>
-        <p:nvPr/>
-      </p:nvGrpSpPr>
-      <p:grpSpPr>
-        <a:xfrm>
-          <a:off x="0" y="0"/>
-          <a:ext cx="0" cy="0"/>
-          <a:chOff x="0" y="0"/>
-          <a:chExt cx="0" cy="0"/>
-        </a:xfrm>
-      </p:grpSpPr>
-      <p:sp>
-        <p:nvSpPr>
-          <p:cNvPr id="2" name="Заголовок 1"/>
-          <p:cNvSpPr>
-            <a:spLocks noGrp="1"/>
-          </p:cNvSpPr>
-          <p:nvPr>
-            <p:ph type="title"/>
-          </p:nvPr>
-        </p:nvSpPr>
-        <p:spPr/>
-        <p:txBody>
-          <a:bodyPr>
-            <a:normAutofit/>
-          </a:bodyPr>
-          <a:lstStyle/>
-          <a:p>
-            <a:r>
-              <a:rPr lang="ru-RU" sz="3600" dirty="0" smtClean="0"/>
-              <a:t>Функциональные требования к системе</a:t>
-            </a:r>
-            <a:endParaRPr lang="ru-RU" sz="3600" dirty="0"/>
-          </a:p>
-        </p:txBody>
-      </p:sp>
-      <p:sp>
-        <p:nvSpPr>
-          <p:cNvPr id="3" name="Содержимое 2"/>
-          <p:cNvSpPr>
-            <a:spLocks noGrp="1"/>
-          </p:cNvSpPr>
-          <p:nvPr>
-            <p:ph idx="1"/>
-          </p:nvPr>
-        </p:nvSpPr>
-        <p:spPr>
-          <a:xfrm>
-            <a:off x="0" y="1285860"/>
-            <a:ext cx="9144000" cy="5357849"/>
-          </a:xfrm>
-        </p:spPr>
-        <p:txBody>
-          <a:bodyPr>
-            <a:normAutofit fontScale="85000" lnSpcReduction="10000"/>
-          </a:bodyPr>
-          <a:lstStyle/>
-          <a:p>
-            <a:pPr algn="ctr">
-              <a:buNone/>
-            </a:pPr>
-            <a:r>
-              <a:rPr lang="ru-RU" sz="3300" dirty="0"/>
-              <a:t>Программный продукт должен предусматривать следующую функциональность</a:t>
-            </a:r>
-            <a:r>
-              <a:rPr lang="ru-RU" sz="3300" dirty="0" smtClean="0"/>
-              <a:t>:</a:t>
-            </a:r>
-            <a:endParaRPr lang="ru-RU" sz="3600" u="sng" dirty="0"/>
-          </a:p>
-          <a:p>
-            <a:pPr lvl="1">
-              <a:buFont typeface="Arial" pitchFamily="34" charset="0"/>
-              <a:buChar char="•"/>
-            </a:pPr>
-            <a:r>
-              <a:rPr lang="ru-RU" dirty="0" smtClean="0"/>
-              <a:t>создание и редактирование исходного вероятностного автомата;</a:t>
-            </a:r>
-          </a:p>
-          <a:p>
-            <a:pPr lvl="1">
-              <a:buFont typeface="Arial" pitchFamily="34" charset="0"/>
-              <a:buChar char="•"/>
-            </a:pPr>
-            <a:r>
-              <a:rPr lang="ru-RU" dirty="0" smtClean="0"/>
-              <a:t>сохранение, загрузка исходного автомата; </a:t>
-            </a:r>
-          </a:p>
-          <a:p>
-            <a:pPr lvl="1">
-              <a:buFont typeface="Arial" pitchFamily="34" charset="0"/>
-              <a:buChar char="•"/>
-            </a:pPr>
-            <a:r>
-              <a:rPr lang="ru-RU" dirty="0" smtClean="0"/>
-              <a:t>возможность задания ортогонального множества разбиений;</a:t>
-            </a:r>
-          </a:p>
-          <a:p>
-            <a:pPr lvl="1">
-              <a:buFont typeface="Arial" pitchFamily="34" charset="0"/>
-              <a:buChar char="•"/>
-            </a:pPr>
-            <a:r>
-              <a:rPr lang="ru-RU" dirty="0" smtClean="0"/>
-              <a:t>декомпозиция указанного вероятностного автомата с заданным ортогональным множеством разбиений;</a:t>
-            </a:r>
-          </a:p>
-          <a:p>
-            <a:pPr lvl="1">
-              <a:buFont typeface="Arial" pitchFamily="34" charset="0"/>
-              <a:buChar char="•"/>
-            </a:pPr>
-            <a:r>
-              <a:rPr lang="ru-RU" dirty="0" smtClean="0"/>
-              <a:t>просмотр отчета о результатах декомпозиции, содержащего:</a:t>
-            </a:r>
-          </a:p>
-          <a:p>
-            <a:pPr lvl="3"/>
-            <a:r>
-              <a:rPr lang="ru-RU" dirty="0" smtClean="0"/>
-              <a:t>временные характеристики работы алгоритма;</a:t>
-            </a:r>
-          </a:p>
-          <a:p>
-            <a:pPr lvl="3"/>
-            <a:r>
-              <a:rPr lang="ru-RU" dirty="0" smtClean="0"/>
-              <a:t>визуальное представление полученной сети;</a:t>
-            </a:r>
-          </a:p>
-          <a:p>
-            <a:pPr lvl="1">
-              <a:buFont typeface="Arial" pitchFamily="34" charset="0"/>
-              <a:buChar char="•"/>
-            </a:pPr>
-            <a:r>
-              <a:rPr lang="ru-RU" dirty="0" smtClean="0"/>
-              <a:t>моделирование </a:t>
-            </a:r>
-            <a:r>
-              <a:rPr lang="ru-RU" dirty="0" smtClean="0"/>
-              <a:t>работы исходного автомата и результирующей сети.</a:t>
-            </a:r>
-            <a:endParaRPr lang="ru-RU" dirty="0">
-              <a:solidFill>
-                <a:srgbClr val="FF0000"/>
-              </a:solidFill>
-            </a:endParaRPr>
-          </a:p>
-        </p:txBody>
-      </p:sp>
-    </p:spTree>
-  </p:cSld>
-  <p:clrMapOvr>
-    <a:masterClrMapping/>
-  </p:clrMapOvr>
-  <p:timing>
-    <p:tnLst>
-      <p:par>
-        <p:cTn id="1" dur="indefinite" restart="never" nodeType="tmRoot"/>
-      </p:par>
-    </p:tnLst>
-  </p:timing>
-</p:sld>
-</file>
-
-<file path=ppt/slides/slide6.xml><?xml version="1.0" encoding="utf-8"?>
-<p:sld xmlns:a="http://schemas.openxmlformats.org/drawingml/2006/main" xmlns:r="http://schemas.openxmlformats.org/officeDocument/2006/relationships" xmlns:p="http://schemas.openxmlformats.org/presentationml/2006/main">
-  <p:cSld>
-    <p:spTree>
-      <p:nvGrpSpPr>
-        <p:cNvPr id="1" name=""/>
-        <p:cNvGrpSpPr/>
-        <p:nvPr/>
-      </p:nvGrpSpPr>
-      <p:grpSpPr>
-        <a:xfrm>
-          <a:off x="0" y="0"/>
-          <a:ext cx="0" cy="0"/>
-          <a:chOff x="0" y="0"/>
-          <a:chExt cx="0" cy="0"/>
-        </a:xfrm>
-      </p:grpSpPr>
-      <p:sp>
-        <p:nvSpPr>
-          <p:cNvPr id="2" name="Заголовок 1"/>
-          <p:cNvSpPr>
-            <a:spLocks noGrp="1"/>
-          </p:cNvSpPr>
-          <p:nvPr>
-            <p:ph type="title"/>
-          </p:nvPr>
-        </p:nvSpPr>
-        <p:spPr>
-          <a:xfrm>
-            <a:off x="457200" y="274638"/>
-            <a:ext cx="8229600" cy="1011222"/>
-          </a:xfrm>
-        </p:spPr>
-        <p:txBody>
-          <a:bodyPr>
-            <a:noAutofit/>
-          </a:bodyPr>
-          <a:lstStyle/>
-          <a:p>
-            <a:r>
-              <a:rPr lang="ru-RU" sz="3200" dirty="0" smtClean="0"/>
-              <a:t>Алгоритм декомпозиции вероятностных конечных автоматов</a:t>
-            </a:r>
-            <a:endParaRPr lang="ru-RU" sz="3200" dirty="0"/>
-          </a:p>
-        </p:txBody>
-      </p:sp>
-      <p:sp>
-        <p:nvSpPr>
-          <p:cNvPr id="3" name="Содержимое 2"/>
-          <p:cNvSpPr>
-            <a:spLocks noGrp="1"/>
-          </p:cNvSpPr>
-          <p:nvPr>
-            <p:ph idx="1"/>
-          </p:nvPr>
-        </p:nvSpPr>
-        <p:spPr/>
-        <p:txBody>
-          <a:bodyPr/>
-          <a:lstStyle/>
-          <a:p>
-            <a:endParaRPr lang="ru-RU" dirty="0"/>
-          </a:p>
-        </p:txBody>
-      </p:sp>
-    </p:spTree>
-  </p:cSld>
-  <p:clrMapOvr>
-    <a:masterClrMapping/>
-  </p:clrMapOvr>
-</p:sld>
-</file>
-
 <file path=ppt/slides/slide7.xml><?xml version="1.0" encoding="utf-8"?>
 <p:sld xmlns:a="http://schemas.openxmlformats.org/drawingml/2006/main" xmlns:r="http://schemas.openxmlformats.org/officeDocument/2006/relationships" xmlns:p="http://schemas.openxmlformats.org/presentationml/2006/main">
   <p:cSld>
@@ -4058,6 +4470,80 @@
             <p:ph type="title"/>
           </p:nvPr>
         </p:nvSpPr>
+        <p:spPr>
+          <a:xfrm>
+            <a:off x="457200" y="274638"/>
+            <a:ext cx="8229600" cy="1011222"/>
+          </a:xfrm>
+        </p:spPr>
+        <p:txBody>
+          <a:bodyPr>
+            <a:noAutofit/>
+          </a:bodyPr>
+          <a:lstStyle/>
+          <a:p>
+            <a:r>
+              <a:rPr lang="ru-RU" sz="3200" dirty="0" smtClean="0"/>
+              <a:t>Алгоритм декомпозиции вероятностных конечных автоматов</a:t>
+            </a:r>
+            <a:endParaRPr lang="ru-RU" sz="3200" dirty="0"/>
+          </a:p>
+        </p:txBody>
+      </p:sp>
+      <p:sp>
+        <p:nvSpPr>
+          <p:cNvPr id="3" name="Содержимое 2"/>
+          <p:cNvSpPr>
+            <a:spLocks noGrp="1"/>
+          </p:cNvSpPr>
+          <p:nvPr>
+            <p:ph idx="1"/>
+          </p:nvPr>
+        </p:nvSpPr>
+        <p:spPr/>
+        <p:txBody>
+          <a:bodyPr/>
+          <a:lstStyle/>
+          <a:p>
+            <a:endParaRPr lang="ru-RU" dirty="0"/>
+          </a:p>
+        </p:txBody>
+      </p:sp>
+    </p:spTree>
+  </p:cSld>
+  <p:clrMapOvr>
+    <a:masterClrMapping/>
+  </p:clrMapOvr>
+</p:sld>
+</file>
+
+<file path=ppt/slides/slide8.xml><?xml version="1.0" encoding="utf-8"?>
+<p:sld xmlns:a="http://schemas.openxmlformats.org/drawingml/2006/main" xmlns:r="http://schemas.openxmlformats.org/officeDocument/2006/relationships" xmlns:p="http://schemas.openxmlformats.org/presentationml/2006/main">
+  <p:cSld>
+    <p:spTree>
+      <p:nvGrpSpPr>
+        <p:cNvPr id="1" name=""/>
+        <p:cNvGrpSpPr/>
+        <p:nvPr/>
+      </p:nvGrpSpPr>
+      <p:grpSpPr>
+        <a:xfrm>
+          <a:off x="0" y="0"/>
+          <a:ext cx="0" cy="0"/>
+          <a:chOff x="0" y="0"/>
+          <a:chExt cx="0" cy="0"/>
+        </a:xfrm>
+      </p:grpSpPr>
+      <p:sp>
+        <p:nvSpPr>
+          <p:cNvPr id="2" name="Заголовок 1"/>
+          <p:cNvSpPr>
+            <a:spLocks noGrp="1"/>
+          </p:cNvSpPr>
+          <p:nvPr>
+            <p:ph type="title"/>
+          </p:nvPr>
+        </p:nvSpPr>
         <p:spPr/>
         <p:txBody>
           <a:bodyPr>
@@ -4115,15 +4601,21 @@
             </a:r>
             <a:r>
               <a:rPr lang="ru-RU" sz="2000" dirty="0" smtClean="0"/>
-              <a:t>число </a:t>
+              <a:t>число элементов во множестве ортогональных разбиений,</a:t>
+            </a:r>
+            <a:endParaRPr lang="en-US" sz="2000" dirty="0" smtClean="0"/>
+          </a:p>
+          <a:p>
+            <a:pPr>
+              <a:buNone/>
+            </a:pPr>
+            <a:r>
+              <a:rPr lang="en-US" sz="2000" dirty="0" smtClean="0"/>
+              <a:t>	N - </a:t>
             </a:r>
             <a:r>
               <a:rPr lang="ru-RU" sz="2000" dirty="0" smtClean="0"/>
-              <a:t>элементов во множестве ортогональных </a:t>
-            </a:r>
-            <a:r>
-              <a:rPr lang="ru-RU" sz="2000" dirty="0" smtClean="0"/>
-              <a:t>разбиений,</a:t>
+              <a:t>число элементов во множестве состояний исходного автомата,</a:t>
             </a:r>
             <a:endParaRPr lang="en-US" sz="2000" dirty="0" smtClean="0"/>
           </a:p>
@@ -4136,20 +4628,42 @@
               <a:t>	</a:t>
             </a:r>
             <a:r>
+              <a:rPr lang="en-US" sz="2000" dirty="0" err="1" smtClean="0"/>
+              <a:t>bj</a:t>
+            </a:r>
+            <a:r>
               <a:rPr lang="en-US" sz="2000" dirty="0" smtClean="0"/>
-              <a:t>N - </a:t>
+              <a:t> - </a:t>
             </a:r>
             <a:r>
               <a:rPr lang="ru-RU" sz="2000" dirty="0" smtClean="0"/>
-              <a:t>число </a:t>
+              <a:t>количество элементов в </a:t>
+            </a:r>
+            <a:r>
+              <a:rPr lang="en-US" sz="2000" dirty="0" smtClean="0"/>
+              <a:t>j-</a:t>
+            </a:r>
+            <a:r>
+              <a:rPr lang="ru-RU" sz="2000" dirty="0" err="1" smtClean="0"/>
+              <a:t>ом</a:t>
             </a:r>
             <a:r>
               <a:rPr lang="ru-RU" sz="2000" dirty="0" smtClean="0"/>
-              <a:t>элементов во множестве состояний исходного </a:t>
+              <a:t> блоке, оцениваемого разбиения,</a:t>
+            </a:r>
+            <a:endParaRPr lang="en-US" sz="2000" dirty="0" smtClean="0"/>
+          </a:p>
+          <a:p>
+            <a:pPr>
+              <a:buNone/>
+            </a:pPr>
+            <a:r>
+              <a:rPr lang="en-US" sz="2000" dirty="0" smtClean="0"/>
+              <a:t>	k - </a:t>
             </a:r>
             <a:r>
               <a:rPr lang="ru-RU" sz="2000" dirty="0" smtClean="0"/>
-              <a:t>автомата,</a:t>
+              <a:t>количество блоков, оцениваемого разбиения,</a:t>
             </a:r>
             <a:endParaRPr lang="en-US" sz="2000" dirty="0" smtClean="0"/>
           </a:p>
@@ -4163,7 +4677,7 @@
             </a:r>
             <a:r>
               <a:rPr lang="en-US" sz="2000" dirty="0" err="1" smtClean="0"/>
-              <a:t>bj</a:t>
+              <a:t>ki</a:t>
             </a:r>
             <a:r>
               <a:rPr lang="en-US" sz="2000" dirty="0" smtClean="0"/>
@@ -4171,83 +4685,7 @@
             </a:r>
             <a:r>
               <a:rPr lang="ru-RU" sz="2000" dirty="0" smtClean="0"/>
-              <a:t>количество </a:t>
-            </a:r>
-            <a:r>
-              <a:rPr lang="ru-RU" sz="2000" dirty="0" smtClean="0"/>
-              <a:t>элементов в </a:t>
-            </a:r>
-            <a:r>
-              <a:rPr lang="en-US" sz="2000" dirty="0" smtClean="0"/>
-              <a:t>j-</a:t>
-            </a:r>
-            <a:r>
-              <a:rPr lang="ru-RU" sz="2000" dirty="0" err="1" smtClean="0"/>
-              <a:t>ом</a:t>
-            </a:r>
-            <a:r>
-              <a:rPr lang="ru-RU" sz="2000" dirty="0" smtClean="0"/>
-              <a:t> </a:t>
-            </a:r>
-            <a:r>
-              <a:rPr lang="ru-RU" sz="2000" dirty="0" smtClean="0"/>
-              <a:t>блоке, оцениваемого </a:t>
-            </a:r>
-            <a:r>
-              <a:rPr lang="ru-RU" sz="2000" dirty="0" smtClean="0"/>
-              <a:t>разбиения,</a:t>
-            </a:r>
-            <a:endParaRPr lang="en-US" sz="2000" dirty="0" smtClean="0"/>
-          </a:p>
-          <a:p>
-            <a:pPr>
-              <a:buNone/>
-            </a:pPr>
-            <a:r>
-              <a:rPr lang="en-US" sz="2000" dirty="0" smtClean="0"/>
-              <a:t>	</a:t>
-            </a:r>
-            <a:r>
-              <a:rPr lang="en-US" sz="2000" dirty="0" smtClean="0"/>
-              <a:t>k - </a:t>
-            </a:r>
-            <a:r>
-              <a:rPr lang="ru-RU" sz="2000" dirty="0" smtClean="0"/>
-              <a:t>количество </a:t>
-            </a:r>
-            <a:r>
-              <a:rPr lang="ru-RU" sz="2000" dirty="0" smtClean="0"/>
-              <a:t>блоков, оцениваемого </a:t>
-            </a:r>
-            <a:r>
-              <a:rPr lang="ru-RU" sz="2000" dirty="0" smtClean="0"/>
-              <a:t>разбиения,</a:t>
-            </a:r>
-            <a:endParaRPr lang="en-US" sz="2000" dirty="0" smtClean="0"/>
-          </a:p>
-          <a:p>
-            <a:pPr>
-              <a:buNone/>
-            </a:pPr>
-            <a:r>
-              <a:rPr lang="en-US" sz="2000" dirty="0" smtClean="0"/>
-              <a:t>	</a:t>
-            </a:r>
-            <a:r>
-              <a:rPr lang="en-US" sz="2000" dirty="0" err="1" smtClean="0"/>
-              <a:t>ki</a:t>
-            </a:r>
-            <a:r>
-              <a:rPr lang="en-US" sz="2000" dirty="0" smtClean="0"/>
-              <a:t> - </a:t>
-            </a:r>
-            <a:r>
-              <a:rPr lang="ru-RU" sz="2000" dirty="0" smtClean="0"/>
-              <a:t>количество </a:t>
-            </a:r>
-            <a:r>
-              <a:rPr lang="ru-RU" sz="2000" dirty="0" smtClean="0"/>
-              <a:t>блоков </a:t>
+              <a:t>количество блоков </a:t>
             </a:r>
             <a:r>
               <a:rPr lang="en-US" sz="2000" dirty="0" err="1" smtClean="0"/>
@@ -4259,11 +4697,7 @@
             </a:r>
             <a:r>
               <a:rPr lang="ru-RU" sz="2000" dirty="0" smtClean="0"/>
-              <a:t>ого </a:t>
-            </a:r>
-            <a:r>
-              <a:rPr lang="ru-RU" sz="2000" dirty="0" smtClean="0"/>
-              <a:t>разбиения.</a:t>
+              <a:t>ого разбиения.</a:t>
             </a:r>
           </a:p>
           <a:p>
@@ -4275,11 +4709,7 @@
             </a:pPr>
             <a:r>
               <a:rPr lang="en-US" dirty="0" smtClean="0"/>
-              <a:t>	</a:t>
-            </a:r>
-            <a:r>
-              <a:rPr lang="en-US" dirty="0" smtClean="0"/>
-              <a:t>	</a:t>
+              <a:t>		</a:t>
             </a:r>
             <a:r>
               <a:rPr lang="ru-RU" sz="2200" dirty="0" smtClean="0"/>
@@ -4316,6 +4746,77 @@
           <a:prstGeom prst="rect">
             <a:avLst/>
           </a:prstGeom>
+        </p:spPr>
+      </p:pic>
+    </p:spTree>
+  </p:cSld>
+  <p:clrMapOvr>
+    <a:masterClrMapping/>
+  </p:clrMapOvr>
+</p:sld>
+</file>
+
+<file path=ppt/slides/slide9.xml><?xml version="1.0" encoding="utf-8"?>
+<p:sld xmlns:a="http://schemas.openxmlformats.org/drawingml/2006/main" xmlns:r="http://schemas.openxmlformats.org/officeDocument/2006/relationships" xmlns:p="http://schemas.openxmlformats.org/presentationml/2006/main">
+  <p:cSld>
+    <p:spTree>
+      <p:nvGrpSpPr>
+        <p:cNvPr id="1" name=""/>
+        <p:cNvGrpSpPr/>
+        <p:nvPr/>
+      </p:nvGrpSpPr>
+      <p:grpSpPr>
+        <a:xfrm>
+          <a:off x="0" y="0"/>
+          <a:ext cx="0" cy="0"/>
+          <a:chOff x="0" y="0"/>
+          <a:chExt cx="0" cy="0"/>
+        </a:xfrm>
+      </p:grpSpPr>
+      <p:sp>
+        <p:nvSpPr>
+          <p:cNvPr id="2" name="Заголовок 1"/>
+          <p:cNvSpPr>
+            <a:spLocks noGrp="1"/>
+          </p:cNvSpPr>
+          <p:nvPr>
+            <p:ph type="title"/>
+          </p:nvPr>
+        </p:nvSpPr>
+        <p:spPr/>
+        <p:txBody>
+          <a:bodyPr/>
+          <a:lstStyle/>
+          <a:p>
+            <a:r>
+              <a:rPr lang="ru-RU" dirty="0" smtClean="0"/>
+              <a:t>Главное окно программы</a:t>
+            </a:r>
+            <a:endParaRPr lang="ru-RU" dirty="0"/>
+          </a:p>
+        </p:txBody>
+      </p:sp>
+      <p:pic>
+        <p:nvPicPr>
+          <p:cNvPr id="4" name="Содержимое 3" descr="Главное окно.png"/>
+          <p:cNvPicPr>
+            <a:picLocks noGrp="1" noChangeAspect="1"/>
+          </p:cNvPicPr>
+          <p:nvPr>
+            <p:ph idx="1"/>
+          </p:nvPr>
+        </p:nvPicPr>
+        <p:blipFill>
+          <a:blip r:embed="rId2"/>
+          <a:stretch>
+            <a:fillRect/>
+          </a:stretch>
+        </p:blipFill>
+        <p:spPr>
+          <a:xfrm>
+            <a:off x="1714480" y="1428736"/>
+            <a:ext cx="5880886" cy="4857784"/>
+          </a:xfrm>
         </p:spPr>
       </p:pic>
     </p:spTree>

--- a/trunk/Презентация.pptx
+++ b/trunk/Презентация.pptx
@@ -17,8 +17,8 @@
     <p:sldId id="279" r:id="rId11"/>
     <p:sldId id="280" r:id="rId12"/>
     <p:sldId id="281" r:id="rId13"/>
-    <p:sldId id="283" r:id="rId14"/>
-    <p:sldId id="282" r:id="rId15"/>
+    <p:sldId id="282" r:id="rId14"/>
+    <p:sldId id="283" r:id="rId15"/>
   </p:sldIdLst>
   <p:sldSz cx="9144000" cy="6858000" type="screen4x3"/>
   <p:notesSz cx="6858000" cy="9144000"/>
@@ -302,7 +302,7 @@
             <a:fld id="{C4166EEF-A937-4357-B55D-C0824FF3427E}" type="datetimeFigureOut">
               <a:rPr lang="ru-RU" smtClean="0"/>
               <a:pPr/>
-              <a:t>19.06.2009</a:t>
+              <a:t>20.06.2009</a:t>
             </a:fld>
             <a:endParaRPr lang="ru-RU"/>
           </a:p>
@@ -469,7 +469,7 @@
             <a:fld id="{C4166EEF-A937-4357-B55D-C0824FF3427E}" type="datetimeFigureOut">
               <a:rPr lang="ru-RU" smtClean="0"/>
               <a:pPr/>
-              <a:t>19.06.2009</a:t>
+              <a:t>20.06.2009</a:t>
             </a:fld>
             <a:endParaRPr lang="ru-RU"/>
           </a:p>
@@ -646,7 +646,7 @@
             <a:fld id="{C4166EEF-A937-4357-B55D-C0824FF3427E}" type="datetimeFigureOut">
               <a:rPr lang="ru-RU" smtClean="0"/>
               <a:pPr/>
-              <a:t>19.06.2009</a:t>
+              <a:t>20.06.2009</a:t>
             </a:fld>
             <a:endParaRPr lang="ru-RU"/>
           </a:p>
@@ -813,7 +813,7 @@
             <a:fld id="{C4166EEF-A937-4357-B55D-C0824FF3427E}" type="datetimeFigureOut">
               <a:rPr lang="ru-RU" smtClean="0"/>
               <a:pPr/>
-              <a:t>19.06.2009</a:t>
+              <a:t>20.06.2009</a:t>
             </a:fld>
             <a:endParaRPr lang="ru-RU"/>
           </a:p>
@@ -1056,7 +1056,7 @@
             <a:fld id="{C4166EEF-A937-4357-B55D-C0824FF3427E}" type="datetimeFigureOut">
               <a:rPr lang="ru-RU" smtClean="0"/>
               <a:pPr/>
-              <a:t>19.06.2009</a:t>
+              <a:t>20.06.2009</a:t>
             </a:fld>
             <a:endParaRPr lang="ru-RU"/>
           </a:p>
@@ -1341,7 +1341,7 @@
             <a:fld id="{C4166EEF-A937-4357-B55D-C0824FF3427E}" type="datetimeFigureOut">
               <a:rPr lang="ru-RU" smtClean="0"/>
               <a:pPr/>
-              <a:t>19.06.2009</a:t>
+              <a:t>20.06.2009</a:t>
             </a:fld>
             <a:endParaRPr lang="ru-RU"/>
           </a:p>
@@ -1760,7 +1760,7 @@
             <a:fld id="{C4166EEF-A937-4357-B55D-C0824FF3427E}" type="datetimeFigureOut">
               <a:rPr lang="ru-RU" smtClean="0"/>
               <a:pPr/>
-              <a:t>19.06.2009</a:t>
+              <a:t>20.06.2009</a:t>
             </a:fld>
             <a:endParaRPr lang="ru-RU"/>
           </a:p>
@@ -1875,7 +1875,7 @@
             <a:fld id="{C4166EEF-A937-4357-B55D-C0824FF3427E}" type="datetimeFigureOut">
               <a:rPr lang="ru-RU" smtClean="0"/>
               <a:pPr/>
-              <a:t>19.06.2009</a:t>
+              <a:t>20.06.2009</a:t>
             </a:fld>
             <a:endParaRPr lang="ru-RU"/>
           </a:p>
@@ -1967,7 +1967,7 @@
             <a:fld id="{C4166EEF-A937-4357-B55D-C0824FF3427E}" type="datetimeFigureOut">
               <a:rPr lang="ru-RU" smtClean="0"/>
               <a:pPr/>
-              <a:t>19.06.2009</a:t>
+              <a:t>20.06.2009</a:t>
             </a:fld>
             <a:endParaRPr lang="ru-RU"/>
           </a:p>
@@ -2241,7 +2241,7 @@
             <a:fld id="{C4166EEF-A937-4357-B55D-C0824FF3427E}" type="datetimeFigureOut">
               <a:rPr lang="ru-RU" smtClean="0"/>
               <a:pPr/>
-              <a:t>19.06.2009</a:t>
+              <a:t>20.06.2009</a:t>
             </a:fld>
             <a:endParaRPr lang="ru-RU"/>
           </a:p>
@@ -2491,7 +2491,7 @@
             <a:fld id="{C4166EEF-A937-4357-B55D-C0824FF3427E}" type="datetimeFigureOut">
               <a:rPr lang="ru-RU" smtClean="0"/>
               <a:pPr/>
-              <a:t>19.06.2009</a:t>
+              <a:t>20.06.2009</a:t>
             </a:fld>
             <a:endParaRPr lang="ru-RU"/>
           </a:p>
@@ -2701,7 +2701,7 @@
             <a:fld id="{C4166EEF-A937-4357-B55D-C0824FF3427E}" type="datetimeFigureOut">
               <a:rPr lang="ru-RU" smtClean="0"/>
               <a:pPr/>
-              <a:t>19.06.2009</a:t>
+              <a:t>20.06.2009</a:t>
             </a:fld>
             <a:endParaRPr lang="ru-RU"/>
           </a:p>
@@ -3373,26 +3373,7 @@
                 <a:ea typeface="+mn-ea"/>
                 <a:cs typeface="+mn-cs"/>
               </a:rPr>
-              <a:t>.т.н</a:t>
-            </a:r>
-            <a:r>
-              <a:rPr kumimoji="0" lang="ru-RU" sz="2000" b="0" i="0" u="none" strike="noStrike" kern="1200" cap="none" spc="0" normalizeH="0" baseline="0" noProof="0" dirty="0" smtClean="0">
-                <a:ln>
-                  <a:noFill/>
-                </a:ln>
-                <a:solidFill>
-                  <a:schemeClr val="tx1">
-                    <a:tint val="75000"/>
-                  </a:schemeClr>
-                </a:solidFill>
-                <a:effectLst/>
-                <a:uLnTx/>
-                <a:uFillTx/>
-                <a:latin typeface="+mn-lt"/>
-                <a:ea typeface="+mn-ea"/>
-                <a:cs typeface="+mn-cs"/>
-              </a:rPr>
-              <a:t>., доцент</a:t>
+              <a:t>.т.н., доцент</a:t>
             </a:r>
           </a:p>
         </p:txBody>
@@ -3544,8 +3525,32 @@
         </p:blipFill>
         <p:spPr>
           <a:xfrm>
+            <a:off x="785786" y="3929066"/>
+            <a:ext cx="2714644" cy="2674127"/>
+          </a:xfrm>
+          <a:prstGeom prst="rect">
+            <a:avLst/>
+          </a:prstGeom>
+        </p:spPr>
+      </p:pic>
+      <p:pic>
+        <p:nvPicPr>
+          <p:cNvPr id="6" name="Picture 5" descr="Редактирование разбиения.png"/>
+          <p:cNvPicPr>
+            <a:picLocks noChangeAspect="1"/>
+          </p:cNvPicPr>
+          <p:nvPr/>
+        </p:nvPicPr>
+        <p:blipFill>
+          <a:blip r:embed="rId4"/>
+          <a:stretch>
+            <a:fillRect/>
+          </a:stretch>
+        </p:blipFill>
+        <p:spPr>
+          <a:xfrm>
             <a:off x="3571868" y="3929066"/>
-            <a:ext cx="2714644" cy="2674127"/>
+            <a:ext cx="5143536" cy="2575805"/>
           </a:xfrm>
           <a:prstGeom prst="rect">
             <a:avLst/>
@@ -3736,7 +3741,7 @@
           <a:p>
             <a:r>
               <a:rPr lang="ru-RU" dirty="0" smtClean="0"/>
-              <a:t>Перспективы развития проекта</a:t>
+              <a:t>Заключение</a:t>
             </a:r>
             <a:endParaRPr lang="ru-RU" dirty="0"/>
           </a:p>
@@ -3757,7 +3762,7 @@
           <a:bodyPr/>
           <a:lstStyle/>
           <a:p>
-            <a:endParaRPr lang="ru-RU"/>
+            <a:endParaRPr lang="ru-RU" dirty="0"/>
           </a:p>
         </p:txBody>
       </p:sp>
@@ -3803,7 +3808,7 @@
           <a:p>
             <a:r>
               <a:rPr lang="ru-RU" dirty="0" smtClean="0"/>
-              <a:t>Заключение</a:t>
+              <a:t>Перспективы развития проекта</a:t>
             </a:r>
             <a:endParaRPr lang="ru-RU" dirty="0"/>
           </a:p>
@@ -3824,7 +3829,7 @@
           <a:bodyPr/>
           <a:lstStyle/>
           <a:p>
-            <a:endParaRPr lang="ru-RU" dirty="0"/>
+            <a:endParaRPr lang="ru-RU"/>
           </a:p>
         </p:txBody>
       </p:sp>
@@ -4294,11 +4299,7 @@
           <a:p>
             <a:r>
               <a:rPr lang="ru-RU" sz="3600" dirty="0" smtClean="0"/>
-              <a:t>Классификация типовых математических схем формализации </a:t>
-            </a:r>
-            <a:r>
-              <a:rPr lang="ru-RU" sz="3600" dirty="0" smtClean="0"/>
-              <a:t>алгоритмов</a:t>
+              <a:t>Классификация типовых математических схем формализации алгоритмов</a:t>
             </a:r>
             <a:endParaRPr lang="ru-RU" sz="3600" dirty="0"/>
           </a:p>
@@ -4492,7 +4493,7 @@
       </p:sp>
       <p:sp>
         <p:nvSpPr>
-          <p:cNvPr id="3" name="Содержимое 2"/>
+          <p:cNvPr id="5" name="Content Placeholder 4"/>
           <p:cNvSpPr>
             <a:spLocks noGrp="1"/>
           </p:cNvSpPr>
@@ -4500,15 +4501,54 @@
             <p:ph idx="1"/>
           </p:nvPr>
         </p:nvSpPr>
-        <p:spPr/>
-        <p:txBody>
-          <a:bodyPr/>
+        <p:spPr>
+          <a:xfrm>
+            <a:off x="457200" y="6000768"/>
+            <a:ext cx="8229600" cy="125395"/>
+          </a:xfrm>
+        </p:spPr>
+        <p:txBody>
+          <a:bodyPr>
+            <a:normAutofit fontScale="25000" lnSpcReduction="20000"/>
+          </a:bodyPr>
           <a:lstStyle/>
           <a:p>
             <a:endParaRPr lang="ru-RU" dirty="0"/>
           </a:p>
         </p:txBody>
       </p:sp>
+      <p:pic>
+        <p:nvPicPr>
+          <p:cNvPr id="1032" name="Picture 8"/>
+          <p:cNvPicPr>
+            <a:picLocks noChangeAspect="1" noChangeArrowheads="1"/>
+          </p:cNvPicPr>
+          <p:nvPr/>
+        </p:nvPicPr>
+        <p:blipFill>
+          <a:blip r:embed="rId2"/>
+          <a:srcRect/>
+          <a:stretch>
+            <a:fillRect/>
+          </a:stretch>
+        </p:blipFill>
+        <p:spPr bwMode="auto">
+          <a:xfrm>
+            <a:off x="1714480" y="1428736"/>
+            <a:ext cx="5667375" cy="4143375"/>
+          </a:xfrm>
+          <a:prstGeom prst="rect">
+            <a:avLst/>
+          </a:prstGeom>
+          <a:noFill/>
+          <a:ln w="9525">
+            <a:noFill/>
+            <a:miter lim="800000"/>
+            <a:headEnd/>
+            <a:tailEnd/>
+          </a:ln>
+        </p:spPr>
+      </p:pic>
     </p:spTree>
   </p:cSld>
   <p:clrMapOvr>
@@ -4572,7 +4612,7 @@
         <p:spPr/>
         <p:txBody>
           <a:bodyPr>
-            <a:normAutofit fontScale="92500" lnSpcReduction="10000"/>
+            <a:normAutofit/>
           </a:bodyPr>
           <a:lstStyle/>
           <a:p>
@@ -4697,14 +4737,16 @@
             </a:r>
             <a:r>
               <a:rPr lang="ru-RU" sz="2000" dirty="0" smtClean="0"/>
-              <a:t>ого разбиения.</a:t>
-            </a:r>
-          </a:p>
-          <a:p>
+              <a:t>ого разбиения</a:t>
+            </a:r>
+            <a:r>
+              <a:rPr lang="ru-RU" sz="2000" dirty="0" smtClean="0"/>
+              <a:t>.</a:t>
+            </a:r>
             <a:endParaRPr lang="en-US" dirty="0" smtClean="0"/>
           </a:p>
           <a:p>
-            <a:pPr>
+            <a:pPr algn="just">
               <a:buNone/>
             </a:pPr>
             <a:r>
@@ -4713,7 +4755,23 @@
             </a:r>
             <a:r>
               <a:rPr lang="ru-RU" sz="2200" dirty="0" smtClean="0"/>
-              <a:t>Данный критерий даёт тем большую оценку, чем менее разбиение соответствует ему.</a:t>
+              <a:t>Данный критерий даёт тем большую оценку, чем </a:t>
+            </a:r>
+            <a:r>
+              <a:rPr lang="ru-RU" sz="2200" dirty="0" smtClean="0"/>
+              <a:t>б</a:t>
+            </a:r>
+            <a:r>
+              <a:rPr lang="ru-RU" sz="2200" dirty="0" smtClean="0"/>
+              <a:t>ольше </a:t>
+            </a:r>
+            <a:r>
+              <a:rPr lang="ru-RU" sz="2200" dirty="0" smtClean="0"/>
+              <a:t>разбиение </a:t>
+            </a:r>
+            <a:r>
+              <a:rPr lang="ru-RU" sz="2200" dirty="0" smtClean="0"/>
+              <a:t>соответствует ему.</a:t>
             </a:r>
           </a:p>
           <a:p>
@@ -4726,26 +4784,34 @@
       </p:sp>
       <p:pic>
         <p:nvPicPr>
-          <p:cNvPr id="12" name="Рисунок 11" descr="Критерий.png"/>
+          <p:cNvPr id="8193" name="Picture 1"/>
           <p:cNvPicPr>
-            <a:picLocks noChangeAspect="1"/>
+            <a:picLocks noChangeAspect="1" noChangeArrowheads="1"/>
           </p:cNvPicPr>
           <p:nvPr/>
         </p:nvPicPr>
         <p:blipFill>
           <a:blip r:embed="rId2"/>
+          <a:srcRect/>
           <a:stretch>
             <a:fillRect/>
           </a:stretch>
         </p:blipFill>
-        <p:spPr>
+        <p:spPr bwMode="auto">
           <a:xfrm>
-            <a:off x="2428860" y="1643050"/>
-            <a:ext cx="4314825" cy="1266825"/>
+            <a:off x="2571736" y="1571612"/>
+            <a:ext cx="4248150" cy="1257300"/>
           </a:xfrm>
           <a:prstGeom prst="rect">
             <a:avLst/>
           </a:prstGeom>
+          <a:noFill/>
+          <a:ln w="9525">
+            <a:noFill/>
+            <a:miter lim="800000"/>
+            <a:headEnd/>
+            <a:tailEnd/>
+          </a:ln>
         </p:spPr>
       </p:pic>
     </p:spTree>

--- a/trunk/Презентация.pptx
+++ b/trunk/Презентация.pptx
@@ -9,7 +9,7 @@
     <p:sldId id="257" r:id="rId3"/>
     <p:sldId id="258" r:id="rId4"/>
     <p:sldId id="278" r:id="rId5"/>
-    <p:sldId id="273" r:id="rId6"/>
+    <p:sldId id="284" r:id="rId6"/>
     <p:sldId id="274" r:id="rId7"/>
     <p:sldId id="275" r:id="rId8"/>
     <p:sldId id="276" r:id="rId9"/>
@@ -302,7 +302,7 @@
             <a:fld id="{C4166EEF-A937-4357-B55D-C0824FF3427E}" type="datetimeFigureOut">
               <a:rPr lang="ru-RU" smtClean="0"/>
               <a:pPr/>
-              <a:t>20.06.2009</a:t>
+              <a:t>21.06.2009</a:t>
             </a:fld>
             <a:endParaRPr lang="ru-RU"/>
           </a:p>
@@ -469,7 +469,7 @@
             <a:fld id="{C4166EEF-A937-4357-B55D-C0824FF3427E}" type="datetimeFigureOut">
               <a:rPr lang="ru-RU" smtClean="0"/>
               <a:pPr/>
-              <a:t>20.06.2009</a:t>
+              <a:t>21.06.2009</a:t>
             </a:fld>
             <a:endParaRPr lang="ru-RU"/>
           </a:p>
@@ -646,7 +646,7 @@
             <a:fld id="{C4166EEF-A937-4357-B55D-C0824FF3427E}" type="datetimeFigureOut">
               <a:rPr lang="ru-RU" smtClean="0"/>
               <a:pPr/>
-              <a:t>20.06.2009</a:t>
+              <a:t>21.06.2009</a:t>
             </a:fld>
             <a:endParaRPr lang="ru-RU"/>
           </a:p>
@@ -813,7 +813,7 @@
             <a:fld id="{C4166EEF-A937-4357-B55D-C0824FF3427E}" type="datetimeFigureOut">
               <a:rPr lang="ru-RU" smtClean="0"/>
               <a:pPr/>
-              <a:t>20.06.2009</a:t>
+              <a:t>21.06.2009</a:t>
             </a:fld>
             <a:endParaRPr lang="ru-RU"/>
           </a:p>
@@ -1056,7 +1056,7 @@
             <a:fld id="{C4166EEF-A937-4357-B55D-C0824FF3427E}" type="datetimeFigureOut">
               <a:rPr lang="ru-RU" smtClean="0"/>
               <a:pPr/>
-              <a:t>20.06.2009</a:t>
+              <a:t>21.06.2009</a:t>
             </a:fld>
             <a:endParaRPr lang="ru-RU"/>
           </a:p>
@@ -1341,7 +1341,7 @@
             <a:fld id="{C4166EEF-A937-4357-B55D-C0824FF3427E}" type="datetimeFigureOut">
               <a:rPr lang="ru-RU" smtClean="0"/>
               <a:pPr/>
-              <a:t>20.06.2009</a:t>
+              <a:t>21.06.2009</a:t>
             </a:fld>
             <a:endParaRPr lang="ru-RU"/>
           </a:p>
@@ -1760,7 +1760,7 @@
             <a:fld id="{C4166EEF-A937-4357-B55D-C0824FF3427E}" type="datetimeFigureOut">
               <a:rPr lang="ru-RU" smtClean="0"/>
               <a:pPr/>
-              <a:t>20.06.2009</a:t>
+              <a:t>21.06.2009</a:t>
             </a:fld>
             <a:endParaRPr lang="ru-RU"/>
           </a:p>
@@ -1875,7 +1875,7 @@
             <a:fld id="{C4166EEF-A937-4357-B55D-C0824FF3427E}" type="datetimeFigureOut">
               <a:rPr lang="ru-RU" smtClean="0"/>
               <a:pPr/>
-              <a:t>20.06.2009</a:t>
+              <a:t>21.06.2009</a:t>
             </a:fld>
             <a:endParaRPr lang="ru-RU"/>
           </a:p>
@@ -1967,7 +1967,7 @@
             <a:fld id="{C4166EEF-A937-4357-B55D-C0824FF3427E}" type="datetimeFigureOut">
               <a:rPr lang="ru-RU" smtClean="0"/>
               <a:pPr/>
-              <a:t>20.06.2009</a:t>
+              <a:t>21.06.2009</a:t>
             </a:fld>
             <a:endParaRPr lang="ru-RU"/>
           </a:p>
@@ -2241,7 +2241,7 @@
             <a:fld id="{C4166EEF-A937-4357-B55D-C0824FF3427E}" type="datetimeFigureOut">
               <a:rPr lang="ru-RU" smtClean="0"/>
               <a:pPr/>
-              <a:t>20.06.2009</a:t>
+              <a:t>21.06.2009</a:t>
             </a:fld>
             <a:endParaRPr lang="ru-RU"/>
           </a:p>
@@ -2491,7 +2491,7 @@
             <a:fld id="{C4166EEF-A937-4357-B55D-C0824FF3427E}" type="datetimeFigureOut">
               <a:rPr lang="ru-RU" smtClean="0"/>
               <a:pPr/>
-              <a:t>20.06.2009</a:t>
+              <a:t>21.06.2009</a:t>
             </a:fld>
             <a:endParaRPr lang="ru-RU"/>
           </a:p>
@@ -2701,7 +2701,7 @@
             <a:fld id="{C4166EEF-A937-4357-B55D-C0824FF3427E}" type="datetimeFigureOut">
               <a:rPr lang="ru-RU" smtClean="0"/>
               <a:pPr/>
-              <a:t>20.06.2009</a:t>
+              <a:t>21.06.2009</a:t>
             </a:fld>
             <a:endParaRPr lang="ru-RU"/>
           </a:p>
@@ -3480,7 +3480,7 @@
           <a:p>
             <a:r>
               <a:rPr lang="ru-RU" sz="3600" dirty="0" smtClean="0"/>
-              <a:t>Окно редактирования переходов</a:t>
+              <a:t>Вспомогательные окна программы</a:t>
             </a:r>
             <a:endParaRPr lang="ru-RU" sz="3600" dirty="0"/>
           </a:p>
@@ -4225,28 +4225,324 @@
         </p:nvSpPr>
         <p:spPr/>
         <p:txBody>
-          <a:bodyPr/>
-          <a:lstStyle/>
-          <a:p>
+          <a:bodyPr>
+            <a:normAutofit fontScale="92500" lnSpcReduction="10000"/>
+          </a:bodyPr>
+          <a:lstStyle/>
+          <a:p>
+            <a:pPr algn="just"/>
             <a:r>
               <a:rPr lang="ru-RU" sz="2800" dirty="0" smtClean="0"/>
-              <a:t>Дискретная система –</a:t>
-            </a:r>
-          </a:p>
-          <a:p>
+              <a:t>Дискретная система </a:t>
+            </a:r>
             <a:r>
               <a:rPr lang="ru-RU" sz="2800" dirty="0" smtClean="0"/>
-              <a:t>Вероятностный конечный автомат –</a:t>
-            </a:r>
-          </a:p>
-          <a:p>
+              <a:t>–</a:t>
+            </a:r>
+            <a:r>
+              <a:rPr lang="en-US" sz="2800" dirty="0" smtClean="0"/>
+              <a:t> </a:t>
+            </a:r>
             <a:r>
               <a:rPr lang="ru-RU" sz="2800" dirty="0" smtClean="0"/>
-              <a:t>Сеть вероятностных автоматов –</a:t>
-            </a:r>
-          </a:p>
-          <a:p>
-            <a:endParaRPr lang="ru-RU" dirty="0"/>
+              <a:t>такая система, у которой дискретны множества внутренних состояний, входных и выходных сигналов, а также множество моментов времени, в которые поступают входные сигналы, </a:t>
+            </a:r>
+            <a:r>
+              <a:rPr lang="ru-RU" sz="2800" dirty="0" smtClean="0"/>
+              <a:t>меняются внутренние состояния и выдаются выходные сигналы.</a:t>
+            </a:r>
+            <a:endParaRPr lang="ru-RU" sz="2800" dirty="0" smtClean="0"/>
+          </a:p>
+          <a:p>
+            <a:pPr algn="just"/>
+            <a:r>
+              <a:rPr lang="ru-RU" sz="2800" dirty="0" smtClean="0"/>
+              <a:t>Вероятностный конечный автомат </a:t>
+            </a:r>
+            <a:r>
+              <a:rPr lang="ru-RU" sz="2800" dirty="0" smtClean="0"/>
+              <a:t>– это </a:t>
+            </a:r>
+            <a:r>
+              <a:rPr lang="ru-RU" sz="2800" dirty="0" smtClean="0"/>
+              <a:t>такой конечный </a:t>
+            </a:r>
+            <a:r>
+              <a:rPr lang="ru-RU" sz="2800" dirty="0" smtClean="0"/>
+              <a:t>автомат, для которого функции </a:t>
+            </a:r>
+            <a:r>
+              <a:rPr lang="ru-RU" sz="2800" dirty="0" smtClean="0"/>
+              <a:t>переходов </a:t>
+            </a:r>
+            <a:r>
+              <a:rPr lang="ru-RU" sz="2800" dirty="0" smtClean="0"/>
+              <a:t>и </a:t>
+            </a:r>
+            <a:r>
+              <a:rPr lang="ru-RU" sz="2800" dirty="0" smtClean="0"/>
+              <a:t>функции выходов </a:t>
+            </a:r>
+            <a:r>
+              <a:rPr lang="ru-RU" sz="2800" dirty="0" smtClean="0"/>
+              <a:t>соответственно принимают </a:t>
+            </a:r>
+            <a:r>
+              <a:rPr lang="ru-RU" sz="2800" dirty="0" smtClean="0"/>
+              <a:t>вид </a:t>
+            </a:r>
+            <a:r>
+              <a:rPr lang="el-GR" sz="2800" b="1" dirty="0" smtClean="0">
+                <a:latin typeface="Times New Roman"/>
+                <a:cs typeface="Times New Roman"/>
+              </a:rPr>
+              <a:t>δ</a:t>
+            </a:r>
+            <a:r>
+              <a:rPr lang="en-US" sz="2800" b="1" dirty="0" smtClean="0">
+                <a:latin typeface="Times New Roman"/>
+                <a:cs typeface="Times New Roman"/>
+              </a:rPr>
+              <a:t> : A </a:t>
+            </a:r>
+            <a:r>
+              <a:rPr lang="el-GR" sz="2800" b="1" dirty="0" smtClean="0">
+                <a:latin typeface="Times New Roman"/>
+                <a:cs typeface="Times New Roman"/>
+              </a:rPr>
+              <a:t>×</a:t>
+            </a:r>
+            <a:r>
+              <a:rPr lang="en-US" sz="2800" b="1" dirty="0" smtClean="0">
+                <a:latin typeface="Times New Roman"/>
+                <a:cs typeface="Times New Roman"/>
+              </a:rPr>
+              <a:t> Z </a:t>
+            </a:r>
+            <a:r>
+              <a:rPr lang="el-GR" sz="2800" b="1" dirty="0" smtClean="0">
+                <a:latin typeface="Times New Roman"/>
+                <a:cs typeface="Times New Roman"/>
+              </a:rPr>
+              <a:t>×</a:t>
+            </a:r>
+            <a:r>
+              <a:rPr lang="en-US" sz="2800" b="1" dirty="0" smtClean="0">
+                <a:latin typeface="Times New Roman"/>
+                <a:cs typeface="Times New Roman"/>
+              </a:rPr>
+              <a:t> p </a:t>
+            </a:r>
+            <a:r>
+              <a:rPr lang="ru-RU" sz="2800" b="1" dirty="0" smtClean="0"/>
+              <a:t>→</a:t>
+            </a:r>
+            <a:r>
+              <a:rPr lang="en-US" sz="2800" b="1" dirty="0" smtClean="0"/>
+              <a:t> </a:t>
+            </a:r>
+            <a:r>
+              <a:rPr lang="en-US" sz="2800" b="1" dirty="0" smtClean="0">
+                <a:latin typeface="Times New Roman"/>
+                <a:cs typeface="Times New Roman"/>
+              </a:rPr>
+              <a:t>A</a:t>
+            </a:r>
+            <a:r>
+              <a:rPr lang="ru-RU" sz="2800" dirty="0" smtClean="0">
+                <a:latin typeface="Times New Roman"/>
+                <a:cs typeface="Times New Roman"/>
+              </a:rPr>
+              <a:t> </a:t>
+            </a:r>
+            <a:r>
+              <a:rPr lang="ru-RU" sz="2800" dirty="0" smtClean="0"/>
+              <a:t>и </a:t>
+            </a:r>
+            <a:r>
+              <a:rPr lang="el-GR" sz="2800" b="1" dirty="0" smtClean="0">
+                <a:latin typeface="Times New Roman"/>
+                <a:cs typeface="Times New Roman"/>
+              </a:rPr>
+              <a:t>λ</a:t>
+            </a:r>
+            <a:r>
+              <a:rPr lang="en-US" sz="2800" b="1" dirty="0" smtClean="0">
+                <a:latin typeface="Times New Roman"/>
+                <a:cs typeface="Times New Roman"/>
+              </a:rPr>
+              <a:t> : A </a:t>
+            </a:r>
+            <a:r>
+              <a:rPr lang="el-GR" sz="2800" b="1" dirty="0" smtClean="0">
+                <a:latin typeface="Times New Roman"/>
+                <a:cs typeface="Times New Roman"/>
+              </a:rPr>
+              <a:t>×</a:t>
+            </a:r>
+            <a:r>
+              <a:rPr lang="en-US" sz="2800" b="1" dirty="0" smtClean="0">
+                <a:latin typeface="Times New Roman"/>
+                <a:cs typeface="Times New Roman"/>
+              </a:rPr>
+              <a:t> Z </a:t>
+            </a:r>
+            <a:r>
+              <a:rPr lang="el-GR" sz="2800" b="1" dirty="0" smtClean="0">
+                <a:latin typeface="Times New Roman"/>
+                <a:cs typeface="Times New Roman"/>
+              </a:rPr>
+              <a:t>×</a:t>
+            </a:r>
+            <a:r>
+              <a:rPr lang="en-US" sz="2800" b="1" dirty="0" smtClean="0">
+                <a:latin typeface="Times New Roman"/>
+                <a:cs typeface="Times New Roman"/>
+              </a:rPr>
+              <a:t> p </a:t>
+            </a:r>
+            <a:r>
+              <a:rPr lang="ru-RU" sz="2800" b="1" dirty="0" smtClean="0"/>
+              <a:t>→</a:t>
+            </a:r>
+            <a:r>
+              <a:rPr lang="en-US" sz="2800" b="1" dirty="0" smtClean="0">
+                <a:latin typeface="Times New Roman"/>
+                <a:cs typeface="Times New Roman"/>
+              </a:rPr>
+              <a:t> W</a:t>
+            </a:r>
+            <a:r>
+              <a:rPr lang="ru-RU" sz="2800" dirty="0" smtClean="0"/>
+              <a:t>, </a:t>
+            </a:r>
+            <a:r>
+              <a:rPr lang="ru-RU" sz="2800" dirty="0" smtClean="0"/>
+              <a:t>где  случайная величина , определяющая </a:t>
+            </a:r>
+            <a:r>
+              <a:rPr lang="ru-RU" sz="2800" dirty="0" smtClean="0"/>
+              <a:t>переход</a:t>
+            </a:r>
+            <a:r>
+              <a:rPr lang="ru-RU" dirty="0"/>
+              <a:t>.</a:t>
+            </a:r>
+            <a:endParaRPr lang="ru-RU" sz="2800" dirty="0" smtClean="0"/>
+          </a:p>
+        </p:txBody>
+      </p:sp>
+      <p:sp>
+        <p:nvSpPr>
+          <p:cNvPr id="11266" name="Rectangle 2"/>
+          <p:cNvSpPr>
+            <a:spLocks noChangeArrowheads="1"/>
+          </p:cNvSpPr>
+          <p:nvPr/>
+        </p:nvSpPr>
+        <p:spPr bwMode="auto">
+          <a:xfrm>
+            <a:off x="0" y="0"/>
+            <a:ext cx="9144000" cy="0"/>
+          </a:xfrm>
+          <a:prstGeom prst="rect">
+            <a:avLst/>
+          </a:prstGeom>
+          <a:noFill/>
+          <a:ln w="9525">
+            <a:noFill/>
+            <a:miter lim="800000"/>
+            <a:headEnd/>
+            <a:tailEnd/>
+          </a:ln>
+          <a:effectLst/>
+        </p:spPr>
+        <p:txBody>
+          <a:bodyPr vert="horz" wrap="none" lIns="91440" tIns="45720" rIns="91440" bIns="45720" numCol="1" anchor="ctr" anchorCtr="0" compatLnSpc="1">
+            <a:prstTxWarp prst="textNoShape">
+              <a:avLst/>
+            </a:prstTxWarp>
+            <a:spAutoFit/>
+          </a:bodyPr>
+          <a:lstStyle/>
+          <a:p>
+            <a:endParaRPr lang="ru-RU"/>
+          </a:p>
+        </p:txBody>
+      </p:sp>
+      <p:sp>
+        <p:nvSpPr>
+          <p:cNvPr id="11268" name="Rectangle 4"/>
+          <p:cNvSpPr>
+            <a:spLocks noChangeArrowheads="1"/>
+          </p:cNvSpPr>
+          <p:nvPr/>
+        </p:nvSpPr>
+        <p:spPr bwMode="auto">
+          <a:xfrm>
+            <a:off x="0" y="0"/>
+            <a:ext cx="9144000" cy="0"/>
+          </a:xfrm>
+          <a:prstGeom prst="rect">
+            <a:avLst/>
+          </a:prstGeom>
+          <a:noFill/>
+          <a:ln w="9525">
+            <a:noFill/>
+            <a:miter lim="800000"/>
+            <a:headEnd/>
+            <a:tailEnd/>
+          </a:ln>
+          <a:effectLst/>
+        </p:spPr>
+        <p:txBody>
+          <a:bodyPr vert="horz" wrap="none" lIns="91440" tIns="45720" rIns="91440" bIns="45720" numCol="1" anchor="ctr" anchorCtr="0" compatLnSpc="1">
+            <a:prstTxWarp prst="textNoShape">
+              <a:avLst/>
+            </a:prstTxWarp>
+            <a:spAutoFit/>
+          </a:bodyPr>
+          <a:lstStyle/>
+          <a:p>
+            <a:endParaRPr lang="ru-RU"/>
+          </a:p>
+        </p:txBody>
+      </p:sp>
+      <p:sp>
+        <p:nvSpPr>
+          <p:cNvPr id="11270" name="Rectangle 6"/>
+          <p:cNvSpPr>
+            <a:spLocks noChangeArrowheads="1"/>
+          </p:cNvSpPr>
+          <p:nvPr/>
+        </p:nvSpPr>
+        <p:spPr bwMode="auto">
+          <a:xfrm>
+            <a:off x="0" y="0"/>
+            <a:ext cx="9144000" cy="0"/>
+          </a:xfrm>
+          <a:prstGeom prst="rect">
+            <a:avLst/>
+          </a:prstGeom>
+          <a:noFill/>
+          <a:ln w="9525">
+            <a:noFill/>
+            <a:miter lim="800000"/>
+            <a:headEnd/>
+            <a:tailEnd/>
+          </a:ln>
+          <a:effectLst/>
+        </p:spPr>
+        <p:txBody>
+          <a:bodyPr vert="horz" wrap="none" lIns="91440" tIns="45720" rIns="91440" bIns="45720" numCol="1" anchor="ctr" anchorCtr="0" compatLnSpc="1">
+            <a:prstTxWarp prst="textNoShape">
+              <a:avLst/>
+            </a:prstTxWarp>
+            <a:spAutoFit/>
+          </a:bodyPr>
+          <a:lstStyle/>
+          <a:p>
+            <a:endParaRPr lang="ru-RU"/>
           </a:p>
         </p:txBody>
       </p:sp>
@@ -4285,35 +4581,433 @@
             <p:ph type="title"/>
           </p:nvPr>
         </p:nvSpPr>
+        <p:spPr/>
+        <p:txBody>
+          <a:bodyPr>
+            <a:normAutofit fontScale="90000"/>
+          </a:bodyPr>
+          <a:lstStyle/>
+          <a:p>
+            <a:r>
+              <a:rPr lang="ru-RU" dirty="0" smtClean="0"/>
+              <a:t>Понятия и </a:t>
+            </a:r>
+            <a:r>
+              <a:rPr lang="ru-RU" dirty="0" smtClean="0"/>
+              <a:t>определения (продолжение)</a:t>
+            </a:r>
+            <a:endParaRPr lang="ru-RU" dirty="0"/>
+          </a:p>
+        </p:txBody>
+      </p:sp>
+      <p:sp>
+        <p:nvSpPr>
+          <p:cNvPr id="3" name="Содержимое 2"/>
+          <p:cNvSpPr>
+            <a:spLocks noGrp="1"/>
+          </p:cNvSpPr>
+          <p:nvPr>
+            <p:ph idx="1"/>
+          </p:nvPr>
+        </p:nvSpPr>
         <p:spPr>
           <a:xfrm>
-            <a:off x="457200" y="274638"/>
-            <a:ext cx="8115328" cy="1143000"/>
+            <a:off x="457200" y="1600200"/>
+            <a:ext cx="8229600" cy="4829196"/>
           </a:xfrm>
         </p:spPr>
         <p:txBody>
           <a:bodyPr>
-            <a:noAutofit/>
+            <a:normAutofit lnSpcReduction="10000"/>
           </a:bodyPr>
           <a:lstStyle/>
           <a:p>
-            <a:r>
-              <a:rPr lang="ru-RU" sz="3600" dirty="0" smtClean="0"/>
-              <a:t>Классификация типовых математических схем формализации алгоритмов</a:t>
-            </a:r>
-            <a:endParaRPr lang="ru-RU" sz="3600" dirty="0"/>
+            <a:pPr algn="just"/>
+            <a:r>
+              <a:rPr lang="ru-RU" sz="2800" dirty="0" smtClean="0"/>
+              <a:t>Сеть вероятностных автоматов </a:t>
+            </a:r>
+            <a:r>
+              <a:rPr lang="ru-RU" sz="2800" dirty="0" smtClean="0"/>
+              <a:t>– это шестёрка</a:t>
+            </a:r>
+          </a:p>
+          <a:p>
+            <a:pPr algn="ctr"/>
+            <a:endParaRPr lang="ru-RU" sz="2800" dirty="0" smtClean="0"/>
+          </a:p>
+          <a:p>
+            <a:pPr>
+              <a:buNone/>
+            </a:pPr>
+            <a:r>
+              <a:rPr lang="ru-RU" sz="2800" dirty="0" smtClean="0"/>
+              <a:t>		</a:t>
+            </a:r>
+            <a:r>
+              <a:rPr lang="en-US" sz="2800" dirty="0" smtClean="0"/>
+              <a:t>Z – </a:t>
+            </a:r>
+            <a:r>
+              <a:rPr lang="ru-RU" sz="2800" dirty="0" smtClean="0"/>
+              <a:t>входной </a:t>
+            </a:r>
+            <a:r>
+              <a:rPr lang="ru-RU" sz="2800" dirty="0" smtClean="0"/>
+              <a:t>алфавит</a:t>
+            </a:r>
+          </a:p>
+          <a:p>
+            <a:pPr>
+              <a:buNone/>
+            </a:pPr>
+            <a:r>
+              <a:rPr lang="ru-RU" sz="2800" dirty="0" smtClean="0"/>
+              <a:t>	</a:t>
+            </a:r>
+            <a:r>
+              <a:rPr lang="ru-RU" sz="2800" dirty="0" smtClean="0"/>
+              <a:t>	</a:t>
+            </a:r>
+            <a:r>
+              <a:rPr lang="en-US" sz="2800" dirty="0" smtClean="0"/>
+              <a:t>{S</a:t>
+            </a:r>
+            <a:r>
+              <a:rPr lang="en-US" sz="2000" dirty="0" smtClean="0"/>
+              <a:t>i </a:t>
+            </a:r>
+            <a:r>
+              <a:rPr lang="en-US" sz="2800" dirty="0" smtClean="0"/>
+              <a:t>= (A</a:t>
+            </a:r>
+            <a:r>
+              <a:rPr lang="en-US" sz="2000" dirty="0" smtClean="0"/>
+              <a:t>i, </a:t>
+            </a:r>
+            <a:r>
+              <a:rPr lang="en-US" sz="2800" dirty="0" err="1" smtClean="0"/>
+              <a:t>Z</a:t>
+            </a:r>
+            <a:r>
+              <a:rPr lang="en-US" sz="2000" dirty="0" err="1" smtClean="0"/>
+              <a:t>i</a:t>
+            </a:r>
+            <a:r>
+              <a:rPr lang="en-US" sz="2000" dirty="0" smtClean="0"/>
+              <a:t>, </a:t>
+            </a:r>
+            <a:r>
+              <a:rPr lang="el-GR" sz="2800" dirty="0" smtClean="0">
+                <a:latin typeface="Times New Roman"/>
+                <a:cs typeface="Times New Roman"/>
+              </a:rPr>
+              <a:t>δ</a:t>
+            </a:r>
+            <a:r>
+              <a:rPr lang="en-US" sz="2000" dirty="0" err="1" smtClean="0"/>
+              <a:t>i</a:t>
+            </a:r>
+            <a:r>
+              <a:rPr lang="en-US" sz="2800" dirty="0" smtClean="0"/>
+              <a:t>)}, 1 ≤ </a:t>
+            </a:r>
+            <a:r>
+              <a:rPr lang="en-US" sz="2800" dirty="0" err="1" smtClean="0"/>
+              <a:t>i</a:t>
+            </a:r>
+            <a:r>
+              <a:rPr lang="en-US" sz="2800" dirty="0" smtClean="0"/>
+              <a:t> ≤ n </a:t>
+            </a:r>
+            <a:r>
+              <a:rPr lang="ru-RU" sz="2800" dirty="0" smtClean="0"/>
+              <a:t>–</a:t>
+            </a:r>
+            <a:r>
+              <a:rPr lang="en-US" sz="2800" dirty="0" smtClean="0"/>
+              <a:t> </a:t>
+            </a:r>
+            <a:r>
+              <a:rPr lang="ru-RU" sz="2800" dirty="0" smtClean="0"/>
+              <a:t>множество компонентных автоматов сети</a:t>
+            </a:r>
+          </a:p>
+          <a:p>
+            <a:pPr>
+              <a:buNone/>
+            </a:pPr>
+            <a:r>
+              <a:rPr lang="ru-RU" sz="2800" dirty="0" smtClean="0"/>
+              <a:t>	</a:t>
+            </a:r>
+            <a:r>
+              <a:rPr lang="ru-RU" sz="2800" dirty="0" smtClean="0"/>
+              <a:t>	</a:t>
+            </a:r>
+            <a:r>
+              <a:rPr lang="en-US" sz="2800" dirty="0" smtClean="0"/>
+              <a:t>W </a:t>
+            </a:r>
+            <a:r>
+              <a:rPr lang="ru-RU" sz="2800" dirty="0" smtClean="0"/>
+              <a:t>–</a:t>
+            </a:r>
+            <a:r>
+              <a:rPr lang="en-US" sz="2800" dirty="0" smtClean="0"/>
+              <a:t> </a:t>
+            </a:r>
+            <a:r>
+              <a:rPr lang="ru-RU" sz="2800" dirty="0" smtClean="0"/>
+              <a:t>выходной алфавит сети</a:t>
+            </a:r>
+          </a:p>
+          <a:p>
+            <a:pPr>
+              <a:buNone/>
+            </a:pPr>
+            <a:r>
+              <a:rPr lang="ru-RU" sz="2800" dirty="0" smtClean="0"/>
+              <a:t>	</a:t>
+            </a:r>
+            <a:r>
+              <a:rPr lang="ru-RU" sz="2800" dirty="0" smtClean="0"/>
+              <a:t>	</a:t>
+            </a:r>
+            <a:r>
+              <a:rPr lang="en-US" sz="2800" dirty="0" smtClean="0"/>
+              <a:t>{</a:t>
+            </a:r>
+            <a:r>
+              <a:rPr lang="en-US" sz="2800" dirty="0" err="1" smtClean="0"/>
+              <a:t>f</a:t>
+            </a:r>
+            <a:r>
+              <a:rPr lang="en-US" sz="2000" dirty="0" err="1" smtClean="0"/>
+              <a:t>i</a:t>
+            </a:r>
+            <a:r>
+              <a:rPr lang="en-US" sz="2800" dirty="0" smtClean="0"/>
+              <a:t>}</a:t>
+            </a:r>
+            <a:r>
+              <a:rPr lang="ru-RU" sz="2800" dirty="0" smtClean="0"/>
+              <a:t>–</a:t>
+            </a:r>
+            <a:r>
+              <a:rPr lang="en-US" sz="2800" dirty="0" smtClean="0"/>
+              <a:t> </a:t>
+            </a:r>
+            <a:r>
+              <a:rPr lang="ru-RU" sz="2800" dirty="0" smtClean="0"/>
+              <a:t>множество функций соединения компонентных автоматов сети.</a:t>
+            </a:r>
+          </a:p>
+          <a:p>
+            <a:pPr>
+              <a:buNone/>
+            </a:pPr>
+            <a:r>
+              <a:rPr lang="ru-RU" sz="2800" dirty="0" smtClean="0"/>
+              <a:t>	</a:t>
+            </a:r>
+            <a:r>
+              <a:rPr lang="ru-RU" sz="2800" dirty="0" smtClean="0"/>
+              <a:t>	</a:t>
+            </a:r>
+            <a:r>
+              <a:rPr lang="en-US" sz="2800" dirty="0" smtClean="0">
+                <a:latin typeface="Calibri" pitchFamily="34" charset="0"/>
+                <a:cs typeface="Times New Roman"/>
+              </a:rPr>
+              <a:t>{</a:t>
+            </a:r>
+            <a:r>
+              <a:rPr lang="el-GR" sz="3300" dirty="0" smtClean="0">
+                <a:latin typeface="Times New Roman"/>
+                <a:cs typeface="Times New Roman"/>
+              </a:rPr>
+              <a:t>ψ</a:t>
+            </a:r>
+            <a:r>
+              <a:rPr lang="en-US" sz="2000" dirty="0" err="1" smtClean="0"/>
+              <a:t>i</a:t>
+            </a:r>
+            <a:r>
+              <a:rPr lang="en-US" sz="2800" dirty="0" smtClean="0"/>
+              <a:t>}</a:t>
+            </a:r>
+            <a:r>
+              <a:rPr lang="ru-RU" sz="2000" dirty="0" smtClean="0"/>
+              <a:t> </a:t>
+            </a:r>
+            <a:r>
+              <a:rPr lang="ru-RU" sz="2800" dirty="0" smtClean="0"/>
+              <a:t>– множество входных функций.</a:t>
+            </a:r>
+            <a:endParaRPr lang="en-US" sz="2800" dirty="0" smtClean="0"/>
+          </a:p>
+          <a:p>
+            <a:pPr>
+              <a:buNone/>
+            </a:pPr>
+            <a:r>
+              <a:rPr lang="en-US" sz="2800" dirty="0" smtClean="0"/>
+              <a:t>	</a:t>
+            </a:r>
+            <a:r>
+              <a:rPr lang="en-US" sz="2800" dirty="0" smtClean="0"/>
+              <a:t>	</a:t>
+            </a:r>
+            <a:r>
+              <a:rPr lang="en-US" sz="3100" dirty="0" smtClean="0">
+                <a:latin typeface="Cambria Math" pitchFamily="18" charset="0"/>
+                <a:ea typeface="Cambria Math" pitchFamily="18" charset="0"/>
+                <a:cs typeface="Times New Roman" pitchFamily="18" charset="0"/>
+              </a:rPr>
+              <a:t>g </a:t>
+            </a:r>
+            <a:r>
+              <a:rPr lang="ru-RU" sz="2400" dirty="0" smtClean="0"/>
+              <a:t>–</a:t>
+            </a:r>
+            <a:r>
+              <a:rPr lang="en-US" sz="2400" dirty="0" smtClean="0"/>
+              <a:t>  </a:t>
+            </a:r>
+            <a:r>
+              <a:rPr lang="ru-RU" sz="2400" dirty="0" smtClean="0"/>
+              <a:t>выходная функция сети.</a:t>
+            </a:r>
+            <a:endParaRPr lang="en-US" sz="3100" dirty="0" smtClean="0">
+              <a:latin typeface="Cambria Math" pitchFamily="18" charset="0"/>
+              <a:ea typeface="Cambria Math" pitchFamily="18" charset="0"/>
+              <a:cs typeface="Times New Roman" pitchFamily="18" charset="0"/>
+            </a:endParaRPr>
+          </a:p>
+        </p:txBody>
+      </p:sp>
+      <p:sp>
+        <p:nvSpPr>
+          <p:cNvPr id="11266" name="Rectangle 2"/>
+          <p:cNvSpPr>
+            <a:spLocks noChangeArrowheads="1"/>
+          </p:cNvSpPr>
+          <p:nvPr/>
+        </p:nvSpPr>
+        <p:spPr bwMode="auto">
+          <a:xfrm>
+            <a:off x="0" y="0"/>
+            <a:ext cx="9144000" cy="0"/>
+          </a:xfrm>
+          <a:prstGeom prst="rect">
+            <a:avLst/>
+          </a:prstGeom>
+          <a:noFill/>
+          <a:ln w="9525">
+            <a:noFill/>
+            <a:miter lim="800000"/>
+            <a:headEnd/>
+            <a:tailEnd/>
+          </a:ln>
+          <a:effectLst/>
+        </p:spPr>
+        <p:txBody>
+          <a:bodyPr vert="horz" wrap="none" lIns="91440" tIns="45720" rIns="91440" bIns="45720" numCol="1" anchor="ctr" anchorCtr="0" compatLnSpc="1">
+            <a:prstTxWarp prst="textNoShape">
+              <a:avLst/>
+            </a:prstTxWarp>
+            <a:spAutoFit/>
+          </a:bodyPr>
+          <a:lstStyle/>
+          <a:p>
+            <a:endParaRPr lang="ru-RU"/>
+          </a:p>
+        </p:txBody>
+      </p:sp>
+      <p:sp>
+        <p:nvSpPr>
+          <p:cNvPr id="11268" name="Rectangle 4"/>
+          <p:cNvSpPr>
+            <a:spLocks noChangeArrowheads="1"/>
+          </p:cNvSpPr>
+          <p:nvPr/>
+        </p:nvSpPr>
+        <p:spPr bwMode="auto">
+          <a:xfrm>
+            <a:off x="0" y="0"/>
+            <a:ext cx="9144000" cy="0"/>
+          </a:xfrm>
+          <a:prstGeom prst="rect">
+            <a:avLst/>
+          </a:prstGeom>
+          <a:noFill/>
+          <a:ln w="9525">
+            <a:noFill/>
+            <a:miter lim="800000"/>
+            <a:headEnd/>
+            <a:tailEnd/>
+          </a:ln>
+          <a:effectLst/>
+        </p:spPr>
+        <p:txBody>
+          <a:bodyPr vert="horz" wrap="none" lIns="91440" tIns="45720" rIns="91440" bIns="45720" numCol="1" anchor="ctr" anchorCtr="0" compatLnSpc="1">
+            <a:prstTxWarp prst="textNoShape">
+              <a:avLst/>
+            </a:prstTxWarp>
+            <a:spAutoFit/>
+          </a:bodyPr>
+          <a:lstStyle/>
+          <a:p>
+            <a:endParaRPr lang="ru-RU"/>
+          </a:p>
+        </p:txBody>
+      </p:sp>
+      <p:sp>
+        <p:nvSpPr>
+          <p:cNvPr id="11270" name="Rectangle 6"/>
+          <p:cNvSpPr>
+            <a:spLocks noChangeArrowheads="1"/>
+          </p:cNvSpPr>
+          <p:nvPr/>
+        </p:nvSpPr>
+        <p:spPr bwMode="auto">
+          <a:xfrm>
+            <a:off x="0" y="0"/>
+            <a:ext cx="9144000" cy="0"/>
+          </a:xfrm>
+          <a:prstGeom prst="rect">
+            <a:avLst/>
+          </a:prstGeom>
+          <a:noFill/>
+          <a:ln w="9525">
+            <a:noFill/>
+            <a:miter lim="800000"/>
+            <a:headEnd/>
+            <a:tailEnd/>
+          </a:ln>
+          <a:effectLst/>
+        </p:spPr>
+        <p:txBody>
+          <a:bodyPr vert="horz" wrap="none" lIns="91440" tIns="45720" rIns="91440" bIns="45720" numCol="1" anchor="ctr" anchorCtr="0" compatLnSpc="1">
+            <a:prstTxWarp prst="textNoShape">
+              <a:avLst/>
+            </a:prstTxWarp>
+            <a:spAutoFit/>
+          </a:bodyPr>
+          <a:lstStyle/>
+          <a:p>
+            <a:endParaRPr lang="ru-RU"/>
           </a:p>
         </p:txBody>
       </p:sp>
       <p:pic>
         <p:nvPicPr>
-          <p:cNvPr id="4" name="Содержимое 3"/>
+          <p:cNvPr id="27651" name="Picture 3"/>
           <p:cNvPicPr>
-            <a:picLocks noGrp="1"/>
+            <a:picLocks noChangeAspect="1" noChangeArrowheads="1"/>
           </p:cNvPicPr>
-          <p:nvPr>
-            <p:ph idx="1"/>
-          </p:nvPr>
+          <p:nvPr/>
         </p:nvPicPr>
         <p:blipFill>
           <a:blip r:embed="rId2"/>
@@ -4324,8 +5018,8 @@
         </p:blipFill>
         <p:spPr bwMode="auto">
           <a:xfrm>
-            <a:off x="1125004" y="1687355"/>
-            <a:ext cx="7307632" cy="4612748"/>
+            <a:off x="2714612" y="2071678"/>
+            <a:ext cx="3724275" cy="361950"/>
           </a:xfrm>
           <a:prstGeom prst="rect">
             <a:avLst/>
@@ -4344,13 +5038,6 @@
   <p:clrMapOvr>
     <a:masterClrMapping/>
   </p:clrMapOvr>
-  <p:timing>
-    <p:tnLst>
-      <p:par>
-        <p:cTn id="1" dur="indefinite" restart="never" nodeType="tmRoot"/>
-      </p:par>
-    </p:tnLst>
-  </p:timing>
 </p:sld>
 </file>
 
@@ -4420,8 +5107,8 @@
         </p:blipFill>
         <p:spPr bwMode="auto">
           <a:xfrm>
-            <a:off x="1649761" y="1600200"/>
-            <a:ext cx="5844477" cy="4525963"/>
+            <a:off x="2071670" y="1571612"/>
+            <a:ext cx="5208255" cy="4033273"/>
           </a:xfrm>
           <a:prstGeom prst="rect">
             <a:avLst/>
@@ -4436,6 +5123,116 @@
           <a:effectLst/>
         </p:spPr>
       </p:pic>
+      <p:sp>
+        <p:nvSpPr>
+          <p:cNvPr id="4" name="Content Placeholder 4"/>
+          <p:cNvSpPr txBox="1">
+            <a:spLocks/>
+          </p:cNvSpPr>
+          <p:nvPr/>
+        </p:nvSpPr>
+        <p:spPr>
+          <a:xfrm>
+            <a:off x="428596" y="5715016"/>
+            <a:ext cx="8229600" cy="785818"/>
+          </a:xfrm>
+          <a:prstGeom prst="rect">
+            <a:avLst/>
+          </a:prstGeom>
+        </p:spPr>
+        <p:txBody>
+          <a:bodyPr vert="horz" lIns="91440" tIns="45720" rIns="91440" bIns="45720" rtlCol="0">
+            <a:normAutofit fontScale="62500" lnSpcReduction="20000"/>
+          </a:bodyPr>
+          <a:lstStyle/>
+          <a:p>
+            <a:pPr marL="342900" marR="0" lvl="0" indent="-342900" algn="l" defTabSz="914400" rtl="0" eaLnBrk="1" fontAlgn="auto" latinLnBrk="0" hangingPunct="1">
+              <a:lnSpc>
+                <a:spcPct val="100000"/>
+              </a:lnSpc>
+              <a:spcBef>
+                <a:spcPct val="20000"/>
+              </a:spcBef>
+              <a:spcAft>
+                <a:spcPts val="0"/>
+              </a:spcAft>
+              <a:buClrTx/>
+              <a:buSzTx/>
+              <a:tabLst/>
+              <a:defRPr/>
+            </a:pPr>
+            <a:r>
+              <a:rPr kumimoji="0" lang="ru-RU" sz="3200" b="0" i="0" u="none" strike="noStrike" kern="1200" cap="none" spc="0" normalizeH="0" baseline="0" noProof="0" dirty="0" smtClean="0">
+                <a:ln>
+                  <a:noFill/>
+                </a:ln>
+                <a:solidFill>
+                  <a:schemeClr val="tx1"/>
+                </a:solidFill>
+                <a:effectLst/>
+                <a:uLnTx/>
+                <a:uFillTx/>
+                <a:latin typeface="+mn-lt"/>
+                <a:ea typeface="+mn-ea"/>
+                <a:cs typeface="+mn-cs"/>
+              </a:rPr>
+              <a:t>		В</a:t>
+            </a:r>
+            <a:r>
+              <a:rPr kumimoji="0" lang="ru-RU" sz="3200" b="0" i="0" u="none" strike="noStrike" kern="1200" cap="none" spc="0" normalizeH="0" noProof="0" dirty="0" smtClean="0">
+                <a:ln>
+                  <a:noFill/>
+                </a:ln>
+                <a:solidFill>
+                  <a:schemeClr val="tx1"/>
+                </a:solidFill>
+                <a:effectLst/>
+                <a:uLnTx/>
+                <a:uFillTx/>
+                <a:latin typeface="+mn-lt"/>
+                <a:ea typeface="+mn-ea"/>
+                <a:cs typeface="+mn-cs"/>
+              </a:rPr>
+              <a:t> отчётной квалификационной работе рассмотрен объектный метод </a:t>
+            </a:r>
+            <a:r>
+              <a:rPr kumimoji="0" lang="ru-RU" sz="3200" b="0" i="0" u="none" strike="noStrike" kern="1200" cap="none" spc="0" normalizeH="0" noProof="0" dirty="0" err="1" smtClean="0">
+                <a:ln>
+                  <a:noFill/>
+                </a:ln>
+                <a:solidFill>
+                  <a:schemeClr val="tx1"/>
+                </a:solidFill>
+                <a:effectLst/>
+                <a:uLnTx/>
+                <a:uFillTx/>
+                <a:latin typeface="+mn-lt"/>
+                <a:ea typeface="+mn-ea"/>
+                <a:cs typeface="+mn-cs"/>
+              </a:rPr>
+              <a:t>декомпозици</a:t>
+            </a:r>
+            <a:r>
+              <a:rPr lang="ru-RU" sz="3200" dirty="0" smtClean="0"/>
+              <a:t>и с помощью конечных автоматов.</a:t>
+            </a:r>
+            <a:endParaRPr kumimoji="0" lang="ru-RU" sz="3200" b="0" i="0" u="none" strike="noStrike" kern="1200" cap="none" spc="0" normalizeH="0" baseline="0" noProof="0" dirty="0">
+              <a:ln>
+                <a:noFill/>
+              </a:ln>
+              <a:solidFill>
+                <a:schemeClr val="tx1"/>
+              </a:solidFill>
+              <a:effectLst/>
+              <a:uLnTx/>
+              <a:uFillTx/>
+              <a:latin typeface="+mn-lt"/>
+              <a:ea typeface="+mn-ea"/>
+              <a:cs typeface="+mn-cs"/>
+            </a:endParaRPr>
+          </a:p>
+        </p:txBody>
+      </p:sp>
     </p:spTree>
   </p:cSld>
   <p:clrMapOvr>
@@ -4503,7 +5300,7 @@
         </p:nvSpPr>
         <p:spPr>
           <a:xfrm>
-            <a:off x="457200" y="6000768"/>
+            <a:off x="428596" y="6000768"/>
             <a:ext cx="8229600" cy="125395"/>
           </a:xfrm>
         </p:spPr>
@@ -4737,11 +5534,7 @@
             </a:r>
             <a:r>
               <a:rPr lang="ru-RU" sz="2000" dirty="0" smtClean="0"/>
-              <a:t>ого разбиения</a:t>
-            </a:r>
-            <a:r>
-              <a:rPr lang="ru-RU" sz="2000" dirty="0" smtClean="0"/>
-              <a:t>.</a:t>
+              <a:t>ого разбиения.</a:t>
             </a:r>
             <a:endParaRPr lang="en-US" dirty="0" smtClean="0"/>
           </a:p>
@@ -4755,23 +5548,7 @@
             </a:r>
             <a:r>
               <a:rPr lang="ru-RU" sz="2200" dirty="0" smtClean="0"/>
-              <a:t>Данный критерий даёт тем большую оценку, чем </a:t>
-            </a:r>
-            <a:r>
-              <a:rPr lang="ru-RU" sz="2200" dirty="0" smtClean="0"/>
-              <a:t>б</a:t>
-            </a:r>
-            <a:r>
-              <a:rPr lang="ru-RU" sz="2200" dirty="0" smtClean="0"/>
-              <a:t>ольше </a:t>
-            </a:r>
-            <a:r>
-              <a:rPr lang="ru-RU" sz="2200" dirty="0" smtClean="0"/>
-              <a:t>разбиение </a:t>
-            </a:r>
-            <a:r>
-              <a:rPr lang="ru-RU" sz="2200" dirty="0" smtClean="0"/>
-              <a:t>соответствует ему.</a:t>
+              <a:t>Данный критерий даёт тем большую оценку, чем больше разбиение соответствует ему.</a:t>
             </a:r>
           </a:p>
           <a:p>

--- a/trunk/Презентация.pptx
+++ b/trunk/Презентация.pptx
@@ -3901,7 +3901,7 @@
         </p:spPr>
         <p:txBody>
           <a:bodyPr>
-            <a:normAutofit fontScale="62500" lnSpcReduction="20000"/>
+            <a:normAutofit fontScale="70000" lnSpcReduction="20000"/>
           </a:bodyPr>
           <a:lstStyle/>
           <a:p>
@@ -3957,31 +3957,28 @@
             <a:pPr lvl="0" algn="just"/>
             <a:r>
               <a:rPr lang="ru-RU" sz="3800" dirty="0" smtClean="0"/>
-              <a:t>модификация существующего алгоритма декомпозиции конечных автоматов, с целью получения возможности его применения для вероятностных автоматов;  </a:t>
+              <a:t>Изучение и модификация </a:t>
+            </a:r>
+            <a:r>
+              <a:rPr lang="ru-RU" sz="3800" dirty="0" smtClean="0"/>
+              <a:t>существующего алгоритма декомпозиции конечных автоматов, с целью получения возможности его применения для вероятностных автоматов;  </a:t>
             </a:r>
           </a:p>
           <a:p>
             <a:pPr lvl="0" algn="just"/>
+            <a:r>
+              <a:rPr lang="ru-RU" sz="3800" dirty="0" smtClean="0"/>
+              <a:t>проектирование, реализация  и отладка программного продукта, позволяющего производить декомпозицию вероятностных </a:t>
+            </a:r>
+            <a:r>
+              <a:rPr lang="ru-RU" sz="3800" dirty="0" smtClean="0"/>
+              <a:t>автоматов, а также производить моделирование </a:t>
+            </a:r>
+            <a:r>
+              <a:rPr lang="ru-RU" sz="3800" smtClean="0"/>
+              <a:t>работы полученной сети;</a:t>
+            </a:r>
             <a:endParaRPr lang="ru-RU" sz="3800" dirty="0" smtClean="0"/>
-          </a:p>
-          <a:p>
-            <a:pPr lvl="0" algn="just"/>
-            <a:r>
-              <a:rPr lang="ru-RU" sz="3800" dirty="0" smtClean="0"/>
-              <a:t>проектирование, реализация  и отладка программного продукта, позволяющего производить декомпозицию вероятностных автоматов; </a:t>
-            </a:r>
-            <a:endParaRPr lang="en-US" sz="3800" dirty="0" smtClean="0"/>
-          </a:p>
-          <a:p>
-            <a:pPr lvl="0" algn="just"/>
-            <a:endParaRPr lang="ru-RU" sz="3800" dirty="0" smtClean="0"/>
-          </a:p>
-          <a:p>
-            <a:pPr lvl="0" algn="just"/>
-            <a:r>
-              <a:rPr lang="ru-RU" sz="3800" dirty="0" smtClean="0"/>
-              <a:t>получение количественных характеристик результирующей сети и исходного автомата.</a:t>
-            </a:r>
           </a:p>
         </p:txBody>
       </p:sp>
@@ -4233,11 +4230,7 @@
             <a:pPr algn="just"/>
             <a:r>
               <a:rPr lang="ru-RU" sz="2800" dirty="0" smtClean="0"/>
-              <a:t>Дискретная система </a:t>
-            </a:r>
-            <a:r>
-              <a:rPr lang="ru-RU" sz="2800" dirty="0" smtClean="0"/>
-              <a:t>–</a:t>
+              <a:t>Дискретная система –</a:t>
             </a:r>
             <a:r>
               <a:rPr lang="en-US" sz="2800" dirty="0" smtClean="0"/>
@@ -4245,51 +4238,14 @@
             </a:r>
             <a:r>
               <a:rPr lang="ru-RU" sz="2800" dirty="0" smtClean="0"/>
-              <a:t>такая система, у которой дискретны множества внутренних состояний, входных и выходных сигналов, а также множество моментов времени, в которые поступают входные сигналы, </a:t>
-            </a:r>
+              <a:t>такая система, у которой дискретны множества внутренних состояний, входных и выходных сигналов, а также множество моментов времени, в которые поступают входные сигналы, меняются внутренние состояния и выдаются выходные сигналы.</a:t>
+            </a:r>
+          </a:p>
+          <a:p>
+            <a:pPr algn="just"/>
             <a:r>
               <a:rPr lang="ru-RU" sz="2800" dirty="0" smtClean="0"/>
-              <a:t>меняются внутренние состояния и выдаются выходные сигналы.</a:t>
-            </a:r>
-            <a:endParaRPr lang="ru-RU" sz="2800" dirty="0" smtClean="0"/>
-          </a:p>
-          <a:p>
-            <a:pPr algn="just"/>
-            <a:r>
-              <a:rPr lang="ru-RU" sz="2800" dirty="0" smtClean="0"/>
-              <a:t>Вероятностный конечный автомат </a:t>
-            </a:r>
-            <a:r>
-              <a:rPr lang="ru-RU" sz="2800" dirty="0" smtClean="0"/>
-              <a:t>– это </a:t>
-            </a:r>
-            <a:r>
-              <a:rPr lang="ru-RU" sz="2800" dirty="0" smtClean="0"/>
-              <a:t>такой конечный </a:t>
-            </a:r>
-            <a:r>
-              <a:rPr lang="ru-RU" sz="2800" dirty="0" smtClean="0"/>
-              <a:t>автомат, для которого функции </a:t>
-            </a:r>
-            <a:r>
-              <a:rPr lang="ru-RU" sz="2800" dirty="0" smtClean="0"/>
-              <a:t>переходов </a:t>
-            </a:r>
-            <a:r>
-              <a:rPr lang="ru-RU" sz="2800" dirty="0" smtClean="0"/>
-              <a:t>и </a:t>
-            </a:r>
-            <a:r>
-              <a:rPr lang="ru-RU" sz="2800" dirty="0" smtClean="0"/>
-              <a:t>функции выходов </a:t>
-            </a:r>
-            <a:r>
-              <a:rPr lang="ru-RU" sz="2800" dirty="0" smtClean="0"/>
-              <a:t>соответственно принимают </a:t>
-            </a:r>
-            <a:r>
-              <a:rPr lang="ru-RU" sz="2800" dirty="0" smtClean="0"/>
-              <a:t>вид </a:t>
+              <a:t>Вероятностный конечный автомат – это такой конечный автомат, для которого функции переходов и функции выходов соответственно принимают вид </a:t>
             </a:r>
             <a:r>
               <a:rPr lang="el-GR" sz="2800" b="1" dirty="0" smtClean="0">
@@ -4414,15 +4370,7 @@
             </a:r>
             <a:r>
               <a:rPr lang="ru-RU" sz="2800" dirty="0" smtClean="0"/>
-              <a:t>, </a:t>
-            </a:r>
-            <a:r>
-              <a:rPr lang="ru-RU" sz="2800" dirty="0" smtClean="0"/>
-              <a:t>где  случайная величина , определяющая </a:t>
-            </a:r>
-            <a:r>
-              <a:rPr lang="ru-RU" sz="2800" dirty="0" smtClean="0"/>
-              <a:t>переход</a:t>
+              <a:t>, где  случайная величина , определяющая переход</a:t>
             </a:r>
             <a:r>
               <a:rPr lang="ru-RU" dirty="0"/>
@@ -4590,11 +4538,7 @@
           <a:p>
             <a:r>
               <a:rPr lang="ru-RU" dirty="0" smtClean="0"/>
-              <a:t>Понятия и </a:t>
-            </a:r>
-            <a:r>
-              <a:rPr lang="ru-RU" dirty="0" smtClean="0"/>
-              <a:t>определения (продолжение)</a:t>
+              <a:t>Понятия и определения (продолжение)</a:t>
             </a:r>
             <a:endParaRPr lang="ru-RU" dirty="0"/>
           </a:p>
@@ -4625,11 +4569,7 @@
             <a:pPr algn="just"/>
             <a:r>
               <a:rPr lang="ru-RU" sz="2800" dirty="0" smtClean="0"/>
-              <a:t>Сеть вероятностных автоматов </a:t>
-            </a:r>
-            <a:r>
-              <a:rPr lang="ru-RU" sz="2800" dirty="0" smtClean="0"/>
-              <a:t>– это шестёрка</a:t>
+              <a:t>Сеть вероятностных автоматов – это шестёрка</a:t>
             </a:r>
           </a:p>
           <a:p>
@@ -4650,24 +4590,16 @@
             </a:r>
             <a:r>
               <a:rPr lang="ru-RU" sz="2800" dirty="0" smtClean="0"/>
-              <a:t>входной </a:t>
-            </a:r>
+              <a:t>входной алфавит</a:t>
+            </a:r>
+          </a:p>
+          <a:p>
+            <a:pPr>
+              <a:buNone/>
+            </a:pPr>
             <a:r>
               <a:rPr lang="ru-RU" sz="2800" dirty="0" smtClean="0"/>
-              <a:t>алфавит</a:t>
-            </a:r>
-          </a:p>
-          <a:p>
-            <a:pPr>
-              <a:buNone/>
-            </a:pPr>
-            <a:r>
-              <a:rPr lang="ru-RU" sz="2800" dirty="0" smtClean="0"/>
-              <a:t>	</a:t>
-            </a:r>
-            <a:r>
-              <a:rPr lang="ru-RU" sz="2800" dirty="0" smtClean="0"/>
-              <a:t>	</a:t>
+              <a:t>		</a:t>
             </a:r>
             <a:r>
               <a:rPr lang="en-US" sz="2800" dirty="0" smtClean="0"/>
@@ -4739,11 +4671,7 @@
             </a:pPr>
             <a:r>
               <a:rPr lang="ru-RU" sz="2800" dirty="0" smtClean="0"/>
-              <a:t>	</a:t>
-            </a:r>
-            <a:r>
-              <a:rPr lang="ru-RU" sz="2800" dirty="0" smtClean="0"/>
-              <a:t>	</a:t>
+              <a:t>		</a:t>
             </a:r>
             <a:r>
               <a:rPr lang="en-US" sz="2800" dirty="0" smtClean="0"/>
@@ -4768,11 +4696,7 @@
             </a:pPr>
             <a:r>
               <a:rPr lang="ru-RU" sz="2800" dirty="0" smtClean="0"/>
-              <a:t>	</a:t>
-            </a:r>
-            <a:r>
-              <a:rPr lang="ru-RU" sz="2800" dirty="0" smtClean="0"/>
-              <a:t>	</a:t>
+              <a:t>		</a:t>
             </a:r>
             <a:r>
               <a:rPr lang="en-US" sz="2800" dirty="0" smtClean="0"/>
@@ -4809,11 +4733,7 @@
             </a:pPr>
             <a:r>
               <a:rPr lang="ru-RU" sz="2800" dirty="0" smtClean="0"/>
-              <a:t>	</a:t>
-            </a:r>
-            <a:r>
-              <a:rPr lang="ru-RU" sz="2800" dirty="0" smtClean="0"/>
-              <a:t>	</a:t>
+              <a:t>		</a:t>
             </a:r>
             <a:r>
               <a:rPr lang="en-US" sz="2800" dirty="0" smtClean="0">
@@ -4853,11 +4773,7 @@
             </a:pPr>
             <a:r>
               <a:rPr lang="en-US" sz="2800" dirty="0" smtClean="0"/>
-              <a:t>	</a:t>
-            </a:r>
-            <a:r>
-              <a:rPr lang="en-US" sz="2800" dirty="0" smtClean="0"/>
-              <a:t>	</a:t>
+              <a:t>		</a:t>
             </a:r>
             <a:r>
               <a:rPr lang="en-US" sz="3100" dirty="0" smtClean="0">

--- a/trunk/Презентация.pptx
+++ b/trunk/Презентация.pptx
@@ -2,7 +2,7 @@
 <file path=ppt/presentation.xml><?xml version="1.0" encoding="utf-8"?>
 <p:presentation xmlns:a="http://schemas.openxmlformats.org/drawingml/2006/main" xmlns:r="http://schemas.openxmlformats.org/officeDocument/2006/relationships" xmlns:p="http://schemas.openxmlformats.org/presentationml/2006/main" saveSubsetFonts="1">
   <p:sldMasterIdLst>
-    <p:sldMasterId id="2147483648" r:id="rId1"/>
+    <p:sldMasterId id="2147483660" r:id="rId1"/>
   </p:sldMasterIdLst>
   <p:sldIdLst>
     <p:sldId id="256" r:id="rId2"/>
@@ -18,7 +18,9 @@
     <p:sldId id="280" r:id="rId12"/>
     <p:sldId id="281" r:id="rId13"/>
     <p:sldId id="282" r:id="rId14"/>
-    <p:sldId id="283" r:id="rId15"/>
+    <p:sldId id="285" r:id="rId15"/>
+    <p:sldId id="283" r:id="rId16"/>
+    <p:sldId id="286" r:id="rId17"/>
   </p:sldIdLst>
   <p:sldSz cx="9144000" cy="6858000" type="screen4x3"/>
   <p:notesSz cx="6858000" cy="9144000"/>
@@ -121,8 +123,8 @@
 </file>
 
 <file path=ppt/slideLayouts/slideLayout1.xml><?xml version="1.0" encoding="utf-8"?>
-<p:sldLayout xmlns:a="http://schemas.openxmlformats.org/drawingml/2006/main" xmlns:r="http://schemas.openxmlformats.org/officeDocument/2006/relationships" xmlns:p="http://schemas.openxmlformats.org/presentationml/2006/main" type="title" preserve="1">
-  <p:cSld name="Титульный слайд">
+<p:sldLayout xmlns:a="http://schemas.openxmlformats.org/drawingml/2006/main" xmlns:r="http://schemas.openxmlformats.org/officeDocument/2006/relationships" xmlns:p="http://schemas.openxmlformats.org/presentationml/2006/main" showMasterSp="0" type="title" preserve="1">
+  <p:cSld name="Title Slide">
     <p:spTree>
       <p:nvGrpSpPr>
         <p:cNvPr id="1" name=""/>
@@ -139,9 +141,9 @@
       </p:grpSpPr>
       <p:sp>
         <p:nvSpPr>
-          <p:cNvPr id="2" name="Заголовок 1"/>
-          <p:cNvSpPr>
-            <a:spLocks noGrp="1"/>
+          <p:cNvPr id="25602" name="Rectangle 2"/>
+          <p:cNvSpPr>
+            <a:spLocks noGrp="1" noChangeArrowheads="1"/>
           </p:cNvSpPr>
           <p:nvPr>
             <p:ph type="ctrTitle"/>
@@ -149,27 +151,31 @@
         </p:nvSpPr>
         <p:spPr>
           <a:xfrm>
-            <a:off x="685800" y="2130425"/>
-            <a:ext cx="7772400" cy="1470025"/>
+            <a:off x="914400" y="1524000"/>
+            <a:ext cx="7622931" cy="1752600"/>
           </a:xfrm>
         </p:spPr>
         <p:txBody>
           <a:bodyPr/>
-          <a:lstStyle/>
-          <a:p>
-            <a:r>
-              <a:rPr lang="ru-RU" smtClean="0"/>
-              <a:t>Образец заголовка</a:t>
-            </a:r>
-            <a:endParaRPr lang="ru-RU"/>
-          </a:p>
-        </p:txBody>
-      </p:sp>
-      <p:sp>
-        <p:nvSpPr>
-          <p:cNvPr id="3" name="Подзаголовок 2"/>
-          <p:cNvSpPr>
-            <a:spLocks noGrp="1"/>
+          <a:lstStyle>
+            <a:lvl1pPr>
+              <a:defRPr sz="5000"/>
+            </a:lvl1pPr>
+          </a:lstStyle>
+          <a:p>
+            <a:r>
+              <a:rPr lang="en-US" altLang="en-US" smtClean="0"/>
+              <a:t>Click to edit Master title style</a:t>
+            </a:r>
+            <a:endParaRPr lang="ru-RU" altLang="en-US"/>
+          </a:p>
+        </p:txBody>
+      </p:sp>
+      <p:sp>
+        <p:nvSpPr>
+          <p:cNvPr id="25603" name="Rectangle 3"/>
+          <p:cNvSpPr>
+            <a:spLocks noGrp="1" noChangeArrowheads="1"/>
           </p:cNvSpPr>
           <p:nvPr>
             <p:ph type="subTitle" idx="1"/>
@@ -177,127 +183,46 @@
         </p:nvSpPr>
         <p:spPr>
           <a:xfrm>
-            <a:off x="1371600" y="3886200"/>
-            <a:ext cx="6400800" cy="1752600"/>
+            <a:off x="1981200" y="3962400"/>
+            <a:ext cx="6553200" cy="1752600"/>
           </a:xfrm>
         </p:spPr>
         <p:txBody>
           <a:bodyPr/>
           <a:lstStyle>
-            <a:lvl1pPr marL="0" indent="0" algn="ctr">
-              <a:buNone/>
-              <a:defRPr>
-                <a:solidFill>
-                  <a:schemeClr val="tx1">
-                    <a:tint val="75000"/>
-                  </a:schemeClr>
-                </a:solidFill>
-              </a:defRPr>
+            <a:lvl1pPr marL="0" indent="0">
+              <a:buFont typeface="Wingdings" pitchFamily="2" charset="2"/>
+              <a:buNone/>
+              <a:defRPr sz="2800"/>
             </a:lvl1pPr>
-            <a:lvl2pPr marL="457200" indent="0" algn="ctr">
-              <a:buNone/>
-              <a:defRPr>
-                <a:solidFill>
-                  <a:schemeClr val="tx1">
-                    <a:tint val="75000"/>
-                  </a:schemeClr>
-                </a:solidFill>
-              </a:defRPr>
-            </a:lvl2pPr>
-            <a:lvl3pPr marL="914400" indent="0" algn="ctr">
-              <a:buNone/>
-              <a:defRPr>
-                <a:solidFill>
-                  <a:schemeClr val="tx1">
-                    <a:tint val="75000"/>
-                  </a:schemeClr>
-                </a:solidFill>
-              </a:defRPr>
-            </a:lvl3pPr>
-            <a:lvl4pPr marL="1371600" indent="0" algn="ctr">
-              <a:buNone/>
-              <a:defRPr>
-                <a:solidFill>
-                  <a:schemeClr val="tx1">
-                    <a:tint val="75000"/>
-                  </a:schemeClr>
-                </a:solidFill>
-              </a:defRPr>
-            </a:lvl4pPr>
-            <a:lvl5pPr marL="1828800" indent="0" algn="ctr">
-              <a:buNone/>
-              <a:defRPr>
-                <a:solidFill>
-                  <a:schemeClr val="tx1">
-                    <a:tint val="75000"/>
-                  </a:schemeClr>
-                </a:solidFill>
-              </a:defRPr>
-            </a:lvl5pPr>
-            <a:lvl6pPr marL="2286000" indent="0" algn="ctr">
-              <a:buNone/>
-              <a:defRPr>
-                <a:solidFill>
-                  <a:schemeClr val="tx1">
-                    <a:tint val="75000"/>
-                  </a:schemeClr>
-                </a:solidFill>
-              </a:defRPr>
-            </a:lvl6pPr>
-            <a:lvl7pPr marL="2743200" indent="0" algn="ctr">
-              <a:buNone/>
-              <a:defRPr>
-                <a:solidFill>
-                  <a:schemeClr val="tx1">
-                    <a:tint val="75000"/>
-                  </a:schemeClr>
-                </a:solidFill>
-              </a:defRPr>
-            </a:lvl7pPr>
-            <a:lvl8pPr marL="3200400" indent="0" algn="ctr">
-              <a:buNone/>
-              <a:defRPr>
-                <a:solidFill>
-                  <a:schemeClr val="tx1">
-                    <a:tint val="75000"/>
-                  </a:schemeClr>
-                </a:solidFill>
-              </a:defRPr>
-            </a:lvl8pPr>
-            <a:lvl9pPr marL="3657600" indent="0" algn="ctr">
-              <a:buNone/>
-              <a:defRPr>
-                <a:solidFill>
-                  <a:schemeClr val="tx1">
-                    <a:tint val="75000"/>
-                  </a:schemeClr>
-                </a:solidFill>
-              </a:defRPr>
-            </a:lvl9pPr>
           </a:lstStyle>
           <a:p>
             <a:r>
-              <a:rPr lang="ru-RU" smtClean="0"/>
-              <a:t>Образец подзаголовка</a:t>
-            </a:r>
-            <a:endParaRPr lang="ru-RU"/>
-          </a:p>
-        </p:txBody>
-      </p:sp>
-      <p:sp>
-        <p:nvSpPr>
-          <p:cNvPr id="4" name="Дата 3"/>
-          <p:cNvSpPr>
-            <a:spLocks noGrp="1"/>
-          </p:cNvSpPr>
-          <p:nvPr>
-            <p:ph type="dt" sz="half" idx="10"/>
+              <a:rPr lang="en-US" altLang="en-US" smtClean="0"/>
+              <a:t>Click to edit Master subtitle style</a:t>
+            </a:r>
+            <a:endParaRPr lang="ru-RU" altLang="en-US"/>
+          </a:p>
+        </p:txBody>
+      </p:sp>
+      <p:sp>
+        <p:nvSpPr>
+          <p:cNvPr id="25604" name="Rectangle 4"/>
+          <p:cNvSpPr>
+            <a:spLocks noGrp="1" noChangeArrowheads="1"/>
+          </p:cNvSpPr>
+          <p:nvPr>
+            <p:ph type="dt" sz="half" idx="2"/>
           </p:nvPr>
         </p:nvSpPr>
         <p:spPr/>
         <p:txBody>
           <a:bodyPr/>
-          <a:lstStyle/>
+          <a:lstStyle>
+            <a:lvl1pPr>
+              <a:defRPr/>
+            </a:lvl1pPr>
+          </a:lstStyle>
           <a:p>
             <a:fld id="{C4166EEF-A937-4357-B55D-C0824FF3427E}" type="datetimeFigureOut">
               <a:rPr lang="ru-RU" smtClean="0"/>
@@ -310,37 +235,50 @@
       </p:sp>
       <p:sp>
         <p:nvSpPr>
-          <p:cNvPr id="5" name="Нижний колонтитул 4"/>
-          <p:cNvSpPr>
-            <a:spLocks noGrp="1"/>
-          </p:cNvSpPr>
-          <p:nvPr>
-            <p:ph type="ftr" sz="quarter" idx="11"/>
+          <p:cNvPr id="25605" name="Rectangle 5"/>
+          <p:cNvSpPr>
+            <a:spLocks noGrp="1" noChangeArrowheads="1"/>
+          </p:cNvSpPr>
+          <p:nvPr>
+            <p:ph type="ftr" sz="quarter" idx="3"/>
+          </p:nvPr>
+        </p:nvSpPr>
+        <p:spPr>
+          <a:xfrm>
+            <a:off x="3124200" y="6243638"/>
+            <a:ext cx="2895600" cy="457200"/>
+          </a:xfrm>
+        </p:spPr>
+        <p:txBody>
+          <a:bodyPr/>
+          <a:lstStyle>
+            <a:lvl1pPr>
+              <a:defRPr/>
+            </a:lvl1pPr>
+          </a:lstStyle>
+          <a:p>
+            <a:endParaRPr lang="ru-RU"/>
+          </a:p>
+        </p:txBody>
+      </p:sp>
+      <p:sp>
+        <p:nvSpPr>
+          <p:cNvPr id="25606" name="Rectangle 6"/>
+          <p:cNvSpPr>
+            <a:spLocks noGrp="1" noChangeArrowheads="1"/>
+          </p:cNvSpPr>
+          <p:nvPr>
+            <p:ph type="sldNum" sz="quarter" idx="4"/>
           </p:nvPr>
         </p:nvSpPr>
         <p:spPr/>
         <p:txBody>
           <a:bodyPr/>
-          <a:lstStyle/>
-          <a:p>
-            <a:endParaRPr lang="ru-RU"/>
-          </a:p>
-        </p:txBody>
-      </p:sp>
-      <p:sp>
-        <p:nvSpPr>
-          <p:cNvPr id="6" name="Номер слайда 5"/>
-          <p:cNvSpPr>
-            <a:spLocks noGrp="1"/>
-          </p:cNvSpPr>
-          <p:nvPr>
-            <p:ph type="sldNum" sz="quarter" idx="12"/>
-          </p:nvPr>
-        </p:nvSpPr>
-        <p:spPr/>
-        <p:txBody>
-          <a:bodyPr/>
-          <a:lstStyle/>
+          <a:lstStyle>
+            <a:lvl1pPr>
+              <a:defRPr/>
+            </a:lvl1pPr>
+          </a:lstStyle>
           <a:p>
             <a:fld id="{C4182372-7F49-4886-AECC-F225F362BA48}" type="slidenum">
               <a:rPr lang="ru-RU" smtClean="0"/>
@@ -351,17 +289,121 @@
           </a:p>
         </p:txBody>
       </p:sp>
+      <p:sp>
+        <p:nvSpPr>
+          <p:cNvPr id="25607" name="Freeform 7"/>
+          <p:cNvSpPr>
+            <a:spLocks noChangeArrowheads="1"/>
+          </p:cNvSpPr>
+          <p:nvPr/>
+        </p:nvSpPr>
+        <p:spPr bwMode="auto">
+          <a:xfrm>
+            <a:off x="609600" y="1219200"/>
+            <a:ext cx="7924800" cy="914400"/>
+          </a:xfrm>
+          <a:custGeom>
+            <a:avLst/>
+            <a:gdLst/>
+            <a:ahLst/>
+            <a:cxnLst>
+              <a:cxn ang="0">
+                <a:pos x="0" y="1000"/>
+              </a:cxn>
+              <a:cxn ang="0">
+                <a:pos x="0" y="0"/>
+              </a:cxn>
+              <a:cxn ang="0">
+                <a:pos x="1000" y="0"/>
+              </a:cxn>
+            </a:cxnLst>
+            <a:rect l="0" t="0" r="r" b="b"/>
+            <a:pathLst>
+              <a:path w="1000" h="1000">
+                <a:moveTo>
+                  <a:pt x="0" y="1000"/>
+                </a:moveTo>
+                <a:lnTo>
+                  <a:pt x="0" y="0"/>
+                </a:lnTo>
+                <a:lnTo>
+                  <a:pt x="1000" y="0"/>
+                </a:lnTo>
+              </a:path>
+            </a:pathLst>
+          </a:custGeom>
+          <a:noFill/>
+          <a:ln w="25400" cap="flat" cmpd="sng">
+            <a:solidFill>
+              <a:schemeClr val="accent1"/>
+            </a:solidFill>
+            <a:prstDash val="solid"/>
+            <a:miter lim="800000"/>
+            <a:headEnd/>
+            <a:tailEnd/>
+          </a:ln>
+        </p:spPr>
+        <p:txBody>
+          <a:bodyPr/>
+          <a:lstStyle/>
+          <a:p>
+            <a:endParaRPr lang="ru-RU"/>
+          </a:p>
+        </p:txBody>
+      </p:sp>
+      <p:sp>
+        <p:nvSpPr>
+          <p:cNvPr id="25608" name="Line 8"/>
+          <p:cNvSpPr>
+            <a:spLocks noChangeShapeType="1"/>
+          </p:cNvSpPr>
+          <p:nvPr/>
+        </p:nvSpPr>
+        <p:spPr bwMode="auto">
+          <a:xfrm>
+            <a:off x="1981200" y="3962400"/>
+            <a:ext cx="6512169" cy="0"/>
+          </a:xfrm>
+          <a:prstGeom prst="line">
+            <a:avLst/>
+          </a:prstGeom>
+          <a:noFill/>
+          <a:ln w="19050">
+            <a:solidFill>
+              <a:schemeClr val="accent1"/>
+            </a:solidFill>
+            <a:round/>
+            <a:headEnd/>
+            <a:tailEnd/>
+          </a:ln>
+          <a:effectLst/>
+        </p:spPr>
+        <p:txBody>
+          <a:bodyPr/>
+          <a:lstStyle/>
+          <a:p>
+            <a:endParaRPr lang="ru-RU"/>
+          </a:p>
+        </p:txBody>
+      </p:sp>
     </p:spTree>
   </p:cSld>
   <p:clrMapOvr>
     <a:masterClrMapping/>
   </p:clrMapOvr>
+  <p:timing>
+    <p:tnLst>
+      <p:par>
+        <p:cTn id="1" dur="indefinite" restart="never" nodeType="tmRoot"/>
+      </p:par>
+    </p:tnLst>
+  </p:timing>
 </p:sldLayout>
 </file>
 
 <file path=ppt/slideLayouts/slideLayout10.xml><?xml version="1.0" encoding="utf-8"?>
 <p:sldLayout xmlns:a="http://schemas.openxmlformats.org/drawingml/2006/main" xmlns:r="http://schemas.openxmlformats.org/officeDocument/2006/relationships" xmlns:p="http://schemas.openxmlformats.org/presentationml/2006/main" type="vertTx" preserve="1">
-  <p:cSld name="Заголовок и вертикальный текст">
+  <p:cSld name="Title and Vertical Text">
     <p:spTree>
       <p:nvGrpSpPr>
         <p:cNvPr id="1" name=""/>
@@ -378,7 +420,7 @@
       </p:grpSpPr>
       <p:sp>
         <p:nvSpPr>
-          <p:cNvPr id="2" name="Заголовок 1"/>
+          <p:cNvPr id="2" name="Title 1"/>
           <p:cNvSpPr>
             <a:spLocks noGrp="1"/>
           </p:cNvSpPr>
@@ -392,8 +434,8 @@
           <a:lstStyle/>
           <a:p>
             <a:r>
-              <a:rPr lang="ru-RU" smtClean="0"/>
-              <a:t>Образец заголовка</a:t>
+              <a:rPr lang="en-US" smtClean="0"/>
+              <a:t>Click to edit Master title style</a:t>
             </a:r>
             <a:endParaRPr lang="ru-RU"/>
           </a:p>
@@ -401,7 +443,7 @@
       </p:sp>
       <p:sp>
         <p:nvSpPr>
-          <p:cNvPr id="3" name="Вертикальный текст 2"/>
+          <p:cNvPr id="3" name="Vertical Text Placeholder 2"/>
           <p:cNvSpPr>
             <a:spLocks noGrp="1"/>
           </p:cNvSpPr>
@@ -416,36 +458,36 @@
           <a:p>
             <a:pPr lvl="0"/>
             <a:r>
-              <a:rPr lang="ru-RU" smtClean="0"/>
-              <a:t>Образец текста</a:t>
+              <a:rPr lang="en-US" smtClean="0"/>
+              <a:t>Click to edit Master text styles</a:t>
             </a:r>
           </a:p>
           <a:p>
             <a:pPr lvl="1"/>
             <a:r>
-              <a:rPr lang="ru-RU" smtClean="0"/>
-              <a:t>Второй уровень</a:t>
+              <a:rPr lang="en-US" smtClean="0"/>
+              <a:t>Second level</a:t>
             </a:r>
           </a:p>
           <a:p>
             <a:pPr lvl="2"/>
             <a:r>
-              <a:rPr lang="ru-RU" smtClean="0"/>
-              <a:t>Третий уровень</a:t>
+              <a:rPr lang="en-US" smtClean="0"/>
+              <a:t>Third level</a:t>
             </a:r>
           </a:p>
           <a:p>
             <a:pPr lvl="3"/>
             <a:r>
-              <a:rPr lang="ru-RU" smtClean="0"/>
-              <a:t>Четвертый уровень</a:t>
+              <a:rPr lang="en-US" smtClean="0"/>
+              <a:t>Fourth level</a:t>
             </a:r>
           </a:p>
           <a:p>
             <a:pPr lvl="4"/>
             <a:r>
-              <a:rPr lang="ru-RU" smtClean="0"/>
-              <a:t>Пятый уровень</a:t>
+              <a:rPr lang="en-US" smtClean="0"/>
+              <a:t>Fifth level</a:t>
             </a:r>
             <a:endParaRPr lang="ru-RU"/>
           </a:p>
@@ -453,7 +495,7 @@
       </p:sp>
       <p:sp>
         <p:nvSpPr>
-          <p:cNvPr id="4" name="Дата 3"/>
+          <p:cNvPr id="4" name="Date Placeholder 3"/>
           <p:cNvSpPr>
             <a:spLocks noGrp="1"/>
           </p:cNvSpPr>
@@ -464,7 +506,11 @@
         <p:spPr/>
         <p:txBody>
           <a:bodyPr/>
-          <a:lstStyle/>
+          <a:lstStyle>
+            <a:lvl1pPr>
+              <a:defRPr/>
+            </a:lvl1pPr>
+          </a:lstStyle>
           <a:p>
             <a:fld id="{C4166EEF-A937-4357-B55D-C0824FF3427E}" type="datetimeFigureOut">
               <a:rPr lang="ru-RU" smtClean="0"/>
@@ -477,7 +523,7 @@
       </p:sp>
       <p:sp>
         <p:nvSpPr>
-          <p:cNvPr id="5" name="Нижний колонтитул 4"/>
+          <p:cNvPr id="5" name="Footer Placeholder 4"/>
           <p:cNvSpPr>
             <a:spLocks noGrp="1"/>
           </p:cNvSpPr>
@@ -488,7 +534,11 @@
         <p:spPr/>
         <p:txBody>
           <a:bodyPr/>
-          <a:lstStyle/>
+          <a:lstStyle>
+            <a:lvl1pPr>
+              <a:defRPr/>
+            </a:lvl1pPr>
+          </a:lstStyle>
           <a:p>
             <a:endParaRPr lang="ru-RU"/>
           </a:p>
@@ -496,7 +546,7 @@
       </p:sp>
       <p:sp>
         <p:nvSpPr>
-          <p:cNvPr id="6" name="Номер слайда 5"/>
+          <p:cNvPr id="6" name="Slide Number Placeholder 5"/>
           <p:cNvSpPr>
             <a:spLocks noGrp="1"/>
           </p:cNvSpPr>
@@ -507,7 +557,11 @@
         <p:spPr/>
         <p:txBody>
           <a:bodyPr/>
-          <a:lstStyle/>
+          <a:lstStyle>
+            <a:lvl1pPr>
+              <a:defRPr/>
+            </a:lvl1pPr>
+          </a:lstStyle>
           <a:p>
             <a:fld id="{C4182372-7F49-4886-AECC-F225F362BA48}" type="slidenum">
               <a:rPr lang="ru-RU" smtClean="0"/>
@@ -528,7 +582,7 @@
 
 <file path=ppt/slideLayouts/slideLayout11.xml><?xml version="1.0" encoding="utf-8"?>
 <p:sldLayout xmlns:a="http://schemas.openxmlformats.org/drawingml/2006/main" xmlns:r="http://schemas.openxmlformats.org/officeDocument/2006/relationships" xmlns:p="http://schemas.openxmlformats.org/presentationml/2006/main" type="vertTitleAndTx" preserve="1">
-  <p:cSld name="Вертикальный заголовок и текст">
+  <p:cSld name="Vertical Title and Text">
     <p:spTree>
       <p:nvGrpSpPr>
         <p:cNvPr id="1" name=""/>
@@ -545,7 +599,7 @@
       </p:grpSpPr>
       <p:sp>
         <p:nvSpPr>
-          <p:cNvPr id="2" name="Вертикальный заголовок 1"/>
+          <p:cNvPr id="2" name="Vertical Title 1"/>
           <p:cNvSpPr>
             <a:spLocks noGrp="1"/>
           </p:cNvSpPr>
@@ -555,8 +609,8 @@
         </p:nvSpPr>
         <p:spPr>
           <a:xfrm>
-            <a:off x="6629400" y="274638"/>
-            <a:ext cx="2057400" cy="5851525"/>
+            <a:off x="6629400" y="277813"/>
+            <a:ext cx="2057400" cy="5853112"/>
           </a:xfrm>
         </p:spPr>
         <p:txBody>
@@ -564,8 +618,8 @@
           <a:lstStyle/>
           <a:p>
             <a:r>
-              <a:rPr lang="ru-RU" smtClean="0"/>
-              <a:t>Образец заголовка</a:t>
+              <a:rPr lang="en-US" smtClean="0"/>
+              <a:t>Click to edit Master title style</a:t>
             </a:r>
             <a:endParaRPr lang="ru-RU"/>
           </a:p>
@@ -573,7 +627,7 @@
       </p:sp>
       <p:sp>
         <p:nvSpPr>
-          <p:cNvPr id="3" name="Вертикальный текст 2"/>
+          <p:cNvPr id="3" name="Vertical Text Placeholder 2"/>
           <p:cNvSpPr>
             <a:spLocks noGrp="1"/>
           </p:cNvSpPr>
@@ -583,8 +637,8 @@
         </p:nvSpPr>
         <p:spPr>
           <a:xfrm>
-            <a:off x="457200" y="274638"/>
-            <a:ext cx="6019800" cy="5851525"/>
+            <a:off x="457200" y="277813"/>
+            <a:ext cx="6031523" cy="5853112"/>
           </a:xfrm>
         </p:spPr>
         <p:txBody>
@@ -593,36 +647,36 @@
           <a:p>
             <a:pPr lvl="0"/>
             <a:r>
-              <a:rPr lang="ru-RU" smtClean="0"/>
-              <a:t>Образец текста</a:t>
+              <a:rPr lang="en-US" smtClean="0"/>
+              <a:t>Click to edit Master text styles</a:t>
             </a:r>
           </a:p>
           <a:p>
             <a:pPr lvl="1"/>
             <a:r>
-              <a:rPr lang="ru-RU" smtClean="0"/>
-              <a:t>Второй уровень</a:t>
+              <a:rPr lang="en-US" smtClean="0"/>
+              <a:t>Second level</a:t>
             </a:r>
           </a:p>
           <a:p>
             <a:pPr lvl="2"/>
             <a:r>
-              <a:rPr lang="ru-RU" smtClean="0"/>
-              <a:t>Третий уровень</a:t>
+              <a:rPr lang="en-US" smtClean="0"/>
+              <a:t>Third level</a:t>
             </a:r>
           </a:p>
           <a:p>
             <a:pPr lvl="3"/>
             <a:r>
-              <a:rPr lang="ru-RU" smtClean="0"/>
-              <a:t>Четвертый уровень</a:t>
+              <a:rPr lang="en-US" smtClean="0"/>
+              <a:t>Fourth level</a:t>
             </a:r>
           </a:p>
           <a:p>
             <a:pPr lvl="4"/>
             <a:r>
-              <a:rPr lang="ru-RU" smtClean="0"/>
-              <a:t>Пятый уровень</a:t>
+              <a:rPr lang="en-US" smtClean="0"/>
+              <a:t>Fifth level</a:t>
             </a:r>
             <a:endParaRPr lang="ru-RU"/>
           </a:p>
@@ -630,7 +684,7 @@
       </p:sp>
       <p:sp>
         <p:nvSpPr>
-          <p:cNvPr id="4" name="Дата 3"/>
+          <p:cNvPr id="4" name="Date Placeholder 3"/>
           <p:cNvSpPr>
             <a:spLocks noGrp="1"/>
           </p:cNvSpPr>
@@ -641,7 +695,11 @@
         <p:spPr/>
         <p:txBody>
           <a:bodyPr/>
-          <a:lstStyle/>
+          <a:lstStyle>
+            <a:lvl1pPr>
+              <a:defRPr/>
+            </a:lvl1pPr>
+          </a:lstStyle>
           <a:p>
             <a:fld id="{C4166EEF-A937-4357-B55D-C0824FF3427E}" type="datetimeFigureOut">
               <a:rPr lang="ru-RU" smtClean="0"/>
@@ -654,7 +712,7 @@
       </p:sp>
       <p:sp>
         <p:nvSpPr>
-          <p:cNvPr id="5" name="Нижний колонтитул 4"/>
+          <p:cNvPr id="5" name="Footer Placeholder 4"/>
           <p:cNvSpPr>
             <a:spLocks noGrp="1"/>
           </p:cNvSpPr>
@@ -665,7 +723,11 @@
         <p:spPr/>
         <p:txBody>
           <a:bodyPr/>
-          <a:lstStyle/>
+          <a:lstStyle>
+            <a:lvl1pPr>
+              <a:defRPr/>
+            </a:lvl1pPr>
+          </a:lstStyle>
           <a:p>
             <a:endParaRPr lang="ru-RU"/>
           </a:p>
@@ -673,7 +735,7 @@
       </p:sp>
       <p:sp>
         <p:nvSpPr>
-          <p:cNvPr id="6" name="Номер слайда 5"/>
+          <p:cNvPr id="6" name="Slide Number Placeholder 5"/>
           <p:cNvSpPr>
             <a:spLocks noGrp="1"/>
           </p:cNvSpPr>
@@ -684,7 +746,11 @@
         <p:spPr/>
         <p:txBody>
           <a:bodyPr/>
-          <a:lstStyle/>
+          <a:lstStyle>
+            <a:lvl1pPr>
+              <a:defRPr/>
+            </a:lvl1pPr>
+          </a:lstStyle>
           <a:p>
             <a:fld id="{C4182372-7F49-4886-AECC-F225F362BA48}" type="slidenum">
               <a:rPr lang="ru-RU" smtClean="0"/>
@@ -705,7 +771,7 @@
 
 <file path=ppt/slideLayouts/slideLayout2.xml><?xml version="1.0" encoding="utf-8"?>
 <p:sldLayout xmlns:a="http://schemas.openxmlformats.org/drawingml/2006/main" xmlns:r="http://schemas.openxmlformats.org/officeDocument/2006/relationships" xmlns:p="http://schemas.openxmlformats.org/presentationml/2006/main" type="obj" preserve="1">
-  <p:cSld name="Заголовок и объект">
+  <p:cSld name="Title and Content">
     <p:spTree>
       <p:nvGrpSpPr>
         <p:cNvPr id="1" name=""/>
@@ -722,7 +788,7 @@
       </p:grpSpPr>
       <p:sp>
         <p:nvSpPr>
-          <p:cNvPr id="2" name="Заголовок 1"/>
+          <p:cNvPr id="2" name="Title 1"/>
           <p:cNvSpPr>
             <a:spLocks noGrp="1"/>
           </p:cNvSpPr>
@@ -736,8 +802,8 @@
           <a:lstStyle/>
           <a:p>
             <a:r>
-              <a:rPr lang="ru-RU" smtClean="0"/>
-              <a:t>Образец заголовка</a:t>
+              <a:rPr lang="en-US" smtClean="0"/>
+              <a:t>Click to edit Master title style</a:t>
             </a:r>
             <a:endParaRPr lang="ru-RU"/>
           </a:p>
@@ -745,7 +811,7 @@
       </p:sp>
       <p:sp>
         <p:nvSpPr>
-          <p:cNvPr id="3" name="Содержимое 2"/>
+          <p:cNvPr id="3" name="Content Placeholder 2"/>
           <p:cNvSpPr>
             <a:spLocks noGrp="1"/>
           </p:cNvSpPr>
@@ -760,36 +826,36 @@
           <a:p>
             <a:pPr lvl="0"/>
             <a:r>
-              <a:rPr lang="ru-RU" smtClean="0"/>
-              <a:t>Образец текста</a:t>
+              <a:rPr lang="en-US" smtClean="0"/>
+              <a:t>Click to edit Master text styles</a:t>
             </a:r>
           </a:p>
           <a:p>
             <a:pPr lvl="1"/>
             <a:r>
-              <a:rPr lang="ru-RU" smtClean="0"/>
-              <a:t>Второй уровень</a:t>
+              <a:rPr lang="en-US" smtClean="0"/>
+              <a:t>Second level</a:t>
             </a:r>
           </a:p>
           <a:p>
             <a:pPr lvl="2"/>
             <a:r>
-              <a:rPr lang="ru-RU" smtClean="0"/>
-              <a:t>Третий уровень</a:t>
+              <a:rPr lang="en-US" smtClean="0"/>
+              <a:t>Third level</a:t>
             </a:r>
           </a:p>
           <a:p>
             <a:pPr lvl="3"/>
             <a:r>
-              <a:rPr lang="ru-RU" smtClean="0"/>
-              <a:t>Четвертый уровень</a:t>
+              <a:rPr lang="en-US" smtClean="0"/>
+              <a:t>Fourth level</a:t>
             </a:r>
           </a:p>
           <a:p>
             <a:pPr lvl="4"/>
             <a:r>
-              <a:rPr lang="ru-RU" smtClean="0"/>
-              <a:t>Пятый уровень</a:t>
+              <a:rPr lang="en-US" smtClean="0"/>
+              <a:t>Fifth level</a:t>
             </a:r>
             <a:endParaRPr lang="ru-RU"/>
           </a:p>
@@ -797,7 +863,7 @@
       </p:sp>
       <p:sp>
         <p:nvSpPr>
-          <p:cNvPr id="4" name="Дата 3"/>
+          <p:cNvPr id="4" name="Date Placeholder 3"/>
           <p:cNvSpPr>
             <a:spLocks noGrp="1"/>
           </p:cNvSpPr>
@@ -808,7 +874,11 @@
         <p:spPr/>
         <p:txBody>
           <a:bodyPr/>
-          <a:lstStyle/>
+          <a:lstStyle>
+            <a:lvl1pPr>
+              <a:defRPr/>
+            </a:lvl1pPr>
+          </a:lstStyle>
           <a:p>
             <a:fld id="{C4166EEF-A937-4357-B55D-C0824FF3427E}" type="datetimeFigureOut">
               <a:rPr lang="ru-RU" smtClean="0"/>
@@ -821,7 +891,7 @@
       </p:sp>
       <p:sp>
         <p:nvSpPr>
-          <p:cNvPr id="5" name="Нижний колонтитул 4"/>
+          <p:cNvPr id="5" name="Footer Placeholder 4"/>
           <p:cNvSpPr>
             <a:spLocks noGrp="1"/>
           </p:cNvSpPr>
@@ -832,7 +902,11 @@
         <p:spPr/>
         <p:txBody>
           <a:bodyPr/>
-          <a:lstStyle/>
+          <a:lstStyle>
+            <a:lvl1pPr>
+              <a:defRPr/>
+            </a:lvl1pPr>
+          </a:lstStyle>
           <a:p>
             <a:endParaRPr lang="ru-RU"/>
           </a:p>
@@ -840,7 +914,7 @@
       </p:sp>
       <p:sp>
         <p:nvSpPr>
-          <p:cNvPr id="6" name="Номер слайда 5"/>
+          <p:cNvPr id="6" name="Slide Number Placeholder 5"/>
           <p:cNvSpPr>
             <a:spLocks noGrp="1"/>
           </p:cNvSpPr>
@@ -851,7 +925,11 @@
         <p:spPr/>
         <p:txBody>
           <a:bodyPr/>
-          <a:lstStyle/>
+          <a:lstStyle>
+            <a:lvl1pPr>
+              <a:defRPr/>
+            </a:lvl1pPr>
+          </a:lstStyle>
           <a:p>
             <a:fld id="{C4182372-7F49-4886-AECC-F225F362BA48}" type="slidenum">
               <a:rPr lang="ru-RU" smtClean="0"/>
@@ -872,7 +950,7 @@
 
 <file path=ppt/slideLayouts/slideLayout3.xml><?xml version="1.0" encoding="utf-8"?>
 <p:sldLayout xmlns:a="http://schemas.openxmlformats.org/drawingml/2006/main" xmlns:r="http://schemas.openxmlformats.org/officeDocument/2006/relationships" xmlns:p="http://schemas.openxmlformats.org/presentationml/2006/main" type="secHead" preserve="1">
-  <p:cSld name="Заголовок раздела">
+  <p:cSld name="Section Header">
     <p:spTree>
       <p:nvGrpSpPr>
         <p:cNvPr id="1" name=""/>
@@ -889,7 +967,7 @@
       </p:grpSpPr>
       <p:sp>
         <p:nvSpPr>
-          <p:cNvPr id="2" name="Заголовок 1"/>
+          <p:cNvPr id="2" name="Title 1"/>
           <p:cNvSpPr>
             <a:spLocks noGrp="1"/>
           </p:cNvSpPr>
@@ -899,12 +977,12 @@
         </p:nvSpPr>
         <p:spPr>
           <a:xfrm>
-            <a:off x="722313" y="4406900"/>
+            <a:off x="722435" y="4406901"/>
             <a:ext cx="7772400" cy="1362075"/>
           </a:xfrm>
         </p:spPr>
         <p:txBody>
-          <a:bodyPr anchor="t"/>
+          <a:bodyPr/>
           <a:lstStyle>
             <a:lvl1pPr algn="l">
               <a:defRPr sz="4000" b="1" cap="all"/>
@@ -912,8 +990,8 @@
           </a:lstStyle>
           <a:p>
             <a:r>
-              <a:rPr lang="ru-RU" smtClean="0"/>
-              <a:t>Образец заголовка</a:t>
+              <a:rPr lang="en-US" smtClean="0"/>
+              <a:t>Click to edit Master title style</a:t>
             </a:r>
             <a:endParaRPr lang="ru-RU"/>
           </a:p>
@@ -921,7 +999,7 @@
       </p:sp>
       <p:sp>
         <p:nvSpPr>
-          <p:cNvPr id="3" name="Текст 2"/>
+          <p:cNvPr id="3" name="Text Placeholder 2"/>
           <p:cNvSpPr>
             <a:spLocks noGrp="1"/>
           </p:cNvSpPr>
@@ -931,7 +1009,7 @@
         </p:nvSpPr>
         <p:spPr>
           <a:xfrm>
-            <a:off x="722313" y="2906713"/>
+            <a:off x="722435" y="2906713"/>
             <a:ext cx="7772400" cy="1500187"/>
           </a:xfrm>
         </p:spPr>
@@ -940,107 +1018,53 @@
           <a:lstStyle>
             <a:lvl1pPr marL="0" indent="0">
               <a:buNone/>
-              <a:defRPr sz="2000">
-                <a:solidFill>
-                  <a:schemeClr val="tx1">
-                    <a:tint val="75000"/>
-                  </a:schemeClr>
-                </a:solidFill>
-              </a:defRPr>
+              <a:defRPr sz="2000"/>
             </a:lvl1pPr>
             <a:lvl2pPr marL="457200" indent="0">
               <a:buNone/>
-              <a:defRPr sz="1800">
-                <a:solidFill>
-                  <a:schemeClr val="tx1">
-                    <a:tint val="75000"/>
-                  </a:schemeClr>
-                </a:solidFill>
-              </a:defRPr>
+              <a:defRPr sz="1800"/>
             </a:lvl2pPr>
             <a:lvl3pPr marL="914400" indent="0">
               <a:buNone/>
-              <a:defRPr sz="1600">
-                <a:solidFill>
-                  <a:schemeClr val="tx1">
-                    <a:tint val="75000"/>
-                  </a:schemeClr>
-                </a:solidFill>
-              </a:defRPr>
+              <a:defRPr sz="1600"/>
             </a:lvl3pPr>
             <a:lvl4pPr marL="1371600" indent="0">
               <a:buNone/>
-              <a:defRPr sz="1400">
-                <a:solidFill>
-                  <a:schemeClr val="tx1">
-                    <a:tint val="75000"/>
-                  </a:schemeClr>
-                </a:solidFill>
-              </a:defRPr>
+              <a:defRPr sz="1400"/>
             </a:lvl4pPr>
             <a:lvl5pPr marL="1828800" indent="0">
               <a:buNone/>
-              <a:defRPr sz="1400">
-                <a:solidFill>
-                  <a:schemeClr val="tx1">
-                    <a:tint val="75000"/>
-                  </a:schemeClr>
-                </a:solidFill>
-              </a:defRPr>
+              <a:defRPr sz="1400"/>
             </a:lvl5pPr>
             <a:lvl6pPr marL="2286000" indent="0">
               <a:buNone/>
-              <a:defRPr sz="1400">
-                <a:solidFill>
-                  <a:schemeClr val="tx1">
-                    <a:tint val="75000"/>
-                  </a:schemeClr>
-                </a:solidFill>
-              </a:defRPr>
+              <a:defRPr sz="1400"/>
             </a:lvl6pPr>
             <a:lvl7pPr marL="2743200" indent="0">
               <a:buNone/>
-              <a:defRPr sz="1400">
-                <a:solidFill>
-                  <a:schemeClr val="tx1">
-                    <a:tint val="75000"/>
-                  </a:schemeClr>
-                </a:solidFill>
-              </a:defRPr>
+              <a:defRPr sz="1400"/>
             </a:lvl7pPr>
             <a:lvl8pPr marL="3200400" indent="0">
               <a:buNone/>
-              <a:defRPr sz="1400">
-                <a:solidFill>
-                  <a:schemeClr val="tx1">
-                    <a:tint val="75000"/>
-                  </a:schemeClr>
-                </a:solidFill>
-              </a:defRPr>
+              <a:defRPr sz="1400"/>
             </a:lvl8pPr>
             <a:lvl9pPr marL="3657600" indent="0">
               <a:buNone/>
-              <a:defRPr sz="1400">
-                <a:solidFill>
-                  <a:schemeClr val="tx1">
-                    <a:tint val="75000"/>
-                  </a:schemeClr>
-                </a:solidFill>
-              </a:defRPr>
+              <a:defRPr sz="1400"/>
             </a:lvl9pPr>
           </a:lstStyle>
           <a:p>
             <a:pPr lvl="0"/>
             <a:r>
-              <a:rPr lang="ru-RU" smtClean="0"/>
-              <a:t>Образец текста</a:t>
-            </a:r>
-          </a:p>
-        </p:txBody>
-      </p:sp>
-      <p:sp>
-        <p:nvSpPr>
-          <p:cNvPr id="4" name="Дата 3"/>
+              <a:rPr lang="en-US" smtClean="0"/>
+              <a:t>Click to edit Master text styles</a:t>
+            </a:r>
+          </a:p>
+        </p:txBody>
+      </p:sp>
+      <p:sp>
+        <p:nvSpPr>
+          <p:cNvPr id="4" name="Date Placeholder 3"/>
           <p:cNvSpPr>
             <a:spLocks noGrp="1"/>
           </p:cNvSpPr>
@@ -1051,7 +1075,11 @@
         <p:spPr/>
         <p:txBody>
           <a:bodyPr/>
-          <a:lstStyle/>
+          <a:lstStyle>
+            <a:lvl1pPr>
+              <a:defRPr/>
+            </a:lvl1pPr>
+          </a:lstStyle>
           <a:p>
             <a:fld id="{C4166EEF-A937-4357-B55D-C0824FF3427E}" type="datetimeFigureOut">
               <a:rPr lang="ru-RU" smtClean="0"/>
@@ -1064,7 +1092,7 @@
       </p:sp>
       <p:sp>
         <p:nvSpPr>
-          <p:cNvPr id="5" name="Нижний колонтитул 4"/>
+          <p:cNvPr id="5" name="Footer Placeholder 4"/>
           <p:cNvSpPr>
             <a:spLocks noGrp="1"/>
           </p:cNvSpPr>
@@ -1075,7 +1103,11 @@
         <p:spPr/>
         <p:txBody>
           <a:bodyPr/>
-          <a:lstStyle/>
+          <a:lstStyle>
+            <a:lvl1pPr>
+              <a:defRPr/>
+            </a:lvl1pPr>
+          </a:lstStyle>
           <a:p>
             <a:endParaRPr lang="ru-RU"/>
           </a:p>
@@ -1083,7 +1115,7 @@
       </p:sp>
       <p:sp>
         <p:nvSpPr>
-          <p:cNvPr id="6" name="Номер слайда 5"/>
+          <p:cNvPr id="6" name="Slide Number Placeholder 5"/>
           <p:cNvSpPr>
             <a:spLocks noGrp="1"/>
           </p:cNvSpPr>
@@ -1094,7 +1126,11 @@
         <p:spPr/>
         <p:txBody>
           <a:bodyPr/>
-          <a:lstStyle/>
+          <a:lstStyle>
+            <a:lvl1pPr>
+              <a:defRPr/>
+            </a:lvl1pPr>
+          </a:lstStyle>
           <a:p>
             <a:fld id="{C4182372-7F49-4886-AECC-F225F362BA48}" type="slidenum">
               <a:rPr lang="ru-RU" smtClean="0"/>
@@ -1115,7 +1151,7 @@
 
 <file path=ppt/slideLayouts/slideLayout4.xml><?xml version="1.0" encoding="utf-8"?>
 <p:sldLayout xmlns:a="http://schemas.openxmlformats.org/drawingml/2006/main" xmlns:r="http://schemas.openxmlformats.org/officeDocument/2006/relationships" xmlns:p="http://schemas.openxmlformats.org/presentationml/2006/main" type="twoObj" preserve="1">
-  <p:cSld name="Два объекта">
+  <p:cSld name="Two Content">
     <p:spTree>
       <p:nvGrpSpPr>
         <p:cNvPr id="1" name=""/>
@@ -1132,7 +1168,7 @@
       </p:grpSpPr>
       <p:sp>
         <p:nvSpPr>
-          <p:cNvPr id="2" name="Заголовок 1"/>
+          <p:cNvPr id="2" name="Title 1"/>
           <p:cNvSpPr>
             <a:spLocks noGrp="1"/>
           </p:cNvSpPr>
@@ -1146,8 +1182,8 @@
           <a:lstStyle/>
           <a:p>
             <a:r>
-              <a:rPr lang="ru-RU" smtClean="0"/>
-              <a:t>Образец заголовка</a:t>
+              <a:rPr lang="en-US" smtClean="0"/>
+              <a:t>Click to edit Master title style</a:t>
             </a:r>
             <a:endParaRPr lang="ru-RU"/>
           </a:p>
@@ -1155,7 +1191,7 @@
       </p:sp>
       <p:sp>
         <p:nvSpPr>
-          <p:cNvPr id="3" name="Содержимое 2"/>
+          <p:cNvPr id="3" name="Content Placeholder 2"/>
           <p:cNvSpPr>
             <a:spLocks noGrp="1"/>
           </p:cNvSpPr>
@@ -1165,8 +1201,8 @@
         </p:nvSpPr>
         <p:spPr>
           <a:xfrm>
-            <a:off x="457200" y="1600200"/>
-            <a:ext cx="4038600" cy="4525963"/>
+            <a:off x="457200" y="1600201"/>
+            <a:ext cx="4044462" cy="4530725"/>
           </a:xfrm>
         </p:spPr>
         <p:txBody>
@@ -1203,36 +1239,36 @@
           <a:p>
             <a:pPr lvl="0"/>
             <a:r>
-              <a:rPr lang="ru-RU" smtClean="0"/>
-              <a:t>Образец текста</a:t>
+              <a:rPr lang="en-US" smtClean="0"/>
+              <a:t>Click to edit Master text styles</a:t>
             </a:r>
           </a:p>
           <a:p>
             <a:pPr lvl="1"/>
             <a:r>
-              <a:rPr lang="ru-RU" smtClean="0"/>
-              <a:t>Второй уровень</a:t>
+              <a:rPr lang="en-US" smtClean="0"/>
+              <a:t>Second level</a:t>
             </a:r>
           </a:p>
           <a:p>
             <a:pPr lvl="2"/>
             <a:r>
-              <a:rPr lang="ru-RU" smtClean="0"/>
-              <a:t>Третий уровень</a:t>
+              <a:rPr lang="en-US" smtClean="0"/>
+              <a:t>Third level</a:t>
             </a:r>
           </a:p>
           <a:p>
             <a:pPr lvl="3"/>
             <a:r>
-              <a:rPr lang="ru-RU" smtClean="0"/>
-              <a:t>Четвертый уровень</a:t>
+              <a:rPr lang="en-US" smtClean="0"/>
+              <a:t>Fourth level</a:t>
             </a:r>
           </a:p>
           <a:p>
             <a:pPr lvl="4"/>
             <a:r>
-              <a:rPr lang="ru-RU" smtClean="0"/>
-              <a:t>Пятый уровень</a:t>
+              <a:rPr lang="en-US" smtClean="0"/>
+              <a:t>Fifth level</a:t>
             </a:r>
             <a:endParaRPr lang="ru-RU"/>
           </a:p>
@@ -1240,7 +1276,7 @@
       </p:sp>
       <p:sp>
         <p:nvSpPr>
-          <p:cNvPr id="4" name="Содержимое 3"/>
+          <p:cNvPr id="4" name="Content Placeholder 3"/>
           <p:cNvSpPr>
             <a:spLocks noGrp="1"/>
           </p:cNvSpPr>
@@ -1250,8 +1286,8 @@
         </p:nvSpPr>
         <p:spPr>
           <a:xfrm>
-            <a:off x="4648200" y="1600200"/>
-            <a:ext cx="4038600" cy="4525963"/>
+            <a:off x="4642338" y="1600201"/>
+            <a:ext cx="4044462" cy="4530725"/>
           </a:xfrm>
         </p:spPr>
         <p:txBody>
@@ -1288,36 +1324,36 @@
           <a:p>
             <a:pPr lvl="0"/>
             <a:r>
-              <a:rPr lang="ru-RU" smtClean="0"/>
-              <a:t>Образец текста</a:t>
+              <a:rPr lang="en-US" smtClean="0"/>
+              <a:t>Click to edit Master text styles</a:t>
             </a:r>
           </a:p>
           <a:p>
             <a:pPr lvl="1"/>
             <a:r>
-              <a:rPr lang="ru-RU" smtClean="0"/>
-              <a:t>Второй уровень</a:t>
+              <a:rPr lang="en-US" smtClean="0"/>
+              <a:t>Second level</a:t>
             </a:r>
           </a:p>
           <a:p>
             <a:pPr lvl="2"/>
             <a:r>
-              <a:rPr lang="ru-RU" smtClean="0"/>
-              <a:t>Третий уровень</a:t>
+              <a:rPr lang="en-US" smtClean="0"/>
+              <a:t>Third level</a:t>
             </a:r>
           </a:p>
           <a:p>
             <a:pPr lvl="3"/>
             <a:r>
-              <a:rPr lang="ru-RU" smtClean="0"/>
-              <a:t>Четвертый уровень</a:t>
+              <a:rPr lang="en-US" smtClean="0"/>
+              <a:t>Fourth level</a:t>
             </a:r>
           </a:p>
           <a:p>
             <a:pPr lvl="4"/>
             <a:r>
-              <a:rPr lang="ru-RU" smtClean="0"/>
-              <a:t>Пятый уровень</a:t>
+              <a:rPr lang="en-US" smtClean="0"/>
+              <a:t>Fifth level</a:t>
             </a:r>
             <a:endParaRPr lang="ru-RU"/>
           </a:p>
@@ -1325,7 +1361,7 @@
       </p:sp>
       <p:sp>
         <p:nvSpPr>
-          <p:cNvPr id="5" name="Дата 4"/>
+          <p:cNvPr id="5" name="Date Placeholder 4"/>
           <p:cNvSpPr>
             <a:spLocks noGrp="1"/>
           </p:cNvSpPr>
@@ -1336,7 +1372,11 @@
         <p:spPr/>
         <p:txBody>
           <a:bodyPr/>
-          <a:lstStyle/>
+          <a:lstStyle>
+            <a:lvl1pPr>
+              <a:defRPr/>
+            </a:lvl1pPr>
+          </a:lstStyle>
           <a:p>
             <a:fld id="{C4166EEF-A937-4357-B55D-C0824FF3427E}" type="datetimeFigureOut">
               <a:rPr lang="ru-RU" smtClean="0"/>
@@ -1349,7 +1389,7 @@
       </p:sp>
       <p:sp>
         <p:nvSpPr>
-          <p:cNvPr id="6" name="Нижний колонтитул 5"/>
+          <p:cNvPr id="6" name="Footer Placeholder 5"/>
           <p:cNvSpPr>
             <a:spLocks noGrp="1"/>
           </p:cNvSpPr>
@@ -1360,7 +1400,11 @@
         <p:spPr/>
         <p:txBody>
           <a:bodyPr/>
-          <a:lstStyle/>
+          <a:lstStyle>
+            <a:lvl1pPr>
+              <a:defRPr/>
+            </a:lvl1pPr>
+          </a:lstStyle>
           <a:p>
             <a:endParaRPr lang="ru-RU"/>
           </a:p>
@@ -1368,7 +1412,7 @@
       </p:sp>
       <p:sp>
         <p:nvSpPr>
-          <p:cNvPr id="7" name="Номер слайда 6"/>
+          <p:cNvPr id="7" name="Slide Number Placeholder 6"/>
           <p:cNvSpPr>
             <a:spLocks noGrp="1"/>
           </p:cNvSpPr>
@@ -1379,7 +1423,11 @@
         <p:spPr/>
         <p:txBody>
           <a:bodyPr/>
-          <a:lstStyle/>
+          <a:lstStyle>
+            <a:lvl1pPr>
+              <a:defRPr/>
+            </a:lvl1pPr>
+          </a:lstStyle>
           <a:p>
             <a:fld id="{C4182372-7F49-4886-AECC-F225F362BA48}" type="slidenum">
               <a:rPr lang="ru-RU" smtClean="0"/>
@@ -1400,7 +1448,7 @@
 
 <file path=ppt/slideLayouts/slideLayout5.xml><?xml version="1.0" encoding="utf-8"?>
 <p:sldLayout xmlns:a="http://schemas.openxmlformats.org/drawingml/2006/main" xmlns:r="http://schemas.openxmlformats.org/officeDocument/2006/relationships" xmlns:p="http://schemas.openxmlformats.org/presentationml/2006/main" type="twoTxTwoObj" preserve="1">
-  <p:cSld name="Сравнение">
+  <p:cSld name="Comparison">
     <p:spTree>
       <p:nvGrpSpPr>
         <p:cNvPr id="1" name=""/>
@@ -1417,7 +1465,7 @@
       </p:grpSpPr>
       <p:sp>
         <p:nvSpPr>
-          <p:cNvPr id="2" name="Заголовок 1"/>
+          <p:cNvPr id="2" name="Title 1"/>
           <p:cNvSpPr>
             <a:spLocks noGrp="1"/>
           </p:cNvSpPr>
@@ -1425,7 +1473,12 @@
             <p:ph type="title"/>
           </p:nvPr>
         </p:nvSpPr>
-        <p:spPr/>
+        <p:spPr>
+          <a:xfrm>
+            <a:off x="457200" y="274638"/>
+            <a:ext cx="8229600" cy="1143000"/>
+          </a:xfrm>
+        </p:spPr>
         <p:txBody>
           <a:bodyPr/>
           <a:lstStyle>
@@ -1435,8 +1488,8 @@
           </a:lstStyle>
           <a:p>
             <a:r>
-              <a:rPr lang="ru-RU" smtClean="0"/>
-              <a:t>Образец заголовка</a:t>
+              <a:rPr lang="en-US" smtClean="0"/>
+              <a:t>Click to edit Master title style</a:t>
             </a:r>
             <a:endParaRPr lang="ru-RU"/>
           </a:p>
@@ -1444,7 +1497,7 @@
       </p:sp>
       <p:sp>
         <p:nvSpPr>
-          <p:cNvPr id="3" name="Текст 2"/>
+          <p:cNvPr id="3" name="Text Placeholder 2"/>
           <p:cNvSpPr>
             <a:spLocks noGrp="1"/>
           </p:cNvSpPr>
@@ -1455,7 +1508,7 @@
         <p:spPr>
           <a:xfrm>
             <a:off x="457200" y="1535113"/>
-            <a:ext cx="4040188" cy="639762"/>
+            <a:ext cx="4040066" cy="639762"/>
           </a:xfrm>
         </p:spPr>
         <p:txBody>
@@ -1501,15 +1554,15 @@
           <a:p>
             <a:pPr lvl="0"/>
             <a:r>
-              <a:rPr lang="ru-RU" smtClean="0"/>
-              <a:t>Образец текста</a:t>
-            </a:r>
-          </a:p>
-        </p:txBody>
-      </p:sp>
-      <p:sp>
-        <p:nvSpPr>
-          <p:cNvPr id="4" name="Содержимое 3"/>
+              <a:rPr lang="en-US" smtClean="0"/>
+              <a:t>Click to edit Master text styles</a:t>
+            </a:r>
+          </a:p>
+        </p:txBody>
+      </p:sp>
+      <p:sp>
+        <p:nvSpPr>
+          <p:cNvPr id="4" name="Content Placeholder 3"/>
           <p:cNvSpPr>
             <a:spLocks noGrp="1"/>
           </p:cNvSpPr>
@@ -1520,7 +1573,7 @@
         <p:spPr>
           <a:xfrm>
             <a:off x="457200" y="2174875"/>
-            <a:ext cx="4040188" cy="3951288"/>
+            <a:ext cx="4040066" cy="3951288"/>
           </a:xfrm>
         </p:spPr>
         <p:txBody>
@@ -1557,36 +1610,36 @@
           <a:p>
             <a:pPr lvl="0"/>
             <a:r>
-              <a:rPr lang="ru-RU" smtClean="0"/>
-              <a:t>Образец текста</a:t>
+              <a:rPr lang="en-US" smtClean="0"/>
+              <a:t>Click to edit Master text styles</a:t>
             </a:r>
           </a:p>
           <a:p>
             <a:pPr lvl="1"/>
             <a:r>
-              <a:rPr lang="ru-RU" smtClean="0"/>
-              <a:t>Второй уровень</a:t>
+              <a:rPr lang="en-US" smtClean="0"/>
+              <a:t>Second level</a:t>
             </a:r>
           </a:p>
           <a:p>
             <a:pPr lvl="2"/>
             <a:r>
-              <a:rPr lang="ru-RU" smtClean="0"/>
-              <a:t>Третий уровень</a:t>
+              <a:rPr lang="en-US" smtClean="0"/>
+              <a:t>Third level</a:t>
             </a:r>
           </a:p>
           <a:p>
             <a:pPr lvl="3"/>
             <a:r>
-              <a:rPr lang="ru-RU" smtClean="0"/>
-              <a:t>Четвертый уровень</a:t>
+              <a:rPr lang="en-US" smtClean="0"/>
+              <a:t>Fourth level</a:t>
             </a:r>
           </a:p>
           <a:p>
             <a:pPr lvl="4"/>
             <a:r>
-              <a:rPr lang="ru-RU" smtClean="0"/>
-              <a:t>Пятый уровень</a:t>
+              <a:rPr lang="en-US" smtClean="0"/>
+              <a:t>Fifth level</a:t>
             </a:r>
             <a:endParaRPr lang="ru-RU"/>
           </a:p>
@@ -1594,7 +1647,7 @@
       </p:sp>
       <p:sp>
         <p:nvSpPr>
-          <p:cNvPr id="5" name="Текст 4"/>
+          <p:cNvPr id="5" name="Text Placeholder 4"/>
           <p:cNvSpPr>
             <a:spLocks noGrp="1"/>
           </p:cNvSpPr>
@@ -1604,8 +1657,8 @@
         </p:nvSpPr>
         <p:spPr>
           <a:xfrm>
-            <a:off x="4645025" y="1535113"/>
-            <a:ext cx="4041775" cy="639762"/>
+            <a:off x="4645270" y="1535113"/>
+            <a:ext cx="4041531" cy="639762"/>
           </a:xfrm>
         </p:spPr>
         <p:txBody>
@@ -1651,15 +1704,15 @@
           <a:p>
             <a:pPr lvl="0"/>
             <a:r>
-              <a:rPr lang="ru-RU" smtClean="0"/>
-              <a:t>Образец текста</a:t>
-            </a:r>
-          </a:p>
-        </p:txBody>
-      </p:sp>
-      <p:sp>
-        <p:nvSpPr>
-          <p:cNvPr id="6" name="Содержимое 5"/>
+              <a:rPr lang="en-US" smtClean="0"/>
+              <a:t>Click to edit Master text styles</a:t>
+            </a:r>
+          </a:p>
+        </p:txBody>
+      </p:sp>
+      <p:sp>
+        <p:nvSpPr>
+          <p:cNvPr id="6" name="Content Placeholder 5"/>
           <p:cNvSpPr>
             <a:spLocks noGrp="1"/>
           </p:cNvSpPr>
@@ -1669,8 +1722,8 @@
         </p:nvSpPr>
         <p:spPr>
           <a:xfrm>
-            <a:off x="4645025" y="2174875"/>
-            <a:ext cx="4041775" cy="3951288"/>
+            <a:off x="4645270" y="2174875"/>
+            <a:ext cx="4041531" cy="3951288"/>
           </a:xfrm>
         </p:spPr>
         <p:txBody>
@@ -1707,36 +1760,36 @@
           <a:p>
             <a:pPr lvl="0"/>
             <a:r>
-              <a:rPr lang="ru-RU" smtClean="0"/>
-              <a:t>Образец текста</a:t>
+              <a:rPr lang="en-US" smtClean="0"/>
+              <a:t>Click to edit Master text styles</a:t>
             </a:r>
           </a:p>
           <a:p>
             <a:pPr lvl="1"/>
             <a:r>
-              <a:rPr lang="ru-RU" smtClean="0"/>
-              <a:t>Второй уровень</a:t>
+              <a:rPr lang="en-US" smtClean="0"/>
+              <a:t>Second level</a:t>
             </a:r>
           </a:p>
           <a:p>
             <a:pPr lvl="2"/>
             <a:r>
-              <a:rPr lang="ru-RU" smtClean="0"/>
-              <a:t>Третий уровень</a:t>
+              <a:rPr lang="en-US" smtClean="0"/>
+              <a:t>Third level</a:t>
             </a:r>
           </a:p>
           <a:p>
             <a:pPr lvl="3"/>
             <a:r>
-              <a:rPr lang="ru-RU" smtClean="0"/>
-              <a:t>Четвертый уровень</a:t>
+              <a:rPr lang="en-US" smtClean="0"/>
+              <a:t>Fourth level</a:t>
             </a:r>
           </a:p>
           <a:p>
             <a:pPr lvl="4"/>
             <a:r>
-              <a:rPr lang="ru-RU" smtClean="0"/>
-              <a:t>Пятый уровень</a:t>
+              <a:rPr lang="en-US" smtClean="0"/>
+              <a:t>Fifth level</a:t>
             </a:r>
             <a:endParaRPr lang="ru-RU"/>
           </a:p>
@@ -1744,7 +1797,7 @@
       </p:sp>
       <p:sp>
         <p:nvSpPr>
-          <p:cNvPr id="7" name="Дата 6"/>
+          <p:cNvPr id="7" name="Date Placeholder 6"/>
           <p:cNvSpPr>
             <a:spLocks noGrp="1"/>
           </p:cNvSpPr>
@@ -1755,7 +1808,11 @@
         <p:spPr/>
         <p:txBody>
           <a:bodyPr/>
-          <a:lstStyle/>
+          <a:lstStyle>
+            <a:lvl1pPr>
+              <a:defRPr/>
+            </a:lvl1pPr>
+          </a:lstStyle>
           <a:p>
             <a:fld id="{C4166EEF-A937-4357-B55D-C0824FF3427E}" type="datetimeFigureOut">
               <a:rPr lang="ru-RU" smtClean="0"/>
@@ -1768,7 +1825,7 @@
       </p:sp>
       <p:sp>
         <p:nvSpPr>
-          <p:cNvPr id="8" name="Нижний колонтитул 7"/>
+          <p:cNvPr id="8" name="Footer Placeholder 7"/>
           <p:cNvSpPr>
             <a:spLocks noGrp="1"/>
           </p:cNvSpPr>
@@ -1779,7 +1836,11 @@
         <p:spPr/>
         <p:txBody>
           <a:bodyPr/>
-          <a:lstStyle/>
+          <a:lstStyle>
+            <a:lvl1pPr>
+              <a:defRPr/>
+            </a:lvl1pPr>
+          </a:lstStyle>
           <a:p>
             <a:endParaRPr lang="ru-RU"/>
           </a:p>
@@ -1787,7 +1848,7 @@
       </p:sp>
       <p:sp>
         <p:nvSpPr>
-          <p:cNvPr id="9" name="Номер слайда 8"/>
+          <p:cNvPr id="9" name="Slide Number Placeholder 8"/>
           <p:cNvSpPr>
             <a:spLocks noGrp="1"/>
           </p:cNvSpPr>
@@ -1798,7 +1859,11 @@
         <p:spPr/>
         <p:txBody>
           <a:bodyPr/>
-          <a:lstStyle/>
+          <a:lstStyle>
+            <a:lvl1pPr>
+              <a:defRPr/>
+            </a:lvl1pPr>
+          </a:lstStyle>
           <a:p>
             <a:fld id="{C4182372-7F49-4886-AECC-F225F362BA48}" type="slidenum">
               <a:rPr lang="ru-RU" smtClean="0"/>
@@ -1819,7 +1884,7 @@
 
 <file path=ppt/slideLayouts/slideLayout6.xml><?xml version="1.0" encoding="utf-8"?>
 <p:sldLayout xmlns:a="http://schemas.openxmlformats.org/drawingml/2006/main" xmlns:r="http://schemas.openxmlformats.org/officeDocument/2006/relationships" xmlns:p="http://schemas.openxmlformats.org/presentationml/2006/main" type="titleOnly" preserve="1">
-  <p:cSld name="Только заголовок">
+  <p:cSld name="Title Only">
     <p:spTree>
       <p:nvGrpSpPr>
         <p:cNvPr id="1" name=""/>
@@ -1836,7 +1901,7 @@
       </p:grpSpPr>
       <p:sp>
         <p:nvSpPr>
-          <p:cNvPr id="2" name="Заголовок 1"/>
+          <p:cNvPr id="2" name="Title 1"/>
           <p:cNvSpPr>
             <a:spLocks noGrp="1"/>
           </p:cNvSpPr>
@@ -1850,8 +1915,8 @@
           <a:lstStyle/>
           <a:p>
             <a:r>
-              <a:rPr lang="ru-RU" smtClean="0"/>
-              <a:t>Образец заголовка</a:t>
+              <a:rPr lang="en-US" smtClean="0"/>
+              <a:t>Click to edit Master title style</a:t>
             </a:r>
             <a:endParaRPr lang="ru-RU"/>
           </a:p>
@@ -1859,7 +1924,7 @@
       </p:sp>
       <p:sp>
         <p:nvSpPr>
-          <p:cNvPr id="3" name="Дата 2"/>
+          <p:cNvPr id="3" name="Date Placeholder 2"/>
           <p:cNvSpPr>
             <a:spLocks noGrp="1"/>
           </p:cNvSpPr>
@@ -1870,7 +1935,11 @@
         <p:spPr/>
         <p:txBody>
           <a:bodyPr/>
-          <a:lstStyle/>
+          <a:lstStyle>
+            <a:lvl1pPr>
+              <a:defRPr/>
+            </a:lvl1pPr>
+          </a:lstStyle>
           <a:p>
             <a:fld id="{C4166EEF-A937-4357-B55D-C0824FF3427E}" type="datetimeFigureOut">
               <a:rPr lang="ru-RU" smtClean="0"/>
@@ -1883,7 +1952,7 @@
       </p:sp>
       <p:sp>
         <p:nvSpPr>
-          <p:cNvPr id="4" name="Нижний колонтитул 3"/>
+          <p:cNvPr id="4" name="Footer Placeholder 3"/>
           <p:cNvSpPr>
             <a:spLocks noGrp="1"/>
           </p:cNvSpPr>
@@ -1894,7 +1963,11 @@
         <p:spPr/>
         <p:txBody>
           <a:bodyPr/>
-          <a:lstStyle/>
+          <a:lstStyle>
+            <a:lvl1pPr>
+              <a:defRPr/>
+            </a:lvl1pPr>
+          </a:lstStyle>
           <a:p>
             <a:endParaRPr lang="ru-RU"/>
           </a:p>
@@ -1902,7 +1975,7 @@
       </p:sp>
       <p:sp>
         <p:nvSpPr>
-          <p:cNvPr id="5" name="Номер слайда 4"/>
+          <p:cNvPr id="5" name="Slide Number Placeholder 4"/>
           <p:cNvSpPr>
             <a:spLocks noGrp="1"/>
           </p:cNvSpPr>
@@ -1913,7 +1986,11 @@
         <p:spPr/>
         <p:txBody>
           <a:bodyPr/>
-          <a:lstStyle/>
+          <a:lstStyle>
+            <a:lvl1pPr>
+              <a:defRPr/>
+            </a:lvl1pPr>
+          </a:lstStyle>
           <a:p>
             <a:fld id="{C4182372-7F49-4886-AECC-F225F362BA48}" type="slidenum">
               <a:rPr lang="ru-RU" smtClean="0"/>
@@ -1934,7 +2011,7 @@
 
 <file path=ppt/slideLayouts/slideLayout7.xml><?xml version="1.0" encoding="utf-8"?>
 <p:sldLayout xmlns:a="http://schemas.openxmlformats.org/drawingml/2006/main" xmlns:r="http://schemas.openxmlformats.org/officeDocument/2006/relationships" xmlns:p="http://schemas.openxmlformats.org/presentationml/2006/main" type="blank" preserve="1">
-  <p:cSld name="Пустой слайд">
+  <p:cSld name="Blank">
     <p:spTree>
       <p:nvGrpSpPr>
         <p:cNvPr id="1" name=""/>
@@ -1951,7 +2028,7 @@
       </p:grpSpPr>
       <p:sp>
         <p:nvSpPr>
-          <p:cNvPr id="2" name="Дата 1"/>
+          <p:cNvPr id="2" name="Date Placeholder 1"/>
           <p:cNvSpPr>
             <a:spLocks noGrp="1"/>
           </p:cNvSpPr>
@@ -1962,7 +2039,11 @@
         <p:spPr/>
         <p:txBody>
           <a:bodyPr/>
-          <a:lstStyle/>
+          <a:lstStyle>
+            <a:lvl1pPr>
+              <a:defRPr/>
+            </a:lvl1pPr>
+          </a:lstStyle>
           <a:p>
             <a:fld id="{C4166EEF-A937-4357-B55D-C0824FF3427E}" type="datetimeFigureOut">
               <a:rPr lang="ru-RU" smtClean="0"/>
@@ -1975,7 +2056,7 @@
       </p:sp>
       <p:sp>
         <p:nvSpPr>
-          <p:cNvPr id="3" name="Нижний колонтитул 2"/>
+          <p:cNvPr id="3" name="Footer Placeholder 2"/>
           <p:cNvSpPr>
             <a:spLocks noGrp="1"/>
           </p:cNvSpPr>
@@ -1986,7 +2067,11 @@
         <p:spPr/>
         <p:txBody>
           <a:bodyPr/>
-          <a:lstStyle/>
+          <a:lstStyle>
+            <a:lvl1pPr>
+              <a:defRPr/>
+            </a:lvl1pPr>
+          </a:lstStyle>
           <a:p>
             <a:endParaRPr lang="ru-RU"/>
           </a:p>
@@ -1994,7 +2079,7 @@
       </p:sp>
       <p:sp>
         <p:nvSpPr>
-          <p:cNvPr id="4" name="Номер слайда 3"/>
+          <p:cNvPr id="4" name="Slide Number Placeholder 3"/>
           <p:cNvSpPr>
             <a:spLocks noGrp="1"/>
           </p:cNvSpPr>
@@ -2005,7 +2090,11 @@
         <p:spPr/>
         <p:txBody>
           <a:bodyPr/>
-          <a:lstStyle/>
+          <a:lstStyle>
+            <a:lvl1pPr>
+              <a:defRPr/>
+            </a:lvl1pPr>
+          </a:lstStyle>
           <a:p>
             <a:fld id="{C4182372-7F49-4886-AECC-F225F362BA48}" type="slidenum">
               <a:rPr lang="ru-RU" smtClean="0"/>
@@ -2026,7 +2115,7 @@
 
 <file path=ppt/slideLayouts/slideLayout8.xml><?xml version="1.0" encoding="utf-8"?>
 <p:sldLayout xmlns:a="http://schemas.openxmlformats.org/drawingml/2006/main" xmlns:r="http://schemas.openxmlformats.org/officeDocument/2006/relationships" xmlns:p="http://schemas.openxmlformats.org/presentationml/2006/main" type="objTx" preserve="1">
-  <p:cSld name="Объект с подписью">
+  <p:cSld name="Content with Caption">
     <p:spTree>
       <p:nvGrpSpPr>
         <p:cNvPr id="1" name=""/>
@@ -2043,7 +2132,7 @@
       </p:grpSpPr>
       <p:sp>
         <p:nvSpPr>
-          <p:cNvPr id="2" name="Заголовок 1"/>
+          <p:cNvPr id="2" name="Title 1"/>
           <p:cNvSpPr>
             <a:spLocks noGrp="1"/>
           </p:cNvSpPr>
@@ -2054,7 +2143,7 @@
         <p:spPr>
           <a:xfrm>
             <a:off x="457200" y="273050"/>
-            <a:ext cx="3008313" cy="1162050"/>
+            <a:ext cx="3008435" cy="1162050"/>
           </a:xfrm>
         </p:spPr>
         <p:txBody>
@@ -2066,8 +2155,8 @@
           </a:lstStyle>
           <a:p>
             <a:r>
-              <a:rPr lang="ru-RU" smtClean="0"/>
-              <a:t>Образец заголовка</a:t>
+              <a:rPr lang="en-US" smtClean="0"/>
+              <a:t>Click to edit Master title style</a:t>
             </a:r>
             <a:endParaRPr lang="ru-RU"/>
           </a:p>
@@ -2075,7 +2164,7 @@
       </p:sp>
       <p:sp>
         <p:nvSpPr>
-          <p:cNvPr id="3" name="Содержимое 2"/>
+          <p:cNvPr id="3" name="Content Placeholder 2"/>
           <p:cNvSpPr>
             <a:spLocks noGrp="1"/>
           </p:cNvSpPr>
@@ -2085,8 +2174,8 @@
         </p:nvSpPr>
         <p:spPr>
           <a:xfrm>
-            <a:off x="3575050" y="273050"/>
-            <a:ext cx="5111750" cy="5853113"/>
+            <a:off x="3575538" y="273051"/>
+            <a:ext cx="5111262" cy="5853113"/>
           </a:xfrm>
         </p:spPr>
         <p:txBody>
@@ -2123,36 +2212,36 @@
           <a:p>
             <a:pPr lvl="0"/>
             <a:r>
-              <a:rPr lang="ru-RU" smtClean="0"/>
-              <a:t>Образец текста</a:t>
+              <a:rPr lang="en-US" smtClean="0"/>
+              <a:t>Click to edit Master text styles</a:t>
             </a:r>
           </a:p>
           <a:p>
             <a:pPr lvl="1"/>
             <a:r>
-              <a:rPr lang="ru-RU" smtClean="0"/>
-              <a:t>Второй уровень</a:t>
+              <a:rPr lang="en-US" smtClean="0"/>
+              <a:t>Second level</a:t>
             </a:r>
           </a:p>
           <a:p>
             <a:pPr lvl="2"/>
             <a:r>
-              <a:rPr lang="ru-RU" smtClean="0"/>
-              <a:t>Третий уровень</a:t>
+              <a:rPr lang="en-US" smtClean="0"/>
+              <a:t>Third level</a:t>
             </a:r>
           </a:p>
           <a:p>
             <a:pPr lvl="3"/>
             <a:r>
-              <a:rPr lang="ru-RU" smtClean="0"/>
-              <a:t>Четвертый уровень</a:t>
+              <a:rPr lang="en-US" smtClean="0"/>
+              <a:t>Fourth level</a:t>
             </a:r>
           </a:p>
           <a:p>
             <a:pPr lvl="4"/>
             <a:r>
-              <a:rPr lang="ru-RU" smtClean="0"/>
-              <a:t>Пятый уровень</a:t>
+              <a:rPr lang="en-US" smtClean="0"/>
+              <a:t>Fifth level</a:t>
             </a:r>
             <a:endParaRPr lang="ru-RU"/>
           </a:p>
@@ -2160,7 +2249,7 @@
       </p:sp>
       <p:sp>
         <p:nvSpPr>
-          <p:cNvPr id="4" name="Текст 3"/>
+          <p:cNvPr id="4" name="Text Placeholder 3"/>
           <p:cNvSpPr>
             <a:spLocks noGrp="1"/>
           </p:cNvSpPr>
@@ -2170,8 +2259,8 @@
         </p:nvSpPr>
         <p:spPr>
           <a:xfrm>
-            <a:off x="457200" y="1435100"/>
-            <a:ext cx="3008313" cy="4691063"/>
+            <a:off x="457200" y="1435101"/>
+            <a:ext cx="3008435" cy="4691063"/>
           </a:xfrm>
         </p:spPr>
         <p:txBody>
@@ -2217,15 +2306,15 @@
           <a:p>
             <a:pPr lvl="0"/>
             <a:r>
-              <a:rPr lang="ru-RU" smtClean="0"/>
-              <a:t>Образец текста</a:t>
-            </a:r>
-          </a:p>
-        </p:txBody>
-      </p:sp>
-      <p:sp>
-        <p:nvSpPr>
-          <p:cNvPr id="5" name="Дата 4"/>
+              <a:rPr lang="en-US" smtClean="0"/>
+              <a:t>Click to edit Master text styles</a:t>
+            </a:r>
+          </a:p>
+        </p:txBody>
+      </p:sp>
+      <p:sp>
+        <p:nvSpPr>
+          <p:cNvPr id="5" name="Date Placeholder 4"/>
           <p:cNvSpPr>
             <a:spLocks noGrp="1"/>
           </p:cNvSpPr>
@@ -2236,7 +2325,11 @@
         <p:spPr/>
         <p:txBody>
           <a:bodyPr/>
-          <a:lstStyle/>
+          <a:lstStyle>
+            <a:lvl1pPr>
+              <a:defRPr/>
+            </a:lvl1pPr>
+          </a:lstStyle>
           <a:p>
             <a:fld id="{C4166EEF-A937-4357-B55D-C0824FF3427E}" type="datetimeFigureOut">
               <a:rPr lang="ru-RU" smtClean="0"/>
@@ -2249,7 +2342,7 @@
       </p:sp>
       <p:sp>
         <p:nvSpPr>
-          <p:cNvPr id="6" name="Нижний колонтитул 5"/>
+          <p:cNvPr id="6" name="Footer Placeholder 5"/>
           <p:cNvSpPr>
             <a:spLocks noGrp="1"/>
           </p:cNvSpPr>
@@ -2260,7 +2353,11 @@
         <p:spPr/>
         <p:txBody>
           <a:bodyPr/>
-          <a:lstStyle/>
+          <a:lstStyle>
+            <a:lvl1pPr>
+              <a:defRPr/>
+            </a:lvl1pPr>
+          </a:lstStyle>
           <a:p>
             <a:endParaRPr lang="ru-RU"/>
           </a:p>
@@ -2268,7 +2365,7 @@
       </p:sp>
       <p:sp>
         <p:nvSpPr>
-          <p:cNvPr id="7" name="Номер слайда 6"/>
+          <p:cNvPr id="7" name="Slide Number Placeholder 6"/>
           <p:cNvSpPr>
             <a:spLocks noGrp="1"/>
           </p:cNvSpPr>
@@ -2279,7 +2376,11 @@
         <p:spPr/>
         <p:txBody>
           <a:bodyPr/>
-          <a:lstStyle/>
+          <a:lstStyle>
+            <a:lvl1pPr>
+              <a:defRPr/>
+            </a:lvl1pPr>
+          </a:lstStyle>
           <a:p>
             <a:fld id="{C4182372-7F49-4886-AECC-F225F362BA48}" type="slidenum">
               <a:rPr lang="ru-RU" smtClean="0"/>
@@ -2300,7 +2401,7 @@
 
 <file path=ppt/slideLayouts/slideLayout9.xml><?xml version="1.0" encoding="utf-8"?>
 <p:sldLayout xmlns:a="http://schemas.openxmlformats.org/drawingml/2006/main" xmlns:r="http://schemas.openxmlformats.org/officeDocument/2006/relationships" xmlns:p="http://schemas.openxmlformats.org/presentationml/2006/main" type="picTx" preserve="1">
-  <p:cSld name="Рисунок с подписью">
+  <p:cSld name="Picture with Caption">
     <p:spTree>
       <p:nvGrpSpPr>
         <p:cNvPr id="1" name=""/>
@@ -2317,7 +2418,7 @@
       </p:grpSpPr>
       <p:sp>
         <p:nvSpPr>
-          <p:cNvPr id="2" name="Заголовок 1"/>
+          <p:cNvPr id="2" name="Title 1"/>
           <p:cNvSpPr>
             <a:spLocks noGrp="1"/>
           </p:cNvSpPr>
@@ -2327,7 +2428,7 @@
         </p:nvSpPr>
         <p:spPr>
           <a:xfrm>
-            <a:off x="1792288" y="4800600"/>
+            <a:off x="1792166" y="4800600"/>
             <a:ext cx="5486400" cy="566738"/>
           </a:xfrm>
         </p:spPr>
@@ -2340,8 +2441,8 @@
           </a:lstStyle>
           <a:p>
             <a:r>
-              <a:rPr lang="ru-RU" smtClean="0"/>
-              <a:t>Образец заголовка</a:t>
+              <a:rPr lang="en-US" smtClean="0"/>
+              <a:t>Click to edit Master title style</a:t>
             </a:r>
             <a:endParaRPr lang="ru-RU"/>
           </a:p>
@@ -2349,7 +2450,7 @@
       </p:sp>
       <p:sp>
         <p:nvSpPr>
-          <p:cNvPr id="3" name="Рисунок 2"/>
+          <p:cNvPr id="3" name="Picture Placeholder 2"/>
           <p:cNvSpPr>
             <a:spLocks noGrp="1"/>
           </p:cNvSpPr>
@@ -2359,7 +2460,7 @@
         </p:nvSpPr>
         <p:spPr>
           <a:xfrm>
-            <a:off x="1792288" y="612775"/>
+            <a:off x="1792166" y="612775"/>
             <a:ext cx="5486400" cy="4114800"/>
           </a:xfrm>
         </p:spPr>
@@ -2404,13 +2505,17 @@
             </a:lvl9pPr>
           </a:lstStyle>
           <a:p>
+            <a:r>
+              <a:rPr lang="en-US" smtClean="0"/>
+              <a:t>Click icon to add picture</a:t>
+            </a:r>
             <a:endParaRPr lang="ru-RU"/>
           </a:p>
         </p:txBody>
       </p:sp>
       <p:sp>
         <p:nvSpPr>
-          <p:cNvPr id="4" name="Текст 3"/>
+          <p:cNvPr id="4" name="Text Placeholder 3"/>
           <p:cNvSpPr>
             <a:spLocks noGrp="1"/>
           </p:cNvSpPr>
@@ -2420,7 +2525,7 @@
         </p:nvSpPr>
         <p:spPr>
           <a:xfrm>
-            <a:off x="1792288" y="5367338"/>
+            <a:off x="1792166" y="5367338"/>
             <a:ext cx="5486400" cy="804862"/>
           </a:xfrm>
         </p:spPr>
@@ -2467,15 +2572,15 @@
           <a:p>
             <a:pPr lvl="0"/>
             <a:r>
-              <a:rPr lang="ru-RU" smtClean="0"/>
-              <a:t>Образец текста</a:t>
-            </a:r>
-          </a:p>
-        </p:txBody>
-      </p:sp>
-      <p:sp>
-        <p:nvSpPr>
-          <p:cNvPr id="5" name="Дата 4"/>
+              <a:rPr lang="en-US" smtClean="0"/>
+              <a:t>Click to edit Master text styles</a:t>
+            </a:r>
+          </a:p>
+        </p:txBody>
+      </p:sp>
+      <p:sp>
+        <p:nvSpPr>
+          <p:cNvPr id="5" name="Date Placeholder 4"/>
           <p:cNvSpPr>
             <a:spLocks noGrp="1"/>
           </p:cNvSpPr>
@@ -2486,7 +2591,11 @@
         <p:spPr/>
         <p:txBody>
           <a:bodyPr/>
-          <a:lstStyle/>
+          <a:lstStyle>
+            <a:lvl1pPr>
+              <a:defRPr/>
+            </a:lvl1pPr>
+          </a:lstStyle>
           <a:p>
             <a:fld id="{C4166EEF-A937-4357-B55D-C0824FF3427E}" type="datetimeFigureOut">
               <a:rPr lang="ru-RU" smtClean="0"/>
@@ -2499,7 +2608,7 @@
       </p:sp>
       <p:sp>
         <p:nvSpPr>
-          <p:cNvPr id="6" name="Нижний колонтитул 5"/>
+          <p:cNvPr id="6" name="Footer Placeholder 5"/>
           <p:cNvSpPr>
             <a:spLocks noGrp="1"/>
           </p:cNvSpPr>
@@ -2510,7 +2619,11 @@
         <p:spPr/>
         <p:txBody>
           <a:bodyPr/>
-          <a:lstStyle/>
+          <a:lstStyle>
+            <a:lvl1pPr>
+              <a:defRPr/>
+            </a:lvl1pPr>
+          </a:lstStyle>
           <a:p>
             <a:endParaRPr lang="ru-RU"/>
           </a:p>
@@ -2518,7 +2631,7 @@
       </p:sp>
       <p:sp>
         <p:nvSpPr>
-          <p:cNvPr id="7" name="Номер слайда 6"/>
+          <p:cNvPr id="7" name="Slide Number Placeholder 6"/>
           <p:cNvSpPr>
             <a:spLocks noGrp="1"/>
           </p:cNvSpPr>
@@ -2529,7 +2642,11 @@
         <p:spPr/>
         <p:txBody>
           <a:bodyPr/>
-          <a:lstStyle/>
+          <a:lstStyle>
+            <a:lvl1pPr>
+              <a:defRPr/>
+            </a:lvl1pPr>
+          </a:lstStyle>
           <a:p>
             <a:fld id="{C4182372-7F49-4886-AECC-F225F362BA48}" type="slidenum">
               <a:rPr lang="ru-RU" smtClean="0"/>
@@ -2552,9 +2669,12 @@
 <p:sldMaster xmlns:a="http://schemas.openxmlformats.org/drawingml/2006/main" xmlns:r="http://schemas.openxmlformats.org/officeDocument/2006/relationships" xmlns:p="http://schemas.openxmlformats.org/presentationml/2006/main">
   <p:cSld>
     <p:bg>
-      <p:bgRef idx="1001">
-        <a:schemeClr val="bg1"/>
-      </p:bgRef>
+      <p:bgPr>
+        <a:solidFill>
+          <a:schemeClr val="bg1"/>
+        </a:solidFill>
+        <a:effectLst/>
+      </p:bgPr>
     </p:bg>
     <p:spTree>
       <p:nvGrpSpPr>
@@ -2572,128 +2692,155 @@
       </p:grpSpPr>
       <p:sp>
         <p:nvSpPr>
-          <p:cNvPr id="2" name="Заголовок 1"/>
-          <p:cNvSpPr>
-            <a:spLocks noGrp="1"/>
+          <p:cNvPr id="24578" name="Rectangle 2"/>
+          <p:cNvSpPr>
+            <a:spLocks noGrp="1" noChangeArrowheads="1"/>
           </p:cNvSpPr>
           <p:nvPr>
             <p:ph type="title"/>
           </p:nvPr>
         </p:nvSpPr>
-        <p:spPr>
+        <p:spPr bwMode="auto">
           <a:xfrm>
-            <a:off x="457200" y="274638"/>
-            <a:ext cx="8229600" cy="1143000"/>
+            <a:off x="457200" y="277814"/>
+            <a:ext cx="8229600" cy="1139825"/>
           </a:xfrm>
           <a:prstGeom prst="rect">
             <a:avLst/>
           </a:prstGeom>
+          <a:noFill/>
+          <a:ln w="9525">
+            <a:noFill/>
+            <a:miter lim="800000"/>
+            <a:headEnd/>
+            <a:tailEnd/>
+          </a:ln>
+          <a:effectLst/>
         </p:spPr>
         <p:txBody>
-          <a:bodyPr vert="horz" lIns="91440" tIns="45720" rIns="91440" bIns="45720" rtlCol="0" anchor="ctr">
-            <a:normAutofit/>
+          <a:bodyPr vert="horz" wrap="square" lIns="91440" tIns="45720" rIns="91440" bIns="45720" numCol="1" anchor="t" anchorCtr="0" compatLnSpc="1">
+            <a:prstTxWarp prst="textNoShape">
+              <a:avLst/>
+            </a:prstTxWarp>
           </a:bodyPr>
           <a:lstStyle/>
           <a:p>
-            <a:r>
-              <a:rPr lang="ru-RU" smtClean="0"/>
+            <a:pPr lvl="0"/>
+            <a:r>
+              <a:rPr lang="ru-RU" altLang="en-US" smtClean="0"/>
               <a:t>Образец заголовка</a:t>
             </a:r>
-            <a:endParaRPr lang="ru-RU"/>
-          </a:p>
-        </p:txBody>
-      </p:sp>
-      <p:sp>
-        <p:nvSpPr>
-          <p:cNvPr id="3" name="Текст 2"/>
-          <p:cNvSpPr>
-            <a:spLocks noGrp="1"/>
+          </a:p>
+        </p:txBody>
+      </p:sp>
+      <p:sp>
+        <p:nvSpPr>
+          <p:cNvPr id="24579" name="Rectangle 3"/>
+          <p:cNvSpPr>
+            <a:spLocks noGrp="1" noChangeArrowheads="1"/>
           </p:cNvSpPr>
           <p:nvPr>
             <p:ph type="body" idx="1"/>
           </p:nvPr>
         </p:nvSpPr>
-        <p:spPr>
+        <p:spPr bwMode="auto">
           <a:xfrm>
-            <a:off x="457200" y="1600200"/>
-            <a:ext cx="8229600" cy="4525963"/>
+            <a:off x="457200" y="1600201"/>
+            <a:ext cx="8229600" cy="4530725"/>
           </a:xfrm>
           <a:prstGeom prst="rect">
             <a:avLst/>
           </a:prstGeom>
+          <a:noFill/>
+          <a:ln w="9525">
+            <a:noFill/>
+            <a:miter lim="800000"/>
+            <a:headEnd/>
+            <a:tailEnd/>
+          </a:ln>
+          <a:effectLst/>
         </p:spPr>
         <p:txBody>
-          <a:bodyPr vert="horz" lIns="91440" tIns="45720" rIns="91440" bIns="45720" rtlCol="0">
-            <a:normAutofit/>
+          <a:bodyPr vert="horz" wrap="square" lIns="91440" tIns="45720" rIns="91440" bIns="45720" numCol="1" anchor="t" anchorCtr="0" compatLnSpc="1">
+            <a:prstTxWarp prst="textNoShape">
+              <a:avLst/>
+            </a:prstTxWarp>
           </a:bodyPr>
           <a:lstStyle/>
           <a:p>
             <a:pPr lvl="0"/>
             <a:r>
-              <a:rPr lang="ru-RU" smtClean="0"/>
+              <a:rPr lang="ru-RU" altLang="en-US" smtClean="0"/>
               <a:t>Образец текста</a:t>
             </a:r>
           </a:p>
           <a:p>
             <a:pPr lvl="1"/>
             <a:r>
-              <a:rPr lang="ru-RU" smtClean="0"/>
+              <a:rPr lang="ru-RU" altLang="en-US" smtClean="0"/>
               <a:t>Второй уровень</a:t>
             </a:r>
           </a:p>
           <a:p>
             <a:pPr lvl="2"/>
             <a:r>
-              <a:rPr lang="ru-RU" smtClean="0"/>
+              <a:rPr lang="ru-RU" altLang="en-US" smtClean="0"/>
               <a:t>Третий уровень</a:t>
             </a:r>
           </a:p>
           <a:p>
             <a:pPr lvl="3"/>
             <a:r>
-              <a:rPr lang="ru-RU" smtClean="0"/>
+              <a:rPr lang="ru-RU" altLang="en-US" smtClean="0"/>
               <a:t>Четвертый уровень</a:t>
             </a:r>
           </a:p>
           <a:p>
             <a:pPr lvl="4"/>
             <a:r>
-              <a:rPr lang="ru-RU" smtClean="0"/>
+              <a:rPr lang="ru-RU" altLang="en-US" smtClean="0"/>
               <a:t>Пятый уровень</a:t>
             </a:r>
-            <a:endParaRPr lang="ru-RU"/>
-          </a:p>
-        </p:txBody>
-      </p:sp>
-      <p:sp>
-        <p:nvSpPr>
-          <p:cNvPr id="4" name="Дата 3"/>
-          <p:cNvSpPr>
-            <a:spLocks noGrp="1"/>
+          </a:p>
+        </p:txBody>
+      </p:sp>
+      <p:sp>
+        <p:nvSpPr>
+          <p:cNvPr id="24580" name="Rectangle 4"/>
+          <p:cNvSpPr>
+            <a:spLocks noGrp="1" noChangeArrowheads="1"/>
           </p:cNvSpPr>
           <p:nvPr>
             <p:ph type="dt" sz="half" idx="2"/>
           </p:nvPr>
         </p:nvSpPr>
-        <p:spPr>
+        <p:spPr bwMode="auto">
           <a:xfrm>
-            <a:off x="457200" y="6356350"/>
-            <a:ext cx="2133600" cy="365125"/>
+            <a:off x="457200" y="6243638"/>
+            <a:ext cx="2133600" cy="457200"/>
           </a:xfrm>
           <a:prstGeom prst="rect">
             <a:avLst/>
           </a:prstGeom>
+          <a:noFill/>
+          <a:ln w="9525">
+            <a:noFill/>
+            <a:miter lim="800000"/>
+            <a:headEnd/>
+            <a:tailEnd/>
+          </a:ln>
+          <a:effectLst/>
         </p:spPr>
         <p:txBody>
-          <a:bodyPr vert="horz" lIns="91440" tIns="45720" rIns="91440" bIns="45720" rtlCol="0" anchor="ctr"/>
+          <a:bodyPr vert="horz" wrap="square" lIns="91440" tIns="45720" rIns="91440" bIns="45720" numCol="1" anchor="b" anchorCtr="0" compatLnSpc="1">
+            <a:prstTxWarp prst="textNoShape">
+              <a:avLst/>
+            </a:prstTxWarp>
+          </a:bodyPr>
           <a:lstStyle>
-            <a:lvl1pPr algn="l">
+            <a:lvl1pPr>
               <a:defRPr sz="1200">
-                <a:solidFill>
-                  <a:schemeClr val="tx1">
-                    <a:tint val="75000"/>
-                  </a:schemeClr>
-                </a:solidFill>
+                <a:latin typeface="+mj-lt"/>
               </a:defRPr>
             </a:lvl1pPr>
           </a:lstStyle>
@@ -2709,33 +2856,41 @@
       </p:sp>
       <p:sp>
         <p:nvSpPr>
-          <p:cNvPr id="5" name="Нижний колонтитул 4"/>
-          <p:cNvSpPr>
-            <a:spLocks noGrp="1"/>
+          <p:cNvPr id="24581" name="Rectangle 5"/>
+          <p:cNvSpPr>
+            <a:spLocks noGrp="1" noChangeArrowheads="1"/>
           </p:cNvSpPr>
           <p:nvPr>
             <p:ph type="ftr" sz="quarter" idx="3"/>
           </p:nvPr>
         </p:nvSpPr>
-        <p:spPr>
+        <p:spPr bwMode="auto">
           <a:xfrm>
-            <a:off x="3124200" y="6356350"/>
-            <a:ext cx="2895600" cy="365125"/>
+            <a:off x="3124200" y="6248400"/>
+            <a:ext cx="2895600" cy="457200"/>
           </a:xfrm>
           <a:prstGeom prst="rect">
             <a:avLst/>
           </a:prstGeom>
+          <a:noFill/>
+          <a:ln w="9525">
+            <a:noFill/>
+            <a:miter lim="800000"/>
+            <a:headEnd/>
+            <a:tailEnd/>
+          </a:ln>
+          <a:effectLst/>
         </p:spPr>
         <p:txBody>
-          <a:bodyPr vert="horz" lIns="91440" tIns="45720" rIns="91440" bIns="45720" rtlCol="0" anchor="ctr"/>
+          <a:bodyPr vert="horz" wrap="square" lIns="91440" tIns="45720" rIns="91440" bIns="45720" numCol="1" anchor="b" anchorCtr="0" compatLnSpc="1">
+            <a:prstTxWarp prst="textNoShape">
+              <a:avLst/>
+            </a:prstTxWarp>
+          </a:bodyPr>
           <a:lstStyle>
             <a:lvl1pPr algn="ctr">
               <a:defRPr sz="1200">
-                <a:solidFill>
-                  <a:schemeClr val="tx1">
-                    <a:tint val="75000"/>
-                  </a:schemeClr>
-                </a:solidFill>
+                <a:latin typeface="+mj-lt"/>
               </a:defRPr>
             </a:lvl1pPr>
           </a:lstStyle>
@@ -2746,33 +2901,41 @@
       </p:sp>
       <p:sp>
         <p:nvSpPr>
-          <p:cNvPr id="6" name="Номер слайда 5"/>
-          <p:cNvSpPr>
-            <a:spLocks noGrp="1"/>
+          <p:cNvPr id="24582" name="Rectangle 6"/>
+          <p:cNvSpPr>
+            <a:spLocks noGrp="1" noChangeArrowheads="1"/>
           </p:cNvSpPr>
           <p:nvPr>
             <p:ph type="sldNum" sz="quarter" idx="4"/>
           </p:nvPr>
         </p:nvSpPr>
-        <p:spPr>
+        <p:spPr bwMode="auto">
           <a:xfrm>
-            <a:off x="6553200" y="6356350"/>
-            <a:ext cx="2133600" cy="365125"/>
+            <a:off x="6553200" y="6243638"/>
+            <a:ext cx="2133600" cy="457200"/>
           </a:xfrm>
           <a:prstGeom prst="rect">
             <a:avLst/>
           </a:prstGeom>
+          <a:noFill/>
+          <a:ln w="9525">
+            <a:noFill/>
+            <a:miter lim="800000"/>
+            <a:headEnd/>
+            <a:tailEnd/>
+          </a:ln>
+          <a:effectLst/>
         </p:spPr>
         <p:txBody>
-          <a:bodyPr vert="horz" lIns="91440" tIns="45720" rIns="91440" bIns="45720" rtlCol="0" anchor="ctr"/>
+          <a:bodyPr vert="horz" wrap="square" lIns="91440" tIns="45720" rIns="91440" bIns="45720" numCol="1" anchor="b" anchorCtr="0" compatLnSpc="1">
+            <a:prstTxWarp prst="textNoShape">
+              <a:avLst/>
+            </a:prstTxWarp>
+          </a:bodyPr>
           <a:lstStyle>
             <a:lvl1pPr algn="r">
               <a:defRPr sz="1200">
-                <a:solidFill>
-                  <a:schemeClr val="tx1">
-                    <a:tint val="75000"/>
-                  </a:schemeClr>
-                </a:solidFill>
+                <a:latin typeface="+mj-lt"/>
               </a:defRPr>
             </a:lvl1pPr>
           </a:lstStyle>
@@ -2786,47 +2949,280 @@
           </a:p>
         </p:txBody>
       </p:sp>
+      <p:sp>
+        <p:nvSpPr>
+          <p:cNvPr id="24583" name="Freeform 7"/>
+          <p:cNvSpPr>
+            <a:spLocks noChangeArrowheads="1"/>
+          </p:cNvSpPr>
+          <p:nvPr/>
+        </p:nvSpPr>
+        <p:spPr bwMode="auto">
+          <a:xfrm>
+            <a:off x="381000" y="228600"/>
+            <a:ext cx="8229600" cy="609600"/>
+          </a:xfrm>
+          <a:custGeom>
+            <a:avLst/>
+            <a:gdLst/>
+            <a:ahLst/>
+            <a:cxnLst>
+              <a:cxn ang="0">
+                <a:pos x="0" y="1000"/>
+              </a:cxn>
+              <a:cxn ang="0">
+                <a:pos x="0" y="0"/>
+              </a:cxn>
+              <a:cxn ang="0">
+                <a:pos x="1000" y="0"/>
+              </a:cxn>
+            </a:cxnLst>
+            <a:rect l="0" t="0" r="r" b="b"/>
+            <a:pathLst>
+              <a:path w="1000" h="1000">
+                <a:moveTo>
+                  <a:pt x="0" y="1000"/>
+                </a:moveTo>
+                <a:lnTo>
+                  <a:pt x="0" y="0"/>
+                </a:lnTo>
+                <a:lnTo>
+                  <a:pt x="1000" y="0"/>
+                </a:lnTo>
+              </a:path>
+            </a:pathLst>
+          </a:custGeom>
+          <a:noFill/>
+          <a:ln w="19050" cap="flat" cmpd="sng">
+            <a:solidFill>
+              <a:schemeClr val="accent1"/>
+            </a:solidFill>
+            <a:prstDash val="solid"/>
+            <a:miter lim="800000"/>
+            <a:headEnd/>
+            <a:tailEnd/>
+          </a:ln>
+        </p:spPr>
+        <p:txBody>
+          <a:bodyPr/>
+          <a:lstStyle/>
+          <a:p>
+            <a:endParaRPr lang="ru-RU"/>
+          </a:p>
+        </p:txBody>
+      </p:sp>
+      <p:sp>
+        <p:nvSpPr>
+          <p:cNvPr id="24584" name="Line 8"/>
+          <p:cNvSpPr>
+            <a:spLocks noChangeShapeType="1"/>
+          </p:cNvSpPr>
+          <p:nvPr/>
+        </p:nvSpPr>
+        <p:spPr bwMode="auto">
+          <a:xfrm>
+            <a:off x="457200" y="6172200"/>
+            <a:ext cx="8229600" cy="0"/>
+          </a:xfrm>
+          <a:prstGeom prst="line">
+            <a:avLst/>
+          </a:prstGeom>
+          <a:noFill/>
+          <a:ln w="19050">
+            <a:solidFill>
+              <a:schemeClr val="accent1"/>
+            </a:solidFill>
+            <a:round/>
+            <a:headEnd/>
+            <a:tailEnd/>
+          </a:ln>
+          <a:effectLst/>
+        </p:spPr>
+        <p:txBody>
+          <a:bodyPr/>
+          <a:lstStyle/>
+          <a:p>
+            <a:endParaRPr lang="ru-RU"/>
+          </a:p>
+        </p:txBody>
+      </p:sp>
     </p:spTree>
   </p:cSld>
   <p:clrMap bg1="lt1" tx1="dk1" bg2="lt2" tx2="dk2" accent1="accent1" accent2="accent2" accent3="accent3" accent4="accent4" accent5="accent5" accent6="accent6" hlink="hlink" folHlink="folHlink"/>
   <p:sldLayoutIdLst>
-    <p:sldLayoutId id="2147483649" r:id="rId1"/>
-    <p:sldLayoutId id="2147483650" r:id="rId2"/>
-    <p:sldLayoutId id="2147483651" r:id="rId3"/>
-    <p:sldLayoutId id="2147483652" r:id="rId4"/>
-    <p:sldLayoutId id="2147483653" r:id="rId5"/>
-    <p:sldLayoutId id="2147483654" r:id="rId6"/>
-    <p:sldLayoutId id="2147483655" r:id="rId7"/>
-    <p:sldLayoutId id="2147483656" r:id="rId8"/>
-    <p:sldLayoutId id="2147483657" r:id="rId9"/>
-    <p:sldLayoutId id="2147483658" r:id="rId10"/>
-    <p:sldLayoutId id="2147483659" r:id="rId11"/>
+    <p:sldLayoutId id="2147483661" r:id="rId1"/>
+    <p:sldLayoutId id="2147483662" r:id="rId2"/>
+    <p:sldLayoutId id="2147483663" r:id="rId3"/>
+    <p:sldLayoutId id="2147483664" r:id="rId4"/>
+    <p:sldLayoutId id="2147483665" r:id="rId5"/>
+    <p:sldLayoutId id="2147483666" r:id="rId6"/>
+    <p:sldLayoutId id="2147483667" r:id="rId7"/>
+    <p:sldLayoutId id="2147483668" r:id="rId8"/>
+    <p:sldLayoutId id="2147483669" r:id="rId9"/>
+    <p:sldLayoutId id="2147483670" r:id="rId10"/>
+    <p:sldLayoutId id="2147483671" r:id="rId11"/>
   </p:sldLayoutIdLst>
+  <p:timing>
+    <p:tnLst>
+      <p:par>
+        <p:cTn id="1" dur="indefinite" restart="never" nodeType="tmRoot"/>
+      </p:par>
+    </p:tnLst>
+  </p:timing>
   <p:txStyles>
     <p:titleStyle>
-      <a:lvl1pPr algn="ctr" defTabSz="914400" rtl="0" eaLnBrk="1" latinLnBrk="0" hangingPunct="1">
+      <a:lvl1pPr algn="l" rtl="0" eaLnBrk="1" fontAlgn="base" hangingPunct="1">
         <a:spcBef>
           <a:spcPct val="0"/>
         </a:spcBef>
-        <a:buNone/>
-        <a:defRPr sz="4400" kern="1200">
+        <a:spcAft>
+          <a:spcPct val="0"/>
+        </a:spcAft>
+        <a:defRPr sz="4200">
           <a:solidFill>
-            <a:schemeClr val="tx1"/>
+            <a:schemeClr val="tx2"/>
           </a:solidFill>
           <a:latin typeface="+mj-lt"/>
           <a:ea typeface="+mj-ea"/>
           <a:cs typeface="+mj-cs"/>
         </a:defRPr>
       </a:lvl1pPr>
+      <a:lvl2pPr algn="l" rtl="0" eaLnBrk="1" fontAlgn="base" hangingPunct="1">
+        <a:spcBef>
+          <a:spcPct val="0"/>
+        </a:spcBef>
+        <a:spcAft>
+          <a:spcPct val="0"/>
+        </a:spcAft>
+        <a:defRPr sz="4200">
+          <a:solidFill>
+            <a:schemeClr val="tx2"/>
+          </a:solidFill>
+          <a:latin typeface="Garamond" pitchFamily="18" charset="0"/>
+          <a:cs typeface="Arial" charset="0"/>
+        </a:defRPr>
+      </a:lvl2pPr>
+      <a:lvl3pPr algn="l" rtl="0" eaLnBrk="1" fontAlgn="base" hangingPunct="1">
+        <a:spcBef>
+          <a:spcPct val="0"/>
+        </a:spcBef>
+        <a:spcAft>
+          <a:spcPct val="0"/>
+        </a:spcAft>
+        <a:defRPr sz="4200">
+          <a:solidFill>
+            <a:schemeClr val="tx2"/>
+          </a:solidFill>
+          <a:latin typeface="Garamond" pitchFamily="18" charset="0"/>
+          <a:cs typeface="Arial" charset="0"/>
+        </a:defRPr>
+      </a:lvl3pPr>
+      <a:lvl4pPr algn="l" rtl="0" eaLnBrk="1" fontAlgn="base" hangingPunct="1">
+        <a:spcBef>
+          <a:spcPct val="0"/>
+        </a:spcBef>
+        <a:spcAft>
+          <a:spcPct val="0"/>
+        </a:spcAft>
+        <a:defRPr sz="4200">
+          <a:solidFill>
+            <a:schemeClr val="tx2"/>
+          </a:solidFill>
+          <a:latin typeface="Garamond" pitchFamily="18" charset="0"/>
+          <a:cs typeface="Arial" charset="0"/>
+        </a:defRPr>
+      </a:lvl4pPr>
+      <a:lvl5pPr algn="l" rtl="0" eaLnBrk="1" fontAlgn="base" hangingPunct="1">
+        <a:spcBef>
+          <a:spcPct val="0"/>
+        </a:spcBef>
+        <a:spcAft>
+          <a:spcPct val="0"/>
+        </a:spcAft>
+        <a:defRPr sz="4200">
+          <a:solidFill>
+            <a:schemeClr val="tx2"/>
+          </a:solidFill>
+          <a:latin typeface="Garamond" pitchFamily="18" charset="0"/>
+          <a:cs typeface="Arial" charset="0"/>
+        </a:defRPr>
+      </a:lvl5pPr>
+      <a:lvl6pPr marL="457200" algn="l" rtl="0" eaLnBrk="1" fontAlgn="base" hangingPunct="1">
+        <a:spcBef>
+          <a:spcPct val="0"/>
+        </a:spcBef>
+        <a:spcAft>
+          <a:spcPct val="0"/>
+        </a:spcAft>
+        <a:defRPr sz="4200">
+          <a:solidFill>
+            <a:schemeClr val="tx2"/>
+          </a:solidFill>
+          <a:latin typeface="Garamond" pitchFamily="18" charset="0"/>
+          <a:cs typeface="Arial" charset="0"/>
+        </a:defRPr>
+      </a:lvl6pPr>
+      <a:lvl7pPr marL="914400" algn="l" rtl="0" eaLnBrk="1" fontAlgn="base" hangingPunct="1">
+        <a:spcBef>
+          <a:spcPct val="0"/>
+        </a:spcBef>
+        <a:spcAft>
+          <a:spcPct val="0"/>
+        </a:spcAft>
+        <a:defRPr sz="4200">
+          <a:solidFill>
+            <a:schemeClr val="tx2"/>
+          </a:solidFill>
+          <a:latin typeface="Garamond" pitchFamily="18" charset="0"/>
+          <a:cs typeface="Arial" charset="0"/>
+        </a:defRPr>
+      </a:lvl7pPr>
+      <a:lvl8pPr marL="1371600" algn="l" rtl="0" eaLnBrk="1" fontAlgn="base" hangingPunct="1">
+        <a:spcBef>
+          <a:spcPct val="0"/>
+        </a:spcBef>
+        <a:spcAft>
+          <a:spcPct val="0"/>
+        </a:spcAft>
+        <a:defRPr sz="4200">
+          <a:solidFill>
+            <a:schemeClr val="tx2"/>
+          </a:solidFill>
+          <a:latin typeface="Garamond" pitchFamily="18" charset="0"/>
+          <a:cs typeface="Arial" charset="0"/>
+        </a:defRPr>
+      </a:lvl8pPr>
+      <a:lvl9pPr marL="1828800" algn="l" rtl="0" eaLnBrk="1" fontAlgn="base" hangingPunct="1">
+        <a:spcBef>
+          <a:spcPct val="0"/>
+        </a:spcBef>
+        <a:spcAft>
+          <a:spcPct val="0"/>
+        </a:spcAft>
+        <a:defRPr sz="4200">
+          <a:solidFill>
+            <a:schemeClr val="tx2"/>
+          </a:solidFill>
+          <a:latin typeface="Garamond" pitchFamily="18" charset="0"/>
+          <a:cs typeface="Arial" charset="0"/>
+        </a:defRPr>
+      </a:lvl9pPr>
     </p:titleStyle>
     <p:bodyStyle>
-      <a:lvl1pPr marL="342900" indent="-342900" algn="l" defTabSz="914400" rtl="0" eaLnBrk="1" latinLnBrk="0" hangingPunct="1">
+      <a:lvl1pPr marL="342900" indent="-342900" algn="l" rtl="0" eaLnBrk="1" fontAlgn="base" hangingPunct="1">
         <a:spcBef>
           <a:spcPct val="20000"/>
         </a:spcBef>
-        <a:buFont typeface="Arial" pitchFamily="34" charset="0"/>
-        <a:buChar char="•"/>
-        <a:defRPr sz="3200" kern="1200">
+        <a:spcAft>
+          <a:spcPct val="0"/>
+        </a:spcAft>
+        <a:buClr>
+          <a:schemeClr val="accent1"/>
+        </a:buClr>
+        <a:buSzPct val="65000"/>
+        <a:buFont typeface="Wingdings" pitchFamily="2" charset="2"/>
+        <a:buChar char="n"/>
+        <a:defRPr sz="3000">
           <a:solidFill>
             <a:schemeClr val="tx1"/>
           </a:solidFill>
@@ -2835,123 +3231,171 @@
           <a:cs typeface="+mn-cs"/>
         </a:defRPr>
       </a:lvl1pPr>
-      <a:lvl2pPr marL="742950" indent="-285750" algn="l" defTabSz="914400" rtl="0" eaLnBrk="1" latinLnBrk="0" hangingPunct="1">
+      <a:lvl2pPr marL="669925" indent="-325438" algn="l" rtl="0" eaLnBrk="1" fontAlgn="base" hangingPunct="1">
         <a:spcBef>
           <a:spcPct val="20000"/>
         </a:spcBef>
-        <a:buFont typeface="Arial" pitchFamily="34" charset="0"/>
-        <a:buChar char="–"/>
-        <a:defRPr sz="2800" kern="1200">
+        <a:spcAft>
+          <a:spcPct val="0"/>
+        </a:spcAft>
+        <a:buClr>
+          <a:schemeClr val="accent2"/>
+        </a:buClr>
+        <a:buSzPct val="60000"/>
+        <a:buFont typeface="Wingdings" pitchFamily="2" charset="2"/>
+        <a:buChar char="q"/>
+        <a:defRPr sz="2600">
           <a:solidFill>
             <a:schemeClr val="tx1"/>
           </a:solidFill>
           <a:latin typeface="+mn-lt"/>
-          <a:ea typeface="+mn-ea"/>
           <a:cs typeface="+mn-cs"/>
         </a:defRPr>
       </a:lvl2pPr>
-      <a:lvl3pPr marL="1143000" indent="-228600" algn="l" defTabSz="914400" rtl="0" eaLnBrk="1" latinLnBrk="0" hangingPunct="1">
+      <a:lvl3pPr marL="1022350" indent="-350838" algn="l" rtl="0" eaLnBrk="1" fontAlgn="base" hangingPunct="1">
         <a:spcBef>
           <a:spcPct val="20000"/>
         </a:spcBef>
-        <a:buFont typeface="Arial" pitchFamily="34" charset="0"/>
-        <a:buChar char="•"/>
-        <a:defRPr sz="2400" kern="1200">
+        <a:spcAft>
+          <a:spcPct val="0"/>
+        </a:spcAft>
+        <a:buClr>
+          <a:schemeClr val="accent1"/>
+        </a:buClr>
+        <a:buSzPct val="65000"/>
+        <a:buFont typeface="Wingdings" pitchFamily="2" charset="2"/>
+        <a:buChar char="n"/>
+        <a:defRPr sz="2200">
           <a:solidFill>
             <a:schemeClr val="tx1"/>
           </a:solidFill>
           <a:latin typeface="+mn-lt"/>
-          <a:ea typeface="+mn-ea"/>
           <a:cs typeface="+mn-cs"/>
         </a:defRPr>
       </a:lvl3pPr>
-      <a:lvl4pPr marL="1600200" indent="-228600" algn="l" defTabSz="914400" rtl="0" eaLnBrk="1" latinLnBrk="0" hangingPunct="1">
+      <a:lvl4pPr marL="1339850" indent="-315913" algn="l" rtl="0" eaLnBrk="1" fontAlgn="base" hangingPunct="1">
         <a:spcBef>
           <a:spcPct val="20000"/>
         </a:spcBef>
-        <a:buFont typeface="Arial" pitchFamily="34" charset="0"/>
-        <a:buChar char="–"/>
-        <a:defRPr sz="2000" kern="1200">
+        <a:spcAft>
+          <a:spcPct val="0"/>
+        </a:spcAft>
+        <a:buClr>
+          <a:schemeClr val="accent2"/>
+        </a:buClr>
+        <a:buSzPct val="70000"/>
+        <a:buFont typeface="Wingdings" pitchFamily="2" charset="2"/>
+        <a:buChar char="q"/>
+        <a:defRPr sz="2000">
           <a:solidFill>
             <a:schemeClr val="tx1"/>
           </a:solidFill>
           <a:latin typeface="+mn-lt"/>
-          <a:ea typeface="+mn-ea"/>
           <a:cs typeface="+mn-cs"/>
         </a:defRPr>
       </a:lvl4pPr>
-      <a:lvl5pPr marL="2057400" indent="-228600" algn="l" defTabSz="914400" rtl="0" eaLnBrk="1" latinLnBrk="0" hangingPunct="1">
+      <a:lvl5pPr marL="1681163" indent="-339725" algn="l" rtl="0" eaLnBrk="1" fontAlgn="base" hangingPunct="1">
         <a:spcBef>
           <a:spcPct val="20000"/>
         </a:spcBef>
-        <a:buFont typeface="Arial" pitchFamily="34" charset="0"/>
-        <a:buChar char="»"/>
-        <a:defRPr sz="2000" kern="1200">
+        <a:spcAft>
+          <a:spcPct val="0"/>
+        </a:spcAft>
+        <a:buClr>
+          <a:schemeClr val="accent1"/>
+        </a:buClr>
+        <a:buSzPct val="75000"/>
+        <a:buFont typeface="Wingdings" pitchFamily="2" charset="2"/>
+        <a:buChar char="§"/>
+        <a:defRPr sz="2000">
           <a:solidFill>
             <a:schemeClr val="tx1"/>
           </a:solidFill>
           <a:latin typeface="+mn-lt"/>
-          <a:ea typeface="+mn-ea"/>
           <a:cs typeface="+mn-cs"/>
         </a:defRPr>
       </a:lvl5pPr>
-      <a:lvl6pPr marL="2514600" indent="-228600" algn="l" defTabSz="914400" rtl="0" eaLnBrk="1" latinLnBrk="0" hangingPunct="1">
+      <a:lvl6pPr marL="2138363" indent="-339725" algn="l" rtl="0" eaLnBrk="1" fontAlgn="base" hangingPunct="1">
         <a:spcBef>
           <a:spcPct val="20000"/>
         </a:spcBef>
-        <a:buFont typeface="Arial" pitchFamily="34" charset="0"/>
-        <a:buChar char="•"/>
-        <a:defRPr sz="2000" kern="1200">
+        <a:spcAft>
+          <a:spcPct val="0"/>
+        </a:spcAft>
+        <a:buClr>
+          <a:schemeClr val="accent1"/>
+        </a:buClr>
+        <a:buSzPct val="75000"/>
+        <a:buFont typeface="Wingdings" pitchFamily="2" charset="2"/>
+        <a:buChar char="§"/>
+        <a:defRPr sz="2000">
           <a:solidFill>
             <a:schemeClr val="tx1"/>
           </a:solidFill>
           <a:latin typeface="+mn-lt"/>
-          <a:ea typeface="+mn-ea"/>
           <a:cs typeface="+mn-cs"/>
         </a:defRPr>
       </a:lvl6pPr>
-      <a:lvl7pPr marL="2971800" indent="-228600" algn="l" defTabSz="914400" rtl="0" eaLnBrk="1" latinLnBrk="0" hangingPunct="1">
+      <a:lvl7pPr marL="2595563" indent="-339725" algn="l" rtl="0" eaLnBrk="1" fontAlgn="base" hangingPunct="1">
         <a:spcBef>
           <a:spcPct val="20000"/>
         </a:spcBef>
-        <a:buFont typeface="Arial" pitchFamily="34" charset="0"/>
-        <a:buChar char="•"/>
-        <a:defRPr sz="2000" kern="1200">
+        <a:spcAft>
+          <a:spcPct val="0"/>
+        </a:spcAft>
+        <a:buClr>
+          <a:schemeClr val="accent1"/>
+        </a:buClr>
+        <a:buSzPct val="75000"/>
+        <a:buFont typeface="Wingdings" pitchFamily="2" charset="2"/>
+        <a:buChar char="§"/>
+        <a:defRPr sz="2000">
           <a:solidFill>
             <a:schemeClr val="tx1"/>
           </a:solidFill>
           <a:latin typeface="+mn-lt"/>
-          <a:ea typeface="+mn-ea"/>
           <a:cs typeface="+mn-cs"/>
         </a:defRPr>
       </a:lvl7pPr>
-      <a:lvl8pPr marL="3429000" indent="-228600" algn="l" defTabSz="914400" rtl="0" eaLnBrk="1" latinLnBrk="0" hangingPunct="1">
+      <a:lvl8pPr marL="3052763" indent="-339725" algn="l" rtl="0" eaLnBrk="1" fontAlgn="base" hangingPunct="1">
         <a:spcBef>
           <a:spcPct val="20000"/>
         </a:spcBef>
-        <a:buFont typeface="Arial" pitchFamily="34" charset="0"/>
-        <a:buChar char="•"/>
-        <a:defRPr sz="2000" kern="1200">
+        <a:spcAft>
+          <a:spcPct val="0"/>
+        </a:spcAft>
+        <a:buClr>
+          <a:schemeClr val="accent1"/>
+        </a:buClr>
+        <a:buSzPct val="75000"/>
+        <a:buFont typeface="Wingdings" pitchFamily="2" charset="2"/>
+        <a:buChar char="§"/>
+        <a:defRPr sz="2000">
           <a:solidFill>
             <a:schemeClr val="tx1"/>
           </a:solidFill>
           <a:latin typeface="+mn-lt"/>
-          <a:ea typeface="+mn-ea"/>
           <a:cs typeface="+mn-cs"/>
         </a:defRPr>
       </a:lvl8pPr>
-      <a:lvl9pPr marL="3886200" indent="-228600" algn="l" defTabSz="914400" rtl="0" eaLnBrk="1" latinLnBrk="0" hangingPunct="1">
+      <a:lvl9pPr marL="3509963" indent="-339725" algn="l" rtl="0" eaLnBrk="1" fontAlgn="base" hangingPunct="1">
         <a:spcBef>
           <a:spcPct val="20000"/>
         </a:spcBef>
-        <a:buFont typeface="Arial" pitchFamily="34" charset="0"/>
-        <a:buChar char="•"/>
-        <a:defRPr sz="2000" kern="1200">
+        <a:spcAft>
+          <a:spcPct val="0"/>
+        </a:spcAft>
+        <a:buClr>
+          <a:schemeClr val="accent1"/>
+        </a:buClr>
+        <a:buSzPct val="75000"/>
+        <a:buFont typeface="Wingdings" pitchFamily="2" charset="2"/>
+        <a:buChar char="§"/>
+        <a:defRPr sz="2000">
           <a:solidFill>
             <a:schemeClr val="tx1"/>
           </a:solidFill>
           <a:latin typeface="+mn-lt"/>
-          <a:ea typeface="+mn-ea"/>
           <a:cs typeface="+mn-cs"/>
         </a:defRPr>
       </a:lvl9pPr>
@@ -3074,353 +3518,177 @@
       </p:grpSpPr>
       <p:sp>
         <p:nvSpPr>
-          <p:cNvPr id="4" name="Rectangle 2049"/>
-          <p:cNvSpPr txBox="1">
-            <a:spLocks noChangeArrowheads="1"/>
-          </p:cNvSpPr>
-          <p:nvPr/>
+          <p:cNvPr id="7" name="Title 6"/>
+          <p:cNvSpPr>
+            <a:spLocks noGrp="1"/>
+          </p:cNvSpPr>
+          <p:nvPr>
+            <p:ph type="ctrTitle"/>
+          </p:nvPr>
         </p:nvSpPr>
         <p:spPr>
           <a:xfrm>
-            <a:off x="1714480" y="714356"/>
-            <a:ext cx="6399213" cy="1524000"/>
+            <a:off x="714348" y="1357298"/>
+            <a:ext cx="7622931" cy="2428892"/>
           </a:xfrm>
-          <a:prstGeom prst="rect">
-            <a:avLst/>
-          </a:prstGeom>
         </p:spPr>
         <p:txBody>
-          <a:bodyPr vert="horz" lIns="91440" tIns="45720" rIns="91440" bIns="45720" rtlCol="0" anchor="ctr">
-            <a:normAutofit/>
-          </a:bodyPr>
+          <a:bodyPr/>
           <a:lstStyle/>
           <a:p>
-            <a:pPr marL="0" marR="0" lvl="0" indent="0" algn="ctr" defTabSz="914400" rtl="0" eaLnBrk="1" fontAlgn="auto" latinLnBrk="0" hangingPunct="1">
-              <a:lnSpc>
-                <a:spcPct val="100000"/>
-              </a:lnSpc>
-              <a:spcBef>
-                <a:spcPct val="0"/>
-              </a:spcBef>
+            <a:pPr lvl="0" algn="ctr" fontAlgn="auto">
+              <a:spcAft>
+                <a:spcPts val="0"/>
+              </a:spcAft>
+              <a:defRPr/>
+            </a:pPr>
+            <a:r>
+              <a:rPr lang="ru-RU" sz="3200" dirty="0" smtClean="0">
+                <a:latin typeface="Calibri" pitchFamily="34" charset="0"/>
+              </a:rPr>
+              <a:t>Декомпозиция сложных дискретных систем, формализованных в виде вероятностных МП-автоматов</a:t>
+            </a:r>
+            <a:r>
+              <a:rPr lang="ru-RU" sz="3200" kern="1200" dirty="0" smtClean="0">
+                <a:solidFill>
+                  <a:schemeClr val="tx1"/>
+                </a:solidFill>
+                <a:latin typeface="Calibri" pitchFamily="34" charset="0"/>
+              </a:rPr>
+              <a:t>.</a:t>
+            </a:r>
+            <a:br>
+              <a:rPr lang="ru-RU" sz="3200" kern="1200" dirty="0" smtClean="0">
+                <a:solidFill>
+                  <a:schemeClr val="tx1"/>
+                </a:solidFill>
+                <a:latin typeface="Calibri" pitchFamily="34" charset="0"/>
+              </a:rPr>
+            </a:br>
+            <a:r>
+              <a:rPr lang="ru-RU" sz="3200" kern="1200" dirty="0" smtClean="0">
+                <a:solidFill>
+                  <a:schemeClr val="tx1"/>
+                </a:solidFill>
+                <a:latin typeface="Calibri" pitchFamily="34" charset="0"/>
+              </a:rPr>
+              <a:t/>
+            </a:r>
+            <a:br>
+              <a:rPr lang="ru-RU" sz="3200" kern="1200" dirty="0" smtClean="0">
+                <a:solidFill>
+                  <a:schemeClr val="tx1"/>
+                </a:solidFill>
+                <a:latin typeface="Calibri" pitchFamily="34" charset="0"/>
+              </a:rPr>
+            </a:br>
+            <a:r>
+              <a:rPr lang="ru-RU" sz="3200" kern="1200" dirty="0" smtClean="0">
+                <a:solidFill>
+                  <a:schemeClr val="tx1"/>
+                </a:solidFill>
+                <a:latin typeface="Calibri" pitchFamily="34" charset="0"/>
+              </a:rPr>
+              <a:t>квалификационная работа</a:t>
+            </a:r>
+            <a:endParaRPr lang="ru-RU" sz="3200" kern="1200" dirty="0" smtClean="0">
+              <a:solidFill>
+                <a:schemeClr val="tx1"/>
+              </a:solidFill>
+              <a:latin typeface="Calibri" pitchFamily="34" charset="0"/>
+            </a:endParaRPr>
+          </a:p>
+        </p:txBody>
+      </p:sp>
+      <p:sp>
+        <p:nvSpPr>
+          <p:cNvPr id="8" name="Subtitle 7"/>
+          <p:cNvSpPr>
+            <a:spLocks noGrp="1"/>
+          </p:cNvSpPr>
+          <p:nvPr>
+            <p:ph type="subTitle" idx="1"/>
+          </p:nvPr>
+        </p:nvSpPr>
+        <p:spPr>
+          <a:xfrm>
+            <a:off x="2071670" y="4071942"/>
+            <a:ext cx="6553200" cy="1752600"/>
+          </a:xfrm>
+        </p:spPr>
+        <p:txBody>
+          <a:bodyPr/>
+          <a:lstStyle/>
+          <a:p>
+            <a:pPr lvl="0" algn="r" fontAlgn="auto">
               <a:spcAft>
                 <a:spcPts val="0"/>
               </a:spcAft>
               <a:buClrTx/>
               <a:buSzTx/>
-              <a:buFontTx/>
-              <a:buNone/>
-              <a:tabLst/>
               <a:defRPr/>
             </a:pPr>
             <a:r>
-              <a:rPr lang="ru-RU" sz="2400" dirty="0" smtClean="0">
-                <a:latin typeface="+mj-lt"/>
-                <a:ea typeface="+mj-ea"/>
-                <a:cs typeface="+mj-cs"/>
-              </a:rPr>
-              <a:t>Декомпозиция сложных дискретных систем, формализованных в виде вероятностных МП-автоматов</a:t>
-            </a:r>
-            <a:r>
-              <a:rPr kumimoji="0" lang="ru-RU" sz="2400" b="0" i="0" u="none" strike="noStrike" kern="1200" cap="none" spc="0" normalizeH="0" noProof="0" dirty="0" smtClean="0">
-                <a:ln>
-                  <a:noFill/>
-                </a:ln>
-                <a:solidFill>
-                  <a:schemeClr val="tx1"/>
-                </a:solidFill>
-                <a:effectLst/>
-                <a:uLnTx/>
-                <a:uFillTx/>
-                <a:latin typeface="+mj-lt"/>
-                <a:ea typeface="+mj-ea"/>
-                <a:cs typeface="+mj-cs"/>
-              </a:rPr>
-              <a:t>.</a:t>
-            </a:r>
-            <a:endParaRPr kumimoji="0" lang="ru-RU" sz="2400" b="0" i="0" u="none" strike="noStrike" kern="1200" cap="none" spc="0" normalizeH="0" baseline="0" noProof="0" dirty="0" smtClean="0">
-              <a:ln>
-                <a:noFill/>
-              </a:ln>
-              <a:solidFill>
-                <a:schemeClr val="tx1"/>
-              </a:solidFill>
-              <a:effectLst/>
-              <a:uLnTx/>
-              <a:uFillTx/>
-              <a:latin typeface="+mj-lt"/>
-              <a:ea typeface="+mj-ea"/>
-              <a:cs typeface="+mj-cs"/>
-            </a:endParaRPr>
-          </a:p>
-        </p:txBody>
-      </p:sp>
-      <p:sp>
-        <p:nvSpPr>
-          <p:cNvPr id="5" name="Rectangle 2048"/>
-          <p:cNvSpPr txBox="1">
-            <a:spLocks noChangeArrowheads="1"/>
-          </p:cNvSpPr>
-          <p:nvPr/>
-        </p:nvSpPr>
-        <p:spPr>
-          <a:xfrm>
-            <a:off x="2743200" y="3886200"/>
-            <a:ext cx="5943600" cy="1752600"/>
-          </a:xfrm>
-          <a:prstGeom prst="rect">
-            <a:avLst/>
-          </a:prstGeom>
-        </p:spPr>
-        <p:txBody>
-          <a:bodyPr vert="horz" lIns="91440" tIns="45720" rIns="91440" bIns="45720" rtlCol="0">
-            <a:normAutofit/>
-          </a:bodyPr>
-          <a:lstStyle/>
-          <a:p>
-            <a:pPr marL="0" marR="0" lvl="0" indent="0" algn="r" defTabSz="914400" rtl="0" eaLnBrk="1" fontAlgn="auto" latinLnBrk="0" hangingPunct="1">
-              <a:lnSpc>
-                <a:spcPct val="100000"/>
-              </a:lnSpc>
-              <a:spcBef>
-                <a:spcPct val="20000"/>
-              </a:spcBef>
+              <a:rPr lang="ru-RU" sz="2000" kern="1200" dirty="0" smtClean="0"/>
+              <a:t>Выполнил:</a:t>
+            </a:r>
+          </a:p>
+          <a:p>
+            <a:pPr lvl="0" algn="r" fontAlgn="auto">
               <a:spcAft>
                 <a:spcPts val="0"/>
               </a:spcAft>
               <a:buClrTx/>
               <a:buSzTx/>
-              <a:buFont typeface="Arial" pitchFamily="34" charset="0"/>
-              <a:buNone/>
-              <a:tabLst/>
               <a:defRPr/>
             </a:pPr>
             <a:r>
-              <a:rPr kumimoji="0" lang="ru-RU" sz="2000" b="0" i="0" u="none" strike="noStrike" kern="1200" cap="none" spc="0" normalizeH="0" baseline="0" noProof="0" dirty="0" smtClean="0">
-                <a:ln>
-                  <a:noFill/>
-                </a:ln>
-                <a:solidFill>
-                  <a:schemeClr val="tx1">
-                    <a:tint val="75000"/>
-                  </a:schemeClr>
-                </a:solidFill>
-                <a:effectLst/>
-                <a:uLnTx/>
-                <a:uFillTx/>
-                <a:latin typeface="+mn-lt"/>
-                <a:ea typeface="+mn-ea"/>
-                <a:cs typeface="+mn-cs"/>
-              </a:rPr>
-              <a:t>Выполнил:</a:t>
-            </a:r>
-          </a:p>
-          <a:p>
-            <a:pPr marL="0" marR="0" lvl="0" indent="0" algn="r" defTabSz="914400" rtl="0" eaLnBrk="1" fontAlgn="auto" latinLnBrk="0" hangingPunct="1">
-              <a:lnSpc>
-                <a:spcPct val="100000"/>
-              </a:lnSpc>
-              <a:spcBef>
-                <a:spcPct val="20000"/>
-              </a:spcBef>
+              <a:rPr lang="ru-RU" sz="2000" kern="1200" dirty="0" err="1" smtClean="0"/>
+              <a:t>Шляпенко</a:t>
+            </a:r>
+            <a:r>
+              <a:rPr lang="ru-RU" sz="2000" kern="1200" dirty="0" smtClean="0"/>
+              <a:t> Д.А., гр. ИУ7-83</a:t>
+            </a:r>
+          </a:p>
+          <a:p>
+            <a:pPr lvl="0" algn="r" fontAlgn="auto">
               <a:spcAft>
                 <a:spcPts val="0"/>
               </a:spcAft>
               <a:buClrTx/>
               <a:buSzTx/>
-              <a:buFont typeface="Arial" pitchFamily="34" charset="0"/>
-              <a:buNone/>
-              <a:tabLst/>
               <a:defRPr/>
             </a:pPr>
             <a:r>
-              <a:rPr kumimoji="0" lang="ru-RU" sz="2000" b="0" i="0" u="none" strike="noStrike" kern="1200" cap="none" spc="0" normalizeH="0" baseline="0" noProof="0" dirty="0" err="1" smtClean="0">
-                <a:ln>
-                  <a:noFill/>
-                </a:ln>
-                <a:solidFill>
-                  <a:schemeClr val="tx1">
-                    <a:tint val="75000"/>
-                  </a:schemeClr>
-                </a:solidFill>
-                <a:effectLst/>
-                <a:uLnTx/>
-                <a:uFillTx/>
-                <a:latin typeface="+mn-lt"/>
-                <a:ea typeface="+mn-ea"/>
-                <a:cs typeface="+mn-cs"/>
-              </a:rPr>
-              <a:t>Шляпенко</a:t>
-            </a:r>
-            <a:r>
-              <a:rPr kumimoji="0" lang="ru-RU" sz="2000" b="0" i="0" u="none" strike="noStrike" kern="1200" cap="none" spc="0" normalizeH="0" baseline="0" noProof="0" dirty="0" smtClean="0">
-                <a:ln>
-                  <a:noFill/>
-                </a:ln>
-                <a:solidFill>
-                  <a:schemeClr val="tx1">
-                    <a:tint val="75000"/>
-                  </a:schemeClr>
-                </a:solidFill>
-                <a:effectLst/>
-                <a:uLnTx/>
-                <a:uFillTx/>
-                <a:latin typeface="+mn-lt"/>
-                <a:ea typeface="+mn-ea"/>
-                <a:cs typeface="+mn-cs"/>
-              </a:rPr>
-              <a:t> Д.А., гр. ИУ7-83</a:t>
-            </a:r>
-          </a:p>
-          <a:p>
-            <a:pPr marL="0" marR="0" lvl="0" indent="0" algn="r" defTabSz="914400" rtl="0" eaLnBrk="1" fontAlgn="auto" latinLnBrk="0" hangingPunct="1">
-              <a:lnSpc>
-                <a:spcPct val="100000"/>
-              </a:lnSpc>
-              <a:spcBef>
-                <a:spcPct val="20000"/>
-              </a:spcBef>
+              <a:rPr lang="ru-RU" sz="2000" kern="1200" dirty="0" smtClean="0"/>
+              <a:t>Руководитель: </a:t>
+            </a:r>
+          </a:p>
+          <a:p>
+            <a:pPr lvl="0" algn="r" fontAlgn="auto">
               <a:spcAft>
                 <a:spcPts val="0"/>
               </a:spcAft>
               <a:buClrTx/>
               <a:buSzTx/>
-              <a:buFont typeface="Arial" pitchFamily="34" charset="0"/>
-              <a:buNone/>
-              <a:tabLst/>
               <a:defRPr/>
             </a:pPr>
             <a:r>
-              <a:rPr kumimoji="0" lang="ru-RU" sz="2000" b="0" i="0" u="none" strike="noStrike" kern="1200" cap="none" spc="0" normalizeH="0" baseline="0" noProof="0" dirty="0" smtClean="0">
-                <a:ln>
-                  <a:noFill/>
-                </a:ln>
-                <a:solidFill>
-                  <a:schemeClr val="tx1">
-                    <a:tint val="75000"/>
-                  </a:schemeClr>
-                </a:solidFill>
-                <a:effectLst/>
-                <a:uLnTx/>
-                <a:uFillTx/>
-                <a:latin typeface="+mn-lt"/>
-                <a:ea typeface="+mn-ea"/>
-                <a:cs typeface="+mn-cs"/>
-              </a:rPr>
-              <a:t>Руководитель: </a:t>
-            </a:r>
-          </a:p>
-          <a:p>
-            <a:pPr marL="0" marR="0" lvl="0" indent="0" algn="r" defTabSz="914400" rtl="0" eaLnBrk="1" fontAlgn="auto" latinLnBrk="0" hangingPunct="1">
-              <a:lnSpc>
-                <a:spcPct val="100000"/>
-              </a:lnSpc>
-              <a:spcBef>
-                <a:spcPct val="20000"/>
-              </a:spcBef>
-              <a:spcAft>
-                <a:spcPts val="0"/>
-              </a:spcAft>
-              <a:buClrTx/>
-              <a:buSzTx/>
-              <a:buFont typeface="Arial" pitchFamily="34" charset="0"/>
-              <a:buNone/>
-              <a:tabLst/>
-              <a:defRPr/>
-            </a:pPr>
-            <a:r>
-              <a:rPr kumimoji="0" lang="ru-RU" sz="2000" b="0" i="0" u="none" strike="noStrike" kern="1200" cap="none" spc="0" normalizeH="0" baseline="0" noProof="0" dirty="0" smtClean="0">
-                <a:ln>
-                  <a:noFill/>
-                </a:ln>
-                <a:solidFill>
-                  <a:schemeClr val="tx1">
-                    <a:tint val="75000"/>
-                  </a:schemeClr>
-                </a:solidFill>
-                <a:effectLst/>
-                <a:uLnTx/>
-                <a:uFillTx/>
-                <a:latin typeface="+mn-lt"/>
-                <a:ea typeface="+mn-ea"/>
-                <a:cs typeface="+mn-cs"/>
-              </a:rPr>
+              <a:rPr lang="ru-RU" sz="2000" kern="1200" dirty="0" smtClean="0"/>
               <a:t>Рудаков И.В., </a:t>
             </a:r>
             <a:r>
-              <a:rPr lang="ru-RU" sz="2000" dirty="0" err="1" smtClean="0">
-                <a:solidFill>
-                  <a:schemeClr val="tx1">
-                    <a:tint val="75000"/>
-                  </a:schemeClr>
-                </a:solidFill>
-              </a:rPr>
+              <a:rPr lang="ru-RU" sz="2000" dirty="0" smtClean="0"/>
               <a:t>д</a:t>
             </a:r>
             <a:r>
-              <a:rPr kumimoji="0" lang="ru-RU" sz="2000" b="0" i="0" u="none" strike="noStrike" kern="1200" cap="none" spc="0" normalizeH="0" baseline="0" noProof="0" dirty="0" smtClean="0">
-                <a:ln>
-                  <a:noFill/>
-                </a:ln>
-                <a:solidFill>
-                  <a:schemeClr val="tx1">
-                    <a:tint val="75000"/>
-                  </a:schemeClr>
-                </a:solidFill>
-                <a:effectLst/>
-                <a:uLnTx/>
-                <a:uFillTx/>
-                <a:latin typeface="+mn-lt"/>
-                <a:ea typeface="+mn-ea"/>
-                <a:cs typeface="+mn-cs"/>
-              </a:rPr>
+              <a:rPr lang="ru-RU" sz="2000" kern="1200" dirty="0" smtClean="0"/>
               <a:t>.т.н., доцент</a:t>
             </a:r>
           </a:p>
-        </p:txBody>
-      </p:sp>
-      <p:sp>
-        <p:nvSpPr>
-          <p:cNvPr id="6" name="Rectangle 2052"/>
-          <p:cNvSpPr>
-            <a:spLocks noChangeArrowheads="1"/>
-          </p:cNvSpPr>
-          <p:nvPr/>
-        </p:nvSpPr>
-        <p:spPr bwMode="auto">
-          <a:xfrm>
-            <a:off x="1714480" y="2214554"/>
-            <a:ext cx="6399213" cy="1524000"/>
-          </a:xfrm>
-          <a:prstGeom prst="rect">
-            <a:avLst/>
-          </a:prstGeom>
-          <a:noFill/>
-          <a:ln w="9525">
-            <a:noFill/>
-            <a:miter lim="800000"/>
-            <a:headEnd/>
-            <a:tailEnd/>
-          </a:ln>
-          <a:effectLst/>
-        </p:spPr>
-        <p:txBody>
-          <a:bodyPr anchor="ctr"/>
-          <a:lstStyle/>
-          <a:p>
-            <a:pPr algn="ctr"/>
-            <a:r>
-              <a:rPr lang="ru-RU" sz="2400" dirty="0"/>
-              <a:t>квалификационная </a:t>
-            </a:r>
-            <a:r>
-              <a:rPr lang="ru-RU" sz="2400" dirty="0" smtClean="0"/>
-              <a:t>работа</a:t>
-            </a:r>
-            <a:endParaRPr lang="ru-RU" sz="2400" dirty="0">
-              <a:solidFill>
-                <a:srgbClr val="FF0000"/>
-              </a:solidFill>
-            </a:endParaRPr>
+          <a:p>
+            <a:endParaRPr lang="ru-RU" dirty="0"/>
           </a:p>
         </p:txBody>
       </p:sp>
@@ -3623,7 +3891,7 @@
         </p:blipFill>
         <p:spPr>
           <a:xfrm>
-            <a:off x="876300" y="1615281"/>
+            <a:off x="876300" y="1617662"/>
             <a:ext cx="7391400" cy="4495800"/>
           </a:xfrm>
         </p:spPr>
@@ -3694,8 +3962,8 @@
         </p:blipFill>
         <p:spPr>
           <a:xfrm>
-            <a:off x="1706041" y="1600200"/>
-            <a:ext cx="5731918" cy="4525963"/>
+            <a:off x="1703025" y="1600200"/>
+            <a:ext cx="5737949" cy="4530725"/>
           </a:xfrm>
         </p:spPr>
       </p:pic>
@@ -3757,10 +4025,76 @@
             <p:ph idx="1"/>
           </p:nvPr>
         </p:nvSpPr>
-        <p:spPr/>
-        <p:txBody>
-          <a:bodyPr/>
+        <p:spPr>
+          <a:xfrm>
+            <a:off x="457200" y="1428736"/>
+            <a:ext cx="8229600" cy="4697427"/>
+          </a:xfrm>
+        </p:spPr>
+        <p:txBody>
+          <a:bodyPr>
+            <a:normAutofit fontScale="77500" lnSpcReduction="20000"/>
+          </a:bodyPr>
           <a:lstStyle/>
+          <a:p>
+            <a:pPr>
+              <a:buNone/>
+            </a:pPr>
+            <a:r>
+              <a:rPr lang="ru-RU" dirty="0" smtClean="0"/>
+              <a:t>В результате выполнения квалификационной работы был модифицирован и реализован алгоритм декомпозиции конечных вероятностных автоматов.</a:t>
+            </a:r>
+          </a:p>
+          <a:p>
+            <a:r>
+              <a:rPr lang="ru-RU" dirty="0" smtClean="0"/>
+              <a:t>Для демонстрации работы данного алгоритма было разработано </a:t>
+            </a:r>
+            <a:r>
+              <a:rPr lang="en-US" dirty="0" smtClean="0"/>
+              <a:t>Windows</a:t>
+            </a:r>
+            <a:r>
+              <a:rPr lang="ru-RU" dirty="0" smtClean="0"/>
+              <a:t>-приложение, позволяющее:</a:t>
+            </a:r>
+          </a:p>
+          <a:p>
+            <a:pPr lvl="0"/>
+            <a:r>
+              <a:rPr lang="ru-RU" dirty="0" smtClean="0"/>
+              <a:t>инициализировать исходный вероятностный автомат;</a:t>
+            </a:r>
+          </a:p>
+          <a:p>
+            <a:pPr lvl="0"/>
+            <a:r>
+              <a:rPr lang="ru-RU" dirty="0" smtClean="0"/>
+              <a:t>производить декомпозицию заданного автомата;</a:t>
+            </a:r>
+          </a:p>
+          <a:p>
+            <a:pPr lvl="0"/>
+            <a:r>
+              <a:rPr lang="ru-RU" dirty="0" smtClean="0"/>
+              <a:t>моделировать работу, как самого автомата, так и сети, полученной в результате декомпозиции;</a:t>
+            </a:r>
+          </a:p>
+          <a:p>
+            <a:pPr lvl="0"/>
+            <a:r>
+              <a:rPr lang="ru-RU" dirty="0" smtClean="0"/>
+              <a:t>производить импорт и экспорт вероятностного автомата и результирующей сети в формате </a:t>
+            </a:r>
+            <a:r>
+              <a:rPr lang="en-US" dirty="0" smtClean="0"/>
+              <a:t>XML</a:t>
+            </a:r>
+            <a:r>
+              <a:rPr lang="ru-RU" dirty="0" smtClean="0"/>
+              <a:t>.</a:t>
+            </a:r>
+          </a:p>
           <a:p>
             <a:endParaRPr lang="ru-RU" dirty="0"/>
           </a:p>
@@ -3808,7 +4142,19 @@
           <a:p>
             <a:r>
               <a:rPr lang="ru-RU" dirty="0" smtClean="0"/>
-              <a:t>Перспективы развития проекта</a:t>
+              <a:t>Заключение</a:t>
+            </a:r>
+            <a:r>
+              <a:rPr lang="en-US" dirty="0" smtClean="0"/>
+              <a:t> (</a:t>
+            </a:r>
+            <a:r>
+              <a:rPr lang="ru-RU" dirty="0" smtClean="0"/>
+              <a:t>продолжение</a:t>
+            </a:r>
+            <a:r>
+              <a:rPr lang="en-US" dirty="0" smtClean="0"/>
+              <a:t>)</a:t>
             </a:r>
             <a:endParaRPr lang="ru-RU" dirty="0"/>
           </a:p>
@@ -3822,6 +4168,101 @@
           </p:cNvSpPr>
           <p:nvPr>
             <p:ph idx="1"/>
+          </p:nvPr>
+        </p:nvSpPr>
+        <p:spPr>
+          <a:xfrm>
+            <a:off x="428596" y="1643050"/>
+            <a:ext cx="8229600" cy="4697427"/>
+          </a:xfrm>
+        </p:spPr>
+        <p:txBody>
+          <a:bodyPr>
+            <a:normAutofit fontScale="92500" lnSpcReduction="20000"/>
+          </a:bodyPr>
+          <a:lstStyle/>
+          <a:p>
+            <a:pPr algn="just">
+              <a:buNone/>
+            </a:pPr>
+            <a:r>
+              <a:rPr lang="ru-RU" dirty="0" smtClean="0"/>
+              <a:t>		Разработанный </a:t>
+            </a:r>
+            <a:r>
+              <a:rPr lang="ru-RU" dirty="0" smtClean="0"/>
+              <a:t>алгоритм и основные </a:t>
+            </a:r>
+            <a:r>
+              <a:rPr lang="ru-RU" dirty="0" smtClean="0"/>
+              <a:t>сущности, связанные </a:t>
+            </a:r>
+            <a:r>
+              <a:rPr lang="ru-RU" dirty="0" smtClean="0"/>
+              <a:t>с предметной областью (вероятностный автомат, сеть и т.п.) были реализованы в виде .</a:t>
+            </a:r>
+            <a:r>
+              <a:rPr lang="en-US" dirty="0" smtClean="0"/>
+              <a:t>NET</a:t>
+            </a:r>
+            <a:r>
+              <a:rPr lang="ru-RU" dirty="0" smtClean="0"/>
+              <a:t>-библиотеки, что позволяет использовать её в составе программных комплексов, предназначенных для анализа дискретных систем.</a:t>
+            </a:r>
+          </a:p>
+          <a:p>
+            <a:pPr algn="just">
+              <a:buNone/>
+            </a:pPr>
+            <a:r>
+              <a:rPr lang="ru-RU" dirty="0" smtClean="0"/>
+              <a:t>		Также</a:t>
+            </a:r>
+            <a:r>
+              <a:rPr lang="ru-RU" dirty="0" smtClean="0"/>
+              <a:t>, в ходе исследований, проведённых в рамках данной квалификационной работы, были изучены количественные и качественные характеристики разработанного алгоритма</a:t>
+            </a:r>
+            <a:r>
+              <a:rPr lang="ru-RU" dirty="0" smtClean="0"/>
+              <a:t>.</a:t>
+            </a:r>
+            <a:endParaRPr lang="ru-RU" dirty="0" smtClean="0"/>
+          </a:p>
+        </p:txBody>
+      </p:sp>
+    </p:spTree>
+  </p:cSld>
+  <p:clrMapOvr>
+    <a:masterClrMapping/>
+  </p:clrMapOvr>
+</p:sld>
+</file>
+
+<file path=ppt/slides/slide15.xml><?xml version="1.0" encoding="utf-8"?>
+<p:sld xmlns:a="http://schemas.openxmlformats.org/drawingml/2006/main" xmlns:r="http://schemas.openxmlformats.org/officeDocument/2006/relationships" xmlns:p="http://schemas.openxmlformats.org/presentationml/2006/main">
+  <p:cSld>
+    <p:spTree>
+      <p:nvGrpSpPr>
+        <p:cNvPr id="1" name=""/>
+        <p:cNvGrpSpPr/>
+        <p:nvPr/>
+      </p:nvGrpSpPr>
+      <p:grpSpPr>
+        <a:xfrm>
+          <a:off x="0" y="0"/>
+          <a:ext cx="0" cy="0"/>
+          <a:chOff x="0" y="0"/>
+          <a:chExt cx="0" cy="0"/>
+        </a:xfrm>
+      </p:grpSpPr>
+      <p:sp>
+        <p:nvSpPr>
+          <p:cNvPr id="2" name="Заголовок 1"/>
+          <p:cNvSpPr>
+            <a:spLocks noGrp="1"/>
+          </p:cNvSpPr>
+          <p:nvPr>
+            <p:ph type="title"/>
           </p:nvPr>
         </p:nvSpPr>
         <p:spPr/>
@@ -3829,7 +4270,145 @@
           <a:bodyPr/>
           <a:lstStyle/>
           <a:p>
-            <a:endParaRPr lang="ru-RU"/>
+            <a:r>
+              <a:rPr lang="ru-RU" dirty="0" smtClean="0"/>
+              <a:t>Перспективы развития проекта</a:t>
+            </a:r>
+            <a:endParaRPr lang="ru-RU" dirty="0"/>
+          </a:p>
+        </p:txBody>
+      </p:sp>
+      <p:sp>
+        <p:nvSpPr>
+          <p:cNvPr id="3" name="Содержимое 2"/>
+          <p:cNvSpPr>
+            <a:spLocks noGrp="1"/>
+          </p:cNvSpPr>
+          <p:nvPr>
+            <p:ph idx="1"/>
+          </p:nvPr>
+        </p:nvSpPr>
+        <p:spPr>
+          <a:xfrm>
+            <a:off x="457200" y="1285860"/>
+            <a:ext cx="8229600" cy="4840303"/>
+          </a:xfrm>
+        </p:spPr>
+        <p:txBody>
+          <a:bodyPr>
+            <a:normAutofit lnSpcReduction="10000"/>
+          </a:bodyPr>
+          <a:lstStyle/>
+          <a:p>
+            <a:pPr algn="just">
+              <a:buNone/>
+            </a:pPr>
+            <a:r>
+              <a:rPr lang="ru-RU" sz="2200" dirty="0" smtClean="0"/>
+              <a:t>		В </a:t>
+            </a:r>
+            <a:r>
+              <a:rPr lang="ru-RU" sz="2200" dirty="0" smtClean="0"/>
+              <a:t>качестве дальнейшего улучшения и развития проекта можно рассмотреть следующие идеи</a:t>
+            </a:r>
+            <a:r>
+              <a:rPr lang="ru-RU" sz="2200" dirty="0" smtClean="0"/>
+              <a:t>:</a:t>
+            </a:r>
+            <a:endParaRPr lang="ru-RU" sz="2200" dirty="0" smtClean="0"/>
+          </a:p>
+          <a:p>
+            <a:pPr lvl="0" algn="just"/>
+            <a:r>
+              <a:rPr lang="ru-RU" sz="2200" dirty="0" smtClean="0"/>
+              <a:t>расширить набор критериев для отбора множества ортогональных разбиений в ходе декомпозиции автомата, рассмотреть возможность объединения данных критериев в экспертную систему</a:t>
+            </a:r>
+            <a:r>
+              <a:rPr lang="ru-RU" sz="2200" dirty="0" smtClean="0"/>
+              <a:t>;</a:t>
+            </a:r>
+            <a:endParaRPr lang="ru-RU" sz="2200" dirty="0" smtClean="0"/>
+          </a:p>
+          <a:p>
+            <a:pPr lvl="0" algn="just"/>
+            <a:r>
+              <a:rPr lang="ru-RU" sz="2200" dirty="0" smtClean="0"/>
+              <a:t>рассмотреть варианты оптимизации разработанного алгоритма, с целью улучшения временных характеристик работы сети, полученной в результате декомпозиции</a:t>
+            </a:r>
+            <a:r>
+              <a:rPr lang="ru-RU" sz="2200" dirty="0" smtClean="0"/>
+              <a:t>;</a:t>
+            </a:r>
+            <a:endParaRPr lang="ru-RU" sz="2200" dirty="0" smtClean="0"/>
+          </a:p>
+          <a:p>
+            <a:pPr lvl="0" algn="just"/>
+            <a:r>
+              <a:rPr lang="ru-RU" sz="2200" dirty="0" smtClean="0"/>
+              <a:t>логическим продолжением данной квалификационной работы является разработка комплекса анализа дискретных систем, использующего разработанную библиотеку в качестве основного инструмента исследования.</a:t>
+            </a:r>
+          </a:p>
+          <a:p>
+            <a:pPr algn="just"/>
+            <a:endParaRPr lang="ru-RU" sz="2200" dirty="0"/>
+          </a:p>
+        </p:txBody>
+      </p:sp>
+    </p:spTree>
+  </p:cSld>
+  <p:clrMapOvr>
+    <a:masterClrMapping/>
+  </p:clrMapOvr>
+</p:sld>
+</file>
+
+<file path=ppt/slides/slide16.xml><?xml version="1.0" encoding="utf-8"?>
+<p:sld xmlns:a="http://schemas.openxmlformats.org/drawingml/2006/main" xmlns:r="http://schemas.openxmlformats.org/officeDocument/2006/relationships" xmlns:p="http://schemas.openxmlformats.org/presentationml/2006/main">
+  <p:cSld>
+    <p:spTree>
+      <p:nvGrpSpPr>
+        <p:cNvPr id="1" name=""/>
+        <p:cNvGrpSpPr/>
+        <p:nvPr/>
+      </p:nvGrpSpPr>
+      <p:grpSpPr>
+        <a:xfrm>
+          <a:off x="0" y="0"/>
+          <a:ext cx="0" cy="0"/>
+          <a:chOff x="0" y="0"/>
+          <a:chExt cx="0" cy="0"/>
+        </a:xfrm>
+      </p:grpSpPr>
+      <p:sp>
+        <p:nvSpPr>
+          <p:cNvPr id="3" name="Content Placeholder 2"/>
+          <p:cNvSpPr>
+            <a:spLocks noGrp="1"/>
+          </p:cNvSpPr>
+          <p:nvPr>
+            <p:ph type="body" idx="4294967295"/>
+          </p:nvPr>
+        </p:nvSpPr>
+        <p:spPr>
+          <a:xfrm>
+            <a:off x="1371600" y="2928938"/>
+            <a:ext cx="7772400" cy="1500187"/>
+          </a:xfrm>
+        </p:spPr>
+        <p:txBody>
+          <a:bodyPr>
+            <a:normAutofit fontScale="92500"/>
+          </a:bodyPr>
+          <a:lstStyle/>
+          <a:p>
+            <a:pPr algn="ctr">
+              <a:buNone/>
+            </a:pPr>
+            <a:r>
+              <a:rPr lang="ru-RU" sz="5400" dirty="0" smtClean="0"/>
+              <a:t>Благодарю за внимание.</a:t>
+            </a:r>
+            <a:endParaRPr lang="ru-RU" sz="5400" dirty="0"/>
           </a:p>
         </p:txBody>
       </p:sp>
@@ -3901,7 +4480,7 @@
         </p:spPr>
         <p:txBody>
           <a:bodyPr>
-            <a:normAutofit fontScale="70000" lnSpcReduction="20000"/>
+            <a:normAutofit fontScale="62500" lnSpcReduction="20000"/>
           </a:bodyPr>
           <a:lstStyle/>
           <a:p>
@@ -3957,28 +4536,22 @@
             <a:pPr lvl="0" algn="just"/>
             <a:r>
               <a:rPr lang="ru-RU" sz="3800" dirty="0" smtClean="0"/>
-              <a:t>Изучение и модификация </a:t>
-            </a:r>
+              <a:t>модификация существующего алгоритма декомпозиции конечных автоматов, с целью получения возможности его применения для вероятностных автоматов;  </a:t>
+            </a:r>
+          </a:p>
+          <a:p>
+            <a:pPr lvl="0" algn="just"/>
             <a:r>
               <a:rPr lang="ru-RU" sz="3800" dirty="0" smtClean="0"/>
-              <a:t>существующего алгоритма декомпозиции конечных автоматов, с целью получения возможности его применения для вероятностных автоматов;  </a:t>
+              <a:t>проектирование, реализация  и отладка программного продукта, позволяющего производить декомпозицию вероятностных автоматов; </a:t>
             </a:r>
           </a:p>
           <a:p>
             <a:pPr lvl="0" algn="just"/>
             <a:r>
               <a:rPr lang="ru-RU" sz="3800" dirty="0" smtClean="0"/>
-              <a:t>проектирование, реализация  и отладка программного продукта, позволяющего производить декомпозицию вероятностных </a:t>
-            </a:r>
-            <a:r>
-              <a:rPr lang="ru-RU" sz="3800" dirty="0" smtClean="0"/>
-              <a:t>автоматов, а также производить моделирование </a:t>
-            </a:r>
-            <a:r>
-              <a:rPr lang="ru-RU" sz="3800" smtClean="0"/>
-              <a:t>работы полученной сети;</a:t>
-            </a:r>
-            <a:endParaRPr lang="ru-RU" sz="3800" dirty="0" smtClean="0"/>
+              <a:t>получение количественных характеристик результирующей сети и исходного автомата.</a:t>
+            </a:r>
           </a:p>
         </p:txBody>
       </p:sp>
@@ -4051,13 +4624,13 @@
         </p:nvSpPr>
         <p:spPr>
           <a:xfrm>
-            <a:off x="0" y="1285860"/>
+            <a:off x="0" y="1142984"/>
             <a:ext cx="9144000" cy="5357849"/>
           </a:xfrm>
         </p:spPr>
         <p:txBody>
           <a:bodyPr>
-            <a:normAutofit fontScale="85000" lnSpcReduction="10000"/>
+            <a:normAutofit fontScale="92500"/>
           </a:bodyPr>
           <a:lstStyle/>
           <a:p>
@@ -4065,14 +4638,14 @@
               <a:buNone/>
             </a:pPr>
             <a:r>
-              <a:rPr lang="ru-RU" sz="3300" dirty="0"/>
+              <a:rPr lang="ru-RU" sz="2600" dirty="0"/>
               <a:t>Программный продукт должен предусматривать следующую функциональность</a:t>
             </a:r>
             <a:r>
-              <a:rPr lang="ru-RU" sz="3300" dirty="0" smtClean="0"/>
+              <a:rPr lang="ru-RU" sz="2600" dirty="0" smtClean="0"/>
               <a:t>:</a:t>
             </a:r>
-            <a:endParaRPr lang="ru-RU" sz="3600" u="sng" dirty="0"/>
+            <a:endParaRPr lang="ru-RU" sz="2600" u="sng" dirty="0"/>
           </a:p>
           <a:p>
             <a:pPr lvl="1">
@@ -4080,7 +4653,7 @@
               <a:buChar char="•"/>
             </a:pPr>
             <a:r>
-              <a:rPr lang="ru-RU" dirty="0" smtClean="0"/>
+              <a:rPr lang="ru-RU" sz="2400" dirty="0" smtClean="0"/>
               <a:t>создание и редактирование исходного вероятностного автомата;</a:t>
             </a:r>
           </a:p>
@@ -4090,7 +4663,7 @@
               <a:buChar char="•"/>
             </a:pPr>
             <a:r>
-              <a:rPr lang="ru-RU" dirty="0" smtClean="0"/>
+              <a:rPr lang="ru-RU" sz="2400" dirty="0" smtClean="0"/>
               <a:t>сохранение, загрузка исходного автомата; </a:t>
             </a:r>
           </a:p>
@@ -4100,7 +4673,7 @@
               <a:buChar char="•"/>
             </a:pPr>
             <a:r>
-              <a:rPr lang="ru-RU" dirty="0" smtClean="0"/>
+              <a:rPr lang="ru-RU" sz="2400" dirty="0" smtClean="0"/>
               <a:t>возможность задания ортогонального множества разбиений;</a:t>
             </a:r>
           </a:p>
@@ -4110,7 +4683,7 @@
               <a:buChar char="•"/>
             </a:pPr>
             <a:r>
-              <a:rPr lang="ru-RU" dirty="0" smtClean="0"/>
+              <a:rPr lang="ru-RU" sz="2400" dirty="0" smtClean="0"/>
               <a:t>декомпозиция указанного вероятностного автомата с заданным ортогональным множеством разбиений;</a:t>
             </a:r>
           </a:p>
@@ -4120,21 +4693,21 @@
               <a:buChar char="•"/>
             </a:pPr>
             <a:r>
-              <a:rPr lang="ru-RU" dirty="0" smtClean="0"/>
+              <a:rPr lang="ru-RU" sz="2400" dirty="0" smtClean="0"/>
               <a:t>просмотр отчета о результатах декомпозиции, содержащего:</a:t>
             </a:r>
           </a:p>
           <a:p>
             <a:pPr lvl="3"/>
             <a:r>
-              <a:rPr lang="ru-RU" dirty="0" smtClean="0"/>
+              <a:rPr lang="ru-RU" sz="1900" dirty="0" smtClean="0"/>
               <a:t>временные характеристики работы алгоритма;</a:t>
             </a:r>
           </a:p>
           <a:p>
             <a:pPr lvl="3"/>
             <a:r>
-              <a:rPr lang="ru-RU" dirty="0" smtClean="0"/>
+              <a:rPr lang="ru-RU" sz="1900" dirty="0" smtClean="0"/>
               <a:t>визуальное представление полученной сети;</a:t>
             </a:r>
           </a:p>
@@ -4144,10 +4717,10 @@
               <a:buChar char="•"/>
             </a:pPr>
             <a:r>
-              <a:rPr lang="ru-RU" dirty="0" smtClean="0"/>
+              <a:rPr lang="ru-RU" sz="2400" dirty="0" smtClean="0"/>
               <a:t>моделирование работы исходного автомата и результирующей сети.</a:t>
             </a:r>
-            <a:endParaRPr lang="ru-RU" dirty="0">
+            <a:endParaRPr lang="ru-RU" sz="2400" dirty="0">
               <a:solidFill>
                 <a:srgbClr val="FF0000"/>
               </a:solidFill>
@@ -4223,7 +4796,7 @@
         <p:spPr/>
         <p:txBody>
           <a:bodyPr>
-            <a:normAutofit fontScale="92500" lnSpcReduction="10000"/>
+            <a:normAutofit fontScale="92500" lnSpcReduction="20000"/>
           </a:bodyPr>
           <a:lstStyle/>
           <a:p>
@@ -4562,7 +5135,7 @@
         </p:spPr>
         <p:txBody>
           <a:bodyPr>
-            <a:normAutofit lnSpcReduction="10000"/>
+            <a:normAutofit fontScale="92500"/>
           </a:bodyPr>
           <a:lstStyle/>
           <a:p>
@@ -5058,7 +5631,7 @@
         </p:spPr>
         <p:txBody>
           <a:bodyPr vert="horz" lIns="91440" tIns="45720" rIns="91440" bIns="45720" rtlCol="0">
-            <a:normAutofit fontScale="62500" lnSpcReduction="20000"/>
+            <a:normAutofit fontScale="55000" lnSpcReduction="20000"/>
           </a:bodyPr>
           <a:lstStyle/>
           <a:p>
@@ -5325,7 +5898,7 @@
         <p:spPr/>
         <p:txBody>
           <a:bodyPr>
-            <a:normAutofit/>
+            <a:normAutofit lnSpcReduction="10000"/>
           </a:bodyPr>
           <a:lstStyle/>
           <a:p>
@@ -5587,117 +6160,59 @@
 </file>
 
 <file path=ppt/theme/theme1.xml><?xml version="1.0" encoding="utf-8"?>
-<a:theme xmlns:a="http://schemas.openxmlformats.org/drawingml/2006/main" name="Тема Office">
+<a:theme xmlns:a="http://schemas.openxmlformats.org/drawingml/2006/main" name="Theme1">
   <a:themeElements>
-    <a:clrScheme name="Стандартная">
+    <a:clrScheme name="Край 7">
       <a:dk1>
-        <a:sysClr val="windowText" lastClr="000000"/>
+        <a:srgbClr val="000000"/>
       </a:dk1>
       <a:lt1>
-        <a:sysClr val="window" lastClr="FFFFFF"/>
+        <a:srgbClr val="FFFFFF"/>
       </a:lt1>
       <a:dk2>
-        <a:srgbClr val="1F497D"/>
+        <a:srgbClr val="006633"/>
       </a:dk2>
       <a:lt2>
-        <a:srgbClr val="EEECE1"/>
+        <a:srgbClr val="5F5F5F"/>
       </a:lt2>
       <a:accent1>
-        <a:srgbClr val="4F81BD"/>
+        <a:srgbClr val="CC9900"/>
       </a:accent1>
       <a:accent2>
-        <a:srgbClr val="C0504D"/>
+        <a:srgbClr val="3B812F"/>
       </a:accent2>
       <a:accent3>
-        <a:srgbClr val="9BBB59"/>
+        <a:srgbClr val="FFFFFF"/>
       </a:accent3>
       <a:accent4>
-        <a:srgbClr val="8064A2"/>
+        <a:srgbClr val="000000"/>
       </a:accent4>
       <a:accent5>
-        <a:srgbClr val="4BACC6"/>
+        <a:srgbClr val="E2CAAA"/>
       </a:accent5>
       <a:accent6>
-        <a:srgbClr val="F79646"/>
+        <a:srgbClr val="35742A"/>
       </a:accent6>
       <a:hlink>
-        <a:srgbClr val="0000FF"/>
+        <a:srgbClr val="996600"/>
       </a:hlink>
       <a:folHlink>
-        <a:srgbClr val="800080"/>
+        <a:srgbClr val="AFBF39"/>
       </a:folHlink>
     </a:clrScheme>
-    <a:fontScheme name="Стандартная">
+    <a:fontScheme name="Край">
       <a:majorFont>
-        <a:latin typeface="Calibri"/>
+        <a:latin typeface="Garamond"/>
         <a:ea typeface=""/>
-        <a:cs typeface=""/>
-        <a:font script="Jpan" typeface="ＭＳ Ｐゴシック"/>
-        <a:font script="Hang" typeface="맑은 고딕"/>
-        <a:font script="Hans" typeface="宋体"/>
-        <a:font script="Hant" typeface="新細明體"/>
-        <a:font script="Arab" typeface="Times New Roman"/>
-        <a:font script="Hebr" typeface="Times New Roman"/>
-        <a:font script="Thai" typeface="Angsana New"/>
-        <a:font script="Ethi" typeface="Nyala"/>
-        <a:font script="Beng" typeface="Vrinda"/>
-        <a:font script="Gujr" typeface="Shruti"/>
-        <a:font script="Khmr" typeface="MoolBoran"/>
-        <a:font script="Knda" typeface="Tunga"/>
-        <a:font script="Guru" typeface="Raavi"/>
-        <a:font script="Cans" typeface="Euphemia"/>
-        <a:font script="Cher" typeface="Plantagenet Cherokee"/>
-        <a:font script="Yiii" typeface="Microsoft Yi Baiti"/>
-        <a:font script="Tibt" typeface="Microsoft Himalaya"/>
-        <a:font script="Thaa" typeface="MV Boli"/>
-        <a:font script="Deva" typeface="Mangal"/>
-        <a:font script="Telu" typeface="Gautami"/>
-        <a:font script="Taml" typeface="Latha"/>
-        <a:font script="Syrc" typeface="Estrangelo Edessa"/>
-        <a:font script="Orya" typeface="Kalinga"/>
-        <a:font script="Mlym" typeface="Kartika"/>
-        <a:font script="Laoo" typeface="DokChampa"/>
-        <a:font script="Sinh" typeface="Iskoola Pota"/>
-        <a:font script="Mong" typeface="Mongolian Baiti"/>
-        <a:font script="Viet" typeface="Times New Roman"/>
-        <a:font script="Uigh" typeface="Microsoft Uighur"/>
+        <a:cs typeface="Arial"/>
       </a:majorFont>
       <a:minorFont>
-        <a:latin typeface="Calibri"/>
+        <a:latin typeface="Arial"/>
         <a:ea typeface=""/>
-        <a:cs typeface=""/>
-        <a:font script="Jpan" typeface="ＭＳ Ｐゴシック"/>
-        <a:font script="Hang" typeface="맑은 고딕"/>
-        <a:font script="Hans" typeface="宋体"/>
-        <a:font script="Hant" typeface="新細明體"/>
-        <a:font script="Arab" typeface="Arial"/>
-        <a:font script="Hebr" typeface="Arial"/>
-        <a:font script="Thai" typeface="Cordia New"/>
-        <a:font script="Ethi" typeface="Nyala"/>
-        <a:font script="Beng" typeface="Vrinda"/>
-        <a:font script="Gujr" typeface="Shruti"/>
-        <a:font script="Khmr" typeface="DaunPenh"/>
-        <a:font script="Knda" typeface="Tunga"/>
-        <a:font script="Guru" typeface="Raavi"/>
-        <a:font script="Cans" typeface="Euphemia"/>
-        <a:font script="Cher" typeface="Plantagenet Cherokee"/>
-        <a:font script="Yiii" typeface="Microsoft Yi Baiti"/>
-        <a:font script="Tibt" typeface="Microsoft Himalaya"/>
-        <a:font script="Thaa" typeface="MV Boli"/>
-        <a:font script="Deva" typeface="Mangal"/>
-        <a:font script="Telu" typeface="Gautami"/>
-        <a:font script="Taml" typeface="Latha"/>
-        <a:font script="Syrc" typeface="Estrangelo Edessa"/>
-        <a:font script="Orya" typeface="Kalinga"/>
-        <a:font script="Mlym" typeface="Kartika"/>
-        <a:font script="Laoo" typeface="DokChampa"/>
-        <a:font script="Sinh" typeface="Iskoola Pota"/>
-        <a:font script="Mong" typeface="Mongolian Baiti"/>
-        <a:font script="Viet" typeface="Arial"/>
-        <a:font script="Uigh" typeface="Microsoft Uighur"/>
+        <a:cs typeface="Arial"/>
       </a:minorFont>
     </a:fontScheme>
-    <a:fmtScheme name="Стандартная">
+    <a:fmtScheme name="Office">
       <a:fillStyleLst>
         <a:solidFill>
           <a:schemeClr val="phClr"/>
@@ -5865,6 +6380,376 @@
     </a:fmtScheme>
   </a:themeElements>
   <a:objectDefaults/>
-  <a:extraClrSchemeLst/>
+  <a:extraClrSchemeLst>
+    <a:extraClrScheme>
+      <a:clrScheme name="Край 1">
+        <a:dk1>
+          <a:srgbClr val="333333"/>
+        </a:dk1>
+        <a:lt1>
+          <a:srgbClr val="FFFFFF"/>
+        </a:lt1>
+        <a:dk2>
+          <a:srgbClr val="820000"/>
+        </a:dk2>
+        <a:lt2>
+          <a:srgbClr val="FFFFFF"/>
+        </a:lt2>
+        <a:accent1>
+          <a:srgbClr val="FF9900"/>
+        </a:accent1>
+        <a:accent2>
+          <a:srgbClr val="CC3300"/>
+        </a:accent2>
+        <a:accent3>
+          <a:srgbClr val="C1AAAA"/>
+        </a:accent3>
+        <a:accent4>
+          <a:srgbClr val="DADADA"/>
+        </a:accent4>
+        <a:accent5>
+          <a:srgbClr val="FFCAAA"/>
+        </a:accent5>
+        <a:accent6>
+          <a:srgbClr val="B92D00"/>
+        </a:accent6>
+        <a:hlink>
+          <a:srgbClr val="808080"/>
+        </a:hlink>
+        <a:folHlink>
+          <a:srgbClr val="666633"/>
+        </a:folHlink>
+      </a:clrScheme>
+      <a:clrMap bg1="dk2" tx1="lt1" bg2="dk1" tx2="lt2" accent1="accent1" accent2="accent2" accent3="accent3" accent4="accent4" accent5="accent5" accent6="accent6" hlink="hlink" folHlink="folHlink"/>
+    </a:extraClrScheme>
+    <a:extraClrScheme>
+      <a:clrScheme name="Край 2">
+        <a:dk1>
+          <a:srgbClr val="333333"/>
+        </a:dk1>
+        <a:lt1>
+          <a:srgbClr val="CCCCFF"/>
+        </a:lt1>
+        <a:dk2>
+          <a:srgbClr val="0B0506"/>
+        </a:dk2>
+        <a:lt2>
+          <a:srgbClr val="FFFFFF"/>
+        </a:lt2>
+        <a:accent1>
+          <a:srgbClr val="3366CC"/>
+        </a:accent1>
+        <a:accent2>
+          <a:srgbClr val="3333CC"/>
+        </a:accent2>
+        <a:accent3>
+          <a:srgbClr val="AAAAAA"/>
+        </a:accent3>
+        <a:accent4>
+          <a:srgbClr val="AEAEDA"/>
+        </a:accent4>
+        <a:accent5>
+          <a:srgbClr val="ADB8E2"/>
+        </a:accent5>
+        <a:accent6>
+          <a:srgbClr val="2D2DB9"/>
+        </a:accent6>
+        <a:hlink>
+          <a:srgbClr val="808080"/>
+        </a:hlink>
+        <a:folHlink>
+          <a:srgbClr val="666633"/>
+        </a:folHlink>
+      </a:clrScheme>
+      <a:clrMap bg1="dk2" tx1="lt1" bg2="dk1" tx2="lt2" accent1="accent1" accent2="accent2" accent3="accent3" accent4="accent4" accent5="accent5" accent6="accent6" hlink="hlink" folHlink="folHlink"/>
+    </a:extraClrScheme>
+    <a:extraClrScheme>
+      <a:clrScheme name="Край 3">
+        <a:dk1>
+          <a:srgbClr val="333333"/>
+        </a:dk1>
+        <a:lt1>
+          <a:srgbClr val="FFFFFF"/>
+        </a:lt1>
+        <a:dk2>
+          <a:srgbClr val="221013"/>
+        </a:dk2>
+        <a:lt2>
+          <a:srgbClr val="FFFFFF"/>
+        </a:lt2>
+        <a:accent1>
+          <a:srgbClr val="CC3300"/>
+        </a:accent1>
+        <a:accent2>
+          <a:srgbClr val="CC9900"/>
+        </a:accent2>
+        <a:accent3>
+          <a:srgbClr val="ABAAAA"/>
+        </a:accent3>
+        <a:accent4>
+          <a:srgbClr val="DADADA"/>
+        </a:accent4>
+        <a:accent5>
+          <a:srgbClr val="E2ADAA"/>
+        </a:accent5>
+        <a:accent6>
+          <a:srgbClr val="B98A00"/>
+        </a:accent6>
+        <a:hlink>
+          <a:srgbClr val="808080"/>
+        </a:hlink>
+        <a:folHlink>
+          <a:srgbClr val="666633"/>
+        </a:folHlink>
+      </a:clrScheme>
+      <a:clrMap bg1="dk2" tx1="lt1" bg2="dk1" tx2="lt2" accent1="accent1" accent2="accent2" accent3="accent3" accent4="accent4" accent5="accent5" accent6="accent6" hlink="hlink" folHlink="folHlink"/>
+    </a:extraClrScheme>
+    <a:extraClrScheme>
+      <a:clrScheme name="Край 4">
+        <a:dk1>
+          <a:srgbClr val="11054B"/>
+        </a:dk1>
+        <a:lt1>
+          <a:srgbClr val="FFFFFF"/>
+        </a:lt1>
+        <a:dk2>
+          <a:srgbClr val="0000CC"/>
+        </a:dk2>
+        <a:lt2>
+          <a:srgbClr val="FFFFFF"/>
+        </a:lt2>
+        <a:accent1>
+          <a:srgbClr val="FF6600"/>
+        </a:accent1>
+        <a:accent2>
+          <a:srgbClr val="FF3300"/>
+        </a:accent2>
+        <a:accent3>
+          <a:srgbClr val="AAAAE2"/>
+        </a:accent3>
+        <a:accent4>
+          <a:srgbClr val="DADADA"/>
+        </a:accent4>
+        <a:accent5>
+          <a:srgbClr val="FFB8AA"/>
+        </a:accent5>
+        <a:accent6>
+          <a:srgbClr val="E72D00"/>
+        </a:accent6>
+        <a:hlink>
+          <a:srgbClr val="CC9900"/>
+        </a:hlink>
+        <a:folHlink>
+          <a:srgbClr val="B2B2B2"/>
+        </a:folHlink>
+      </a:clrScheme>
+      <a:clrMap bg1="dk2" tx1="lt1" bg2="dk1" tx2="lt2" accent1="accent1" accent2="accent2" accent3="accent3" accent4="accent4" accent5="accent5" accent6="accent6" hlink="hlink" folHlink="folHlink"/>
+    </a:extraClrScheme>
+    <a:extraClrScheme>
+      <a:clrScheme name="Край 5">
+        <a:dk1>
+          <a:srgbClr val="9B8D65"/>
+        </a:dk1>
+        <a:lt1>
+          <a:srgbClr val="F8F8F8"/>
+        </a:lt1>
+        <a:dk2>
+          <a:srgbClr val="002600"/>
+        </a:dk2>
+        <a:lt2>
+          <a:srgbClr val="FAFACC"/>
+        </a:lt2>
+        <a:accent1>
+          <a:srgbClr val="CC9933"/>
+        </a:accent1>
+        <a:accent2>
+          <a:srgbClr val="8F9967"/>
+        </a:accent2>
+        <a:accent3>
+          <a:srgbClr val="AAACAA"/>
+        </a:accent3>
+        <a:accent4>
+          <a:srgbClr val="D4D4D4"/>
+        </a:accent4>
+        <a:accent5>
+          <a:srgbClr val="E2CAAD"/>
+        </a:accent5>
+        <a:accent6>
+          <a:srgbClr val="818A5D"/>
+        </a:accent6>
+        <a:hlink>
+          <a:srgbClr val="336600"/>
+        </a:hlink>
+        <a:folHlink>
+          <a:srgbClr val="808000"/>
+        </a:folHlink>
+      </a:clrScheme>
+      <a:clrMap bg1="dk2" tx1="lt1" bg2="dk1" tx2="lt2" accent1="accent1" accent2="accent2" accent3="accent3" accent4="accent4" accent5="accent5" accent6="accent6" hlink="hlink" folHlink="folHlink"/>
+    </a:extraClrScheme>
+    <a:extraClrScheme>
+      <a:clrScheme name="Край 6">
+        <a:dk1>
+          <a:srgbClr val="333333"/>
+        </a:dk1>
+        <a:lt1>
+          <a:srgbClr val="FFFFFF"/>
+        </a:lt1>
+        <a:dk2>
+          <a:srgbClr val="006699"/>
+        </a:dk2>
+        <a:lt2>
+          <a:srgbClr val="FFFFFF"/>
+        </a:lt2>
+        <a:accent1>
+          <a:srgbClr val="CC9900"/>
+        </a:accent1>
+        <a:accent2>
+          <a:srgbClr val="FF9900"/>
+        </a:accent2>
+        <a:accent3>
+          <a:srgbClr val="AAB8CA"/>
+        </a:accent3>
+        <a:accent4>
+          <a:srgbClr val="DADADA"/>
+        </a:accent4>
+        <a:accent5>
+          <a:srgbClr val="E2CAAA"/>
+        </a:accent5>
+        <a:accent6>
+          <a:srgbClr val="E78A00"/>
+        </a:accent6>
+        <a:hlink>
+          <a:srgbClr val="FFCC00"/>
+        </a:hlink>
+        <a:folHlink>
+          <a:srgbClr val="706F37"/>
+        </a:folHlink>
+      </a:clrScheme>
+      <a:clrMap bg1="dk2" tx1="lt1" bg2="dk1" tx2="lt2" accent1="accent1" accent2="accent2" accent3="accent3" accent4="accent4" accent5="accent5" accent6="accent6" hlink="hlink" folHlink="folHlink"/>
+    </a:extraClrScheme>
+    <a:extraClrScheme>
+      <a:clrScheme name="Край 7">
+        <a:dk1>
+          <a:srgbClr val="000000"/>
+        </a:dk1>
+        <a:lt1>
+          <a:srgbClr val="FFFFFF"/>
+        </a:lt1>
+        <a:dk2>
+          <a:srgbClr val="006633"/>
+        </a:dk2>
+        <a:lt2>
+          <a:srgbClr val="5F5F5F"/>
+        </a:lt2>
+        <a:accent1>
+          <a:srgbClr val="CC9900"/>
+        </a:accent1>
+        <a:accent2>
+          <a:srgbClr val="3B812F"/>
+        </a:accent2>
+        <a:accent3>
+          <a:srgbClr val="FFFFFF"/>
+        </a:accent3>
+        <a:accent4>
+          <a:srgbClr val="000000"/>
+        </a:accent4>
+        <a:accent5>
+          <a:srgbClr val="E2CAAA"/>
+        </a:accent5>
+        <a:accent6>
+          <a:srgbClr val="35742A"/>
+        </a:accent6>
+        <a:hlink>
+          <a:srgbClr val="996600"/>
+        </a:hlink>
+        <a:folHlink>
+          <a:srgbClr val="AFBF39"/>
+        </a:folHlink>
+      </a:clrScheme>
+      <a:clrMap bg1="lt1" tx1="dk1" bg2="lt2" tx2="dk2" accent1="accent1" accent2="accent2" accent3="accent3" accent4="accent4" accent5="accent5" accent6="accent6" hlink="hlink" folHlink="folHlink"/>
+    </a:extraClrScheme>
+    <a:extraClrScheme>
+      <a:clrScheme name="Край 8">
+        <a:dk1>
+          <a:srgbClr val="000000"/>
+        </a:dk1>
+        <a:lt1>
+          <a:srgbClr val="FFFFFF"/>
+        </a:lt1>
+        <a:dk2>
+          <a:srgbClr val="CC0000"/>
+        </a:dk2>
+        <a:lt2>
+          <a:srgbClr val="666699"/>
+        </a:lt2>
+        <a:accent1>
+          <a:srgbClr val="808080"/>
+        </a:accent1>
+        <a:accent2>
+          <a:srgbClr val="999933"/>
+        </a:accent2>
+        <a:accent3>
+          <a:srgbClr val="FFFFFF"/>
+        </a:accent3>
+        <a:accent4>
+          <a:srgbClr val="000000"/>
+        </a:accent4>
+        <a:accent5>
+          <a:srgbClr val="C0C0C0"/>
+        </a:accent5>
+        <a:accent6>
+          <a:srgbClr val="8A8A2D"/>
+        </a:accent6>
+        <a:hlink>
+          <a:srgbClr val="4C6D80"/>
+        </a:hlink>
+        <a:folHlink>
+          <a:srgbClr val="B2B2B2"/>
+        </a:folHlink>
+      </a:clrScheme>
+      <a:clrMap bg1="lt1" tx1="dk1" bg2="lt2" tx2="dk2" accent1="accent1" accent2="accent2" accent3="accent3" accent4="accent4" accent5="accent5" accent6="accent6" hlink="hlink" folHlink="folHlink"/>
+    </a:extraClrScheme>
+    <a:extraClrScheme>
+      <a:clrScheme name="Край 9">
+        <a:dk1>
+          <a:srgbClr val="000000"/>
+        </a:dk1>
+        <a:lt1>
+          <a:srgbClr val="FFFFFF"/>
+        </a:lt1>
+        <a:dk2>
+          <a:srgbClr val="003399"/>
+        </a:dk2>
+        <a:lt2>
+          <a:srgbClr val="666699"/>
+        </a:lt2>
+        <a:accent1>
+          <a:srgbClr val="009999"/>
+        </a:accent1>
+        <a:accent2>
+          <a:srgbClr val="4C6D4E"/>
+        </a:accent2>
+        <a:accent3>
+          <a:srgbClr val="FFFFFF"/>
+        </a:accent3>
+        <a:accent4>
+          <a:srgbClr val="000000"/>
+        </a:accent4>
+        <a:accent5>
+          <a:srgbClr val="AACACA"/>
+        </a:accent5>
+        <a:accent6>
+          <a:srgbClr val="446246"/>
+        </a:accent6>
+        <a:hlink>
+          <a:srgbClr val="4C6D80"/>
+        </a:hlink>
+        <a:folHlink>
+          <a:srgbClr val="B2B2B2"/>
+        </a:folHlink>
+      </a:clrScheme>
+      <a:clrMap bg1="lt1" tx1="dk1" bg2="lt2" tx2="dk2" accent1="accent1" accent2="accent2" accent3="accent3" accent4="accent4" accent5="accent5" accent6="accent6" hlink="hlink" folHlink="folHlink"/>
+    </a:extraClrScheme>
+  </a:extraClrSchemeLst>
 </a:theme>
 </file>
--- a/trunk/Презентация.pptx
+++ b/trunk/Презентация.pptx
@@ -12,15 +12,16 @@
     <p:sldId id="284" r:id="rId6"/>
     <p:sldId id="274" r:id="rId7"/>
     <p:sldId id="275" r:id="rId8"/>
-    <p:sldId id="276" r:id="rId9"/>
-    <p:sldId id="277" r:id="rId10"/>
-    <p:sldId id="279" r:id="rId11"/>
-    <p:sldId id="280" r:id="rId12"/>
-    <p:sldId id="281" r:id="rId13"/>
-    <p:sldId id="282" r:id="rId14"/>
-    <p:sldId id="285" r:id="rId15"/>
-    <p:sldId id="283" r:id="rId16"/>
-    <p:sldId id="286" r:id="rId17"/>
+    <p:sldId id="287" r:id="rId9"/>
+    <p:sldId id="276" r:id="rId10"/>
+    <p:sldId id="277" r:id="rId11"/>
+    <p:sldId id="279" r:id="rId12"/>
+    <p:sldId id="280" r:id="rId13"/>
+    <p:sldId id="281" r:id="rId14"/>
+    <p:sldId id="282" r:id="rId15"/>
+    <p:sldId id="285" r:id="rId16"/>
+    <p:sldId id="283" r:id="rId17"/>
+    <p:sldId id="286" r:id="rId18"/>
   </p:sldIdLst>
   <p:sldSz cx="9144000" cy="6858000" type="screen4x3"/>
   <p:notesSz cx="6858000" cy="9144000"/>
@@ -3734,29 +3735,22 @@
             <p:ph type="title"/>
           </p:nvPr>
         </p:nvSpPr>
-        <p:spPr>
-          <a:xfrm>
-            <a:off x="500034" y="142852"/>
-            <a:ext cx="8229600" cy="1143000"/>
-          </a:xfrm>
-        </p:spPr>
-        <p:txBody>
-          <a:bodyPr>
-            <a:normAutofit/>
-          </a:bodyPr>
+        <p:spPr/>
+        <p:txBody>
+          <a:bodyPr/>
           <a:lstStyle/>
           <a:p>
             <a:r>
-              <a:rPr lang="ru-RU" sz="3600" dirty="0" smtClean="0"/>
-              <a:t>Вспомогательные окна программы</a:t>
-            </a:r>
-            <a:endParaRPr lang="ru-RU" sz="3600" dirty="0"/>
+              <a:rPr lang="ru-RU" dirty="0" smtClean="0"/>
+              <a:t>Главное окно программы</a:t>
+            </a:r>
+            <a:endParaRPr lang="ru-RU" dirty="0"/>
           </a:p>
         </p:txBody>
       </p:sp>
       <p:pic>
         <p:nvPicPr>
-          <p:cNvPr id="4" name="Содержимое 3" descr="Редактирование перехода.png"/>
+          <p:cNvPr id="4" name="Содержимое 3" descr="Главное окно.png"/>
           <p:cNvPicPr>
             <a:picLocks noGrp="1" noChangeAspect="1"/>
           </p:cNvPicPr>
@@ -3772,57 +3766,9 @@
         </p:blipFill>
         <p:spPr>
           <a:xfrm>
-            <a:off x="1285852" y="1071546"/>
-            <a:ext cx="6286544" cy="2874888"/>
+            <a:off x="1714480" y="1071546"/>
+            <a:ext cx="5880886" cy="4857784"/>
           </a:xfrm>
-        </p:spPr>
-      </p:pic>
-      <p:pic>
-        <p:nvPicPr>
-          <p:cNvPr id="5" name="Рисунок 4" descr="Редактирование исхода.png"/>
-          <p:cNvPicPr>
-            <a:picLocks noChangeAspect="1"/>
-          </p:cNvPicPr>
-          <p:nvPr/>
-        </p:nvPicPr>
-        <p:blipFill>
-          <a:blip r:embed="rId3"/>
-          <a:stretch>
-            <a:fillRect/>
-          </a:stretch>
-        </p:blipFill>
-        <p:spPr>
-          <a:xfrm>
-            <a:off x="785786" y="3929066"/>
-            <a:ext cx="2714644" cy="2674127"/>
-          </a:xfrm>
-          <a:prstGeom prst="rect">
-            <a:avLst/>
-          </a:prstGeom>
-        </p:spPr>
-      </p:pic>
-      <p:pic>
-        <p:nvPicPr>
-          <p:cNvPr id="6" name="Picture 5" descr="Редактирование разбиения.png"/>
-          <p:cNvPicPr>
-            <a:picLocks noChangeAspect="1"/>
-          </p:cNvPicPr>
-          <p:nvPr/>
-        </p:nvPicPr>
-        <p:blipFill>
-          <a:blip r:embed="rId4"/>
-          <a:stretch>
-            <a:fillRect/>
-          </a:stretch>
-        </p:blipFill>
-        <p:spPr>
-          <a:xfrm>
-            <a:off x="3571868" y="3929066"/>
-            <a:ext cx="5143536" cy="2575805"/>
-          </a:xfrm>
-          <a:prstGeom prst="rect">
-            <a:avLst/>
-          </a:prstGeom>
         </p:spPr>
       </p:pic>
     </p:spTree>
@@ -3860,22 +3806,29 @@
             <p:ph type="title"/>
           </p:nvPr>
         </p:nvSpPr>
-        <p:spPr/>
-        <p:txBody>
-          <a:bodyPr/>
+        <p:spPr>
+          <a:xfrm>
+            <a:off x="500034" y="142852"/>
+            <a:ext cx="8229600" cy="1143000"/>
+          </a:xfrm>
+        </p:spPr>
+        <p:txBody>
+          <a:bodyPr>
+            <a:normAutofit/>
+          </a:bodyPr>
           <a:lstStyle/>
           <a:p>
             <a:r>
-              <a:rPr lang="ru-RU" dirty="0" smtClean="0"/>
-              <a:t>Результат декомпозиции</a:t>
-            </a:r>
-            <a:endParaRPr lang="ru-RU" dirty="0"/>
+              <a:rPr lang="ru-RU" sz="3600" dirty="0" smtClean="0"/>
+              <a:t>Вспомогательные окна программы</a:t>
+            </a:r>
+            <a:endParaRPr lang="ru-RU" sz="3600" dirty="0"/>
           </a:p>
         </p:txBody>
       </p:sp>
       <p:pic>
         <p:nvPicPr>
-          <p:cNvPr id="4" name="Содержимое 3" descr="Результат декомпозиции.png"/>
+          <p:cNvPr id="4" name="Содержимое 3" descr="Редактирование перехода.png"/>
           <p:cNvPicPr>
             <a:picLocks noGrp="1" noChangeAspect="1"/>
           </p:cNvPicPr>
@@ -3891,9 +3844,57 @@
         </p:blipFill>
         <p:spPr>
           <a:xfrm>
-            <a:off x="876300" y="1617662"/>
-            <a:ext cx="7391400" cy="4495800"/>
+            <a:off x="1285852" y="785794"/>
+            <a:ext cx="6143668" cy="2809550"/>
           </a:xfrm>
+        </p:spPr>
+      </p:pic>
+      <p:pic>
+        <p:nvPicPr>
+          <p:cNvPr id="5" name="Рисунок 4" descr="Редактирование исхода.png"/>
+          <p:cNvPicPr>
+            <a:picLocks noChangeAspect="1"/>
+          </p:cNvPicPr>
+          <p:nvPr/>
+        </p:nvPicPr>
+        <p:blipFill>
+          <a:blip r:embed="rId3"/>
+          <a:stretch>
+            <a:fillRect/>
+          </a:stretch>
+        </p:blipFill>
+        <p:spPr>
+          <a:xfrm>
+            <a:off x="785786" y="3643315"/>
+            <a:ext cx="2500330" cy="2463012"/>
+          </a:xfrm>
+          <a:prstGeom prst="rect">
+            <a:avLst/>
+          </a:prstGeom>
+        </p:spPr>
+      </p:pic>
+      <p:pic>
+        <p:nvPicPr>
+          <p:cNvPr id="6" name="Picture 5" descr="Редактирование разбиения.png"/>
+          <p:cNvPicPr>
+            <a:picLocks noChangeAspect="1"/>
+          </p:cNvPicPr>
+          <p:nvPr/>
+        </p:nvPicPr>
+        <p:blipFill>
+          <a:blip r:embed="rId4"/>
+          <a:stretch>
+            <a:fillRect/>
+          </a:stretch>
+        </p:blipFill>
+        <p:spPr>
+          <a:xfrm>
+            <a:off x="3500430" y="3643315"/>
+            <a:ext cx="4929222" cy="2468480"/>
+          </a:xfrm>
+          <a:prstGeom prst="rect">
+            <a:avLst/>
+          </a:prstGeom>
         </p:spPr>
       </p:pic>
     </p:spTree>
@@ -3938,7 +3939,7 @@
           <a:p>
             <a:r>
               <a:rPr lang="ru-RU" dirty="0" smtClean="0"/>
-              <a:t>Окно моделирования</a:t>
+              <a:t>Результат декомпозиции</a:t>
             </a:r>
             <a:endParaRPr lang="ru-RU" dirty="0"/>
           </a:p>
@@ -3946,7 +3947,7 @@
       </p:sp>
       <p:pic>
         <p:nvPicPr>
-          <p:cNvPr id="4" name="Содержимое 3" descr="Статистика.png"/>
+          <p:cNvPr id="4" name="Содержимое 3" descr="Результат декомпозиции.png"/>
           <p:cNvPicPr>
             <a:picLocks noGrp="1" noChangeAspect="1"/>
           </p:cNvPicPr>
@@ -3962,8 +3963,8 @@
         </p:blipFill>
         <p:spPr>
           <a:xfrm>
-            <a:off x="1703025" y="1600200"/>
-            <a:ext cx="5737949" cy="4530725"/>
+            <a:off x="857224" y="1285860"/>
+            <a:ext cx="7391400" cy="4495800"/>
           </a:xfrm>
         </p:spPr>
       </p:pic>
@@ -4009,97 +4010,35 @@
           <a:p>
             <a:r>
               <a:rPr lang="ru-RU" dirty="0" smtClean="0"/>
-              <a:t>Заключение</a:t>
+              <a:t>Окно моделирования</a:t>
             </a:r>
             <a:endParaRPr lang="ru-RU" dirty="0"/>
           </a:p>
         </p:txBody>
       </p:sp>
-      <p:sp>
-        <p:nvSpPr>
-          <p:cNvPr id="3" name="Содержимое 2"/>
-          <p:cNvSpPr>
-            <a:spLocks noGrp="1"/>
-          </p:cNvSpPr>
+      <p:pic>
+        <p:nvPicPr>
+          <p:cNvPr id="4" name="Содержимое 3" descr="Статистика.png"/>
+          <p:cNvPicPr>
+            <a:picLocks noGrp="1" noChangeAspect="1"/>
+          </p:cNvPicPr>
           <p:nvPr>
             <p:ph idx="1"/>
           </p:nvPr>
-        </p:nvSpPr>
+        </p:nvPicPr>
+        <p:blipFill>
+          <a:blip r:embed="rId2"/>
+          <a:stretch>
+            <a:fillRect/>
+          </a:stretch>
+        </p:blipFill>
         <p:spPr>
           <a:xfrm>
-            <a:off x="457200" y="1428736"/>
-            <a:ext cx="8229600" cy="4697427"/>
+            <a:off x="1714480" y="1214422"/>
+            <a:ext cx="5737949" cy="4530725"/>
           </a:xfrm>
         </p:spPr>
-        <p:txBody>
-          <a:bodyPr>
-            <a:normAutofit fontScale="77500" lnSpcReduction="20000"/>
-          </a:bodyPr>
-          <a:lstStyle/>
-          <a:p>
-            <a:pPr>
-              <a:buNone/>
-            </a:pPr>
-            <a:r>
-              <a:rPr lang="ru-RU" dirty="0" smtClean="0"/>
-              <a:t>В результате выполнения квалификационной работы был модифицирован и реализован алгоритм декомпозиции конечных вероятностных автоматов.</a:t>
-            </a:r>
-          </a:p>
-          <a:p>
-            <a:r>
-              <a:rPr lang="ru-RU" dirty="0" smtClean="0"/>
-              <a:t>Для демонстрации работы данного алгоритма было разработано </a:t>
-            </a:r>
-            <a:r>
-              <a:rPr lang="en-US" dirty="0" smtClean="0"/>
-              <a:t>Windows</a:t>
-            </a:r>
-            <a:r>
-              <a:rPr lang="ru-RU" dirty="0" smtClean="0"/>
-              <a:t>-приложение, позволяющее:</a:t>
-            </a:r>
-          </a:p>
-          <a:p>
-            <a:pPr lvl="0"/>
-            <a:r>
-              <a:rPr lang="ru-RU" dirty="0" smtClean="0"/>
-              <a:t>инициализировать исходный вероятностный автомат;</a:t>
-            </a:r>
-          </a:p>
-          <a:p>
-            <a:pPr lvl="0"/>
-            <a:r>
-              <a:rPr lang="ru-RU" dirty="0" smtClean="0"/>
-              <a:t>производить декомпозицию заданного автомата;</a:t>
-            </a:r>
-          </a:p>
-          <a:p>
-            <a:pPr lvl="0"/>
-            <a:r>
-              <a:rPr lang="ru-RU" dirty="0" smtClean="0"/>
-              <a:t>моделировать работу, как самого автомата, так и сети, полученной в результате декомпозиции;</a:t>
-            </a:r>
-          </a:p>
-          <a:p>
-            <a:pPr lvl="0"/>
-            <a:r>
-              <a:rPr lang="ru-RU" dirty="0" smtClean="0"/>
-              <a:t>производить импорт и экспорт вероятностного автомата и результирующей сети в формате </a:t>
-            </a:r>
-            <a:r>
-              <a:rPr lang="en-US" dirty="0" smtClean="0"/>
-              <a:t>XML</a:t>
-            </a:r>
-            <a:r>
-              <a:rPr lang="ru-RU" dirty="0" smtClean="0"/>
-              <a:t>.</a:t>
-            </a:r>
-          </a:p>
-          <a:p>
-            <a:endParaRPr lang="ru-RU" dirty="0"/>
-          </a:p>
-        </p:txBody>
-      </p:sp>
+      </p:pic>
     </p:spTree>
   </p:cSld>
   <p:clrMapOvr>
@@ -4144,18 +4083,6 @@
               <a:rPr lang="ru-RU" dirty="0" smtClean="0"/>
               <a:t>Заключение</a:t>
             </a:r>
-            <a:r>
-              <a:rPr lang="en-US" dirty="0" smtClean="0"/>
-              <a:t> (</a:t>
-            </a:r>
-            <a:r>
-              <a:rPr lang="ru-RU" dirty="0" smtClean="0"/>
-              <a:t>продолжение</a:t>
-            </a:r>
-            <a:r>
-              <a:rPr lang="en-US" dirty="0" smtClean="0"/>
-              <a:t>)</a:t>
-            </a:r>
             <a:endParaRPr lang="ru-RU" dirty="0"/>
           </a:p>
         </p:txBody>
@@ -4172,61 +4099,76 @@
         </p:nvSpPr>
         <p:spPr>
           <a:xfrm>
-            <a:off x="428596" y="1643050"/>
+            <a:off x="457200" y="1428736"/>
             <a:ext cx="8229600" cy="4697427"/>
           </a:xfrm>
         </p:spPr>
         <p:txBody>
           <a:bodyPr>
-            <a:normAutofit fontScale="92500" lnSpcReduction="20000"/>
+            <a:normAutofit fontScale="77500" lnSpcReduction="20000"/>
           </a:bodyPr>
           <a:lstStyle/>
           <a:p>
-            <a:pPr algn="just">
+            <a:pPr>
               <a:buNone/>
             </a:pPr>
             <a:r>
               <a:rPr lang="ru-RU" dirty="0" smtClean="0"/>
-              <a:t>		Разработанный </a:t>
-            </a:r>
+              <a:t>В результате выполнения квалификационной работы был модифицирован и реализован алгоритм декомпозиции конечных вероятностных автоматов.</a:t>
+            </a:r>
+          </a:p>
+          <a:p>
             <a:r>
               <a:rPr lang="ru-RU" dirty="0" smtClean="0"/>
-              <a:t>алгоритм и основные </a:t>
+              <a:t>Для демонстрации работы данного алгоритма было разработано </a:t>
+            </a:r>
+            <a:r>
+              <a:rPr lang="en-US" dirty="0" smtClean="0"/>
+              <a:t>Windows</a:t>
             </a:r>
             <a:r>
               <a:rPr lang="ru-RU" dirty="0" smtClean="0"/>
-              <a:t>сущности, связанные </a:t>
-            </a:r>
+              <a:t>-приложение, позволяющее:</a:t>
+            </a:r>
+          </a:p>
+          <a:p>
+            <a:pPr lvl="0"/>
             <a:r>
               <a:rPr lang="ru-RU" dirty="0" smtClean="0"/>
-              <a:t>с предметной областью (вероятностный автомат, сеть и т.п.) были реализованы в виде .</a:t>
+              <a:t>инициализировать исходный вероятностный автомат;</a:t>
+            </a:r>
+          </a:p>
+          <a:p>
+            <a:pPr lvl="0"/>
+            <a:r>
+              <a:rPr lang="ru-RU" dirty="0" smtClean="0"/>
+              <a:t>производить декомпозицию заданного автомата;</a:t>
+            </a:r>
+          </a:p>
+          <a:p>
+            <a:pPr lvl="0"/>
+            <a:r>
+              <a:rPr lang="ru-RU" dirty="0" smtClean="0"/>
+              <a:t>моделировать работу, как самого автомата, так и сети, полученной в результате декомпозиции;</a:t>
+            </a:r>
+          </a:p>
+          <a:p>
+            <a:pPr lvl="0"/>
+            <a:r>
+              <a:rPr lang="ru-RU" dirty="0" smtClean="0"/>
+              <a:t>производить импорт и экспорт вероятностного автомата и результирующей сети в формате </a:t>
             </a:r>
             <a:r>
               <a:rPr lang="en-US" dirty="0" smtClean="0"/>
-              <a:t>NET</a:t>
-            </a:r>
-            <a:r>
-              <a:rPr lang="ru-RU" dirty="0" smtClean="0"/>
-              <a:t>-библиотеки, что позволяет использовать её в составе программных комплексов, предназначенных для анализа дискретных систем.</a:t>
-            </a:r>
-          </a:p>
-          <a:p>
-            <a:pPr algn="just">
-              <a:buNone/>
-            </a:pPr>
-            <a:r>
-              <a:rPr lang="ru-RU" dirty="0" smtClean="0"/>
-              <a:t>		Также</a:t>
-            </a:r>
-            <a:r>
-              <a:rPr lang="ru-RU" dirty="0" smtClean="0"/>
-              <a:t>, в ходе исследований, проведённых в рамках данной квалификационной работы, были изучены количественные и качественные характеристики разработанного алгоритма</a:t>
+              <a:t>XML</a:t>
             </a:r>
             <a:r>
               <a:rPr lang="ru-RU" dirty="0" smtClean="0"/>
               <a:t>.</a:t>
             </a:r>
-            <a:endParaRPr lang="ru-RU" dirty="0" smtClean="0"/>
+          </a:p>
+          <a:p>
+            <a:endParaRPr lang="ru-RU" dirty="0"/>
           </a:p>
         </p:txBody>
       </p:sp>
@@ -4272,7 +4214,19 @@
           <a:p>
             <a:r>
               <a:rPr lang="ru-RU" dirty="0" smtClean="0"/>
-              <a:t>Перспективы развития проекта</a:t>
+              <a:t>Заключение</a:t>
+            </a:r>
+            <a:r>
+              <a:rPr lang="en-US" dirty="0" smtClean="0"/>
+              <a:t> (</a:t>
+            </a:r>
+            <a:r>
+              <a:rPr lang="ru-RU" dirty="0" smtClean="0"/>
+              <a:t>продолжение</a:t>
+            </a:r>
+            <a:r>
+              <a:rPr lang="en-US" dirty="0" smtClean="0"/>
+              <a:t>)</a:t>
             </a:r>
             <a:endParaRPr lang="ru-RU" dirty="0"/>
           </a:p>
@@ -4290,13 +4244,13 @@
         </p:nvSpPr>
         <p:spPr>
           <a:xfrm>
-            <a:off x="457200" y="1285860"/>
-            <a:ext cx="8229600" cy="4840303"/>
+            <a:off x="428596" y="1643050"/>
+            <a:ext cx="8229600" cy="4697427"/>
           </a:xfrm>
         </p:spPr>
         <p:txBody>
           <a:bodyPr>
-            <a:normAutofit lnSpcReduction="10000"/>
+            <a:normAutofit fontScale="92500" lnSpcReduction="20000"/>
           </a:bodyPr>
           <a:lstStyle/>
           <a:p>
@@ -4304,53 +4258,47 @@
               <a:buNone/>
             </a:pPr>
             <a:r>
-              <a:rPr lang="ru-RU" sz="2200" dirty="0" smtClean="0"/>
-              <a:t>		В </a:t>
-            </a:r>
-            <a:r>
-              <a:rPr lang="ru-RU" sz="2200" dirty="0" smtClean="0"/>
-              <a:t>качестве дальнейшего улучшения и развития проекта можно рассмотреть следующие идеи</a:t>
-            </a:r>
-            <a:r>
-              <a:rPr lang="ru-RU" sz="2200" dirty="0" smtClean="0"/>
-              <a:t>:</a:t>
-            </a:r>
-            <a:endParaRPr lang="ru-RU" sz="2200" dirty="0" smtClean="0"/>
-          </a:p>
-          <a:p>
-            <a:pPr lvl="0" algn="just"/>
-            <a:r>
-              <a:rPr lang="ru-RU" sz="2200" dirty="0" smtClean="0"/>
-              <a:t>расширить набор критериев для отбора множества ортогональных разбиений в ходе декомпозиции автомата, рассмотреть возможность объединения данных критериев в экспертную систему</a:t>
-            </a:r>
-            <a:r>
-              <a:rPr lang="ru-RU" sz="2200" dirty="0" smtClean="0"/>
-              <a:t>;</a:t>
-            </a:r>
-            <a:endParaRPr lang="ru-RU" sz="2200" dirty="0" smtClean="0"/>
-          </a:p>
-          <a:p>
-            <a:pPr lvl="0" algn="just"/>
-            <a:r>
-              <a:rPr lang="ru-RU" sz="2200" dirty="0" smtClean="0"/>
-              <a:t>рассмотреть варианты оптимизации разработанного алгоритма, с целью улучшения временных характеристик работы сети, полученной в результате декомпозиции</a:t>
-            </a:r>
-            <a:r>
-              <a:rPr lang="ru-RU" sz="2200" dirty="0" smtClean="0"/>
-              <a:t>;</a:t>
-            </a:r>
-            <a:endParaRPr lang="ru-RU" sz="2200" dirty="0" smtClean="0"/>
-          </a:p>
-          <a:p>
-            <a:pPr lvl="0" algn="just"/>
-            <a:r>
-              <a:rPr lang="ru-RU" sz="2200" dirty="0" smtClean="0"/>
-              <a:t>логическим продолжением данной квалификационной работы является разработка комплекса анализа дискретных систем, использующего разработанную библиотеку в качестве основного инструмента исследования.</a:t>
-            </a:r>
-          </a:p>
-          <a:p>
-            <a:pPr algn="just"/>
-            <a:endParaRPr lang="ru-RU" sz="2200" dirty="0"/>
+              <a:rPr lang="ru-RU" dirty="0" smtClean="0"/>
+              <a:t>		Разработанный </a:t>
+            </a:r>
+            <a:r>
+              <a:rPr lang="ru-RU" dirty="0" smtClean="0"/>
+              <a:t>алгоритм и основные </a:t>
+            </a:r>
+            <a:r>
+              <a:rPr lang="ru-RU" dirty="0" smtClean="0"/>
+              <a:t>сущности, связанные </a:t>
+            </a:r>
+            <a:r>
+              <a:rPr lang="ru-RU" dirty="0" smtClean="0"/>
+              <a:t>с предметной областью (вероятностный автомат, сеть и т.п.) были реализованы в виде .</a:t>
+            </a:r>
+            <a:r>
+              <a:rPr lang="en-US" dirty="0" smtClean="0"/>
+              <a:t>NET</a:t>
+            </a:r>
+            <a:r>
+              <a:rPr lang="ru-RU" dirty="0" smtClean="0"/>
+              <a:t>-библиотеки, что позволяет использовать её в составе программных комплексов, предназначенных для анализа дискретных систем.</a:t>
+            </a:r>
+          </a:p>
+          <a:p>
+            <a:pPr algn="just">
+              <a:buNone/>
+            </a:pPr>
+            <a:r>
+              <a:rPr lang="ru-RU" dirty="0" smtClean="0"/>
+              <a:t>		Также</a:t>
+            </a:r>
+            <a:r>
+              <a:rPr lang="ru-RU" dirty="0" smtClean="0"/>
+              <a:t>, в ходе исследований, проведённых в рамках данной квалификационной работы, были изучены количественные и качественные характеристики разработанного алгоритма</a:t>
+            </a:r>
+            <a:r>
+              <a:rPr lang="ru-RU" dirty="0" smtClean="0"/>
+              <a:t>.</a:t>
+            </a:r>
+            <a:endParaRPr lang="ru-RU" dirty="0" smtClean="0"/>
           </a:p>
         </p:txBody>
       </p:sp>
@@ -4381,23 +4329,153 @@
       </p:grpSpPr>
       <p:sp>
         <p:nvSpPr>
-          <p:cNvPr id="3" name="Content Placeholder 2"/>
-          <p:cNvSpPr>
-            <a:spLocks noGrp="1"/>
-          </p:cNvSpPr>
-          <p:nvPr>
-            <p:ph type="body" idx="4294967295"/>
+          <p:cNvPr id="2" name="Заголовок 1"/>
+          <p:cNvSpPr>
+            <a:spLocks noGrp="1"/>
+          </p:cNvSpPr>
+          <p:nvPr>
+            <p:ph type="title"/>
+          </p:nvPr>
+        </p:nvSpPr>
+        <p:spPr/>
+        <p:txBody>
+          <a:bodyPr/>
+          <a:lstStyle/>
+          <a:p>
+            <a:r>
+              <a:rPr lang="ru-RU" dirty="0" smtClean="0"/>
+              <a:t>Перспективы развития проекта</a:t>
+            </a:r>
+            <a:endParaRPr lang="ru-RU" dirty="0"/>
+          </a:p>
+        </p:txBody>
+      </p:sp>
+      <p:sp>
+        <p:nvSpPr>
+          <p:cNvPr id="3" name="Содержимое 2"/>
+          <p:cNvSpPr>
+            <a:spLocks noGrp="1"/>
+          </p:cNvSpPr>
+          <p:nvPr>
+            <p:ph idx="1"/>
           </p:nvPr>
         </p:nvSpPr>
         <p:spPr>
           <a:xfrm>
-            <a:off x="1371600" y="2928938"/>
+            <a:off x="457200" y="1285860"/>
+            <a:ext cx="8229600" cy="4840303"/>
+          </a:xfrm>
+        </p:spPr>
+        <p:txBody>
+          <a:bodyPr>
+            <a:normAutofit lnSpcReduction="10000"/>
+          </a:bodyPr>
+          <a:lstStyle/>
+          <a:p>
+            <a:pPr algn="just">
+              <a:buNone/>
+            </a:pPr>
+            <a:r>
+              <a:rPr lang="ru-RU" sz="2200" dirty="0" smtClean="0"/>
+              <a:t>		В </a:t>
+            </a:r>
+            <a:r>
+              <a:rPr lang="ru-RU" sz="2200" dirty="0" smtClean="0"/>
+              <a:t>качестве дальнейшего улучшения и развития проекта можно рассмотреть следующие идеи</a:t>
+            </a:r>
+            <a:r>
+              <a:rPr lang="ru-RU" sz="2200" dirty="0" smtClean="0"/>
+              <a:t>:</a:t>
+            </a:r>
+            <a:endParaRPr lang="ru-RU" sz="2200" dirty="0" smtClean="0"/>
+          </a:p>
+          <a:p>
+            <a:pPr lvl="0" algn="just"/>
+            <a:r>
+              <a:rPr lang="ru-RU" sz="2200" dirty="0" smtClean="0"/>
+              <a:t>расширить набор критериев для отбора множества ортогональных разбиений в ходе декомпозиции автомата, рассмотреть возможность объединения данных критериев в экспертную систему</a:t>
+            </a:r>
+            <a:r>
+              <a:rPr lang="ru-RU" sz="2200" dirty="0" smtClean="0"/>
+              <a:t>;</a:t>
+            </a:r>
+            <a:endParaRPr lang="ru-RU" sz="2200" dirty="0" smtClean="0"/>
+          </a:p>
+          <a:p>
+            <a:pPr lvl="0" algn="just"/>
+            <a:r>
+              <a:rPr lang="ru-RU" sz="2200" dirty="0" smtClean="0"/>
+              <a:t>рассмотреть варианты оптимизации разработанного алгоритма, с целью улучшения временных характеристик работы сети, полученной в результате декомпозиции</a:t>
+            </a:r>
+            <a:r>
+              <a:rPr lang="ru-RU" sz="2200" dirty="0" smtClean="0"/>
+              <a:t>;</a:t>
+            </a:r>
+            <a:endParaRPr lang="ru-RU" sz="2200" dirty="0" smtClean="0"/>
+          </a:p>
+          <a:p>
+            <a:pPr lvl="0" algn="just">
+              <a:buNone/>
+            </a:pPr>
+            <a:r>
+              <a:rPr lang="ru-RU" sz="2200" dirty="0" smtClean="0"/>
+              <a:t>		Логическим </a:t>
+            </a:r>
+            <a:r>
+              <a:rPr lang="ru-RU" sz="2200" dirty="0" smtClean="0"/>
+              <a:t>продолжением данной квалификационной работы является разработка комплекса анализа дискретных систем, использующего разработанную библиотеку в качестве основного инструмента исследования.</a:t>
+            </a:r>
+          </a:p>
+          <a:p>
+            <a:pPr algn="just"/>
+            <a:endParaRPr lang="ru-RU" sz="2200" dirty="0"/>
+          </a:p>
+        </p:txBody>
+      </p:sp>
+    </p:spTree>
+  </p:cSld>
+  <p:clrMapOvr>
+    <a:masterClrMapping/>
+  </p:clrMapOvr>
+</p:sld>
+</file>
+
+<file path=ppt/slides/slide17.xml><?xml version="1.0" encoding="utf-8"?>
+<p:sld xmlns:a="http://schemas.openxmlformats.org/drawingml/2006/main" xmlns:r="http://schemas.openxmlformats.org/officeDocument/2006/relationships" xmlns:p="http://schemas.openxmlformats.org/presentationml/2006/main">
+  <p:cSld>
+    <p:spTree>
+      <p:nvGrpSpPr>
+        <p:cNvPr id="1" name=""/>
+        <p:cNvGrpSpPr/>
+        <p:nvPr/>
+      </p:nvGrpSpPr>
+      <p:grpSpPr>
+        <a:xfrm>
+          <a:off x="0" y="0"/>
+          <a:ext cx="0" cy="0"/>
+          <a:chOff x="0" y="0"/>
+          <a:chExt cx="0" cy="0"/>
+        </a:xfrm>
+      </p:grpSpPr>
+      <p:sp>
+        <p:nvSpPr>
+          <p:cNvPr id="3" name="Content Placeholder 2"/>
+          <p:cNvSpPr>
+            <a:spLocks noGrp="1"/>
+          </p:cNvSpPr>
+          <p:nvPr>
+            <p:ph type="body" idx="4294967295"/>
+          </p:nvPr>
+        </p:nvSpPr>
+        <p:spPr>
+          <a:xfrm>
+            <a:off x="1071538" y="2928934"/>
             <a:ext cx="7772400" cy="1500187"/>
           </a:xfrm>
         </p:spPr>
         <p:txBody>
           <a:bodyPr>
-            <a:normAutofit fontScale="92500"/>
+            <a:normAutofit/>
           </a:bodyPr>
           <a:lstStyle/>
           <a:p>
@@ -4405,10 +4483,14 @@
               <a:buNone/>
             </a:pPr>
             <a:r>
-              <a:rPr lang="ru-RU" sz="5400" dirty="0" smtClean="0"/>
+              <a:rPr lang="ru-RU" sz="5400" dirty="0" smtClean="0">
+                <a:latin typeface="Calibri" pitchFamily="34" charset="0"/>
+              </a:rPr>
               <a:t>Благодарю за внимание.</a:t>
             </a:r>
-            <a:endParaRPr lang="ru-RU" sz="5400" dirty="0"/>
+            <a:endParaRPr lang="ru-RU" sz="5400" dirty="0">
+              <a:latin typeface="Calibri" pitchFamily="34" charset="0"/>
+            </a:endParaRPr>
           </a:p>
         </p:txBody>
       </p:sp>
@@ -5102,7 +5184,12 @@
             <p:ph type="title"/>
           </p:nvPr>
         </p:nvSpPr>
-        <p:spPr/>
+        <p:spPr>
+          <a:xfrm>
+            <a:off x="457200" y="277815"/>
+            <a:ext cx="8229600" cy="793732"/>
+          </a:xfrm>
+        </p:spPr>
         <p:txBody>
           <a:bodyPr>
             <a:normAutofit fontScale="90000"/>
@@ -5129,7 +5216,7 @@
         </p:nvSpPr>
         <p:spPr>
           <a:xfrm>
-            <a:off x="457200" y="1600200"/>
+            <a:off x="500034" y="1285860"/>
             <a:ext cx="8229600" cy="4829196"/>
           </a:xfrm>
         </p:spPr>
@@ -5507,7 +5594,7 @@
         </p:blipFill>
         <p:spPr bwMode="auto">
           <a:xfrm>
-            <a:off x="2714612" y="2071678"/>
+            <a:off x="2714612" y="1857364"/>
             <a:ext cx="3724275" cy="361950"/>
           </a:xfrm>
           <a:prstGeom prst="rect">
@@ -5622,7 +5709,7 @@
         </p:nvSpPr>
         <p:spPr>
           <a:xfrm>
-            <a:off x="428596" y="5715016"/>
+            <a:off x="428596" y="5572140"/>
             <a:ext cx="8229600" cy="785818"/>
           </a:xfrm>
           <a:prstGeom prst="rect">
@@ -5862,6 +5949,433 @@
       </p:grpSpPr>
       <p:sp>
         <p:nvSpPr>
+          <p:cNvPr id="2" name="Title 1"/>
+          <p:cNvSpPr>
+            <a:spLocks noGrp="1"/>
+          </p:cNvSpPr>
+          <p:nvPr>
+            <p:ph type="title"/>
+          </p:nvPr>
+        </p:nvSpPr>
+        <p:spPr/>
+        <p:txBody>
+          <a:bodyPr/>
+          <a:lstStyle/>
+          <a:p>
+            <a:r>
+              <a:rPr lang="ru-RU" sz="3800" dirty="0" smtClean="0"/>
+              <a:t>Множество ортогональных разбиений.</a:t>
+            </a:r>
+            <a:endParaRPr lang="ru-RU" sz="3800" dirty="0"/>
+          </a:p>
+        </p:txBody>
+      </p:sp>
+      <p:sp>
+        <p:nvSpPr>
+          <p:cNvPr id="3" name="Content Placeholder 2"/>
+          <p:cNvSpPr>
+            <a:spLocks noGrp="1"/>
+          </p:cNvSpPr>
+          <p:nvPr>
+            <p:ph idx="1"/>
+          </p:nvPr>
+        </p:nvSpPr>
+        <p:spPr>
+          <a:xfrm>
+            <a:off x="428596" y="1357298"/>
+            <a:ext cx="8229600" cy="4530725"/>
+          </a:xfrm>
+        </p:spPr>
+        <p:txBody>
+          <a:bodyPr/>
+          <a:lstStyle/>
+          <a:p>
+            <a:pPr algn="just">
+              <a:buNone/>
+            </a:pPr>
+            <a:r>
+              <a:rPr lang="ru-RU" sz="2400" dirty="0" smtClean="0"/>
+              <a:t>		Множество ортогональных разбиений – это множество разбиений, при перемножении которых получается тривиальное разбиение.</a:t>
+            </a:r>
+          </a:p>
+          <a:p>
+            <a:pPr algn="just">
+              <a:buNone/>
+            </a:pPr>
+            <a:r>
+              <a:rPr lang="ru-RU" sz="2400" dirty="0" smtClean="0"/>
+              <a:t>	</a:t>
+            </a:r>
+            <a:r>
+              <a:rPr lang="ru-RU" sz="2400" dirty="0" smtClean="0"/>
+              <a:t>	Пример</a:t>
+            </a:r>
+            <a:endParaRPr lang="en-US" sz="2400" dirty="0" smtClean="0"/>
+          </a:p>
+          <a:p>
+            <a:pPr algn="ctr">
+              <a:buNone/>
+            </a:pPr>
+            <a:r>
+              <a:rPr lang="en-US" dirty="0" smtClean="0"/>
+              <a:t>p</a:t>
+            </a:r>
+            <a:r>
+              <a:rPr lang="en-US" sz="1800" dirty="0" smtClean="0"/>
+              <a:t>1</a:t>
+            </a:r>
+            <a:r>
+              <a:rPr lang="en-US" dirty="0" smtClean="0"/>
+              <a:t>={a</a:t>
+            </a:r>
+            <a:r>
+              <a:rPr lang="en-US" sz="1800" dirty="0" smtClean="0"/>
+              <a:t>1</a:t>
+            </a:r>
+            <a:r>
+              <a:rPr lang="en-US" dirty="0" smtClean="0"/>
+              <a:t>,</a:t>
+            </a:r>
+            <a:r>
+              <a:rPr lang="en-US" dirty="0" smtClean="0"/>
+              <a:t> </a:t>
+            </a:r>
+            <a:r>
+              <a:rPr lang="en-US" dirty="0" smtClean="0"/>
+              <a:t>a</a:t>
+            </a:r>
+            <a:r>
+              <a:rPr lang="en-US" sz="1800" dirty="0" smtClean="0"/>
+              <a:t>2</a:t>
+            </a:r>
+            <a:r>
+              <a:rPr lang="en-US" dirty="0" smtClean="0"/>
+              <a:t>;</a:t>
+            </a:r>
+            <a:r>
+              <a:rPr lang="en-US" dirty="0" smtClean="0"/>
+              <a:t> </a:t>
+            </a:r>
+            <a:r>
+              <a:rPr lang="en-US" dirty="0" smtClean="0"/>
+              <a:t>a</a:t>
+            </a:r>
+            <a:r>
+              <a:rPr lang="en-US" sz="1800" dirty="0" smtClean="0"/>
+              <a:t>3</a:t>
+            </a:r>
+            <a:r>
+              <a:rPr lang="en-US" dirty="0" smtClean="0"/>
+              <a:t>,</a:t>
+            </a:r>
+            <a:r>
+              <a:rPr lang="en-US" dirty="0" smtClean="0"/>
+              <a:t> </a:t>
+            </a:r>
+            <a:r>
+              <a:rPr lang="en-US" dirty="0" smtClean="0"/>
+              <a:t>a</a:t>
+            </a:r>
+            <a:r>
+              <a:rPr lang="en-US" sz="1800" dirty="0" smtClean="0"/>
+              <a:t>4</a:t>
+            </a:r>
+            <a:r>
+              <a:rPr lang="en-US" dirty="0" smtClean="0"/>
+              <a:t>,</a:t>
+            </a:r>
+            <a:r>
+              <a:rPr lang="en-US" dirty="0" smtClean="0"/>
+              <a:t> </a:t>
+            </a:r>
+            <a:r>
+              <a:rPr lang="en-US" dirty="0" smtClean="0"/>
+              <a:t>a</a:t>
+            </a:r>
+            <a:r>
+              <a:rPr lang="en-US" sz="1800" dirty="0" smtClean="0"/>
+              <a:t>5</a:t>
+            </a:r>
+            <a:r>
+              <a:rPr lang="en-US" dirty="0" smtClean="0"/>
+              <a:t>,</a:t>
+            </a:r>
+            <a:r>
+              <a:rPr lang="en-US" dirty="0" smtClean="0"/>
+              <a:t> </a:t>
+            </a:r>
+            <a:r>
+              <a:rPr lang="en-US" dirty="0" smtClean="0"/>
+              <a:t>a</a:t>
+            </a:r>
+            <a:r>
+              <a:rPr lang="en-US" sz="1800" dirty="0" smtClean="0"/>
+              <a:t>6</a:t>
+            </a:r>
+            <a:r>
+              <a:rPr lang="en-US" dirty="0" smtClean="0"/>
+              <a:t>}</a:t>
+            </a:r>
+          </a:p>
+          <a:p>
+            <a:pPr algn="ctr">
+              <a:buNone/>
+            </a:pPr>
+            <a:r>
+              <a:rPr lang="en-US" dirty="0" smtClean="0"/>
+              <a:t>p</a:t>
+            </a:r>
+            <a:r>
+              <a:rPr lang="en-US" sz="1800" dirty="0" smtClean="0"/>
+              <a:t>2</a:t>
+            </a:r>
+            <a:r>
+              <a:rPr lang="en-US" dirty="0" smtClean="0"/>
+              <a:t>={</a:t>
+            </a:r>
+            <a:r>
+              <a:rPr lang="en-US" dirty="0" smtClean="0"/>
+              <a:t>a</a:t>
+            </a:r>
+            <a:r>
+              <a:rPr lang="en-US" sz="1800" dirty="0" smtClean="0"/>
+              <a:t>1</a:t>
+            </a:r>
+            <a:r>
+              <a:rPr lang="en-US" dirty="0" smtClean="0"/>
+              <a:t>, </a:t>
+            </a:r>
+            <a:r>
+              <a:rPr lang="en-US" dirty="0" smtClean="0"/>
+              <a:t>a</a:t>
+            </a:r>
+            <a:r>
+              <a:rPr lang="en-US" sz="1800" dirty="0" smtClean="0"/>
+              <a:t>2</a:t>
+            </a:r>
+            <a:r>
+              <a:rPr lang="en-US" dirty="0" smtClean="0"/>
+              <a:t>, a</a:t>
+            </a:r>
+            <a:r>
+              <a:rPr lang="en-US" sz="1800" dirty="0" smtClean="0"/>
+              <a:t>3</a:t>
+            </a:r>
+            <a:r>
+              <a:rPr lang="en-US" dirty="0" smtClean="0"/>
+              <a:t>; </a:t>
+            </a:r>
+            <a:r>
+              <a:rPr lang="en-US" dirty="0" smtClean="0"/>
+              <a:t>a</a:t>
+            </a:r>
+            <a:r>
+              <a:rPr lang="en-US" sz="1800" dirty="0" smtClean="0"/>
+              <a:t>4</a:t>
+            </a:r>
+            <a:r>
+              <a:rPr lang="en-US" dirty="0" smtClean="0"/>
+              <a:t>, a</a:t>
+            </a:r>
+            <a:r>
+              <a:rPr lang="en-US" sz="1800" dirty="0" smtClean="0"/>
+              <a:t>5</a:t>
+            </a:r>
+            <a:r>
+              <a:rPr lang="en-US" dirty="0" smtClean="0"/>
+              <a:t>, a</a:t>
+            </a:r>
+            <a:r>
+              <a:rPr lang="en-US" sz="1800" dirty="0" smtClean="0"/>
+              <a:t>6</a:t>
+            </a:r>
+            <a:r>
+              <a:rPr lang="en-US" dirty="0" smtClean="0"/>
+              <a:t>}</a:t>
+            </a:r>
+          </a:p>
+          <a:p>
+            <a:pPr algn="ctr">
+              <a:buNone/>
+            </a:pPr>
+            <a:r>
+              <a:rPr lang="en-US" dirty="0" smtClean="0"/>
+              <a:t>p</a:t>
+            </a:r>
+            <a:r>
+              <a:rPr lang="en-US" sz="1800" dirty="0" smtClean="0"/>
+              <a:t>3</a:t>
+            </a:r>
+            <a:r>
+              <a:rPr lang="en-US" dirty="0" smtClean="0"/>
+              <a:t>={a</a:t>
+            </a:r>
+            <a:r>
+              <a:rPr lang="en-US" sz="1800" dirty="0" smtClean="0"/>
+              <a:t>3</a:t>
+            </a:r>
+            <a:r>
+              <a:rPr lang="en-US" dirty="0" smtClean="0"/>
+              <a:t>, a</a:t>
+            </a:r>
+            <a:r>
+              <a:rPr lang="en-US" sz="1800" dirty="0" smtClean="0"/>
+              <a:t>6</a:t>
+            </a:r>
+            <a:r>
+              <a:rPr lang="en-US" dirty="0" smtClean="0"/>
+              <a:t>; a</a:t>
+            </a:r>
+            <a:r>
+              <a:rPr lang="en-US" sz="1800" dirty="0" smtClean="0"/>
+              <a:t>2</a:t>
+            </a:r>
+            <a:r>
+              <a:rPr lang="en-US" dirty="0" smtClean="0"/>
+              <a:t>, a</a:t>
+            </a:r>
+            <a:r>
+              <a:rPr lang="en-US" sz="1800" dirty="0" smtClean="0"/>
+              <a:t>5</a:t>
+            </a:r>
+            <a:r>
+              <a:rPr lang="en-US" dirty="0" smtClean="0"/>
+              <a:t>; a</a:t>
+            </a:r>
+            <a:r>
+              <a:rPr lang="en-US" sz="1800" dirty="0" smtClean="0"/>
+              <a:t>1</a:t>
+            </a:r>
+            <a:r>
+              <a:rPr lang="en-US" dirty="0" smtClean="0"/>
+              <a:t>, a</a:t>
+            </a:r>
+            <a:r>
+              <a:rPr lang="en-US" sz="1800" dirty="0" smtClean="0"/>
+              <a:t>4</a:t>
+            </a:r>
+            <a:r>
+              <a:rPr lang="en-US" dirty="0" smtClean="0"/>
+              <a:t>}</a:t>
+            </a:r>
+            <a:endParaRPr lang="ru-RU" dirty="0" smtClean="0"/>
+          </a:p>
+          <a:p>
+            <a:pPr>
+              <a:buNone/>
+            </a:pPr>
+            <a:r>
+              <a:rPr lang="ru-RU" sz="2400" dirty="0" smtClean="0"/>
+              <a:t>		При </a:t>
+            </a:r>
+            <a:r>
+              <a:rPr lang="ru-RU" sz="2400" dirty="0" smtClean="0"/>
+              <a:t>перемножении данных разбиений получается тривиальное разбиение</a:t>
+            </a:r>
+          </a:p>
+          <a:p>
+            <a:pPr algn="ctr">
+              <a:buNone/>
+            </a:pPr>
+            <a:r>
+              <a:rPr lang="en-US" sz="2400" dirty="0" smtClean="0"/>
+              <a:t>{</a:t>
+            </a:r>
+            <a:r>
+              <a:rPr lang="en-US" sz="2400" dirty="0" smtClean="0"/>
+              <a:t>a</a:t>
+            </a:r>
+            <a:r>
+              <a:rPr lang="en-US" sz="1400" dirty="0" smtClean="0"/>
+              <a:t>1</a:t>
+            </a:r>
+            <a:r>
+              <a:rPr lang="en-US" sz="2400" dirty="0" smtClean="0"/>
+              <a:t>; </a:t>
+            </a:r>
+            <a:r>
+              <a:rPr lang="en-US" sz="2400" dirty="0" smtClean="0"/>
+              <a:t>a</a:t>
+            </a:r>
+            <a:r>
+              <a:rPr lang="en-US" sz="1400" dirty="0" smtClean="0"/>
+              <a:t>2</a:t>
+            </a:r>
+            <a:r>
+              <a:rPr lang="en-US" sz="2400" dirty="0" smtClean="0"/>
+              <a:t>; </a:t>
+            </a:r>
+            <a:r>
+              <a:rPr lang="en-US" sz="2400" dirty="0" smtClean="0"/>
+              <a:t>a</a:t>
+            </a:r>
+            <a:r>
+              <a:rPr lang="en-US" sz="1400" dirty="0" smtClean="0"/>
+              <a:t>3</a:t>
+            </a:r>
+            <a:r>
+              <a:rPr lang="en-US" sz="2400" dirty="0" smtClean="0"/>
+              <a:t>; a</a:t>
+            </a:r>
+            <a:r>
+              <a:rPr lang="en-US" sz="1400" dirty="0" smtClean="0"/>
+              <a:t>4</a:t>
+            </a:r>
+            <a:r>
+              <a:rPr lang="en-US" sz="2400" dirty="0" smtClean="0"/>
+              <a:t>; a</a:t>
+            </a:r>
+            <a:r>
+              <a:rPr lang="en-US" sz="1400" dirty="0" smtClean="0"/>
+              <a:t>5</a:t>
+            </a:r>
+            <a:r>
+              <a:rPr lang="en-US" sz="2400" dirty="0" smtClean="0"/>
+              <a:t>; </a:t>
+            </a:r>
+            <a:r>
+              <a:rPr lang="en-US" sz="2400" dirty="0" smtClean="0"/>
+              <a:t>a</a:t>
+            </a:r>
+            <a:r>
+              <a:rPr lang="en-US" sz="1400" dirty="0" smtClean="0"/>
+              <a:t>6</a:t>
+            </a:r>
+            <a:r>
+              <a:rPr lang="en-US" sz="2400" dirty="0" smtClean="0"/>
+              <a:t>}</a:t>
+            </a:r>
+            <a:endParaRPr lang="ru-RU" sz="2400" dirty="0" smtClean="0"/>
+          </a:p>
+        </p:txBody>
+      </p:sp>
+    </p:spTree>
+  </p:cSld>
+  <p:clrMapOvr>
+    <a:masterClrMapping/>
+  </p:clrMapOvr>
+</p:sld>
+</file>
+
+<file path=ppt/slides/slide9.xml><?xml version="1.0" encoding="utf-8"?>
+<p:sld xmlns:a="http://schemas.openxmlformats.org/drawingml/2006/main" xmlns:r="http://schemas.openxmlformats.org/officeDocument/2006/relationships" xmlns:p="http://schemas.openxmlformats.org/presentationml/2006/main">
+  <p:cSld>
+    <p:spTree>
+      <p:nvGrpSpPr>
+        <p:cNvPr id="1" name=""/>
+        <p:cNvGrpSpPr/>
+        <p:nvPr/>
+      </p:nvGrpSpPr>
+      <p:grpSpPr>
+        <a:xfrm>
+          <a:off x="0" y="0"/>
+          <a:ext cx="0" cy="0"/>
+          <a:chOff x="0" y="0"/>
+          <a:chExt cx="0" cy="0"/>
+        </a:xfrm>
+      </p:grpSpPr>
+      <p:sp>
+        <p:nvSpPr>
           <p:cNvPr id="2" name="Заголовок 1"/>
           <p:cNvSpPr>
             <a:spLocks noGrp="1"/>
@@ -6078,77 +6592,6 @@
             <a:headEnd/>
             <a:tailEnd/>
           </a:ln>
-        </p:spPr>
-      </p:pic>
-    </p:spTree>
-  </p:cSld>
-  <p:clrMapOvr>
-    <a:masterClrMapping/>
-  </p:clrMapOvr>
-</p:sld>
-</file>
-
-<file path=ppt/slides/slide9.xml><?xml version="1.0" encoding="utf-8"?>
-<p:sld xmlns:a="http://schemas.openxmlformats.org/drawingml/2006/main" xmlns:r="http://schemas.openxmlformats.org/officeDocument/2006/relationships" xmlns:p="http://schemas.openxmlformats.org/presentationml/2006/main">
-  <p:cSld>
-    <p:spTree>
-      <p:nvGrpSpPr>
-        <p:cNvPr id="1" name=""/>
-        <p:cNvGrpSpPr/>
-        <p:nvPr/>
-      </p:nvGrpSpPr>
-      <p:grpSpPr>
-        <a:xfrm>
-          <a:off x="0" y="0"/>
-          <a:ext cx="0" cy="0"/>
-          <a:chOff x="0" y="0"/>
-          <a:chExt cx="0" cy="0"/>
-        </a:xfrm>
-      </p:grpSpPr>
-      <p:sp>
-        <p:nvSpPr>
-          <p:cNvPr id="2" name="Заголовок 1"/>
-          <p:cNvSpPr>
-            <a:spLocks noGrp="1"/>
-          </p:cNvSpPr>
-          <p:nvPr>
-            <p:ph type="title"/>
-          </p:nvPr>
-        </p:nvSpPr>
-        <p:spPr/>
-        <p:txBody>
-          <a:bodyPr/>
-          <a:lstStyle/>
-          <a:p>
-            <a:r>
-              <a:rPr lang="ru-RU" dirty="0" smtClean="0"/>
-              <a:t>Главное окно программы</a:t>
-            </a:r>
-            <a:endParaRPr lang="ru-RU" dirty="0"/>
-          </a:p>
-        </p:txBody>
-      </p:sp>
-      <p:pic>
-        <p:nvPicPr>
-          <p:cNvPr id="4" name="Содержимое 3" descr="Главное окно.png"/>
-          <p:cNvPicPr>
-            <a:picLocks noGrp="1" noChangeAspect="1"/>
-          </p:cNvPicPr>
-          <p:nvPr>
-            <p:ph idx="1"/>
-          </p:nvPr>
-        </p:nvPicPr>
-        <p:blipFill>
-          <a:blip r:embed="rId2"/>
-          <a:stretch>
-            <a:fillRect/>
-          </a:stretch>
-        </p:blipFill>
-        <p:spPr>
-          <a:xfrm>
-            <a:off x="1714480" y="1428736"/>
-            <a:ext cx="5880886" cy="4857784"/>
-          </a:xfrm>
         </p:spPr>
       </p:pic>
     </p:spTree>
